--- a/TFE/DHAIMI_Vincent_PP_TFE.pptx
+++ b/TFE/DHAIMI_Vincent_PP_TFE.pptx
@@ -17,15 +17,15 @@
     <p:sldId id="284" r:id="rId8"/>
     <p:sldId id="265" r:id="rId9"/>
     <p:sldId id="268" r:id="rId10"/>
-    <p:sldId id="269" r:id="rId11"/>
-    <p:sldId id="270" r:id="rId12"/>
+    <p:sldId id="288" r:id="rId11"/>
+    <p:sldId id="289" r:id="rId12"/>
     <p:sldId id="271" r:id="rId13"/>
-    <p:sldId id="272" r:id="rId14"/>
+    <p:sldId id="290" r:id="rId14"/>
     <p:sldId id="286" r:id="rId15"/>
     <p:sldId id="273" r:id="rId16"/>
     <p:sldId id="267" r:id="rId17"/>
-    <p:sldId id="274" r:id="rId18"/>
-    <p:sldId id="275" r:id="rId19"/>
+    <p:sldId id="275" r:id="rId18"/>
+    <p:sldId id="274" r:id="rId19"/>
     <p:sldId id="287" r:id="rId20"/>
     <p:sldId id="276" r:id="rId21"/>
     <p:sldId id="277" r:id="rId22"/>
@@ -2384,6 +2384,788 @@
 </file>
 
 <file path=ppt/diagrams/colors4.xml><?xml version="1.0" encoding="utf-8"?>
+<dgm:colorsDef xmlns:dgm="http://schemas.openxmlformats.org/drawingml/2006/diagram" xmlns:a="http://schemas.openxmlformats.org/drawingml/2006/main" uniqueId="urn:microsoft.com/office/officeart/2005/8/colors/colorful2">
+  <dgm:title val=""/>
+  <dgm:desc val=""/>
+  <dgm:catLst>
+    <dgm:cat type="colorful" pri="10200"/>
+  </dgm:catLst>
+  <dgm:styleLbl name="node0">
+    <dgm:fillClrLst meth="repeat">
+      <a:schemeClr val="accent1"/>
+    </dgm:fillClrLst>
+    <dgm:linClrLst meth="repeat">
+      <a:schemeClr val="lt1"/>
+    </dgm:linClrLst>
+    <dgm:effectClrLst/>
+    <dgm:txLinClrLst/>
+    <dgm:txFillClrLst/>
+    <dgm:txEffectClrLst/>
+  </dgm:styleLbl>
+  <dgm:styleLbl name="node1">
+    <dgm:fillClrLst>
+      <a:schemeClr val="accent2"/>
+      <a:schemeClr val="accent3"/>
+    </dgm:fillClrLst>
+    <dgm:linClrLst meth="repeat">
+      <a:schemeClr val="lt1"/>
+    </dgm:linClrLst>
+    <dgm:effectClrLst/>
+    <dgm:txLinClrLst/>
+    <dgm:txFillClrLst/>
+    <dgm:txEffectClrLst/>
+  </dgm:styleLbl>
+  <dgm:styleLbl name="alignNode1">
+    <dgm:fillClrLst>
+      <a:schemeClr val="accent2"/>
+      <a:schemeClr val="accent3"/>
+    </dgm:fillClrLst>
+    <dgm:linClrLst>
+      <a:schemeClr val="accent2"/>
+      <a:schemeClr val="accent3"/>
+    </dgm:linClrLst>
+    <dgm:effectClrLst/>
+    <dgm:txLinClrLst/>
+    <dgm:txFillClrLst/>
+    <dgm:txEffectClrLst/>
+  </dgm:styleLbl>
+  <dgm:styleLbl name="lnNode1">
+    <dgm:fillClrLst>
+      <a:schemeClr val="accent2"/>
+      <a:schemeClr val="accent3"/>
+    </dgm:fillClrLst>
+    <dgm:linClrLst meth="repeat">
+      <a:schemeClr val="lt1"/>
+    </dgm:linClrLst>
+    <dgm:effectClrLst/>
+    <dgm:txLinClrLst/>
+    <dgm:txFillClrLst/>
+    <dgm:txEffectClrLst/>
+  </dgm:styleLbl>
+  <dgm:styleLbl name="vennNode1">
+    <dgm:fillClrLst>
+      <a:schemeClr val="accent2">
+        <a:alpha val="50000"/>
+      </a:schemeClr>
+      <a:schemeClr val="accent3">
+        <a:alpha val="50000"/>
+      </a:schemeClr>
+    </dgm:fillClrLst>
+    <dgm:linClrLst meth="repeat">
+      <a:schemeClr val="lt1"/>
+    </dgm:linClrLst>
+    <dgm:effectClrLst/>
+    <dgm:txLinClrLst/>
+    <dgm:txFillClrLst/>
+    <dgm:txEffectClrLst/>
+  </dgm:styleLbl>
+  <dgm:styleLbl name="node2">
+    <dgm:fillClrLst>
+      <a:schemeClr val="accent3"/>
+    </dgm:fillClrLst>
+    <dgm:linClrLst meth="repeat">
+      <a:schemeClr val="lt1"/>
+    </dgm:linClrLst>
+    <dgm:effectClrLst/>
+    <dgm:txLinClrLst/>
+    <dgm:txFillClrLst/>
+    <dgm:txEffectClrLst/>
+  </dgm:styleLbl>
+  <dgm:styleLbl name="node3">
+    <dgm:fillClrLst>
+      <a:schemeClr val="accent4"/>
+    </dgm:fillClrLst>
+    <dgm:linClrLst meth="repeat">
+      <a:schemeClr val="lt1"/>
+    </dgm:linClrLst>
+    <dgm:effectClrLst/>
+    <dgm:txLinClrLst/>
+    <dgm:txFillClrLst/>
+    <dgm:txEffectClrLst/>
+  </dgm:styleLbl>
+  <dgm:styleLbl name="node4">
+    <dgm:fillClrLst>
+      <a:schemeClr val="accent5"/>
+    </dgm:fillClrLst>
+    <dgm:linClrLst meth="repeat">
+      <a:schemeClr val="lt1"/>
+    </dgm:linClrLst>
+    <dgm:effectClrLst/>
+    <dgm:txLinClrLst/>
+    <dgm:txFillClrLst/>
+    <dgm:txEffectClrLst/>
+  </dgm:styleLbl>
+  <dgm:styleLbl name="fgImgPlace1">
+    <dgm:fillClrLst>
+      <a:schemeClr val="accent2">
+        <a:tint val="50000"/>
+      </a:schemeClr>
+      <a:schemeClr val="accent3">
+        <a:tint val="50000"/>
+      </a:schemeClr>
+    </dgm:fillClrLst>
+    <dgm:linClrLst meth="repeat">
+      <a:schemeClr val="lt1"/>
+    </dgm:linClrLst>
+    <dgm:effectClrLst/>
+    <dgm:txLinClrLst/>
+    <dgm:txFillClrLst meth="repeat">
+      <a:schemeClr val="lt1"/>
+    </dgm:txFillClrLst>
+    <dgm:txEffectClrLst/>
+  </dgm:styleLbl>
+  <dgm:styleLbl name="alignImgPlace1">
+    <dgm:fillClrLst>
+      <a:schemeClr val="accent2">
+        <a:tint val="50000"/>
+      </a:schemeClr>
+      <a:schemeClr val="accent3">
+        <a:tint val="20000"/>
+      </a:schemeClr>
+    </dgm:fillClrLst>
+    <dgm:linClrLst meth="repeat">
+      <a:schemeClr val="lt1"/>
+    </dgm:linClrLst>
+    <dgm:effectClrLst/>
+    <dgm:txLinClrLst/>
+    <dgm:txFillClrLst meth="repeat">
+      <a:schemeClr val="lt1"/>
+    </dgm:txFillClrLst>
+    <dgm:txEffectClrLst/>
+  </dgm:styleLbl>
+  <dgm:styleLbl name="bgImgPlace1">
+    <dgm:fillClrLst>
+      <a:schemeClr val="accent2">
+        <a:tint val="50000"/>
+      </a:schemeClr>
+      <a:schemeClr val="accent3">
+        <a:tint val="20000"/>
+      </a:schemeClr>
+    </dgm:fillClrLst>
+    <dgm:linClrLst meth="repeat">
+      <a:schemeClr val="lt1"/>
+    </dgm:linClrLst>
+    <dgm:effectClrLst/>
+    <dgm:txLinClrLst/>
+    <dgm:txFillClrLst meth="repeat">
+      <a:schemeClr val="lt1"/>
+    </dgm:txFillClrLst>
+    <dgm:txEffectClrLst/>
+  </dgm:styleLbl>
+  <dgm:styleLbl name="sibTrans2D1">
+    <dgm:fillClrLst>
+      <a:schemeClr val="accent2"/>
+      <a:schemeClr val="accent3"/>
+    </dgm:fillClrLst>
+    <dgm:linClrLst meth="repeat">
+      <a:schemeClr val="lt1"/>
+    </dgm:linClrLst>
+    <dgm:effectClrLst/>
+    <dgm:txLinClrLst/>
+    <dgm:txFillClrLst/>
+    <dgm:txEffectClrLst/>
+  </dgm:styleLbl>
+  <dgm:styleLbl name="fgSibTrans2D1">
+    <dgm:fillClrLst>
+      <a:schemeClr val="accent2"/>
+      <a:schemeClr val="accent3"/>
+    </dgm:fillClrLst>
+    <dgm:linClrLst meth="repeat">
+      <a:schemeClr val="lt1"/>
+    </dgm:linClrLst>
+    <dgm:effectClrLst/>
+    <dgm:txLinClrLst/>
+    <dgm:txFillClrLst meth="repeat">
+      <a:schemeClr val="lt1"/>
+    </dgm:txFillClrLst>
+    <dgm:txEffectClrLst/>
+  </dgm:styleLbl>
+  <dgm:styleLbl name="bgSibTrans2D1">
+    <dgm:fillClrLst>
+      <a:schemeClr val="accent2"/>
+      <a:schemeClr val="accent3"/>
+    </dgm:fillClrLst>
+    <dgm:linClrLst meth="repeat">
+      <a:schemeClr val="lt1"/>
+    </dgm:linClrLst>
+    <dgm:effectClrLst/>
+    <dgm:txLinClrLst/>
+    <dgm:txFillClrLst meth="repeat">
+      <a:schemeClr val="lt1"/>
+    </dgm:txFillClrLst>
+    <dgm:txEffectClrLst/>
+  </dgm:styleLbl>
+  <dgm:styleLbl name="sibTrans1D1">
+    <dgm:fillClrLst/>
+    <dgm:linClrLst>
+      <a:schemeClr val="accent2"/>
+      <a:schemeClr val="accent3"/>
+    </dgm:linClrLst>
+    <dgm:effectClrLst/>
+    <dgm:txLinClrLst/>
+    <dgm:txFillClrLst meth="repeat">
+      <a:schemeClr val="tx1"/>
+    </dgm:txFillClrLst>
+    <dgm:txEffectClrLst/>
+  </dgm:styleLbl>
+  <dgm:styleLbl name="callout">
+    <dgm:fillClrLst meth="repeat">
+      <a:schemeClr val="accent2"/>
+    </dgm:fillClrLst>
+    <dgm:linClrLst meth="repeat">
+      <a:schemeClr val="accent2">
+        <a:tint val="50000"/>
+      </a:schemeClr>
+    </dgm:linClrLst>
+    <dgm:effectClrLst/>
+    <dgm:txLinClrLst/>
+    <dgm:txFillClrLst meth="repeat">
+      <a:schemeClr val="tx1"/>
+    </dgm:txFillClrLst>
+    <dgm:txEffectClrLst/>
+  </dgm:styleLbl>
+  <dgm:styleLbl name="asst0">
+    <dgm:fillClrLst meth="repeat">
+      <a:schemeClr val="accent2"/>
+    </dgm:fillClrLst>
+    <dgm:linClrLst meth="repeat">
+      <a:schemeClr val="lt1">
+        <a:shade val="80000"/>
+      </a:schemeClr>
+    </dgm:linClrLst>
+    <dgm:effectClrLst/>
+    <dgm:txLinClrLst/>
+    <dgm:txFillClrLst/>
+    <dgm:txEffectClrLst/>
+  </dgm:styleLbl>
+  <dgm:styleLbl name="asst1">
+    <dgm:fillClrLst meth="repeat">
+      <a:schemeClr val="accent3"/>
+    </dgm:fillClrLst>
+    <dgm:linClrLst meth="repeat">
+      <a:schemeClr val="lt1">
+        <a:shade val="80000"/>
+      </a:schemeClr>
+    </dgm:linClrLst>
+    <dgm:effectClrLst/>
+    <dgm:txLinClrLst/>
+    <dgm:txFillClrLst/>
+    <dgm:txEffectClrLst/>
+  </dgm:styleLbl>
+  <dgm:styleLbl name="asst2">
+    <dgm:fillClrLst>
+      <a:schemeClr val="accent4"/>
+    </dgm:fillClrLst>
+    <dgm:linClrLst meth="repeat">
+      <a:schemeClr val="lt1"/>
+    </dgm:linClrLst>
+    <dgm:effectClrLst/>
+    <dgm:txLinClrLst/>
+    <dgm:txFillClrLst/>
+    <dgm:txEffectClrLst/>
+  </dgm:styleLbl>
+  <dgm:styleLbl name="asst3">
+    <dgm:fillClrLst>
+      <a:schemeClr val="accent5"/>
+    </dgm:fillClrLst>
+    <dgm:linClrLst meth="repeat">
+      <a:schemeClr val="lt1"/>
+    </dgm:linClrLst>
+    <dgm:effectClrLst/>
+    <dgm:txLinClrLst/>
+    <dgm:txFillClrLst/>
+    <dgm:txEffectClrLst/>
+  </dgm:styleLbl>
+  <dgm:styleLbl name="asst4">
+    <dgm:fillClrLst>
+      <a:schemeClr val="accent6"/>
+    </dgm:fillClrLst>
+    <dgm:linClrLst meth="repeat">
+      <a:schemeClr val="lt1"/>
+    </dgm:linClrLst>
+    <dgm:effectClrLst/>
+    <dgm:txLinClrLst/>
+    <dgm:txFillClrLst/>
+    <dgm:txEffectClrLst/>
+  </dgm:styleLbl>
+  <dgm:styleLbl name="parChTrans2D1">
+    <dgm:fillClrLst meth="repeat">
+      <a:schemeClr val="accent2"/>
+    </dgm:fillClrLst>
+    <dgm:linClrLst meth="repeat">
+      <a:schemeClr val="lt1"/>
+    </dgm:linClrLst>
+    <dgm:effectClrLst/>
+    <dgm:txLinClrLst/>
+    <dgm:txFillClrLst meth="repeat">
+      <a:schemeClr val="lt1"/>
+    </dgm:txFillClrLst>
+    <dgm:txEffectClrLst/>
+  </dgm:styleLbl>
+  <dgm:styleLbl name="parChTrans2D2">
+    <dgm:fillClrLst meth="repeat">
+      <a:schemeClr val="accent3"/>
+    </dgm:fillClrLst>
+    <dgm:linClrLst meth="repeat">
+      <a:schemeClr val="lt1"/>
+    </dgm:linClrLst>
+    <dgm:effectClrLst/>
+    <dgm:txLinClrLst/>
+    <dgm:txFillClrLst/>
+    <dgm:txEffectClrLst/>
+  </dgm:styleLbl>
+  <dgm:styleLbl name="parChTrans2D3">
+    <dgm:fillClrLst meth="repeat">
+      <a:schemeClr val="accent4"/>
+    </dgm:fillClrLst>
+    <dgm:linClrLst meth="repeat">
+      <a:schemeClr val="lt1"/>
+    </dgm:linClrLst>
+    <dgm:effectClrLst/>
+    <dgm:txLinClrLst/>
+    <dgm:txFillClrLst/>
+    <dgm:txEffectClrLst/>
+  </dgm:styleLbl>
+  <dgm:styleLbl name="parChTrans2D4">
+    <dgm:fillClrLst meth="repeat">
+      <a:schemeClr val="accent5"/>
+    </dgm:fillClrLst>
+    <dgm:linClrLst meth="repeat">
+      <a:schemeClr val="lt1"/>
+    </dgm:linClrLst>
+    <dgm:effectClrLst/>
+    <dgm:txLinClrLst/>
+    <dgm:txFillClrLst meth="repeat">
+      <a:schemeClr val="lt1"/>
+    </dgm:txFillClrLst>
+    <dgm:txEffectClrLst/>
+  </dgm:styleLbl>
+  <dgm:styleLbl name="parChTrans1D1">
+    <dgm:fillClrLst meth="repeat">
+      <a:schemeClr val="accent2"/>
+    </dgm:fillClrLst>
+    <dgm:linClrLst meth="repeat">
+      <a:schemeClr val="accent2"/>
+    </dgm:linClrLst>
+    <dgm:effectClrLst/>
+    <dgm:txLinClrLst/>
+    <dgm:txFillClrLst meth="repeat">
+      <a:schemeClr val="tx1"/>
+    </dgm:txFillClrLst>
+    <dgm:txEffectClrLst/>
+  </dgm:styleLbl>
+  <dgm:styleLbl name="parChTrans1D2">
+    <dgm:fillClrLst meth="repeat">
+      <a:schemeClr val="accent2">
+        <a:tint val="90000"/>
+      </a:schemeClr>
+    </dgm:fillClrLst>
+    <dgm:linClrLst meth="repeat">
+      <a:schemeClr val="accent3"/>
+    </dgm:linClrLst>
+    <dgm:effectClrLst/>
+    <dgm:txLinClrLst/>
+    <dgm:txFillClrLst meth="repeat">
+      <a:schemeClr val="tx1"/>
+    </dgm:txFillClrLst>
+    <dgm:txEffectClrLst/>
+  </dgm:styleLbl>
+  <dgm:styleLbl name="parChTrans1D3">
+    <dgm:fillClrLst meth="repeat">
+      <a:schemeClr val="accent2">
+        <a:tint val="70000"/>
+      </a:schemeClr>
+    </dgm:fillClrLst>
+    <dgm:linClrLst meth="repeat">
+      <a:schemeClr val="accent4"/>
+    </dgm:linClrLst>
+    <dgm:effectClrLst/>
+    <dgm:txLinClrLst/>
+    <dgm:txFillClrLst meth="repeat">
+      <a:schemeClr val="tx1"/>
+    </dgm:txFillClrLst>
+    <dgm:txEffectClrLst/>
+  </dgm:styleLbl>
+  <dgm:styleLbl name="parChTrans1D4">
+    <dgm:fillClrLst meth="repeat">
+      <a:schemeClr val="accent2">
+        <a:tint val="50000"/>
+      </a:schemeClr>
+    </dgm:fillClrLst>
+    <dgm:linClrLst meth="repeat">
+      <a:schemeClr val="accent5"/>
+    </dgm:linClrLst>
+    <dgm:effectClrLst/>
+    <dgm:txLinClrLst/>
+    <dgm:txFillClrLst meth="repeat">
+      <a:schemeClr val="tx1"/>
+    </dgm:txFillClrLst>
+    <dgm:txEffectClrLst/>
+  </dgm:styleLbl>
+  <dgm:styleLbl name="fgAcc1">
+    <dgm:fillClrLst meth="repeat">
+      <a:schemeClr val="lt1">
+        <a:alpha val="90000"/>
+      </a:schemeClr>
+    </dgm:fillClrLst>
+    <dgm:linClrLst>
+      <a:schemeClr val="accent2"/>
+      <a:schemeClr val="accent3"/>
+    </dgm:linClrLst>
+    <dgm:effectClrLst/>
+    <dgm:txLinClrLst/>
+    <dgm:txFillClrLst meth="repeat">
+      <a:schemeClr val="dk1"/>
+    </dgm:txFillClrLst>
+    <dgm:txEffectClrLst/>
+  </dgm:styleLbl>
+  <dgm:styleLbl name="conFgAcc1">
+    <dgm:fillClrLst meth="repeat">
+      <a:schemeClr val="lt1">
+        <a:alpha val="90000"/>
+      </a:schemeClr>
+    </dgm:fillClrLst>
+    <dgm:linClrLst>
+      <a:schemeClr val="accent2"/>
+      <a:schemeClr val="accent3"/>
+    </dgm:linClrLst>
+    <dgm:effectClrLst/>
+    <dgm:txLinClrLst/>
+    <dgm:txFillClrLst meth="repeat">
+      <a:schemeClr val="dk1"/>
+    </dgm:txFillClrLst>
+    <dgm:txEffectClrLst/>
+  </dgm:styleLbl>
+  <dgm:styleLbl name="alignAcc1">
+    <dgm:fillClrLst meth="repeat">
+      <a:schemeClr val="lt1">
+        <a:alpha val="90000"/>
+      </a:schemeClr>
+    </dgm:fillClrLst>
+    <dgm:linClrLst>
+      <a:schemeClr val="accent2"/>
+      <a:schemeClr val="accent3"/>
+    </dgm:linClrLst>
+    <dgm:effectClrLst/>
+    <dgm:txLinClrLst/>
+    <dgm:txFillClrLst meth="repeat">
+      <a:schemeClr val="dk1"/>
+    </dgm:txFillClrLst>
+    <dgm:txEffectClrLst/>
+  </dgm:styleLbl>
+  <dgm:styleLbl name="trAlignAcc1">
+    <dgm:fillClrLst meth="repeat">
+      <a:schemeClr val="lt1">
+        <a:alpha val="40000"/>
+      </a:schemeClr>
+    </dgm:fillClrLst>
+    <dgm:linClrLst meth="repeat">
+      <a:schemeClr val="accent2"/>
+    </dgm:linClrLst>
+    <dgm:effectClrLst/>
+    <dgm:txLinClrLst/>
+    <dgm:txFillClrLst meth="repeat">
+      <a:schemeClr val="dk1"/>
+    </dgm:txFillClrLst>
+    <dgm:txEffectClrLst/>
+  </dgm:styleLbl>
+  <dgm:styleLbl name="bgAcc1">
+    <dgm:fillClrLst meth="repeat">
+      <a:schemeClr val="lt1">
+        <a:alpha val="90000"/>
+      </a:schemeClr>
+    </dgm:fillClrLst>
+    <dgm:linClrLst>
+      <a:schemeClr val="accent2"/>
+      <a:schemeClr val="accent3"/>
+    </dgm:linClrLst>
+    <dgm:effectClrLst/>
+    <dgm:txLinClrLst/>
+    <dgm:txFillClrLst meth="repeat">
+      <a:schemeClr val="dk1"/>
+    </dgm:txFillClrLst>
+    <dgm:txEffectClrLst/>
+  </dgm:styleLbl>
+  <dgm:styleLbl name="solidFgAcc1">
+    <dgm:fillClrLst meth="repeat">
+      <a:schemeClr val="lt1"/>
+    </dgm:fillClrLst>
+    <dgm:linClrLst>
+      <a:schemeClr val="accent2"/>
+      <a:schemeClr val="accent3"/>
+    </dgm:linClrLst>
+    <dgm:effectClrLst/>
+    <dgm:txLinClrLst/>
+    <dgm:txFillClrLst meth="repeat">
+      <a:schemeClr val="dk1"/>
+    </dgm:txFillClrLst>
+    <dgm:txEffectClrLst/>
+  </dgm:styleLbl>
+  <dgm:styleLbl name="solidAlignAcc1">
+    <dgm:fillClrLst meth="repeat">
+      <a:schemeClr val="lt1"/>
+    </dgm:fillClrLst>
+    <dgm:linClrLst>
+      <a:schemeClr val="accent2"/>
+      <a:schemeClr val="accent3"/>
+    </dgm:linClrLst>
+    <dgm:effectClrLst/>
+    <dgm:txLinClrLst/>
+    <dgm:txFillClrLst meth="repeat">
+      <a:schemeClr val="dk1"/>
+    </dgm:txFillClrLst>
+    <dgm:txEffectClrLst/>
+  </dgm:styleLbl>
+  <dgm:styleLbl name="solidBgAcc1">
+    <dgm:fillClrLst meth="repeat">
+      <a:schemeClr val="lt1"/>
+    </dgm:fillClrLst>
+    <dgm:linClrLst>
+      <a:schemeClr val="accent2"/>
+      <a:schemeClr val="accent3"/>
+    </dgm:linClrLst>
+    <dgm:effectClrLst/>
+    <dgm:txLinClrLst/>
+    <dgm:txFillClrLst meth="repeat">
+      <a:schemeClr val="dk1"/>
+    </dgm:txFillClrLst>
+    <dgm:txEffectClrLst/>
+  </dgm:styleLbl>
+  <dgm:styleLbl name="fgAccFollowNode1">
+    <dgm:fillClrLst>
+      <a:schemeClr val="accent2">
+        <a:tint val="40000"/>
+        <a:alpha val="90000"/>
+      </a:schemeClr>
+      <a:schemeClr val="accent3">
+        <a:tint val="40000"/>
+        <a:alpha val="90000"/>
+      </a:schemeClr>
+    </dgm:fillClrLst>
+    <dgm:linClrLst>
+      <a:schemeClr val="accent2">
+        <a:tint val="40000"/>
+        <a:alpha val="90000"/>
+      </a:schemeClr>
+      <a:schemeClr val="accent3">
+        <a:tint val="40000"/>
+        <a:alpha val="90000"/>
+      </a:schemeClr>
+    </dgm:linClrLst>
+    <dgm:effectClrLst/>
+    <dgm:txLinClrLst/>
+    <dgm:txFillClrLst meth="repeat">
+      <a:schemeClr val="dk1"/>
+    </dgm:txFillClrLst>
+    <dgm:txEffectClrLst/>
+  </dgm:styleLbl>
+  <dgm:styleLbl name="alignAccFollowNode1">
+    <dgm:fillClrLst>
+      <a:schemeClr val="accent2">
+        <a:tint val="40000"/>
+        <a:alpha val="90000"/>
+      </a:schemeClr>
+      <a:schemeClr val="accent3">
+        <a:tint val="40000"/>
+        <a:alpha val="90000"/>
+      </a:schemeClr>
+    </dgm:fillClrLst>
+    <dgm:linClrLst>
+      <a:schemeClr val="accent2">
+        <a:tint val="40000"/>
+        <a:alpha val="90000"/>
+      </a:schemeClr>
+      <a:schemeClr val="accent3">
+        <a:tint val="40000"/>
+        <a:alpha val="90000"/>
+      </a:schemeClr>
+    </dgm:linClrLst>
+    <dgm:effectClrLst/>
+    <dgm:txLinClrLst/>
+    <dgm:txFillClrLst meth="repeat">
+      <a:schemeClr val="dk1"/>
+    </dgm:txFillClrLst>
+    <dgm:txEffectClrLst/>
+  </dgm:styleLbl>
+  <dgm:styleLbl name="bgAccFollowNode1">
+    <dgm:fillClrLst>
+      <a:schemeClr val="accent2">
+        <a:tint val="40000"/>
+        <a:alpha val="90000"/>
+      </a:schemeClr>
+      <a:schemeClr val="accent3">
+        <a:tint val="40000"/>
+        <a:alpha val="90000"/>
+      </a:schemeClr>
+    </dgm:fillClrLst>
+    <dgm:linClrLst>
+      <a:schemeClr val="accent2">
+        <a:tint val="40000"/>
+        <a:alpha val="90000"/>
+      </a:schemeClr>
+      <a:schemeClr val="accent3">
+        <a:tint val="40000"/>
+        <a:alpha val="90000"/>
+      </a:schemeClr>
+    </dgm:linClrLst>
+    <dgm:effectClrLst/>
+    <dgm:txLinClrLst/>
+    <dgm:txFillClrLst meth="repeat">
+      <a:schemeClr val="dk1"/>
+    </dgm:txFillClrLst>
+    <dgm:txEffectClrLst/>
+  </dgm:styleLbl>
+  <dgm:styleLbl name="fgAcc0">
+    <dgm:fillClrLst meth="repeat">
+      <a:schemeClr val="lt1">
+        <a:alpha val="90000"/>
+      </a:schemeClr>
+    </dgm:fillClrLst>
+    <dgm:linClrLst>
+      <a:schemeClr val="accent1"/>
+    </dgm:linClrLst>
+    <dgm:effectClrLst/>
+    <dgm:txLinClrLst/>
+    <dgm:txFillClrLst meth="repeat">
+      <a:schemeClr val="dk1"/>
+    </dgm:txFillClrLst>
+    <dgm:txEffectClrLst/>
+  </dgm:styleLbl>
+  <dgm:styleLbl name="fgAcc2">
+    <dgm:fillClrLst meth="repeat">
+      <a:schemeClr val="lt1">
+        <a:alpha val="90000"/>
+      </a:schemeClr>
+    </dgm:fillClrLst>
+    <dgm:linClrLst>
+      <a:schemeClr val="accent3"/>
+    </dgm:linClrLst>
+    <dgm:effectClrLst/>
+    <dgm:txLinClrLst/>
+    <dgm:txFillClrLst meth="repeat">
+      <a:schemeClr val="dk1"/>
+    </dgm:txFillClrLst>
+    <dgm:txEffectClrLst/>
+  </dgm:styleLbl>
+  <dgm:styleLbl name="fgAcc3">
+    <dgm:fillClrLst meth="repeat">
+      <a:schemeClr val="lt1">
+        <a:alpha val="90000"/>
+      </a:schemeClr>
+    </dgm:fillClrLst>
+    <dgm:linClrLst>
+      <a:schemeClr val="accent4"/>
+    </dgm:linClrLst>
+    <dgm:effectClrLst/>
+    <dgm:txLinClrLst/>
+    <dgm:txFillClrLst meth="repeat">
+      <a:schemeClr val="dk1"/>
+    </dgm:txFillClrLst>
+    <dgm:txEffectClrLst/>
+  </dgm:styleLbl>
+  <dgm:styleLbl name="fgAcc4">
+    <dgm:fillClrLst meth="repeat">
+      <a:schemeClr val="lt1">
+        <a:alpha val="90000"/>
+      </a:schemeClr>
+    </dgm:fillClrLst>
+    <dgm:linClrLst>
+      <a:schemeClr val="accent5"/>
+    </dgm:linClrLst>
+    <dgm:effectClrLst/>
+    <dgm:txLinClrLst/>
+    <dgm:txFillClrLst meth="repeat">
+      <a:schemeClr val="dk1"/>
+    </dgm:txFillClrLst>
+    <dgm:txEffectClrLst/>
+  </dgm:styleLbl>
+  <dgm:styleLbl name="bgShp">
+    <dgm:fillClrLst meth="repeat">
+      <a:schemeClr val="accent2">
+        <a:tint val="40000"/>
+      </a:schemeClr>
+    </dgm:fillClrLst>
+    <dgm:linClrLst meth="repeat">
+      <a:schemeClr val="dk1"/>
+    </dgm:linClrLst>
+    <dgm:effectClrLst/>
+    <dgm:txLinClrLst/>
+    <dgm:txFillClrLst meth="repeat">
+      <a:schemeClr val="dk1"/>
+    </dgm:txFillClrLst>
+    <dgm:txEffectClrLst/>
+  </dgm:styleLbl>
+  <dgm:styleLbl name="dkBgShp">
+    <dgm:fillClrLst meth="repeat">
+      <a:schemeClr val="accent2">
+        <a:shade val="90000"/>
+      </a:schemeClr>
+    </dgm:fillClrLst>
+    <dgm:linClrLst meth="repeat">
+      <a:schemeClr val="dk1"/>
+    </dgm:linClrLst>
+    <dgm:effectClrLst/>
+    <dgm:txLinClrLst/>
+    <dgm:txFillClrLst meth="repeat">
+      <a:schemeClr val="lt1"/>
+    </dgm:txFillClrLst>
+    <dgm:txEffectClrLst/>
+  </dgm:styleLbl>
+  <dgm:styleLbl name="trBgShp">
+    <dgm:fillClrLst meth="repeat">
+      <a:schemeClr val="accent2">
+        <a:tint val="50000"/>
+        <a:alpha val="40000"/>
+      </a:schemeClr>
+    </dgm:fillClrLst>
+    <dgm:linClrLst meth="repeat">
+      <a:schemeClr val="accent2"/>
+    </dgm:linClrLst>
+    <dgm:effectClrLst/>
+    <dgm:txLinClrLst/>
+    <dgm:txFillClrLst meth="repeat">
+      <a:schemeClr val="lt1"/>
+    </dgm:txFillClrLst>
+    <dgm:txEffectClrLst/>
+  </dgm:styleLbl>
+  <dgm:styleLbl name="fgShp">
+    <dgm:fillClrLst meth="repeat">
+      <a:schemeClr val="accent2">
+        <a:tint val="40000"/>
+      </a:schemeClr>
+    </dgm:fillClrLst>
+    <dgm:linClrLst meth="repeat">
+      <a:schemeClr val="lt1"/>
+    </dgm:linClrLst>
+    <dgm:effectClrLst/>
+    <dgm:txLinClrLst/>
+    <dgm:txFillClrLst meth="repeat">
+      <a:schemeClr val="dk1"/>
+    </dgm:txFillClrLst>
+    <dgm:txEffectClrLst/>
+  </dgm:styleLbl>
+  <dgm:styleLbl name="revTx">
+    <dgm:fillClrLst meth="repeat">
+      <a:schemeClr val="lt1">
+        <a:alpha val="0"/>
+      </a:schemeClr>
+    </dgm:fillClrLst>
+    <dgm:linClrLst meth="repeat">
+      <a:schemeClr val="dk1">
+        <a:alpha val="0"/>
+      </a:schemeClr>
+    </dgm:linClrLst>
+    <dgm:effectClrLst/>
+    <dgm:txLinClrLst/>
+    <dgm:txFillClrLst meth="repeat">
+      <a:schemeClr val="tx1"/>
+    </dgm:txFillClrLst>
+    <dgm:txEffectClrLst/>
+  </dgm:styleLbl>
+</dgm:colorsDef>
+</file>
+
+<file path=ppt/diagrams/colors5.xml><?xml version="1.0" encoding="utf-8"?>
 <dgm:colorsDef xmlns:dgm="http://schemas.openxmlformats.org/drawingml/2006/diagram" xmlns:a="http://schemas.openxmlformats.org/drawingml/2006/main" uniqueId="urn:microsoft.com/office/officeart/2018/5/colors/Iconchunking_neutralbg_colorful1">
   <dgm:title val=""/>
   <dgm:desc val=""/>
@@ -3304,7 +4086,7 @@
 </dgm:colorsDef>
 </file>
 
-<file path=ppt/diagrams/colors5.xml><?xml version="1.0" encoding="utf-8"?>
+<file path=ppt/diagrams/colors6.xml><?xml version="1.0" encoding="utf-8"?>
 <dgm:colorsDef xmlns:dgm="http://schemas.openxmlformats.org/drawingml/2006/diagram" xmlns:a="http://schemas.openxmlformats.org/drawingml/2006/main" uniqueId="urn:microsoft.com/office/officeart/2005/8/colors/accent1_2">
   <dgm:title val=""/>
   <dgm:desc val=""/>
@@ -4055,7 +4837,7 @@
 <dgm:dataModel xmlns:dgm="http://schemas.openxmlformats.org/drawingml/2006/diagram" xmlns:a="http://schemas.openxmlformats.org/drawingml/2006/main">
   <dgm:ptLst>
     <dgm:pt modelId="{2CA8C68A-6DB9-47AA-BF77-DE73037E71C3}" type="doc">
-      <dgm:prSet loTypeId="urn:microsoft.com/office/officeart/2005/8/layout/default" loCatId="list" qsTypeId="urn:microsoft.com/office/officeart/2005/8/quickstyle/simple1" qsCatId="simple" csTypeId="urn:microsoft.com/office/officeart/2005/8/colors/accent1_2" csCatId="accent1"/>
+      <dgm:prSet loTypeId="urn:microsoft.com/office/officeart/2005/8/layout/default" loCatId="list" qsTypeId="urn:microsoft.com/office/officeart/2005/8/quickstyle/simple1" qsCatId="simple" csTypeId="urn:microsoft.com/office/officeart/2005/8/colors/accent1_2" csCatId="accent1" phldr="1"/>
       <dgm:spPr/>
       <dgm:t>
         <a:bodyPr/>
@@ -4074,7 +4856,7 @@
         <a:p>
           <a:r>
             <a:rPr lang="fr-BE" b="1" dirty="0"/>
-            <a:t>Analyse des différentes éditions disponibles et réalisation d'une comparaison des fonctionnalités.</a:t>
+            <a:t>Analyse des différentes éditions disponibles et  une réalisation d'une comparaison des fonctionnalités.</a:t>
           </a:r>
           <a:endParaRPr lang="en-US" dirty="0"/>
         </a:p>
@@ -4184,10 +4966,10 @@
         <a:lstStyle/>
         <a:p>
           <a:r>
-            <a:rPr lang="fr-BE" b="1"/>
+            <a:rPr lang="fr-BE" b="1" dirty="0"/>
             <a:t>Réalisation de tests d'acceptation et de validation pour démontrer la robustesse de la solution proposée.</a:t>
           </a:r>
-          <a:endParaRPr lang="en-US"/>
+          <a:endParaRPr lang="en-US" dirty="0"/>
         </a:p>
       </dgm:t>
     </dgm:pt>
@@ -4221,10 +5003,10 @@
         <a:lstStyle/>
         <a:p>
           <a:r>
-            <a:rPr lang="fr-BE" b="1"/>
-            <a:t>Mise en place de fonctionnalités de sécurité de VMware, notamment VMware NSX, pour renforcer l'approche en matière de cybersécurité.</a:t>
+            <a:rPr lang="fr-BE" b="1" dirty="0"/>
+            <a:t>Mise en place de fonctionnalités de sécurité de VMware, notamment VMware NSX, l'approche en matière de cybersécurité.</a:t>
           </a:r>
-          <a:endParaRPr lang="en-US"/>
+          <a:endParaRPr lang="en-US" dirty="0"/>
         </a:p>
       </dgm:t>
     </dgm:pt>
@@ -4258,10 +5040,10 @@
         <a:lstStyle/>
         <a:p>
           <a:r>
-            <a:rPr lang="fr-BE" b="1"/>
+            <a:rPr lang="fr-BE" b="1" dirty="0"/>
             <a:t>Documentation du projet, y compris les spécifications techniques et les procédures d'exploitation.</a:t>
           </a:r>
-          <a:endParaRPr lang="en-US"/>
+          <a:endParaRPr lang="en-US" dirty="0"/>
         </a:p>
       </dgm:t>
     </dgm:pt>
@@ -4295,10 +5077,10 @@
         <a:lstStyle/>
         <a:p>
           <a:r>
-            <a:rPr lang="fr-BE" b="1"/>
+            <a:rPr lang="fr-BE" b="1" dirty="0"/>
             <a:t>Analyse théorique de vSan et VxRail.</a:t>
           </a:r>
-          <a:endParaRPr lang="en-US"/>
+          <a:endParaRPr lang="en-US" dirty="0"/>
         </a:p>
       </dgm:t>
     </dgm:pt>
@@ -4332,10 +5114,10 @@
         <a:lstStyle/>
         <a:p>
           <a:r>
-            <a:rPr lang="fr-BE" b="1"/>
+            <a:rPr lang="fr-BE" b="1" dirty="0"/>
             <a:t>Analyse des licences VMware vSphere et vSan.</a:t>
           </a:r>
-          <a:endParaRPr lang="en-US"/>
+          <a:endParaRPr lang="en-US" dirty="0"/>
         </a:p>
       </dgm:t>
     </dgm:pt>
@@ -4506,7 +5288,7 @@
       <dgm:spPr/>
     </dgm:pt>
     <dgm:pt modelId="{3363D74E-8A9A-4C58-BB20-F1CB8DD358D0}" type="pres">
-      <dgm:prSet presAssocID="{AD7166F1-2F6E-4593-9CD4-46818002EDA0}" presName="node" presStyleLbl="node1" presStyleIdx="2" presStyleCnt="11">
+      <dgm:prSet presAssocID="{AD7166F1-2F6E-4593-9CD4-46818002EDA0}" presName="node" presStyleLbl="node1" presStyleIdx="2" presStyleCnt="11" custLinFactX="-10341" custLinFactY="13578" custLinFactNeighborX="-100000" custLinFactNeighborY="100000">
         <dgm:presLayoutVars>
           <dgm:bulletEnabled val="1"/>
         </dgm:presLayoutVars>
@@ -4518,7 +5300,7 @@
       <dgm:spPr/>
     </dgm:pt>
     <dgm:pt modelId="{32666EF9-AF4B-48A1-80C3-AD8F157C055C}" type="pres">
-      <dgm:prSet presAssocID="{B6870642-BBE2-49B4-9D05-A3AE245E9FFE}" presName="node" presStyleLbl="node1" presStyleIdx="3" presStyleCnt="11">
+      <dgm:prSet presAssocID="{B6870642-BBE2-49B4-9D05-A3AE245E9FFE}" presName="node" presStyleLbl="node1" presStyleIdx="3" presStyleCnt="11" custLinFactY="17072" custLinFactNeighborX="-1" custLinFactNeighborY="100000">
         <dgm:presLayoutVars>
           <dgm:bulletEnabled val="1"/>
         </dgm:presLayoutVars>
@@ -4530,7 +5312,7 @@
       <dgm:spPr/>
     </dgm:pt>
     <dgm:pt modelId="{55CAB65A-3C4D-4D8E-A601-8B63B52C2F66}" type="pres">
-      <dgm:prSet presAssocID="{665E1D42-8E97-45DD-98B8-6D663D16F057}" presName="node" presStyleLbl="node1" presStyleIdx="4" presStyleCnt="11">
+      <dgm:prSet presAssocID="{665E1D42-8E97-45DD-98B8-6D663D16F057}" presName="node" presStyleLbl="node1" presStyleIdx="4" presStyleCnt="11" custLinFactY="15759" custLinFactNeighborX="893" custLinFactNeighborY="100000">
         <dgm:presLayoutVars>
           <dgm:bulletEnabled val="1"/>
         </dgm:presLayoutVars>
@@ -4554,7 +5336,7 @@
       <dgm:spPr/>
     </dgm:pt>
     <dgm:pt modelId="{96326014-70E5-4F1E-AFBB-79FD5F8A39AE}" type="pres">
-      <dgm:prSet presAssocID="{277FC196-F8BE-4BA5-AB56-BB5B50749C74}" presName="node" presStyleLbl="node1" presStyleIdx="6" presStyleCnt="11">
+      <dgm:prSet presAssocID="{277FC196-F8BE-4BA5-AB56-BB5B50749C74}" presName="node" presStyleLbl="node1" presStyleIdx="6" presStyleCnt="11" custLinFactX="100000" custLinFactY="-100000" custLinFactNeighborX="120189" custLinFactNeighborY="-133684">
         <dgm:presLayoutVars>
           <dgm:bulletEnabled val="1"/>
         </dgm:presLayoutVars>
@@ -4566,7 +5348,7 @@
       <dgm:spPr/>
     </dgm:pt>
     <dgm:pt modelId="{B66A0F38-94E5-40F6-8D3E-7FB12724074F}" type="pres">
-      <dgm:prSet presAssocID="{BBFAC56A-6ABA-461E-9804-A499439A8516}" presName="node" presStyleLbl="node1" presStyleIdx="7" presStyleCnt="11">
+      <dgm:prSet presAssocID="{BBFAC56A-6ABA-461E-9804-A499439A8516}" presName="node" presStyleLbl="node1" presStyleIdx="7" presStyleCnt="11" custLinFactX="-9848" custLinFactY="-19864" custLinFactNeighborX="-100000" custLinFactNeighborY="-100000">
         <dgm:presLayoutVars>
           <dgm:bulletEnabled val="1"/>
         </dgm:presLayoutVars>
@@ -4660,7 +5442,7 @@
   <dgm:whole/>
   <dgm:extLst>
     <a:ext uri="http://schemas.microsoft.com/office/drawing/2008/diagram">
-      <dsp:dataModelExt xmlns:dsp="http://schemas.microsoft.com/office/drawing/2008/diagram" relId="rId6" minVer="http://schemas.openxmlformats.org/drawingml/2006/diagram"/>
+      <dsp:dataModelExt xmlns:dsp="http://schemas.microsoft.com/office/drawing/2008/diagram" relId="rId7" minVer="http://schemas.openxmlformats.org/drawingml/2006/diagram"/>
     </a:ext>
   </dgm:extLst>
 </dgm:dataModel>
@@ -4908,7 +5690,7 @@
   <dgm:whole/>
   <dgm:extLst>
     <a:ext uri="http://schemas.microsoft.com/office/drawing/2008/diagram">
-      <dsp:dataModelExt xmlns:dsp="http://schemas.microsoft.com/office/drawing/2008/diagram" relId="rId6" minVer="http://schemas.openxmlformats.org/drawingml/2006/diagram"/>
+      <dsp:dataModelExt xmlns:dsp="http://schemas.microsoft.com/office/drawing/2008/diagram" relId="rId7" minVer="http://schemas.openxmlformats.org/drawingml/2006/diagram"/>
     </a:ext>
   </dgm:extLst>
 </dgm:dataModel>
@@ -5155,13 +5937,399 @@
   <dgm:whole/>
   <dgm:extLst>
     <a:ext uri="http://schemas.microsoft.com/office/drawing/2008/diagram">
-      <dsp:dataModelExt xmlns:dsp="http://schemas.microsoft.com/office/drawing/2008/diagram" relId="rId11" minVer="http://schemas.openxmlformats.org/drawingml/2006/diagram"/>
+      <dsp:dataModelExt xmlns:dsp="http://schemas.microsoft.com/office/drawing/2008/diagram" relId="rId12" minVer="http://schemas.openxmlformats.org/drawingml/2006/diagram"/>
     </a:ext>
   </dgm:extLst>
 </dgm:dataModel>
 </file>
 
 <file path=ppt/diagrams/data4.xml><?xml version="1.0" encoding="utf-8"?>
+<dgm:dataModel xmlns:dgm="http://schemas.openxmlformats.org/drawingml/2006/diagram" xmlns:a="http://schemas.openxmlformats.org/drawingml/2006/main">
+  <dgm:ptLst>
+    <dgm:pt modelId="{8E2E7652-4A2D-4D8F-B453-42C944CF740A}" type="doc">
+      <dgm:prSet loTypeId="urn:microsoft.com/office/officeart/2005/8/layout/list1" loCatId="list" qsTypeId="urn:microsoft.com/office/officeart/2005/8/quickstyle/simple4" qsCatId="simple" csTypeId="urn:microsoft.com/office/officeart/2005/8/colors/colorful2" csCatId="colorful" phldr="1"/>
+      <dgm:spPr/>
+      <dgm:t>
+        <a:bodyPr/>
+        <a:lstStyle/>
+        <a:p>
+          <a:endParaRPr lang="fr-BE"/>
+        </a:p>
+      </dgm:t>
+    </dgm:pt>
+    <dgm:pt modelId="{AD063229-DE58-4C87-BDA9-68E18820B516}">
+      <dgm:prSet phldrT="[Texte]"/>
+      <dgm:spPr/>
+      <dgm:t>
+        <a:bodyPr/>
+        <a:lstStyle/>
+        <a:p>
+          <a:pPr algn="ctr"/>
+          <a:r>
+            <a:rPr lang="fr-BE" b="1" dirty="0"/>
+            <a:t>vSphere ESXi Hypervisor</a:t>
+          </a:r>
+        </a:p>
+      </dgm:t>
+    </dgm:pt>
+    <dgm:pt modelId="{9B69E887-B0FD-4EFE-842D-1DCC39459A97}" type="parTrans" cxnId="{76836D42-8FA4-441B-9619-FE45CD7B71B7}">
+      <dgm:prSet/>
+      <dgm:spPr/>
+      <dgm:t>
+        <a:bodyPr/>
+        <a:lstStyle/>
+        <a:p>
+          <a:endParaRPr lang="fr-BE"/>
+        </a:p>
+      </dgm:t>
+    </dgm:pt>
+    <dgm:pt modelId="{EAA7957E-4602-4713-B9E7-C06FFD958D8F}" type="sibTrans" cxnId="{76836D42-8FA4-441B-9619-FE45CD7B71B7}">
+      <dgm:prSet/>
+      <dgm:spPr/>
+      <dgm:t>
+        <a:bodyPr/>
+        <a:lstStyle/>
+        <a:p>
+          <a:endParaRPr lang="fr-BE"/>
+        </a:p>
+      </dgm:t>
+    </dgm:pt>
+    <dgm:pt modelId="{35E4279E-427E-4D9D-985D-DCC4C3C01D47}">
+      <dgm:prSet phldrT="[Texte]"/>
+      <dgm:spPr/>
+      <dgm:t>
+        <a:bodyPr/>
+        <a:lstStyle/>
+        <a:p>
+          <a:r>
+            <a:rPr lang="fr-FR" dirty="0"/>
+            <a:t>Hyperviseur de type 1</a:t>
+          </a:r>
+          <a:endParaRPr lang="fr-BE" dirty="0"/>
+        </a:p>
+      </dgm:t>
+    </dgm:pt>
+    <dgm:pt modelId="{4171BAFC-17F5-4E7E-9226-5FCA1D37B4AA}" type="parTrans" cxnId="{B1EB3386-18B7-4D8D-B12E-1D15B2F893A6}">
+      <dgm:prSet/>
+      <dgm:spPr/>
+      <dgm:t>
+        <a:bodyPr/>
+        <a:lstStyle/>
+        <a:p>
+          <a:endParaRPr lang="fr-BE"/>
+        </a:p>
+      </dgm:t>
+    </dgm:pt>
+    <dgm:pt modelId="{B743D485-D3F3-46F0-B848-202C5733AF14}" type="sibTrans" cxnId="{B1EB3386-18B7-4D8D-B12E-1D15B2F893A6}">
+      <dgm:prSet/>
+      <dgm:spPr/>
+      <dgm:t>
+        <a:bodyPr/>
+        <a:lstStyle/>
+        <a:p>
+          <a:endParaRPr lang="fr-BE"/>
+        </a:p>
+      </dgm:t>
+    </dgm:pt>
+    <dgm:pt modelId="{BE60C3CD-04FD-4BC5-B453-F76A8F5969E0}">
+      <dgm:prSet phldrT="[Texte]"/>
+      <dgm:spPr/>
+      <dgm:t>
+        <a:bodyPr/>
+        <a:lstStyle/>
+        <a:p>
+          <a:r>
+            <a:rPr lang="fr-FR" dirty="0"/>
+            <a:t>Performances élevées et exploitation optimisée des ressources</a:t>
+          </a:r>
+          <a:endParaRPr lang="fr-BE" dirty="0"/>
+        </a:p>
+      </dgm:t>
+    </dgm:pt>
+    <dgm:pt modelId="{6307FEAA-3BE3-42BF-B311-E638F155EC73}" type="parTrans" cxnId="{099D2CA3-9716-4010-92BE-F02317BE14C8}">
+      <dgm:prSet/>
+      <dgm:spPr/>
+      <dgm:t>
+        <a:bodyPr/>
+        <a:lstStyle/>
+        <a:p>
+          <a:endParaRPr lang="fr-BE"/>
+        </a:p>
+      </dgm:t>
+    </dgm:pt>
+    <dgm:pt modelId="{6A0798FD-5ED0-4432-A843-0F362EB35E09}" type="sibTrans" cxnId="{099D2CA3-9716-4010-92BE-F02317BE14C8}">
+      <dgm:prSet/>
+      <dgm:spPr/>
+      <dgm:t>
+        <a:bodyPr/>
+        <a:lstStyle/>
+        <a:p>
+          <a:endParaRPr lang="fr-BE"/>
+        </a:p>
+      </dgm:t>
+    </dgm:pt>
+    <dgm:pt modelId="{83D56A92-819B-488A-95F3-B8D759C3B3D9}">
+      <dgm:prSet phldrT="[Texte]"/>
+      <dgm:spPr/>
+      <dgm:t>
+        <a:bodyPr/>
+        <a:lstStyle/>
+        <a:p>
+          <a:pPr algn="ctr"/>
+          <a:r>
+            <a:rPr lang="fr-BE" b="1" dirty="0"/>
+            <a:t>vCenter Server</a:t>
+          </a:r>
+        </a:p>
+      </dgm:t>
+    </dgm:pt>
+    <dgm:pt modelId="{BFE33BA6-0EBF-4E1E-B604-D074C6962DE2}" type="parTrans" cxnId="{14C92716-8A4B-4D4C-B665-C44066A02E7E}">
+      <dgm:prSet/>
+      <dgm:spPr/>
+      <dgm:t>
+        <a:bodyPr/>
+        <a:lstStyle/>
+        <a:p>
+          <a:endParaRPr lang="fr-BE"/>
+        </a:p>
+      </dgm:t>
+    </dgm:pt>
+    <dgm:pt modelId="{AA045509-02F0-4AE5-AE62-89BB3FD80FC2}" type="sibTrans" cxnId="{14C92716-8A4B-4D4C-B665-C44066A02E7E}">
+      <dgm:prSet/>
+      <dgm:spPr/>
+      <dgm:t>
+        <a:bodyPr/>
+        <a:lstStyle/>
+        <a:p>
+          <a:endParaRPr lang="fr-BE"/>
+        </a:p>
+      </dgm:t>
+    </dgm:pt>
+    <dgm:pt modelId="{C4B75091-E9C1-435D-9120-60ECC065F955}">
+      <dgm:prSet phldrT="[Texte]"/>
+      <dgm:spPr/>
+      <dgm:t>
+        <a:bodyPr/>
+        <a:lstStyle/>
+        <a:p>
+          <a:r>
+            <a:rPr lang="fr-FR" dirty="0"/>
+            <a:t>Point centrale de l’inventaire vSphere</a:t>
+          </a:r>
+          <a:endParaRPr lang="fr-BE" dirty="0"/>
+        </a:p>
+      </dgm:t>
+    </dgm:pt>
+    <dgm:pt modelId="{0D71F4B5-077C-4B66-833D-17A90F9CFD83}" type="parTrans" cxnId="{F2DA18E6-0BEB-47C4-95AD-31D3D2202726}">
+      <dgm:prSet/>
+      <dgm:spPr/>
+      <dgm:t>
+        <a:bodyPr/>
+        <a:lstStyle/>
+        <a:p>
+          <a:endParaRPr lang="fr-BE"/>
+        </a:p>
+      </dgm:t>
+    </dgm:pt>
+    <dgm:pt modelId="{4FE6C4FC-309D-4620-B8C3-5C117F4A2785}" type="sibTrans" cxnId="{F2DA18E6-0BEB-47C4-95AD-31D3D2202726}">
+      <dgm:prSet/>
+      <dgm:spPr/>
+      <dgm:t>
+        <a:bodyPr/>
+        <a:lstStyle/>
+        <a:p>
+          <a:endParaRPr lang="fr-BE"/>
+        </a:p>
+      </dgm:t>
+    </dgm:pt>
+    <dgm:pt modelId="{31CF2A1D-2637-4F22-83B1-6926A3B359D8}">
+      <dgm:prSet phldrT="[Texte]"/>
+      <dgm:spPr/>
+      <dgm:t>
+        <a:bodyPr/>
+        <a:lstStyle/>
+        <a:p>
+          <a:r>
+            <a:rPr lang="fr-FR" dirty="0"/>
+            <a:t>Interface graphique</a:t>
+          </a:r>
+          <a:endParaRPr lang="fr-BE" dirty="0"/>
+        </a:p>
+      </dgm:t>
+    </dgm:pt>
+    <dgm:pt modelId="{FE68198A-BF54-4262-8CAF-F6E10122E7B0}" type="parTrans" cxnId="{DA563739-7DD0-4215-9E0F-1D5EE20EBA67}">
+      <dgm:prSet/>
+      <dgm:spPr/>
+      <dgm:t>
+        <a:bodyPr/>
+        <a:lstStyle/>
+        <a:p>
+          <a:endParaRPr lang="fr-BE"/>
+        </a:p>
+      </dgm:t>
+    </dgm:pt>
+    <dgm:pt modelId="{4F0AA969-E893-4985-A6DE-D981752F8025}" type="sibTrans" cxnId="{DA563739-7DD0-4215-9E0F-1D5EE20EBA67}">
+      <dgm:prSet/>
+      <dgm:spPr/>
+      <dgm:t>
+        <a:bodyPr/>
+        <a:lstStyle/>
+        <a:p>
+          <a:endParaRPr lang="fr-BE"/>
+        </a:p>
+      </dgm:t>
+    </dgm:pt>
+    <dgm:pt modelId="{AE0CE74E-560C-4A17-9DF5-9368AF828CA0}">
+      <dgm:prSet phldrT="[Texte]"/>
+      <dgm:spPr/>
+      <dgm:t>
+        <a:bodyPr/>
+        <a:lstStyle/>
+        <a:p>
+          <a:r>
+            <a:rPr lang="fr-FR" dirty="0"/>
+            <a:t>Administration centralisée</a:t>
+          </a:r>
+          <a:endParaRPr lang="fr-BE" dirty="0"/>
+        </a:p>
+      </dgm:t>
+    </dgm:pt>
+    <dgm:pt modelId="{1E08C2EF-BEF0-4986-8EB2-74DDF1BE8006}" type="parTrans" cxnId="{7AA954DC-07BD-4945-B529-3E0566DF79E1}">
+      <dgm:prSet/>
+      <dgm:spPr/>
+      <dgm:t>
+        <a:bodyPr/>
+        <a:lstStyle/>
+        <a:p>
+          <a:endParaRPr lang="fr-BE"/>
+        </a:p>
+      </dgm:t>
+    </dgm:pt>
+    <dgm:pt modelId="{81FFDD74-19F8-44D4-8001-AF036AA303DF}" type="sibTrans" cxnId="{7AA954DC-07BD-4945-B529-3E0566DF79E1}">
+      <dgm:prSet/>
+      <dgm:spPr/>
+      <dgm:t>
+        <a:bodyPr/>
+        <a:lstStyle/>
+        <a:p>
+          <a:endParaRPr lang="fr-BE"/>
+        </a:p>
+      </dgm:t>
+    </dgm:pt>
+    <dgm:pt modelId="{E5A1D75C-99EB-4BB5-B7C2-D9EA140B7199}" type="pres">
+      <dgm:prSet presAssocID="{8E2E7652-4A2D-4D8F-B453-42C944CF740A}" presName="linear" presStyleCnt="0">
+        <dgm:presLayoutVars>
+          <dgm:dir/>
+          <dgm:animLvl val="lvl"/>
+          <dgm:resizeHandles val="exact"/>
+        </dgm:presLayoutVars>
+      </dgm:prSet>
+      <dgm:spPr/>
+    </dgm:pt>
+    <dgm:pt modelId="{6B4C9DAB-A79C-46A6-934D-4C97028CA85A}" type="pres">
+      <dgm:prSet presAssocID="{AD063229-DE58-4C87-BDA9-68E18820B516}" presName="parentLin" presStyleCnt="0"/>
+      <dgm:spPr/>
+    </dgm:pt>
+    <dgm:pt modelId="{96A14035-B126-4EE7-9AD1-B77F02A2F8E2}" type="pres">
+      <dgm:prSet presAssocID="{AD063229-DE58-4C87-BDA9-68E18820B516}" presName="parentLeftMargin" presStyleLbl="node1" presStyleIdx="0" presStyleCnt="2"/>
+      <dgm:spPr/>
+    </dgm:pt>
+    <dgm:pt modelId="{7F51EC72-454F-41C9-98E1-C6315932E363}" type="pres">
+      <dgm:prSet presAssocID="{AD063229-DE58-4C87-BDA9-68E18820B516}" presName="parentText" presStyleLbl="node1" presStyleIdx="0" presStyleCnt="2">
+        <dgm:presLayoutVars>
+          <dgm:chMax val="0"/>
+          <dgm:bulletEnabled val="1"/>
+        </dgm:presLayoutVars>
+      </dgm:prSet>
+      <dgm:spPr/>
+    </dgm:pt>
+    <dgm:pt modelId="{992FC3F9-5520-4CB1-AE41-D36E090815EC}" type="pres">
+      <dgm:prSet presAssocID="{AD063229-DE58-4C87-BDA9-68E18820B516}" presName="negativeSpace" presStyleCnt="0"/>
+      <dgm:spPr/>
+    </dgm:pt>
+    <dgm:pt modelId="{895FB4C4-FB50-453A-8B30-5A8B3B15AF19}" type="pres">
+      <dgm:prSet presAssocID="{AD063229-DE58-4C87-BDA9-68E18820B516}" presName="childText" presStyleLbl="conFgAcc1" presStyleIdx="0" presStyleCnt="2">
+        <dgm:presLayoutVars>
+          <dgm:bulletEnabled val="1"/>
+        </dgm:presLayoutVars>
+      </dgm:prSet>
+      <dgm:spPr/>
+    </dgm:pt>
+    <dgm:pt modelId="{1780EA92-9155-41FC-8827-A67B1E9F231F}" type="pres">
+      <dgm:prSet presAssocID="{EAA7957E-4602-4713-B9E7-C06FFD958D8F}" presName="spaceBetweenRectangles" presStyleCnt="0"/>
+      <dgm:spPr/>
+    </dgm:pt>
+    <dgm:pt modelId="{B33B3972-D689-42B2-9128-E131F5D7FD14}" type="pres">
+      <dgm:prSet presAssocID="{83D56A92-819B-488A-95F3-B8D759C3B3D9}" presName="parentLin" presStyleCnt="0"/>
+      <dgm:spPr/>
+    </dgm:pt>
+    <dgm:pt modelId="{9845CBE0-8877-405F-A32A-F5CA79A42C57}" type="pres">
+      <dgm:prSet presAssocID="{83D56A92-819B-488A-95F3-B8D759C3B3D9}" presName="parentLeftMargin" presStyleLbl="node1" presStyleIdx="0" presStyleCnt="2"/>
+      <dgm:spPr/>
+    </dgm:pt>
+    <dgm:pt modelId="{108E67C6-5681-4CFB-939F-A921A2B6ABAA}" type="pres">
+      <dgm:prSet presAssocID="{83D56A92-819B-488A-95F3-B8D759C3B3D9}" presName="parentText" presStyleLbl="node1" presStyleIdx="1" presStyleCnt="2">
+        <dgm:presLayoutVars>
+          <dgm:chMax val="0"/>
+          <dgm:bulletEnabled val="1"/>
+        </dgm:presLayoutVars>
+      </dgm:prSet>
+      <dgm:spPr/>
+    </dgm:pt>
+    <dgm:pt modelId="{2F939D48-6A6D-4DE5-8C12-BB1E1F292C5A}" type="pres">
+      <dgm:prSet presAssocID="{83D56A92-819B-488A-95F3-B8D759C3B3D9}" presName="negativeSpace" presStyleCnt="0"/>
+      <dgm:spPr/>
+    </dgm:pt>
+    <dgm:pt modelId="{A3C49672-9A4E-4C9C-811A-972C7AD6E5E0}" type="pres">
+      <dgm:prSet presAssocID="{83D56A92-819B-488A-95F3-B8D759C3B3D9}" presName="childText" presStyleLbl="conFgAcc1" presStyleIdx="1" presStyleCnt="2">
+        <dgm:presLayoutVars>
+          <dgm:bulletEnabled val="1"/>
+        </dgm:presLayoutVars>
+      </dgm:prSet>
+      <dgm:spPr/>
+    </dgm:pt>
+  </dgm:ptLst>
+  <dgm:cxnLst>
+    <dgm:cxn modelId="{14C92716-8A4B-4D4C-B665-C44066A02E7E}" srcId="{8E2E7652-4A2D-4D8F-B453-42C944CF740A}" destId="{83D56A92-819B-488A-95F3-B8D759C3B3D9}" srcOrd="1" destOrd="0" parTransId="{BFE33BA6-0EBF-4E1E-B604-D074C6962DE2}" sibTransId="{AA045509-02F0-4AE5-AE62-89BB3FD80FC2}"/>
+    <dgm:cxn modelId="{DA563739-7DD0-4215-9E0F-1D5EE20EBA67}" srcId="{83D56A92-819B-488A-95F3-B8D759C3B3D9}" destId="{31CF2A1D-2637-4F22-83B1-6926A3B359D8}" srcOrd="2" destOrd="0" parTransId="{FE68198A-BF54-4262-8CAF-F6E10122E7B0}" sibTransId="{4F0AA969-E893-4985-A6DE-D981752F8025}"/>
+    <dgm:cxn modelId="{EAB6A83B-FAA7-413C-A27B-74A528D8ED13}" type="presOf" srcId="{35E4279E-427E-4D9D-985D-DCC4C3C01D47}" destId="{895FB4C4-FB50-453A-8B30-5A8B3B15AF19}" srcOrd="0" destOrd="0" presId="urn:microsoft.com/office/officeart/2005/8/layout/list1"/>
+    <dgm:cxn modelId="{76836D42-8FA4-441B-9619-FE45CD7B71B7}" srcId="{8E2E7652-4A2D-4D8F-B453-42C944CF740A}" destId="{AD063229-DE58-4C87-BDA9-68E18820B516}" srcOrd="0" destOrd="0" parTransId="{9B69E887-B0FD-4EFE-842D-1DCC39459A97}" sibTransId="{EAA7957E-4602-4713-B9E7-C06FFD958D8F}"/>
+    <dgm:cxn modelId="{654CEA4E-74E9-4C68-8923-1924A3533FC9}" type="presOf" srcId="{AE0CE74E-560C-4A17-9DF5-9368AF828CA0}" destId="{A3C49672-9A4E-4C9C-811A-972C7AD6E5E0}" srcOrd="0" destOrd="1" presId="urn:microsoft.com/office/officeart/2005/8/layout/list1"/>
+    <dgm:cxn modelId="{32BC676F-41AD-4C38-84A3-C18AC784B060}" type="presOf" srcId="{AD063229-DE58-4C87-BDA9-68E18820B516}" destId="{7F51EC72-454F-41C9-98E1-C6315932E363}" srcOrd="1" destOrd="0" presId="urn:microsoft.com/office/officeart/2005/8/layout/list1"/>
+    <dgm:cxn modelId="{B1EB3386-18B7-4D8D-B12E-1D15B2F893A6}" srcId="{AD063229-DE58-4C87-BDA9-68E18820B516}" destId="{35E4279E-427E-4D9D-985D-DCC4C3C01D47}" srcOrd="0" destOrd="0" parTransId="{4171BAFC-17F5-4E7E-9226-5FCA1D37B4AA}" sibTransId="{B743D485-D3F3-46F0-B848-202C5733AF14}"/>
+    <dgm:cxn modelId="{F388DF8B-EE86-49DA-891F-B42C65587B72}" type="presOf" srcId="{31CF2A1D-2637-4F22-83B1-6926A3B359D8}" destId="{A3C49672-9A4E-4C9C-811A-972C7AD6E5E0}" srcOrd="0" destOrd="2" presId="urn:microsoft.com/office/officeart/2005/8/layout/list1"/>
+    <dgm:cxn modelId="{F7CD7B96-960C-4310-85FD-09608FBD1083}" type="presOf" srcId="{83D56A92-819B-488A-95F3-B8D759C3B3D9}" destId="{9845CBE0-8877-405F-A32A-F5CA79A42C57}" srcOrd="0" destOrd="0" presId="urn:microsoft.com/office/officeart/2005/8/layout/list1"/>
+    <dgm:cxn modelId="{3A0AC897-56AE-4924-8B36-E9052FA0E0A4}" type="presOf" srcId="{C4B75091-E9C1-435D-9120-60ECC065F955}" destId="{A3C49672-9A4E-4C9C-811A-972C7AD6E5E0}" srcOrd="0" destOrd="0" presId="urn:microsoft.com/office/officeart/2005/8/layout/list1"/>
+    <dgm:cxn modelId="{BA07B29E-B66E-440F-8440-88B82334F086}" type="presOf" srcId="{8E2E7652-4A2D-4D8F-B453-42C944CF740A}" destId="{E5A1D75C-99EB-4BB5-B7C2-D9EA140B7199}" srcOrd="0" destOrd="0" presId="urn:microsoft.com/office/officeart/2005/8/layout/list1"/>
+    <dgm:cxn modelId="{099D2CA3-9716-4010-92BE-F02317BE14C8}" srcId="{AD063229-DE58-4C87-BDA9-68E18820B516}" destId="{BE60C3CD-04FD-4BC5-B453-F76A8F5969E0}" srcOrd="1" destOrd="0" parTransId="{6307FEAA-3BE3-42BF-B311-E638F155EC73}" sibTransId="{6A0798FD-5ED0-4432-A843-0F362EB35E09}"/>
+    <dgm:cxn modelId="{EB132CA5-EC9C-4D20-AF75-CE55C388B338}" type="presOf" srcId="{AD063229-DE58-4C87-BDA9-68E18820B516}" destId="{96A14035-B126-4EE7-9AD1-B77F02A2F8E2}" srcOrd="0" destOrd="0" presId="urn:microsoft.com/office/officeart/2005/8/layout/list1"/>
+    <dgm:cxn modelId="{F07404BF-8A1E-416A-BC7B-8847F74B4C79}" type="presOf" srcId="{BE60C3CD-04FD-4BC5-B453-F76A8F5969E0}" destId="{895FB4C4-FB50-453A-8B30-5A8B3B15AF19}" srcOrd="0" destOrd="1" presId="urn:microsoft.com/office/officeart/2005/8/layout/list1"/>
+    <dgm:cxn modelId="{7AA954DC-07BD-4945-B529-3E0566DF79E1}" srcId="{83D56A92-819B-488A-95F3-B8D759C3B3D9}" destId="{AE0CE74E-560C-4A17-9DF5-9368AF828CA0}" srcOrd="1" destOrd="0" parTransId="{1E08C2EF-BEF0-4986-8EB2-74DDF1BE8006}" sibTransId="{81FFDD74-19F8-44D4-8001-AF036AA303DF}"/>
+    <dgm:cxn modelId="{F2DA18E6-0BEB-47C4-95AD-31D3D2202726}" srcId="{83D56A92-819B-488A-95F3-B8D759C3B3D9}" destId="{C4B75091-E9C1-435D-9120-60ECC065F955}" srcOrd="0" destOrd="0" parTransId="{0D71F4B5-077C-4B66-833D-17A90F9CFD83}" sibTransId="{4FE6C4FC-309D-4620-B8C3-5C117F4A2785}"/>
+    <dgm:cxn modelId="{A91FADEC-851C-4C37-8528-D26E7CA685FB}" type="presOf" srcId="{83D56A92-819B-488A-95F3-B8D759C3B3D9}" destId="{108E67C6-5681-4CFB-939F-A921A2B6ABAA}" srcOrd="1" destOrd="0" presId="urn:microsoft.com/office/officeart/2005/8/layout/list1"/>
+    <dgm:cxn modelId="{07260BD4-1529-4BEB-9F7D-EB0827C36ED1}" type="presParOf" srcId="{E5A1D75C-99EB-4BB5-B7C2-D9EA140B7199}" destId="{6B4C9DAB-A79C-46A6-934D-4C97028CA85A}" srcOrd="0" destOrd="0" presId="urn:microsoft.com/office/officeart/2005/8/layout/list1"/>
+    <dgm:cxn modelId="{D8025580-72F4-4DD7-8E38-AF8C3990AD51}" type="presParOf" srcId="{6B4C9DAB-A79C-46A6-934D-4C97028CA85A}" destId="{96A14035-B126-4EE7-9AD1-B77F02A2F8E2}" srcOrd="0" destOrd="0" presId="urn:microsoft.com/office/officeart/2005/8/layout/list1"/>
+    <dgm:cxn modelId="{40F6B844-CA7A-47C4-A498-19221181DD27}" type="presParOf" srcId="{6B4C9DAB-A79C-46A6-934D-4C97028CA85A}" destId="{7F51EC72-454F-41C9-98E1-C6315932E363}" srcOrd="1" destOrd="0" presId="urn:microsoft.com/office/officeart/2005/8/layout/list1"/>
+    <dgm:cxn modelId="{9EB1A7F4-FFF4-4A3D-BAC8-AB71F60FB8BA}" type="presParOf" srcId="{E5A1D75C-99EB-4BB5-B7C2-D9EA140B7199}" destId="{992FC3F9-5520-4CB1-AE41-D36E090815EC}" srcOrd="1" destOrd="0" presId="urn:microsoft.com/office/officeart/2005/8/layout/list1"/>
+    <dgm:cxn modelId="{543BCD85-8B98-46CA-AA14-8655A1E1467E}" type="presParOf" srcId="{E5A1D75C-99EB-4BB5-B7C2-D9EA140B7199}" destId="{895FB4C4-FB50-453A-8B30-5A8B3B15AF19}" srcOrd="2" destOrd="0" presId="urn:microsoft.com/office/officeart/2005/8/layout/list1"/>
+    <dgm:cxn modelId="{A240DB21-65D2-45F9-B295-1AA877F7C212}" type="presParOf" srcId="{E5A1D75C-99EB-4BB5-B7C2-D9EA140B7199}" destId="{1780EA92-9155-41FC-8827-A67B1E9F231F}" srcOrd="3" destOrd="0" presId="urn:microsoft.com/office/officeart/2005/8/layout/list1"/>
+    <dgm:cxn modelId="{8F0FDCB9-4734-41E4-A00E-D468A459A0ED}" type="presParOf" srcId="{E5A1D75C-99EB-4BB5-B7C2-D9EA140B7199}" destId="{B33B3972-D689-42B2-9128-E131F5D7FD14}" srcOrd="4" destOrd="0" presId="urn:microsoft.com/office/officeart/2005/8/layout/list1"/>
+    <dgm:cxn modelId="{3F2CF358-F118-40BC-9281-51D9F3E12AA2}" type="presParOf" srcId="{B33B3972-D689-42B2-9128-E131F5D7FD14}" destId="{9845CBE0-8877-405F-A32A-F5CA79A42C57}" srcOrd="0" destOrd="0" presId="urn:microsoft.com/office/officeart/2005/8/layout/list1"/>
+    <dgm:cxn modelId="{FE47A727-B890-4210-8D01-D0BE945843F2}" type="presParOf" srcId="{B33B3972-D689-42B2-9128-E131F5D7FD14}" destId="{108E67C6-5681-4CFB-939F-A921A2B6ABAA}" srcOrd="1" destOrd="0" presId="urn:microsoft.com/office/officeart/2005/8/layout/list1"/>
+    <dgm:cxn modelId="{4AB3BE8B-5536-423B-AD6B-AB7AE8417D56}" type="presParOf" srcId="{E5A1D75C-99EB-4BB5-B7C2-D9EA140B7199}" destId="{2F939D48-6A6D-4DE5-8C12-BB1E1F292C5A}" srcOrd="5" destOrd="0" presId="urn:microsoft.com/office/officeart/2005/8/layout/list1"/>
+    <dgm:cxn modelId="{B8E07335-90EE-4951-B2EB-B3D8078FF049}" type="presParOf" srcId="{E5A1D75C-99EB-4BB5-B7C2-D9EA140B7199}" destId="{A3C49672-9A4E-4C9C-811A-972C7AD6E5E0}" srcOrd="6" destOrd="0" presId="urn:microsoft.com/office/officeart/2005/8/layout/list1"/>
+  </dgm:cxnLst>
+  <dgm:bg/>
+  <dgm:whole/>
+  <dgm:extLst>
+    <a:ext uri="http://schemas.microsoft.com/office/drawing/2008/diagram">
+      <dsp:dataModelExt xmlns:dsp="http://schemas.microsoft.com/office/drawing/2008/diagram" relId="rId7" minVer="http://schemas.openxmlformats.org/drawingml/2006/diagram"/>
+    </a:ext>
+  </dgm:extLst>
+</dgm:dataModel>
+</file>
+
+<file path=ppt/diagrams/data5.xml><?xml version="1.0" encoding="utf-8"?>
 <dgm:dataModel xmlns:dgm="http://schemas.openxmlformats.org/drawingml/2006/diagram" xmlns:a="http://schemas.openxmlformats.org/drawingml/2006/main">
   <dgm:ptLst>
     <dgm:pt modelId="{E8EA0051-7519-4FBB-8824-54C94A39FD14}" type="doc">
@@ -5864,7 +7032,7 @@
 </dgm:dataModel>
 </file>
 
-<file path=ppt/diagrams/data5.xml><?xml version="1.0" encoding="utf-8"?>
+<file path=ppt/diagrams/data6.xml><?xml version="1.0" encoding="utf-8"?>
 <dgm:dataModel xmlns:dgm="http://schemas.openxmlformats.org/drawingml/2006/diagram" xmlns:a="http://schemas.openxmlformats.org/drawingml/2006/main">
   <dgm:ptLst>
     <dgm:pt modelId="{07899F46-62D4-455B-8D20-7D86FC863612}" type="doc">
@@ -6456,7 +7624,7 @@
           </a:pPr>
           <a:r>
             <a:rPr lang="fr-BE" sz="1100" b="1" kern="1200" dirty="0"/>
-            <a:t>Analyse des différentes éditions disponibles et réalisation d'une comparaison des fonctionnalités.</a:t>
+            <a:t>Analyse des différentes éditions disponibles et  une réalisation d'une comparaison des fonctionnalités.</a:t>
           </a:r>
           <a:endParaRPr lang="en-US" sz="1100" kern="1200" dirty="0"/>
         </a:p>
@@ -6552,7 +7720,7 @@
       </dsp:nvSpPr>
       <dsp:spPr>
         <a:xfrm>
-          <a:off x="4167440" y="3796"/>
+          <a:off x="2178837" y="1231961"/>
           <a:ext cx="1802234" cy="1081340"/>
         </a:xfrm>
         <a:prstGeom prst="rect">
@@ -6620,7 +7788,7 @@
         </a:p>
       </dsp:txBody>
       <dsp:txXfrm>
-        <a:off x="4167440" y="3796"/>
+        <a:off x="2178837" y="1231961"/>
         <a:ext cx="1802234" cy="1081340"/>
       </dsp:txXfrm>
     </dsp:sp>
@@ -6631,7 +7799,7 @@
       </dsp:nvSpPr>
       <dsp:spPr>
         <a:xfrm>
-          <a:off x="202525" y="1265360"/>
+          <a:off x="202507" y="2531307"/>
           <a:ext cx="1802234" cy="1081340"/>
         </a:xfrm>
         <a:prstGeom prst="rect">
@@ -6692,14 +7860,14 @@
             <a:buNone/>
           </a:pPr>
           <a:r>
-            <a:rPr lang="fr-BE" sz="1100" b="1" kern="1200"/>
+            <a:rPr lang="fr-BE" sz="1100" b="1" kern="1200" dirty="0"/>
             <a:t>Réalisation de tests d'acceptation et de validation pour démontrer la robustesse de la solution proposée.</a:t>
           </a:r>
-          <a:endParaRPr lang="en-US" sz="1100" kern="1200"/>
+          <a:endParaRPr lang="en-US" sz="1100" kern="1200" dirty="0"/>
         </a:p>
       </dsp:txBody>
       <dsp:txXfrm>
-        <a:off x="202525" y="1265360"/>
+        <a:off x="202507" y="2531307"/>
         <a:ext cx="1802234" cy="1081340"/>
       </dsp:txXfrm>
     </dsp:sp>
@@ -6710,7 +7878,7 @@
       </dsp:nvSpPr>
       <dsp:spPr>
         <a:xfrm>
-          <a:off x="2184982" y="1265360"/>
+          <a:off x="2201076" y="2517109"/>
           <a:ext cx="1802234" cy="1081340"/>
         </a:xfrm>
         <a:prstGeom prst="rect">
@@ -6771,14 +7939,14 @@
             <a:buNone/>
           </a:pPr>
           <a:r>
-            <a:rPr lang="fr-BE" sz="1100" b="1" kern="1200"/>
-            <a:t>Mise en place de fonctionnalités de sécurité de VMware, notamment VMware NSX, pour renforcer l'approche en matière de cybersécurité.</a:t>
+            <a:rPr lang="fr-BE" sz="1100" b="1" kern="1200" dirty="0"/>
+            <a:t>Mise en place de fonctionnalités de sécurité de VMware, notamment VMware NSX, l'approche en matière de cybersécurité.</a:t>
           </a:r>
-          <a:endParaRPr lang="en-US" sz="1100" kern="1200"/>
+          <a:endParaRPr lang="en-US" sz="1100" kern="1200" dirty="0"/>
         </a:p>
       </dsp:txBody>
       <dsp:txXfrm>
-        <a:off x="2184982" y="1265360"/>
+        <a:off x="2201076" y="2517109"/>
         <a:ext cx="1802234" cy="1081340"/>
       </dsp:txXfrm>
     </dsp:sp>
@@ -6850,10 +8018,10 @@
             <a:buNone/>
           </a:pPr>
           <a:r>
-            <a:rPr lang="fr-BE" sz="1100" b="1" kern="1200"/>
+            <a:rPr lang="fr-BE" sz="1100" b="1" kern="1200" dirty="0"/>
             <a:t>Documentation du projet, y compris les spécifications techniques et les procédures d'exploitation.</a:t>
           </a:r>
-          <a:endParaRPr lang="en-US" sz="1100" kern="1200"/>
+          <a:endParaRPr lang="en-US" sz="1100" kern="1200" dirty="0"/>
         </a:p>
       </dsp:txBody>
       <dsp:txXfrm>
@@ -6868,7 +8036,7 @@
       </dsp:nvSpPr>
       <dsp:spPr>
         <a:xfrm>
-          <a:off x="202525" y="2526924"/>
+          <a:off x="4170846" y="4"/>
           <a:ext cx="1802234" cy="1081340"/>
         </a:xfrm>
         <a:prstGeom prst="rect">
@@ -6929,14 +8097,14 @@
             <a:buNone/>
           </a:pPr>
           <a:r>
-            <a:rPr lang="fr-BE" sz="1100" b="1" kern="1200"/>
+            <a:rPr lang="fr-BE" sz="1100" b="1" kern="1200" dirty="0"/>
             <a:t>Analyse théorique de vSan et VxRail.</a:t>
           </a:r>
-          <a:endParaRPr lang="en-US" sz="1100" kern="1200"/>
+          <a:endParaRPr lang="en-US" sz="1100" kern="1200" dirty="0"/>
         </a:p>
       </dsp:txBody>
       <dsp:txXfrm>
-        <a:off x="202525" y="2526924"/>
+        <a:off x="4170846" y="4"/>
         <a:ext cx="1802234" cy="1081340"/>
       </dsp:txXfrm>
     </dsp:sp>
@@ -6947,7 +8115,7 @@
       </dsp:nvSpPr>
       <dsp:spPr>
         <a:xfrm>
-          <a:off x="2184982" y="2526924"/>
+          <a:off x="205264" y="1230786"/>
           <a:ext cx="1802234" cy="1081340"/>
         </a:xfrm>
         <a:prstGeom prst="rect">
@@ -7008,14 +8176,14 @@
             <a:buNone/>
           </a:pPr>
           <a:r>
-            <a:rPr lang="fr-BE" sz="1100" b="1" kern="1200"/>
+            <a:rPr lang="fr-BE" sz="1100" b="1" kern="1200" dirty="0"/>
             <a:t>Analyse des licences VMware vSphere et vSan.</a:t>
           </a:r>
-          <a:endParaRPr lang="en-US" sz="1100" kern="1200"/>
+          <a:endParaRPr lang="en-US" sz="1100" kern="1200" dirty="0"/>
         </a:p>
       </dsp:txBody>
       <dsp:txXfrm>
-        <a:off x="2184982" y="2526924"/>
+        <a:off x="205264" y="1230786"/>
         <a:ext cx="1802234" cy="1081340"/>
       </dsp:txXfrm>
     </dsp:sp>
@@ -7923,6 +9091,429 @@
       <dsp:cNvGrpSpPr/>
     </dsp:nvGrpSpPr>
     <dsp:grpSpPr/>
+    <dsp:sp modelId="{895FB4C4-FB50-453A-8B30-5A8B3B15AF19}">
+      <dsp:nvSpPr>
+        <dsp:cNvPr id="0" name=""/>
+        <dsp:cNvSpPr/>
+      </dsp:nvSpPr>
+      <dsp:spPr>
+        <a:xfrm>
+          <a:off x="0" y="732109"/>
+          <a:ext cx="6666833" cy="1883700"/>
+        </a:xfrm>
+        <a:prstGeom prst="rect">
+          <a:avLst/>
+        </a:prstGeom>
+        <a:solidFill>
+          <a:schemeClr val="lt1">
+            <a:alpha val="90000"/>
+            <a:hueOff val="0"/>
+            <a:satOff val="0"/>
+            <a:lumOff val="0"/>
+            <a:alphaOff val="0"/>
+          </a:schemeClr>
+        </a:solidFill>
+        <a:ln w="12700" cap="flat" cmpd="sng" algn="ctr">
+          <a:solidFill>
+            <a:schemeClr val="accent2">
+              <a:hueOff val="0"/>
+              <a:satOff val="0"/>
+              <a:lumOff val="0"/>
+              <a:alphaOff val="0"/>
+            </a:schemeClr>
+          </a:solidFill>
+          <a:prstDash val="solid"/>
+          <a:miter lim="800000"/>
+        </a:ln>
+        <a:effectLst/>
+      </dsp:spPr>
+      <dsp:style>
+        <a:lnRef idx="1">
+          <a:scrgbClr r="0" g="0" b="0"/>
+        </a:lnRef>
+        <a:fillRef idx="1">
+          <a:scrgbClr r="0" g="0" b="0"/>
+        </a:fillRef>
+        <a:effectRef idx="0">
+          <a:scrgbClr r="0" g="0" b="0"/>
+        </a:effectRef>
+        <a:fontRef idx="minor"/>
+      </dsp:style>
+      <dsp:txBody>
+        <a:bodyPr spcFirstLastPara="0" vert="horz" wrap="square" lIns="517420" tIns="541528" rIns="517420" bIns="184912" numCol="1" spcCol="1270" anchor="t" anchorCtr="0">
+          <a:noAutofit/>
+        </a:bodyPr>
+        <a:lstStyle/>
+        <a:p>
+          <a:pPr marL="228600" lvl="1" indent="-228600" algn="l" defTabSz="1155700">
+            <a:lnSpc>
+              <a:spcPct val="90000"/>
+            </a:lnSpc>
+            <a:spcBef>
+              <a:spcPct val="0"/>
+            </a:spcBef>
+            <a:spcAft>
+              <a:spcPct val="15000"/>
+            </a:spcAft>
+            <a:buChar char="•"/>
+          </a:pPr>
+          <a:r>
+            <a:rPr lang="fr-FR" sz="2600" kern="1200" dirty="0"/>
+            <a:t>Hyperviseur de type 1</a:t>
+          </a:r>
+          <a:endParaRPr lang="fr-BE" sz="2600" kern="1200" dirty="0"/>
+        </a:p>
+        <a:p>
+          <a:pPr marL="228600" lvl="1" indent="-228600" algn="l" defTabSz="1155700">
+            <a:lnSpc>
+              <a:spcPct val="90000"/>
+            </a:lnSpc>
+            <a:spcBef>
+              <a:spcPct val="0"/>
+            </a:spcBef>
+            <a:spcAft>
+              <a:spcPct val="15000"/>
+            </a:spcAft>
+            <a:buChar char="•"/>
+          </a:pPr>
+          <a:r>
+            <a:rPr lang="fr-FR" sz="2600" kern="1200" dirty="0"/>
+            <a:t>Performances élevées et exploitation optimisée des ressources</a:t>
+          </a:r>
+          <a:endParaRPr lang="fr-BE" sz="2600" kern="1200" dirty="0"/>
+        </a:p>
+      </dsp:txBody>
+      <dsp:txXfrm>
+        <a:off x="0" y="732109"/>
+        <a:ext cx="6666833" cy="1883700"/>
+      </dsp:txXfrm>
+    </dsp:sp>
+    <dsp:sp modelId="{7F51EC72-454F-41C9-98E1-C6315932E363}">
+      <dsp:nvSpPr>
+        <dsp:cNvPr id="0" name=""/>
+        <dsp:cNvSpPr/>
+      </dsp:nvSpPr>
+      <dsp:spPr>
+        <a:xfrm>
+          <a:off x="333341" y="348349"/>
+          <a:ext cx="4666783" cy="767520"/>
+        </a:xfrm>
+        <a:prstGeom prst="roundRect">
+          <a:avLst/>
+        </a:prstGeom>
+        <a:gradFill rotWithShape="0">
+          <a:gsLst>
+            <a:gs pos="0">
+              <a:schemeClr val="accent2">
+                <a:hueOff val="0"/>
+                <a:satOff val="0"/>
+                <a:lumOff val="0"/>
+                <a:alphaOff val="0"/>
+                <a:satMod val="103000"/>
+                <a:lumMod val="102000"/>
+                <a:tint val="94000"/>
+              </a:schemeClr>
+            </a:gs>
+            <a:gs pos="50000">
+              <a:schemeClr val="accent2">
+                <a:hueOff val="0"/>
+                <a:satOff val="0"/>
+                <a:lumOff val="0"/>
+                <a:alphaOff val="0"/>
+                <a:satMod val="110000"/>
+                <a:lumMod val="100000"/>
+                <a:shade val="100000"/>
+              </a:schemeClr>
+            </a:gs>
+            <a:gs pos="100000">
+              <a:schemeClr val="accent2">
+                <a:hueOff val="0"/>
+                <a:satOff val="0"/>
+                <a:lumOff val="0"/>
+                <a:alphaOff val="0"/>
+                <a:lumMod val="99000"/>
+                <a:satMod val="120000"/>
+                <a:shade val="78000"/>
+              </a:schemeClr>
+            </a:gs>
+          </a:gsLst>
+          <a:lin ang="5400000" scaled="0"/>
+        </a:gradFill>
+        <a:ln>
+          <a:noFill/>
+        </a:ln>
+        <a:effectLst/>
+      </dsp:spPr>
+      <dsp:style>
+        <a:lnRef idx="0">
+          <a:scrgbClr r="0" g="0" b="0"/>
+        </a:lnRef>
+        <a:fillRef idx="3">
+          <a:scrgbClr r="0" g="0" b="0"/>
+        </a:fillRef>
+        <a:effectRef idx="2">
+          <a:scrgbClr r="0" g="0" b="0"/>
+        </a:effectRef>
+        <a:fontRef idx="minor">
+          <a:schemeClr val="lt1"/>
+        </a:fontRef>
+      </dsp:style>
+      <dsp:txBody>
+        <a:bodyPr spcFirstLastPara="0" vert="horz" wrap="square" lIns="176393" tIns="0" rIns="176393" bIns="0" numCol="1" spcCol="1270" anchor="ctr" anchorCtr="0">
+          <a:noAutofit/>
+        </a:bodyPr>
+        <a:lstStyle/>
+        <a:p>
+          <a:pPr marL="0" lvl="0" indent="0" algn="ctr" defTabSz="1155700">
+            <a:lnSpc>
+              <a:spcPct val="90000"/>
+            </a:lnSpc>
+            <a:spcBef>
+              <a:spcPct val="0"/>
+            </a:spcBef>
+            <a:spcAft>
+              <a:spcPct val="35000"/>
+            </a:spcAft>
+            <a:buNone/>
+          </a:pPr>
+          <a:r>
+            <a:rPr lang="fr-BE" sz="2600" b="1" kern="1200" dirty="0"/>
+            <a:t>vSphere ESXi Hypervisor</a:t>
+          </a:r>
+        </a:p>
+      </dsp:txBody>
+      <dsp:txXfrm>
+        <a:off x="370808" y="385816"/>
+        <a:ext cx="4591849" cy="692586"/>
+      </dsp:txXfrm>
+    </dsp:sp>
+    <dsp:sp modelId="{A3C49672-9A4E-4C9C-811A-972C7AD6E5E0}">
+      <dsp:nvSpPr>
+        <dsp:cNvPr id="0" name=""/>
+        <dsp:cNvSpPr/>
+      </dsp:nvSpPr>
+      <dsp:spPr>
+        <a:xfrm>
+          <a:off x="0" y="3139969"/>
+          <a:ext cx="6666833" cy="1965600"/>
+        </a:xfrm>
+        <a:prstGeom prst="rect">
+          <a:avLst/>
+        </a:prstGeom>
+        <a:solidFill>
+          <a:schemeClr val="lt1">
+            <a:alpha val="90000"/>
+            <a:hueOff val="0"/>
+            <a:satOff val="0"/>
+            <a:lumOff val="0"/>
+            <a:alphaOff val="0"/>
+          </a:schemeClr>
+        </a:solidFill>
+        <a:ln w="12700" cap="flat" cmpd="sng" algn="ctr">
+          <a:solidFill>
+            <a:schemeClr val="accent2">
+              <a:hueOff val="6443614"/>
+              <a:satOff val="-18493"/>
+              <a:lumOff val="-29609"/>
+              <a:alphaOff val="0"/>
+            </a:schemeClr>
+          </a:solidFill>
+          <a:prstDash val="solid"/>
+          <a:miter lim="800000"/>
+        </a:ln>
+        <a:effectLst/>
+      </dsp:spPr>
+      <dsp:style>
+        <a:lnRef idx="1">
+          <a:scrgbClr r="0" g="0" b="0"/>
+        </a:lnRef>
+        <a:fillRef idx="1">
+          <a:scrgbClr r="0" g="0" b="0"/>
+        </a:fillRef>
+        <a:effectRef idx="0">
+          <a:scrgbClr r="0" g="0" b="0"/>
+        </a:effectRef>
+        <a:fontRef idx="minor"/>
+      </dsp:style>
+      <dsp:txBody>
+        <a:bodyPr spcFirstLastPara="0" vert="horz" wrap="square" lIns="517420" tIns="541528" rIns="517420" bIns="184912" numCol="1" spcCol="1270" anchor="t" anchorCtr="0">
+          <a:noAutofit/>
+        </a:bodyPr>
+        <a:lstStyle/>
+        <a:p>
+          <a:pPr marL="228600" lvl="1" indent="-228600" algn="l" defTabSz="1155700">
+            <a:lnSpc>
+              <a:spcPct val="90000"/>
+            </a:lnSpc>
+            <a:spcBef>
+              <a:spcPct val="0"/>
+            </a:spcBef>
+            <a:spcAft>
+              <a:spcPct val="15000"/>
+            </a:spcAft>
+            <a:buChar char="•"/>
+          </a:pPr>
+          <a:r>
+            <a:rPr lang="fr-FR" sz="2600" kern="1200" dirty="0"/>
+            <a:t>Point centrale de l’inventaire vSphere</a:t>
+          </a:r>
+          <a:endParaRPr lang="fr-BE" sz="2600" kern="1200" dirty="0"/>
+        </a:p>
+        <a:p>
+          <a:pPr marL="228600" lvl="1" indent="-228600" algn="l" defTabSz="1155700">
+            <a:lnSpc>
+              <a:spcPct val="90000"/>
+            </a:lnSpc>
+            <a:spcBef>
+              <a:spcPct val="0"/>
+            </a:spcBef>
+            <a:spcAft>
+              <a:spcPct val="15000"/>
+            </a:spcAft>
+            <a:buChar char="•"/>
+          </a:pPr>
+          <a:r>
+            <a:rPr lang="fr-FR" sz="2600" kern="1200" dirty="0"/>
+            <a:t>Administration centralisée</a:t>
+          </a:r>
+          <a:endParaRPr lang="fr-BE" sz="2600" kern="1200" dirty="0"/>
+        </a:p>
+        <a:p>
+          <a:pPr marL="228600" lvl="1" indent="-228600" algn="l" defTabSz="1155700">
+            <a:lnSpc>
+              <a:spcPct val="90000"/>
+            </a:lnSpc>
+            <a:spcBef>
+              <a:spcPct val="0"/>
+            </a:spcBef>
+            <a:spcAft>
+              <a:spcPct val="15000"/>
+            </a:spcAft>
+            <a:buChar char="•"/>
+          </a:pPr>
+          <a:r>
+            <a:rPr lang="fr-FR" sz="2600" kern="1200" dirty="0"/>
+            <a:t>Interface graphique</a:t>
+          </a:r>
+          <a:endParaRPr lang="fr-BE" sz="2600" kern="1200" dirty="0"/>
+        </a:p>
+      </dsp:txBody>
+      <dsp:txXfrm>
+        <a:off x="0" y="3139969"/>
+        <a:ext cx="6666833" cy="1965600"/>
+      </dsp:txXfrm>
+    </dsp:sp>
+    <dsp:sp modelId="{108E67C6-5681-4CFB-939F-A921A2B6ABAA}">
+      <dsp:nvSpPr>
+        <dsp:cNvPr id="0" name=""/>
+        <dsp:cNvSpPr/>
+      </dsp:nvSpPr>
+      <dsp:spPr>
+        <a:xfrm>
+          <a:off x="333341" y="2756210"/>
+          <a:ext cx="4666783" cy="767520"/>
+        </a:xfrm>
+        <a:prstGeom prst="roundRect">
+          <a:avLst/>
+        </a:prstGeom>
+        <a:gradFill rotWithShape="0">
+          <a:gsLst>
+            <a:gs pos="0">
+              <a:schemeClr val="accent2">
+                <a:hueOff val="6443614"/>
+                <a:satOff val="-18493"/>
+                <a:lumOff val="-29609"/>
+                <a:alphaOff val="0"/>
+                <a:satMod val="103000"/>
+                <a:lumMod val="102000"/>
+                <a:tint val="94000"/>
+              </a:schemeClr>
+            </a:gs>
+            <a:gs pos="50000">
+              <a:schemeClr val="accent2">
+                <a:hueOff val="6443614"/>
+                <a:satOff val="-18493"/>
+                <a:lumOff val="-29609"/>
+                <a:alphaOff val="0"/>
+                <a:satMod val="110000"/>
+                <a:lumMod val="100000"/>
+                <a:shade val="100000"/>
+              </a:schemeClr>
+            </a:gs>
+            <a:gs pos="100000">
+              <a:schemeClr val="accent2">
+                <a:hueOff val="6443614"/>
+                <a:satOff val="-18493"/>
+                <a:lumOff val="-29609"/>
+                <a:alphaOff val="0"/>
+                <a:lumMod val="99000"/>
+                <a:satMod val="120000"/>
+                <a:shade val="78000"/>
+              </a:schemeClr>
+            </a:gs>
+          </a:gsLst>
+          <a:lin ang="5400000" scaled="0"/>
+        </a:gradFill>
+        <a:ln>
+          <a:noFill/>
+        </a:ln>
+        <a:effectLst/>
+      </dsp:spPr>
+      <dsp:style>
+        <a:lnRef idx="0">
+          <a:scrgbClr r="0" g="0" b="0"/>
+        </a:lnRef>
+        <a:fillRef idx="3">
+          <a:scrgbClr r="0" g="0" b="0"/>
+        </a:fillRef>
+        <a:effectRef idx="2">
+          <a:scrgbClr r="0" g="0" b="0"/>
+        </a:effectRef>
+        <a:fontRef idx="minor">
+          <a:schemeClr val="lt1"/>
+        </a:fontRef>
+      </dsp:style>
+      <dsp:txBody>
+        <a:bodyPr spcFirstLastPara="0" vert="horz" wrap="square" lIns="176393" tIns="0" rIns="176393" bIns="0" numCol="1" spcCol="1270" anchor="ctr" anchorCtr="0">
+          <a:noAutofit/>
+        </a:bodyPr>
+        <a:lstStyle/>
+        <a:p>
+          <a:pPr marL="0" lvl="0" indent="0" algn="ctr" defTabSz="1155700">
+            <a:lnSpc>
+              <a:spcPct val="90000"/>
+            </a:lnSpc>
+            <a:spcBef>
+              <a:spcPct val="0"/>
+            </a:spcBef>
+            <a:spcAft>
+              <a:spcPct val="35000"/>
+            </a:spcAft>
+            <a:buNone/>
+          </a:pPr>
+          <a:r>
+            <a:rPr lang="fr-BE" sz="2600" b="1" kern="1200" dirty="0"/>
+            <a:t>vCenter Server</a:t>
+          </a:r>
+        </a:p>
+      </dsp:txBody>
+      <dsp:txXfrm>
+        <a:off x="370808" y="2793677"/>
+        <a:ext cx="4591849" cy="692586"/>
+      </dsp:txXfrm>
+    </dsp:sp>
+  </dsp:spTree>
+</dsp:drawing>
+</file>
+
+<file path=ppt/diagrams/drawing5.xml><?xml version="1.0" encoding="utf-8"?>
+<dsp:drawing xmlns:dgm="http://schemas.openxmlformats.org/drawingml/2006/diagram" xmlns:dsp="http://schemas.microsoft.com/office/drawing/2008/diagram" xmlns:a="http://schemas.openxmlformats.org/drawingml/2006/main">
+  <dsp:spTree>
+    <dsp:nvGrpSpPr>
+      <dsp:cNvPr id="0" name=""/>
+      <dsp:cNvGrpSpPr/>
+    </dsp:nvGrpSpPr>
+    <dsp:grpSpPr/>
     <dsp:sp modelId="{8D25E509-B67F-4985-BC14-86C9B2E2AB65}">
       <dsp:nvSpPr>
         <dsp:cNvPr id="0" name=""/>
@@ -8784,7 +10375,7 @@
 </dsp:drawing>
 </file>
 
-<file path=ppt/diagrams/drawing5.xml><?xml version="1.0" encoding="utf-8"?>
+<file path=ppt/diagrams/drawing6.xml><?xml version="1.0" encoding="utf-8"?>
 <dsp:drawing xmlns:dgm="http://schemas.openxmlformats.org/drawingml/2006/diagram" xmlns:dsp="http://schemas.microsoft.com/office/drawing/2008/diagram" xmlns:a="http://schemas.openxmlformats.org/drawingml/2006/main">
   <dsp:spTree>
     <dsp:nvGrpSpPr>
@@ -9918,6 +11509,231 @@
 </file>
 
 <file path=ppt/diagrams/layout4.xml><?xml version="1.0" encoding="utf-8"?>
+<dgm:layoutDef xmlns:dgm="http://schemas.openxmlformats.org/drawingml/2006/diagram" xmlns:a="http://schemas.openxmlformats.org/drawingml/2006/main" uniqueId="urn:microsoft.com/office/officeart/2005/8/layout/list1">
+  <dgm:title val=""/>
+  <dgm:desc val=""/>
+  <dgm:catLst>
+    <dgm:cat type="list" pri="4000"/>
+  </dgm:catLst>
+  <dgm:sampData>
+    <dgm:dataModel>
+      <dgm:ptLst>
+        <dgm:pt modelId="0" type="doc"/>
+        <dgm:pt modelId="1">
+          <dgm:prSet phldr="1"/>
+        </dgm:pt>
+        <dgm:pt modelId="2">
+          <dgm:prSet phldr="1"/>
+        </dgm:pt>
+        <dgm:pt modelId="3">
+          <dgm:prSet phldr="1"/>
+        </dgm:pt>
+      </dgm:ptLst>
+      <dgm:cxnLst>
+        <dgm:cxn modelId="4" srcId="0" destId="1" srcOrd="0" destOrd="0"/>
+        <dgm:cxn modelId="5" srcId="0" destId="2" srcOrd="1" destOrd="0"/>
+        <dgm:cxn modelId="6" srcId="0" destId="3" srcOrd="2" destOrd="0"/>
+      </dgm:cxnLst>
+      <dgm:bg/>
+      <dgm:whole/>
+    </dgm:dataModel>
+  </dgm:sampData>
+  <dgm:styleData>
+    <dgm:dataModel>
+      <dgm:ptLst>
+        <dgm:pt modelId="0" type="doc"/>
+        <dgm:pt modelId="1"/>
+        <dgm:pt modelId="2"/>
+      </dgm:ptLst>
+      <dgm:cxnLst>
+        <dgm:cxn modelId="4" srcId="0" destId="1" srcOrd="0" destOrd="0"/>
+        <dgm:cxn modelId="5" srcId="0" destId="2" srcOrd="1" destOrd="0"/>
+      </dgm:cxnLst>
+      <dgm:bg/>
+      <dgm:whole/>
+    </dgm:dataModel>
+  </dgm:styleData>
+  <dgm:clrData>
+    <dgm:dataModel>
+      <dgm:ptLst>
+        <dgm:pt modelId="0" type="doc"/>
+        <dgm:pt modelId="1"/>
+        <dgm:pt modelId="2"/>
+        <dgm:pt modelId="3"/>
+        <dgm:pt modelId="4"/>
+      </dgm:ptLst>
+      <dgm:cxnLst>
+        <dgm:cxn modelId="5" srcId="0" destId="1" srcOrd="0" destOrd="0"/>
+        <dgm:cxn modelId="6" srcId="0" destId="2" srcOrd="1" destOrd="0"/>
+        <dgm:cxn modelId="7" srcId="0" destId="3" srcOrd="2" destOrd="0"/>
+        <dgm:cxn modelId="8" srcId="0" destId="4" srcOrd="3" destOrd="0"/>
+      </dgm:cxnLst>
+      <dgm:bg/>
+      <dgm:whole/>
+    </dgm:dataModel>
+  </dgm:clrData>
+  <dgm:layoutNode name="linear">
+    <dgm:varLst>
+      <dgm:dir/>
+      <dgm:animLvl val="lvl"/>
+      <dgm:resizeHandles val="exact"/>
+    </dgm:varLst>
+    <dgm:choose name="Name0">
+      <dgm:if name="Name1" func="var" arg="dir" op="equ" val="norm">
+        <dgm:alg type="lin">
+          <dgm:param type="linDir" val="fromT"/>
+          <dgm:param type="vertAlign" val="mid"/>
+          <dgm:param type="horzAlign" val="l"/>
+          <dgm:param type="nodeHorzAlign" val="l"/>
+        </dgm:alg>
+      </dgm:if>
+      <dgm:else name="Name2">
+        <dgm:alg type="lin">
+          <dgm:param type="linDir" val="fromT"/>
+          <dgm:param type="vertAlign" val="mid"/>
+          <dgm:param type="horzAlign" val="r"/>
+          <dgm:param type="nodeHorzAlign" val="r"/>
+        </dgm:alg>
+      </dgm:else>
+    </dgm:choose>
+    <dgm:shape xmlns:r="http://schemas.openxmlformats.org/officeDocument/2006/relationships" r:blip="">
+      <dgm:adjLst/>
+    </dgm:shape>
+    <dgm:presOf/>
+    <dgm:constrLst>
+      <dgm:constr type="w" for="ch" forName="parentLin" refType="w"/>
+      <dgm:constr type="h" for="ch" forName="parentLin" val="INF"/>
+      <dgm:constr type="w" for="des" forName="parentLeftMargin" refType="w" fact="0.05"/>
+      <dgm:constr type="w" for="des" forName="parentText" refType="w" fact="0.7"/>
+      <dgm:constr type="h" for="des" forName="parentText" refType="primFontSz" refFor="des" refForName="parentText" fact="0.82"/>
+      <dgm:constr type="h" for="ch" forName="negativeSpace" refType="primFontSz" refFor="des" refForName="parentText" fact="-0.41"/>
+      <dgm:constr type="h" for="ch" forName="negativeSpace" refType="h" refFor="des" refForName="parentText" op="lte" fact="-0.82"/>
+      <dgm:constr type="h" for="ch" forName="negativeSpace" refType="h" refFor="des" refForName="parentText" op="gte" fact="-0.82"/>
+      <dgm:constr type="w" for="ch" forName="childText" refType="w"/>
+      <dgm:constr type="h" for="ch" forName="childText" refType="primFontSz" refFor="des" refForName="parentText" fact="0.7"/>
+      <dgm:constr type="primFontSz" for="des" forName="parentText" val="65"/>
+      <dgm:constr type="primFontSz" for="ch" forName="childText" refType="primFontSz" refFor="des" refForName="parentText"/>
+      <dgm:constr type="tMarg" for="ch" forName="childText" refType="primFontSz" refFor="des" refForName="parentText" fact="1.64"/>
+      <dgm:constr type="tMarg" for="ch" forName="childText" refType="h" refFor="des" refForName="parentText" op="lte" fact="3.28"/>
+      <dgm:constr type="tMarg" for="ch" forName="childText" refType="h" refFor="des" refForName="parentText" op="gte" fact="3.28"/>
+      <dgm:constr type="lMarg" for="ch" forName="childText" refType="w" fact="0.22"/>
+      <dgm:constr type="rMarg" for="ch" forName="childText" refType="lMarg" refFor="ch" refForName="childText"/>
+      <dgm:constr type="lMarg" for="des" forName="parentText" refType="w" fact="0.075"/>
+      <dgm:constr type="rMarg" for="des" forName="parentText" refType="lMarg" refFor="des" refForName="parentText"/>
+      <dgm:constr type="h" for="ch" forName="spaceBetweenRectangles" refType="primFontSz" refFor="des" refForName="parentText" fact="0.15"/>
+    </dgm:constrLst>
+    <dgm:ruleLst>
+      <dgm:rule type="primFontSz" for="des" forName="parentText" val="5" fact="NaN" max="NaN"/>
+    </dgm:ruleLst>
+    <dgm:forEach name="Name3" axis="ch" ptType="node">
+      <dgm:layoutNode name="parentLin">
+        <dgm:choose name="Name4">
+          <dgm:if name="Name5" func="var" arg="dir" op="equ" val="norm">
+            <dgm:alg type="lin">
+              <dgm:param type="linDir" val="fromL"/>
+              <dgm:param type="horzAlign" val="l"/>
+              <dgm:param type="nodeHorzAlign" val="l"/>
+            </dgm:alg>
+          </dgm:if>
+          <dgm:else name="Name6">
+            <dgm:alg type="lin">
+              <dgm:param type="linDir" val="fromR"/>
+              <dgm:param type="horzAlign" val="r"/>
+              <dgm:param type="nodeHorzAlign" val="r"/>
+            </dgm:alg>
+          </dgm:else>
+        </dgm:choose>
+        <dgm:shape xmlns:r="http://schemas.openxmlformats.org/officeDocument/2006/relationships" r:blip="">
+          <dgm:adjLst/>
+        </dgm:shape>
+        <dgm:presOf/>
+        <dgm:constrLst/>
+        <dgm:ruleLst/>
+        <dgm:layoutNode name="parentLeftMargin">
+          <dgm:alg type="sp"/>
+          <dgm:shape xmlns:r="http://schemas.openxmlformats.org/officeDocument/2006/relationships" type="rect" r:blip="" hideGeom="1">
+            <dgm:adjLst/>
+          </dgm:shape>
+          <dgm:presOf axis="self"/>
+          <dgm:constrLst>
+            <dgm:constr type="h"/>
+          </dgm:constrLst>
+          <dgm:ruleLst/>
+        </dgm:layoutNode>
+        <dgm:layoutNode name="parentText" styleLbl="node1">
+          <dgm:varLst>
+            <dgm:chMax val="0"/>
+            <dgm:bulletEnabled val="1"/>
+          </dgm:varLst>
+          <dgm:choose name="Name7">
+            <dgm:if name="Name8" func="var" arg="dir" op="equ" val="norm">
+              <dgm:alg type="tx">
+                <dgm:param type="parTxLTRAlign" val="l"/>
+                <dgm:param type="parTxRTLAlign" val="l"/>
+              </dgm:alg>
+            </dgm:if>
+            <dgm:else name="Name9">
+              <dgm:alg type="tx">
+                <dgm:param type="parTxLTRAlign" val="r"/>
+                <dgm:param type="parTxRTLAlign" val="r"/>
+              </dgm:alg>
+            </dgm:else>
+          </dgm:choose>
+          <dgm:shape xmlns:r="http://schemas.openxmlformats.org/officeDocument/2006/relationships" type="roundRect" r:blip="">
+            <dgm:adjLst/>
+          </dgm:shape>
+          <dgm:presOf axis="self" ptType="node"/>
+          <dgm:constrLst>
+            <dgm:constr type="tMarg"/>
+            <dgm:constr type="bMarg"/>
+          </dgm:constrLst>
+          <dgm:ruleLst/>
+        </dgm:layoutNode>
+      </dgm:layoutNode>
+      <dgm:layoutNode name="negativeSpace">
+        <dgm:alg type="sp"/>
+        <dgm:shape xmlns:r="http://schemas.openxmlformats.org/officeDocument/2006/relationships" r:blip="">
+          <dgm:adjLst/>
+        </dgm:shape>
+        <dgm:presOf/>
+        <dgm:constrLst/>
+        <dgm:ruleLst/>
+      </dgm:layoutNode>
+      <dgm:layoutNode name="childText" styleLbl="conFgAcc1">
+        <dgm:varLst>
+          <dgm:bulletEnabled val="1"/>
+        </dgm:varLst>
+        <dgm:alg type="tx">
+          <dgm:param type="stBulletLvl" val="1"/>
+        </dgm:alg>
+        <dgm:shape xmlns:r="http://schemas.openxmlformats.org/officeDocument/2006/relationships" type="rect" r:blip="" zOrderOff="-2">
+          <dgm:adjLst/>
+        </dgm:shape>
+        <dgm:presOf axis="des" ptType="node"/>
+        <dgm:constrLst>
+          <dgm:constr type="secFontSz" refType="primFontSz"/>
+        </dgm:constrLst>
+        <dgm:ruleLst>
+          <dgm:rule type="h" val="INF" fact="NaN" max="NaN"/>
+        </dgm:ruleLst>
+      </dgm:layoutNode>
+      <dgm:forEach name="Name10" axis="followSib" ptType="sibTrans" cnt="1">
+        <dgm:layoutNode name="spaceBetweenRectangles">
+          <dgm:alg type="sp"/>
+          <dgm:shape xmlns:r="http://schemas.openxmlformats.org/officeDocument/2006/relationships" r:blip="">
+            <dgm:adjLst/>
+          </dgm:shape>
+          <dgm:presOf/>
+          <dgm:constrLst/>
+          <dgm:ruleLst/>
+        </dgm:layoutNode>
+      </dgm:forEach>
+    </dgm:forEach>
+  </dgm:layoutNode>
+</dgm:layoutDef>
+</file>
+
+<file path=ppt/diagrams/layout5.xml><?xml version="1.0" encoding="utf-8"?>
 <dgm:layoutDef xmlns:dgm="http://schemas.openxmlformats.org/drawingml/2006/diagram" xmlns:a="http://schemas.openxmlformats.org/drawingml/2006/main" uniqueId="urn:microsoft.com/office/officeart/2018/5/layout/CenteredIconLabelDescriptionList">
   <dgm:title val="Centered Icon Label Description List"/>
   <dgm:desc val="Use to show non-sequential or grouped chunks of information. The placeholder holds an icon or small picture, and corresponding text boxes show Level 1 and Level 2 text respectively. Works well for minimal Level 1 text accompanied by lengthier Level two text."/>
@@ -10118,7 +11934,7 @@
 </dgm:layoutDef>
 </file>
 
-<file path=ppt/diagrams/layout5.xml><?xml version="1.0" encoding="utf-8"?>
+<file path=ppt/diagrams/layout6.xml><?xml version="1.0" encoding="utf-8"?>
 <dgm:layoutDef xmlns:dgm="http://schemas.openxmlformats.org/drawingml/2006/diagram" xmlns:a="http://schemas.openxmlformats.org/drawingml/2006/main" uniqueId="urn:microsoft.com/office/officeart/2005/8/layout/hList1">
   <dgm:title val=""/>
   <dgm:desc val=""/>
@@ -13438,6 +15254,1040 @@
 </file>
 
 <file path=ppt/diagrams/quickStyle4.xml><?xml version="1.0" encoding="utf-8"?>
+<dgm:styleDef xmlns:dgm="http://schemas.openxmlformats.org/drawingml/2006/diagram" xmlns:a="http://schemas.openxmlformats.org/drawingml/2006/main" uniqueId="urn:microsoft.com/office/officeart/2005/8/quickstyle/simple4">
+  <dgm:title val=""/>
+  <dgm:desc val=""/>
+  <dgm:catLst>
+    <dgm:cat type="simple" pri="10400"/>
+  </dgm:catLst>
+  <dgm:scene3d>
+    <a:camera prst="orthographicFront"/>
+    <a:lightRig rig="threePt" dir="t"/>
+  </dgm:scene3d>
+  <dgm:styleLbl name="node0">
+    <dgm:scene3d>
+      <a:camera prst="orthographicFront"/>
+      <a:lightRig rig="threePt" dir="t"/>
+    </dgm:scene3d>
+    <dgm:sp3d/>
+    <dgm:txPr/>
+    <dgm:style>
+      <a:lnRef idx="0">
+        <a:scrgbClr r="0" g="0" b="0"/>
+      </a:lnRef>
+      <a:fillRef idx="3">
+        <a:scrgbClr r="0" g="0" b="0"/>
+      </a:fillRef>
+      <a:effectRef idx="2">
+        <a:scrgbClr r="0" g="0" b="0"/>
+      </a:effectRef>
+      <a:fontRef idx="minor">
+        <a:schemeClr val="lt1"/>
+      </a:fontRef>
+    </dgm:style>
+  </dgm:styleLbl>
+  <dgm:styleLbl name="lnNode1">
+    <dgm:scene3d>
+      <a:camera prst="orthographicFront"/>
+      <a:lightRig rig="threePt" dir="t"/>
+    </dgm:scene3d>
+    <dgm:sp3d/>
+    <dgm:txPr/>
+    <dgm:style>
+      <a:lnRef idx="1">
+        <a:scrgbClr r="0" g="0" b="0"/>
+      </a:lnRef>
+      <a:fillRef idx="3">
+        <a:scrgbClr r="0" g="0" b="0"/>
+      </a:fillRef>
+      <a:effectRef idx="2">
+        <a:scrgbClr r="0" g="0" b="0"/>
+      </a:effectRef>
+      <a:fontRef idx="minor">
+        <a:schemeClr val="lt1"/>
+      </a:fontRef>
+    </dgm:style>
+  </dgm:styleLbl>
+  <dgm:styleLbl name="vennNode1">
+    <dgm:scene3d>
+      <a:camera prst="orthographicFront"/>
+      <a:lightRig rig="threePt" dir="t"/>
+    </dgm:scene3d>
+    <dgm:sp3d/>
+    <dgm:txPr/>
+    <dgm:style>
+      <a:lnRef idx="0">
+        <a:scrgbClr r="0" g="0" b="0"/>
+      </a:lnRef>
+      <a:fillRef idx="3">
+        <a:scrgbClr r="0" g="0" b="0"/>
+      </a:fillRef>
+      <a:effectRef idx="0">
+        <a:scrgbClr r="0" g="0" b="0"/>
+      </a:effectRef>
+      <a:fontRef idx="minor">
+        <a:schemeClr val="tx1"/>
+      </a:fontRef>
+    </dgm:style>
+  </dgm:styleLbl>
+  <dgm:styleLbl name="alignNode1">
+    <dgm:scene3d>
+      <a:camera prst="orthographicFront"/>
+      <a:lightRig rig="threePt" dir="t"/>
+    </dgm:scene3d>
+    <dgm:sp3d/>
+    <dgm:txPr/>
+    <dgm:style>
+      <a:lnRef idx="1">
+        <a:scrgbClr r="0" g="0" b="0"/>
+      </a:lnRef>
+      <a:fillRef idx="3">
+        <a:scrgbClr r="0" g="0" b="0"/>
+      </a:fillRef>
+      <a:effectRef idx="2">
+        <a:scrgbClr r="0" g="0" b="0"/>
+      </a:effectRef>
+      <a:fontRef idx="minor">
+        <a:schemeClr val="lt1"/>
+      </a:fontRef>
+    </dgm:style>
+  </dgm:styleLbl>
+  <dgm:styleLbl name="node1">
+    <dgm:scene3d>
+      <a:camera prst="orthographicFront"/>
+      <a:lightRig rig="threePt" dir="t"/>
+    </dgm:scene3d>
+    <dgm:sp3d/>
+    <dgm:txPr/>
+    <dgm:style>
+      <a:lnRef idx="0">
+        <a:scrgbClr r="0" g="0" b="0"/>
+      </a:lnRef>
+      <a:fillRef idx="3">
+        <a:scrgbClr r="0" g="0" b="0"/>
+      </a:fillRef>
+      <a:effectRef idx="2">
+        <a:scrgbClr r="0" g="0" b="0"/>
+      </a:effectRef>
+      <a:fontRef idx="minor">
+        <a:schemeClr val="lt1"/>
+      </a:fontRef>
+    </dgm:style>
+  </dgm:styleLbl>
+  <dgm:styleLbl name="node2">
+    <dgm:scene3d>
+      <a:camera prst="orthographicFront"/>
+      <a:lightRig rig="threePt" dir="t"/>
+    </dgm:scene3d>
+    <dgm:sp3d/>
+    <dgm:txPr/>
+    <dgm:style>
+      <a:lnRef idx="0">
+        <a:scrgbClr r="0" g="0" b="0"/>
+      </a:lnRef>
+      <a:fillRef idx="3">
+        <a:scrgbClr r="0" g="0" b="0"/>
+      </a:fillRef>
+      <a:effectRef idx="2">
+        <a:scrgbClr r="0" g="0" b="0"/>
+      </a:effectRef>
+      <a:fontRef idx="minor">
+        <a:schemeClr val="lt1"/>
+      </a:fontRef>
+    </dgm:style>
+  </dgm:styleLbl>
+  <dgm:styleLbl name="node3">
+    <dgm:scene3d>
+      <a:camera prst="orthographicFront"/>
+      <a:lightRig rig="threePt" dir="t"/>
+    </dgm:scene3d>
+    <dgm:sp3d/>
+    <dgm:txPr/>
+    <dgm:style>
+      <a:lnRef idx="0">
+        <a:scrgbClr r="0" g="0" b="0"/>
+      </a:lnRef>
+      <a:fillRef idx="3">
+        <a:scrgbClr r="0" g="0" b="0"/>
+      </a:fillRef>
+      <a:effectRef idx="2">
+        <a:scrgbClr r="0" g="0" b="0"/>
+      </a:effectRef>
+      <a:fontRef idx="minor">
+        <a:schemeClr val="lt1"/>
+      </a:fontRef>
+    </dgm:style>
+  </dgm:styleLbl>
+  <dgm:styleLbl name="node4">
+    <dgm:scene3d>
+      <a:camera prst="orthographicFront"/>
+      <a:lightRig rig="threePt" dir="t"/>
+    </dgm:scene3d>
+    <dgm:sp3d/>
+    <dgm:txPr/>
+    <dgm:style>
+      <a:lnRef idx="0">
+        <a:scrgbClr r="0" g="0" b="0"/>
+      </a:lnRef>
+      <a:fillRef idx="3">
+        <a:scrgbClr r="0" g="0" b="0"/>
+      </a:fillRef>
+      <a:effectRef idx="2">
+        <a:scrgbClr r="0" g="0" b="0"/>
+      </a:effectRef>
+      <a:fontRef idx="minor">
+        <a:schemeClr val="lt1"/>
+      </a:fontRef>
+    </dgm:style>
+  </dgm:styleLbl>
+  <dgm:styleLbl name="fgImgPlace1">
+    <dgm:scene3d>
+      <a:camera prst="orthographicFront"/>
+      <a:lightRig rig="threePt" dir="t"/>
+    </dgm:scene3d>
+    <dgm:sp3d/>
+    <dgm:txPr/>
+    <dgm:style>
+      <a:lnRef idx="0">
+        <a:scrgbClr r="0" g="0" b="0"/>
+      </a:lnRef>
+      <a:fillRef idx="1">
+        <a:scrgbClr r="0" g="0" b="0"/>
+      </a:fillRef>
+      <a:effectRef idx="2">
+        <a:scrgbClr r="0" g="0" b="0"/>
+      </a:effectRef>
+      <a:fontRef idx="minor"/>
+    </dgm:style>
+  </dgm:styleLbl>
+  <dgm:styleLbl name="alignImgPlace1">
+    <dgm:scene3d>
+      <a:camera prst="orthographicFront"/>
+      <a:lightRig rig="threePt" dir="t"/>
+    </dgm:scene3d>
+    <dgm:sp3d/>
+    <dgm:txPr/>
+    <dgm:style>
+      <a:lnRef idx="0">
+        <a:scrgbClr r="0" g="0" b="0"/>
+      </a:lnRef>
+      <a:fillRef idx="1">
+        <a:scrgbClr r="0" g="0" b="0"/>
+      </a:fillRef>
+      <a:effectRef idx="2">
+        <a:scrgbClr r="0" g="0" b="0"/>
+      </a:effectRef>
+      <a:fontRef idx="minor"/>
+    </dgm:style>
+  </dgm:styleLbl>
+  <dgm:styleLbl name="bgImgPlace1">
+    <dgm:scene3d>
+      <a:camera prst="orthographicFront"/>
+      <a:lightRig rig="threePt" dir="t"/>
+    </dgm:scene3d>
+    <dgm:sp3d/>
+    <dgm:txPr/>
+    <dgm:style>
+      <a:lnRef idx="0">
+        <a:scrgbClr r="0" g="0" b="0"/>
+      </a:lnRef>
+      <a:fillRef idx="1">
+        <a:scrgbClr r="0" g="0" b="0"/>
+      </a:fillRef>
+      <a:effectRef idx="2">
+        <a:scrgbClr r="0" g="0" b="0"/>
+      </a:effectRef>
+      <a:fontRef idx="minor"/>
+    </dgm:style>
+  </dgm:styleLbl>
+  <dgm:styleLbl name="sibTrans2D1">
+    <dgm:scene3d>
+      <a:camera prst="orthographicFront"/>
+      <a:lightRig rig="threePt" dir="t"/>
+    </dgm:scene3d>
+    <dgm:sp3d/>
+    <dgm:txPr/>
+    <dgm:style>
+      <a:lnRef idx="0">
+        <a:scrgbClr r="0" g="0" b="0"/>
+      </a:lnRef>
+      <a:fillRef idx="3">
+        <a:scrgbClr r="0" g="0" b="0"/>
+      </a:fillRef>
+      <a:effectRef idx="2">
+        <a:scrgbClr r="0" g="0" b="0"/>
+      </a:effectRef>
+      <a:fontRef idx="minor">
+        <a:schemeClr val="lt1"/>
+      </a:fontRef>
+    </dgm:style>
+  </dgm:styleLbl>
+  <dgm:styleLbl name="fgSibTrans2D1">
+    <dgm:scene3d>
+      <a:camera prst="orthographicFront"/>
+      <a:lightRig rig="threePt" dir="t"/>
+    </dgm:scene3d>
+    <dgm:sp3d/>
+    <dgm:txPr/>
+    <dgm:style>
+      <a:lnRef idx="0">
+        <a:scrgbClr r="0" g="0" b="0"/>
+      </a:lnRef>
+      <a:fillRef idx="3">
+        <a:scrgbClr r="0" g="0" b="0"/>
+      </a:fillRef>
+      <a:effectRef idx="2">
+        <a:scrgbClr r="0" g="0" b="0"/>
+      </a:effectRef>
+      <a:fontRef idx="minor">
+        <a:schemeClr val="lt1"/>
+      </a:fontRef>
+    </dgm:style>
+  </dgm:styleLbl>
+  <dgm:styleLbl name="bgSibTrans2D1">
+    <dgm:scene3d>
+      <a:camera prst="orthographicFront"/>
+      <a:lightRig rig="threePt" dir="t"/>
+    </dgm:scene3d>
+    <dgm:sp3d/>
+    <dgm:txPr/>
+    <dgm:style>
+      <a:lnRef idx="0">
+        <a:scrgbClr r="0" g="0" b="0"/>
+      </a:lnRef>
+      <a:fillRef idx="3">
+        <a:scrgbClr r="0" g="0" b="0"/>
+      </a:fillRef>
+      <a:effectRef idx="2">
+        <a:scrgbClr r="0" g="0" b="0"/>
+      </a:effectRef>
+      <a:fontRef idx="minor">
+        <a:schemeClr val="lt1"/>
+      </a:fontRef>
+    </dgm:style>
+  </dgm:styleLbl>
+  <dgm:styleLbl name="sibTrans1D1">
+    <dgm:scene3d>
+      <a:camera prst="orthographicFront"/>
+      <a:lightRig rig="threePt" dir="t"/>
+    </dgm:scene3d>
+    <dgm:sp3d/>
+    <dgm:txPr/>
+    <dgm:style>
+      <a:lnRef idx="1">
+        <a:scrgbClr r="0" g="0" b="0"/>
+      </a:lnRef>
+      <a:fillRef idx="0">
+        <a:scrgbClr r="0" g="0" b="0"/>
+      </a:fillRef>
+      <a:effectRef idx="0">
+        <a:scrgbClr r="0" g="0" b="0"/>
+      </a:effectRef>
+      <a:fontRef idx="minor"/>
+    </dgm:style>
+  </dgm:styleLbl>
+  <dgm:styleLbl name="callout">
+    <dgm:scene3d>
+      <a:camera prst="orthographicFront"/>
+      <a:lightRig rig="threePt" dir="t"/>
+    </dgm:scene3d>
+    <dgm:sp3d/>
+    <dgm:txPr/>
+    <dgm:style>
+      <a:lnRef idx="2">
+        <a:scrgbClr r="0" g="0" b="0"/>
+      </a:lnRef>
+      <a:fillRef idx="1">
+        <a:scrgbClr r="0" g="0" b="0"/>
+      </a:fillRef>
+      <a:effectRef idx="1">
+        <a:scrgbClr r="0" g="0" b="0"/>
+      </a:effectRef>
+      <a:fontRef idx="minor"/>
+    </dgm:style>
+  </dgm:styleLbl>
+  <dgm:styleLbl name="asst0">
+    <dgm:scene3d>
+      <a:camera prst="orthographicFront"/>
+      <a:lightRig rig="threePt" dir="t"/>
+    </dgm:scene3d>
+    <dgm:sp3d/>
+    <dgm:txPr/>
+    <dgm:style>
+      <a:lnRef idx="0">
+        <a:scrgbClr r="0" g="0" b="0"/>
+      </a:lnRef>
+      <a:fillRef idx="3">
+        <a:scrgbClr r="0" g="0" b="0"/>
+      </a:fillRef>
+      <a:effectRef idx="2">
+        <a:scrgbClr r="0" g="0" b="0"/>
+      </a:effectRef>
+      <a:fontRef idx="minor">
+        <a:schemeClr val="lt1"/>
+      </a:fontRef>
+    </dgm:style>
+  </dgm:styleLbl>
+  <dgm:styleLbl name="asst1">
+    <dgm:scene3d>
+      <a:camera prst="orthographicFront"/>
+      <a:lightRig rig="threePt" dir="t"/>
+    </dgm:scene3d>
+    <dgm:sp3d/>
+    <dgm:txPr/>
+    <dgm:style>
+      <a:lnRef idx="0">
+        <a:scrgbClr r="0" g="0" b="0"/>
+      </a:lnRef>
+      <a:fillRef idx="3">
+        <a:scrgbClr r="0" g="0" b="0"/>
+      </a:fillRef>
+      <a:effectRef idx="2">
+        <a:scrgbClr r="0" g="0" b="0"/>
+      </a:effectRef>
+      <a:fontRef idx="minor">
+        <a:schemeClr val="lt1"/>
+      </a:fontRef>
+    </dgm:style>
+  </dgm:styleLbl>
+  <dgm:styleLbl name="asst2">
+    <dgm:scene3d>
+      <a:camera prst="orthographicFront"/>
+      <a:lightRig rig="threePt" dir="t"/>
+    </dgm:scene3d>
+    <dgm:sp3d/>
+    <dgm:txPr/>
+    <dgm:style>
+      <a:lnRef idx="0">
+        <a:scrgbClr r="0" g="0" b="0"/>
+      </a:lnRef>
+      <a:fillRef idx="3">
+        <a:scrgbClr r="0" g="0" b="0"/>
+      </a:fillRef>
+      <a:effectRef idx="2">
+        <a:scrgbClr r="0" g="0" b="0"/>
+      </a:effectRef>
+      <a:fontRef idx="minor">
+        <a:schemeClr val="lt1"/>
+      </a:fontRef>
+    </dgm:style>
+  </dgm:styleLbl>
+  <dgm:styleLbl name="asst3">
+    <dgm:scene3d>
+      <a:camera prst="orthographicFront"/>
+      <a:lightRig rig="threePt" dir="t"/>
+    </dgm:scene3d>
+    <dgm:sp3d/>
+    <dgm:txPr/>
+    <dgm:style>
+      <a:lnRef idx="0">
+        <a:scrgbClr r="0" g="0" b="0"/>
+      </a:lnRef>
+      <a:fillRef idx="3">
+        <a:scrgbClr r="0" g="0" b="0"/>
+      </a:fillRef>
+      <a:effectRef idx="2">
+        <a:scrgbClr r="0" g="0" b="0"/>
+      </a:effectRef>
+      <a:fontRef idx="minor">
+        <a:schemeClr val="lt1"/>
+      </a:fontRef>
+    </dgm:style>
+  </dgm:styleLbl>
+  <dgm:styleLbl name="asst4">
+    <dgm:scene3d>
+      <a:camera prst="orthographicFront"/>
+      <a:lightRig rig="threePt" dir="t"/>
+    </dgm:scene3d>
+    <dgm:sp3d/>
+    <dgm:txPr/>
+    <dgm:style>
+      <a:lnRef idx="0">
+        <a:scrgbClr r="0" g="0" b="0"/>
+      </a:lnRef>
+      <a:fillRef idx="3">
+        <a:scrgbClr r="0" g="0" b="0"/>
+      </a:fillRef>
+      <a:effectRef idx="2">
+        <a:scrgbClr r="0" g="0" b="0"/>
+      </a:effectRef>
+      <a:fontRef idx="minor">
+        <a:schemeClr val="lt1"/>
+      </a:fontRef>
+    </dgm:style>
+  </dgm:styleLbl>
+  <dgm:styleLbl name="parChTrans2D1">
+    <dgm:scene3d>
+      <a:camera prst="orthographicFront"/>
+      <a:lightRig rig="threePt" dir="t"/>
+    </dgm:scene3d>
+    <dgm:sp3d/>
+    <dgm:txPr/>
+    <dgm:style>
+      <a:lnRef idx="0">
+        <a:scrgbClr r="0" g="0" b="0"/>
+      </a:lnRef>
+      <a:fillRef idx="3">
+        <a:scrgbClr r="0" g="0" b="0"/>
+      </a:fillRef>
+      <a:effectRef idx="2">
+        <a:scrgbClr r="0" g="0" b="0"/>
+      </a:effectRef>
+      <a:fontRef idx="minor">
+        <a:schemeClr val="lt1"/>
+      </a:fontRef>
+    </dgm:style>
+  </dgm:styleLbl>
+  <dgm:styleLbl name="parChTrans2D2">
+    <dgm:scene3d>
+      <a:camera prst="orthographicFront"/>
+      <a:lightRig rig="threePt" dir="t"/>
+    </dgm:scene3d>
+    <dgm:sp3d/>
+    <dgm:txPr/>
+    <dgm:style>
+      <a:lnRef idx="0">
+        <a:scrgbClr r="0" g="0" b="0"/>
+      </a:lnRef>
+      <a:fillRef idx="3">
+        <a:scrgbClr r="0" g="0" b="0"/>
+      </a:fillRef>
+      <a:effectRef idx="2">
+        <a:scrgbClr r="0" g="0" b="0"/>
+      </a:effectRef>
+      <a:fontRef idx="minor">
+        <a:schemeClr val="lt1"/>
+      </a:fontRef>
+    </dgm:style>
+  </dgm:styleLbl>
+  <dgm:styleLbl name="parChTrans2D3">
+    <dgm:scene3d>
+      <a:camera prst="orthographicFront"/>
+      <a:lightRig rig="threePt" dir="t"/>
+    </dgm:scene3d>
+    <dgm:sp3d/>
+    <dgm:txPr/>
+    <dgm:style>
+      <a:lnRef idx="1">
+        <a:scrgbClr r="0" g="0" b="0"/>
+      </a:lnRef>
+      <a:fillRef idx="3">
+        <a:scrgbClr r="0" g="0" b="0"/>
+      </a:fillRef>
+      <a:effectRef idx="2">
+        <a:scrgbClr r="0" g="0" b="0"/>
+      </a:effectRef>
+      <a:fontRef idx="minor">
+        <a:schemeClr val="lt1"/>
+      </a:fontRef>
+    </dgm:style>
+  </dgm:styleLbl>
+  <dgm:styleLbl name="parChTrans2D4">
+    <dgm:scene3d>
+      <a:camera prst="orthographicFront"/>
+      <a:lightRig rig="threePt" dir="t"/>
+    </dgm:scene3d>
+    <dgm:sp3d/>
+    <dgm:txPr/>
+    <dgm:style>
+      <a:lnRef idx="1">
+        <a:scrgbClr r="0" g="0" b="0"/>
+      </a:lnRef>
+      <a:fillRef idx="3">
+        <a:scrgbClr r="0" g="0" b="0"/>
+      </a:fillRef>
+      <a:effectRef idx="2">
+        <a:scrgbClr r="0" g="0" b="0"/>
+      </a:effectRef>
+      <a:fontRef idx="minor">
+        <a:schemeClr val="lt1"/>
+      </a:fontRef>
+    </dgm:style>
+  </dgm:styleLbl>
+  <dgm:styleLbl name="parChTrans1D1">
+    <dgm:scene3d>
+      <a:camera prst="orthographicFront"/>
+      <a:lightRig rig="threePt" dir="t"/>
+    </dgm:scene3d>
+    <dgm:sp3d/>
+    <dgm:txPr/>
+    <dgm:style>
+      <a:lnRef idx="1">
+        <a:scrgbClr r="0" g="0" b="0"/>
+      </a:lnRef>
+      <a:fillRef idx="0">
+        <a:scrgbClr r="0" g="0" b="0"/>
+      </a:fillRef>
+      <a:effectRef idx="0">
+        <a:scrgbClr r="0" g="0" b="0"/>
+      </a:effectRef>
+      <a:fontRef idx="minor"/>
+    </dgm:style>
+  </dgm:styleLbl>
+  <dgm:styleLbl name="parChTrans1D2">
+    <dgm:scene3d>
+      <a:camera prst="orthographicFront"/>
+      <a:lightRig rig="threePt" dir="t"/>
+    </dgm:scene3d>
+    <dgm:sp3d/>
+    <dgm:txPr/>
+    <dgm:style>
+      <a:lnRef idx="1">
+        <a:scrgbClr r="0" g="0" b="0"/>
+      </a:lnRef>
+      <a:fillRef idx="0">
+        <a:scrgbClr r="0" g="0" b="0"/>
+      </a:fillRef>
+      <a:effectRef idx="0">
+        <a:scrgbClr r="0" g="0" b="0"/>
+      </a:effectRef>
+      <a:fontRef idx="minor"/>
+    </dgm:style>
+  </dgm:styleLbl>
+  <dgm:styleLbl name="parChTrans1D3">
+    <dgm:scene3d>
+      <a:camera prst="orthographicFront"/>
+      <a:lightRig rig="threePt" dir="t"/>
+    </dgm:scene3d>
+    <dgm:sp3d/>
+    <dgm:txPr/>
+    <dgm:style>
+      <a:lnRef idx="1">
+        <a:scrgbClr r="0" g="0" b="0"/>
+      </a:lnRef>
+      <a:fillRef idx="0">
+        <a:scrgbClr r="0" g="0" b="0"/>
+      </a:fillRef>
+      <a:effectRef idx="0">
+        <a:scrgbClr r="0" g="0" b="0"/>
+      </a:effectRef>
+      <a:fontRef idx="minor"/>
+    </dgm:style>
+  </dgm:styleLbl>
+  <dgm:styleLbl name="parChTrans1D4">
+    <dgm:scene3d>
+      <a:camera prst="orthographicFront"/>
+      <a:lightRig rig="threePt" dir="t"/>
+    </dgm:scene3d>
+    <dgm:sp3d/>
+    <dgm:txPr/>
+    <dgm:style>
+      <a:lnRef idx="1">
+        <a:scrgbClr r="0" g="0" b="0"/>
+      </a:lnRef>
+      <a:fillRef idx="0">
+        <a:scrgbClr r="0" g="0" b="0"/>
+      </a:fillRef>
+      <a:effectRef idx="0">
+        <a:scrgbClr r="0" g="0" b="0"/>
+      </a:effectRef>
+      <a:fontRef idx="minor"/>
+    </dgm:style>
+  </dgm:styleLbl>
+  <dgm:styleLbl name="fgAcc1">
+    <dgm:scene3d>
+      <a:camera prst="orthographicFront"/>
+      <a:lightRig rig="threePt" dir="t"/>
+    </dgm:scene3d>
+    <dgm:sp3d/>
+    <dgm:txPr/>
+    <dgm:style>
+      <a:lnRef idx="1">
+        <a:scrgbClr r="0" g="0" b="0"/>
+      </a:lnRef>
+      <a:fillRef idx="1">
+        <a:scrgbClr r="0" g="0" b="0"/>
+      </a:fillRef>
+      <a:effectRef idx="0">
+        <a:scrgbClr r="0" g="0" b="0"/>
+      </a:effectRef>
+      <a:fontRef idx="minor"/>
+    </dgm:style>
+  </dgm:styleLbl>
+  <dgm:styleLbl name="conFgAcc1">
+    <dgm:scene3d>
+      <a:camera prst="orthographicFront"/>
+      <a:lightRig rig="threePt" dir="t"/>
+    </dgm:scene3d>
+    <dgm:sp3d/>
+    <dgm:txPr/>
+    <dgm:style>
+      <a:lnRef idx="1">
+        <a:scrgbClr r="0" g="0" b="0"/>
+      </a:lnRef>
+      <a:fillRef idx="1">
+        <a:scrgbClr r="0" g="0" b="0"/>
+      </a:fillRef>
+      <a:effectRef idx="0">
+        <a:scrgbClr r="0" g="0" b="0"/>
+      </a:effectRef>
+      <a:fontRef idx="minor"/>
+    </dgm:style>
+  </dgm:styleLbl>
+  <dgm:styleLbl name="alignAcc1">
+    <dgm:scene3d>
+      <a:camera prst="orthographicFront"/>
+      <a:lightRig rig="threePt" dir="t"/>
+    </dgm:scene3d>
+    <dgm:sp3d/>
+    <dgm:txPr/>
+    <dgm:style>
+      <a:lnRef idx="1">
+        <a:scrgbClr r="0" g="0" b="0"/>
+      </a:lnRef>
+      <a:fillRef idx="1">
+        <a:scrgbClr r="0" g="0" b="0"/>
+      </a:fillRef>
+      <a:effectRef idx="0">
+        <a:scrgbClr r="0" g="0" b="0"/>
+      </a:effectRef>
+      <a:fontRef idx="minor"/>
+    </dgm:style>
+  </dgm:styleLbl>
+  <dgm:styleLbl name="trAlignAcc1">
+    <dgm:scene3d>
+      <a:camera prst="orthographicFront"/>
+      <a:lightRig rig="threePt" dir="t"/>
+    </dgm:scene3d>
+    <dgm:sp3d/>
+    <dgm:txPr/>
+    <dgm:style>
+      <a:lnRef idx="1">
+        <a:scrgbClr r="0" g="0" b="0"/>
+      </a:lnRef>
+      <a:fillRef idx="1">
+        <a:scrgbClr r="0" g="0" b="0"/>
+      </a:fillRef>
+      <a:effectRef idx="0">
+        <a:scrgbClr r="0" g="0" b="0"/>
+      </a:effectRef>
+      <a:fontRef idx="minor"/>
+    </dgm:style>
+  </dgm:styleLbl>
+  <dgm:styleLbl name="bgAcc1">
+    <dgm:scene3d>
+      <a:camera prst="orthographicFront"/>
+      <a:lightRig rig="threePt" dir="t"/>
+    </dgm:scene3d>
+    <dgm:sp3d/>
+    <dgm:txPr/>
+    <dgm:style>
+      <a:lnRef idx="1">
+        <a:scrgbClr r="0" g="0" b="0"/>
+      </a:lnRef>
+      <a:fillRef idx="1">
+        <a:scrgbClr r="0" g="0" b="0"/>
+      </a:fillRef>
+      <a:effectRef idx="0">
+        <a:scrgbClr r="0" g="0" b="0"/>
+      </a:effectRef>
+      <a:fontRef idx="minor"/>
+    </dgm:style>
+  </dgm:styleLbl>
+  <dgm:styleLbl name="solidFgAcc1">
+    <dgm:scene3d>
+      <a:camera prst="orthographicFront"/>
+      <a:lightRig rig="threePt" dir="t"/>
+    </dgm:scene3d>
+    <dgm:sp3d/>
+    <dgm:txPr/>
+    <dgm:style>
+      <a:lnRef idx="1">
+        <a:scrgbClr r="0" g="0" b="0"/>
+      </a:lnRef>
+      <a:fillRef idx="1">
+        <a:scrgbClr r="0" g="0" b="0"/>
+      </a:fillRef>
+      <a:effectRef idx="0">
+        <a:scrgbClr r="0" g="0" b="0"/>
+      </a:effectRef>
+      <a:fontRef idx="minor"/>
+    </dgm:style>
+  </dgm:styleLbl>
+  <dgm:styleLbl name="solidAlignAcc1">
+    <dgm:scene3d>
+      <a:camera prst="orthographicFront"/>
+      <a:lightRig rig="threePt" dir="t"/>
+    </dgm:scene3d>
+    <dgm:sp3d/>
+    <dgm:txPr/>
+    <dgm:style>
+      <a:lnRef idx="1">
+        <a:scrgbClr r="0" g="0" b="0"/>
+      </a:lnRef>
+      <a:fillRef idx="1">
+        <a:scrgbClr r="0" g="0" b="0"/>
+      </a:fillRef>
+      <a:effectRef idx="0">
+        <a:scrgbClr r="0" g="0" b="0"/>
+      </a:effectRef>
+      <a:fontRef idx="minor"/>
+    </dgm:style>
+  </dgm:styleLbl>
+  <dgm:styleLbl name="solidBgAcc1">
+    <dgm:scene3d>
+      <a:camera prst="orthographicFront"/>
+      <a:lightRig rig="threePt" dir="t"/>
+    </dgm:scene3d>
+    <dgm:sp3d/>
+    <dgm:txPr/>
+    <dgm:style>
+      <a:lnRef idx="1">
+        <a:scrgbClr r="0" g="0" b="0"/>
+      </a:lnRef>
+      <a:fillRef idx="1">
+        <a:scrgbClr r="0" g="0" b="0"/>
+      </a:fillRef>
+      <a:effectRef idx="0">
+        <a:scrgbClr r="0" g="0" b="0"/>
+      </a:effectRef>
+      <a:fontRef idx="minor"/>
+    </dgm:style>
+  </dgm:styleLbl>
+  <dgm:styleLbl name="fgAccFollowNode1">
+    <dgm:scene3d>
+      <a:camera prst="orthographicFront"/>
+      <a:lightRig rig="threePt" dir="t"/>
+    </dgm:scene3d>
+    <dgm:sp3d/>
+    <dgm:txPr/>
+    <dgm:style>
+      <a:lnRef idx="1">
+        <a:scrgbClr r="0" g="0" b="0"/>
+      </a:lnRef>
+      <a:fillRef idx="1">
+        <a:scrgbClr r="0" g="0" b="0"/>
+      </a:fillRef>
+      <a:effectRef idx="0">
+        <a:scrgbClr r="0" g="0" b="0"/>
+      </a:effectRef>
+      <a:fontRef idx="minor"/>
+    </dgm:style>
+  </dgm:styleLbl>
+  <dgm:styleLbl name="alignAccFollowNode1">
+    <dgm:scene3d>
+      <a:camera prst="orthographicFront"/>
+      <a:lightRig rig="threePt" dir="t"/>
+    </dgm:scene3d>
+    <dgm:sp3d/>
+    <dgm:txPr/>
+    <dgm:style>
+      <a:lnRef idx="1">
+        <a:scrgbClr r="0" g="0" b="0"/>
+      </a:lnRef>
+      <a:fillRef idx="1">
+        <a:scrgbClr r="0" g="0" b="0"/>
+      </a:fillRef>
+      <a:effectRef idx="0">
+        <a:scrgbClr r="0" g="0" b="0"/>
+      </a:effectRef>
+      <a:fontRef idx="minor"/>
+    </dgm:style>
+  </dgm:styleLbl>
+  <dgm:styleLbl name="bgAccFollowNode1">
+    <dgm:scene3d>
+      <a:camera prst="orthographicFront"/>
+      <a:lightRig rig="threePt" dir="t"/>
+    </dgm:scene3d>
+    <dgm:sp3d/>
+    <dgm:txPr/>
+    <dgm:style>
+      <a:lnRef idx="1">
+        <a:scrgbClr r="0" g="0" b="0"/>
+      </a:lnRef>
+      <a:fillRef idx="1">
+        <a:scrgbClr r="0" g="0" b="0"/>
+      </a:fillRef>
+      <a:effectRef idx="0">
+        <a:scrgbClr r="0" g="0" b="0"/>
+      </a:effectRef>
+      <a:fontRef idx="minor"/>
+    </dgm:style>
+  </dgm:styleLbl>
+  <dgm:styleLbl name="fgAcc0">
+    <dgm:scene3d>
+      <a:camera prst="orthographicFront"/>
+      <a:lightRig rig="threePt" dir="t"/>
+    </dgm:scene3d>
+    <dgm:sp3d/>
+    <dgm:txPr/>
+    <dgm:style>
+      <a:lnRef idx="1">
+        <a:scrgbClr r="0" g="0" b="0"/>
+      </a:lnRef>
+      <a:fillRef idx="1">
+        <a:scrgbClr r="0" g="0" b="0"/>
+      </a:fillRef>
+      <a:effectRef idx="0">
+        <a:scrgbClr r="0" g="0" b="0"/>
+      </a:effectRef>
+      <a:fontRef idx="minor"/>
+    </dgm:style>
+  </dgm:styleLbl>
+  <dgm:styleLbl name="fgAcc2">
+    <dgm:scene3d>
+      <a:camera prst="orthographicFront"/>
+      <a:lightRig rig="threePt" dir="t"/>
+    </dgm:scene3d>
+    <dgm:sp3d/>
+    <dgm:txPr/>
+    <dgm:style>
+      <a:lnRef idx="1">
+        <a:scrgbClr r="0" g="0" b="0"/>
+      </a:lnRef>
+      <a:fillRef idx="1">
+        <a:scrgbClr r="0" g="0" b="0"/>
+      </a:fillRef>
+      <a:effectRef idx="0">
+        <a:scrgbClr r="0" g="0" b="0"/>
+      </a:effectRef>
+      <a:fontRef idx="minor"/>
+    </dgm:style>
+  </dgm:styleLbl>
+  <dgm:styleLbl name="fgAcc3">
+    <dgm:scene3d>
+      <a:camera prst="orthographicFront"/>
+      <a:lightRig rig="threePt" dir="t"/>
+    </dgm:scene3d>
+    <dgm:sp3d/>
+    <dgm:txPr/>
+    <dgm:style>
+      <a:lnRef idx="1">
+        <a:scrgbClr r="0" g="0" b="0"/>
+      </a:lnRef>
+      <a:fillRef idx="1">
+        <a:scrgbClr r="0" g="0" b="0"/>
+      </a:fillRef>
+      <a:effectRef idx="0">
+        <a:scrgbClr r="0" g="0" b="0"/>
+      </a:effectRef>
+      <a:fontRef idx="minor"/>
+    </dgm:style>
+  </dgm:styleLbl>
+  <dgm:styleLbl name="fgAcc4">
+    <dgm:scene3d>
+      <a:camera prst="orthographicFront"/>
+      <a:lightRig rig="threePt" dir="t"/>
+    </dgm:scene3d>
+    <dgm:sp3d/>
+    <dgm:txPr/>
+    <dgm:style>
+      <a:lnRef idx="1">
+        <a:scrgbClr r="0" g="0" b="0"/>
+      </a:lnRef>
+      <a:fillRef idx="1">
+        <a:scrgbClr r="0" g="0" b="0"/>
+      </a:fillRef>
+      <a:effectRef idx="0">
+        <a:scrgbClr r="0" g="0" b="0"/>
+      </a:effectRef>
+      <a:fontRef idx="minor"/>
+    </dgm:style>
+  </dgm:styleLbl>
+  <dgm:styleLbl name="bgShp">
+    <dgm:scene3d>
+      <a:camera prst="orthographicFront"/>
+      <a:lightRig rig="threePt" dir="t"/>
+    </dgm:scene3d>
+    <dgm:sp3d/>
+    <dgm:txPr/>
+    <dgm:style>
+      <a:lnRef idx="0">
+        <a:scrgbClr r="0" g="0" b="0"/>
+      </a:lnRef>
+      <a:fillRef idx="1">
+        <a:scrgbClr r="0" g="0" b="0"/>
+      </a:fillRef>
+      <a:effectRef idx="2">
+        <a:scrgbClr r="0" g="0" b="0"/>
+      </a:effectRef>
+      <a:fontRef idx="minor"/>
+    </dgm:style>
+  </dgm:styleLbl>
+  <dgm:styleLbl name="dkBgShp">
+    <dgm:scene3d>
+      <a:camera prst="orthographicFront"/>
+      <a:lightRig rig="threePt" dir="t"/>
+    </dgm:scene3d>
+    <dgm:sp3d/>
+    <dgm:txPr/>
+    <dgm:style>
+      <a:lnRef idx="0">
+        <a:scrgbClr r="0" g="0" b="0"/>
+      </a:lnRef>
+      <a:fillRef idx="1">
+        <a:scrgbClr r="0" g="0" b="0"/>
+      </a:fillRef>
+      <a:effectRef idx="2">
+        <a:scrgbClr r="0" g="0" b="0"/>
+      </a:effectRef>
+      <a:fontRef idx="minor"/>
+    </dgm:style>
+  </dgm:styleLbl>
+  <dgm:styleLbl name="trBgShp">
+    <dgm:scene3d>
+      <a:camera prst="orthographicFront"/>
+      <a:lightRig rig="threePt" dir="t"/>
+    </dgm:scene3d>
+    <dgm:sp3d/>
+    <dgm:txPr/>
+    <dgm:style>
+      <a:lnRef idx="0">
+        <a:scrgbClr r="0" g="0" b="0"/>
+      </a:lnRef>
+      <a:fillRef idx="1">
+        <a:scrgbClr r="0" g="0" b="0"/>
+      </a:fillRef>
+      <a:effectRef idx="0">
+        <a:scrgbClr r="0" g="0" b="0"/>
+      </a:effectRef>
+      <a:fontRef idx="minor"/>
+    </dgm:style>
+  </dgm:styleLbl>
+  <dgm:styleLbl name="fgShp">
+    <dgm:scene3d>
+      <a:camera prst="orthographicFront"/>
+      <a:lightRig rig="threePt" dir="t"/>
+    </dgm:scene3d>
+    <dgm:sp3d/>
+    <dgm:txPr/>
+    <dgm:style>
+      <a:lnRef idx="0">
+        <a:scrgbClr r="0" g="0" b="0"/>
+      </a:lnRef>
+      <a:fillRef idx="3">
+        <a:scrgbClr r="0" g="0" b="0"/>
+      </a:fillRef>
+      <a:effectRef idx="2">
+        <a:scrgbClr r="0" g="0" b="0"/>
+      </a:effectRef>
+      <a:fontRef idx="minor"/>
+    </dgm:style>
+  </dgm:styleLbl>
+  <dgm:styleLbl name="revTx">
+    <dgm:scene3d>
+      <a:camera prst="orthographicFront"/>
+      <a:lightRig rig="threePt" dir="t"/>
+    </dgm:scene3d>
+    <dgm:sp3d/>
+    <dgm:txPr/>
+    <dgm:style>
+      <a:lnRef idx="0">
+        <a:scrgbClr r="0" g="0" b="0"/>
+      </a:lnRef>
+      <a:fillRef idx="0">
+        <a:scrgbClr r="0" g="0" b="0"/>
+      </a:fillRef>
+      <a:effectRef idx="0">
+        <a:scrgbClr r="0" g="0" b="0"/>
+      </a:effectRef>
+      <a:fontRef idx="minor"/>
+    </dgm:style>
+  </dgm:styleLbl>
+</dgm:styleDef>
+</file>
+
+<file path=ppt/diagrams/quickStyle5.xml><?xml version="1.0" encoding="utf-8"?>
 <dgm:styleDef xmlns:dgm="http://schemas.openxmlformats.org/drawingml/2006/diagram" xmlns:a="http://schemas.openxmlformats.org/drawingml/2006/main" uniqueId="urn:microsoft.com/office/officeart/2005/8/quickstyle/simple1">
   <dgm:title val=""/>
   <dgm:desc val=""/>
@@ -14471,7 +17321,7 @@
 </dgm:styleDef>
 </file>
 
-<file path=ppt/diagrams/quickStyle5.xml><?xml version="1.0" encoding="utf-8"?>
+<file path=ppt/diagrams/quickStyle6.xml><?xml version="1.0" encoding="utf-8"?>
 <dgm:styleDef xmlns:dgm="http://schemas.openxmlformats.org/drawingml/2006/diagram" xmlns:a="http://schemas.openxmlformats.org/drawingml/2006/main" uniqueId="urn:microsoft.com/office/officeart/2005/8/quickstyle/simple1">
   <dgm:title val=""/>
   <dgm:desc val=""/>
@@ -15587,7 +18437,7 @@
           <a:p>
             <a:fld id="{A4DC0D45-4F40-491D-965D-C7EE9E0918C2}" type="datetimeFigureOut">
               <a:rPr lang="fr-BE" smtClean="0"/>
-              <a:t>02-05-24</a:t>
+              <a:t>04-05-24</a:t>
             </a:fld>
             <a:endParaRPr lang="fr-BE"/>
           </a:p>
@@ -15916,16 +18766,7 @@
               <a:tabLst/>
               <a:defRPr/>
             </a:pPr>
-            <a:r>
-              <a:rPr lang="fr-BE" sz="1800">
-                <a:effectLst/>
-                <a:latin typeface="Calibri" panose="020F0502020204030204" pitchFamily="34" charset="0"/>
-                <a:ea typeface="Times New Roman" panose="02020603050405020304" pitchFamily="18" charset="0"/>
-                <a:cs typeface="Times New Roman" panose="02020603050405020304" pitchFamily="18" charset="0"/>
-              </a:rPr>
-              <a:t>Crée en 1992, Nexis est une société de consultance qui excelle dans la livraison, l’installation d’infrastructure ICT ainsi que le support client.</a:t>
-            </a:r>
-            <a:endParaRPr lang="fr-BE"/>
+            <a:endParaRPr lang="fr-BE" dirty="0"/>
           </a:p>
         </p:txBody>
       </p:sp>
@@ -15956,6 +18797,751 @@
     <p:extLst>
       <p:ext uri="{BB962C8B-B14F-4D97-AF65-F5344CB8AC3E}">
         <p14:creationId xmlns:p14="http://schemas.microsoft.com/office/powerpoint/2010/main" val="3813454806"/>
+      </p:ext>
+    </p:extLst>
+  </p:cSld>
+  <p:clrMapOvr>
+    <a:masterClrMapping/>
+  </p:clrMapOvr>
+</p:notes>
+</file>
+
+<file path=ppt/notesSlides/notesSlide10.xml><?xml version="1.0" encoding="utf-8"?>
+<p:notes xmlns:a="http://schemas.openxmlformats.org/drawingml/2006/main" xmlns:r="http://schemas.openxmlformats.org/officeDocument/2006/relationships" xmlns:p="http://schemas.openxmlformats.org/presentationml/2006/main">
+  <p:cSld>
+    <p:spTree>
+      <p:nvGrpSpPr>
+        <p:cNvPr id="1" name=""/>
+        <p:cNvGrpSpPr/>
+        <p:nvPr/>
+      </p:nvGrpSpPr>
+      <p:grpSpPr>
+        <a:xfrm>
+          <a:off x="0" y="0"/>
+          <a:ext cx="0" cy="0"/>
+          <a:chOff x="0" y="0"/>
+          <a:chExt cx="0" cy="0"/>
+        </a:xfrm>
+      </p:grpSpPr>
+      <p:sp>
+        <p:nvSpPr>
+          <p:cNvPr id="2" name="Espace réservé de l'image des diapositives 1"/>
+          <p:cNvSpPr>
+            <a:spLocks noGrp="1" noRot="1" noChangeAspect="1"/>
+          </p:cNvSpPr>
+          <p:nvPr>
+            <p:ph type="sldImg"/>
+          </p:nvPr>
+        </p:nvSpPr>
+        <p:spPr/>
+      </p:sp>
+      <p:sp>
+        <p:nvSpPr>
+          <p:cNvPr id="3" name="Espace réservé des notes 2"/>
+          <p:cNvSpPr>
+            <a:spLocks noGrp="1"/>
+          </p:cNvSpPr>
+          <p:nvPr>
+            <p:ph type="body" idx="1"/>
+          </p:nvPr>
+        </p:nvSpPr>
+        <p:spPr/>
+        <p:txBody>
+          <a:bodyPr/>
+          <a:lstStyle/>
+          <a:p>
+            <a:pPr marL="0" marR="0" lvl="0" indent="0" algn="l" defTabSz="914400" rtl="0" eaLnBrk="1" fontAlgn="auto" latinLnBrk="0" hangingPunct="1">
+              <a:lnSpc>
+                <a:spcPct val="100000"/>
+              </a:lnSpc>
+              <a:spcBef>
+                <a:spcPts val="0"/>
+              </a:spcBef>
+              <a:spcAft>
+                <a:spcPts val="0"/>
+              </a:spcAft>
+              <a:buClrTx/>
+              <a:buSzTx/>
+              <a:buFontTx/>
+              <a:buNone/>
+              <a:tabLst/>
+              <a:defRPr/>
+            </a:pPr>
+            <a:r>
+              <a:rPr lang="fr-FR" dirty="0"/>
+              <a:t>Hyperviseur de type 1 ou barre-métal et donc c’est une solution directement installé sur le matériel.</a:t>
+            </a:r>
+          </a:p>
+          <a:p>
+            <a:pPr marL="0" marR="0" lvl="0" indent="0" algn="l" defTabSz="914400" rtl="0" eaLnBrk="1" fontAlgn="auto" latinLnBrk="0" hangingPunct="1">
+              <a:lnSpc>
+                <a:spcPct val="100000"/>
+              </a:lnSpc>
+              <a:spcBef>
+                <a:spcPts val="0"/>
+              </a:spcBef>
+              <a:spcAft>
+                <a:spcPts val="0"/>
+              </a:spcAft>
+              <a:buClrTx/>
+              <a:buSzTx/>
+              <a:buFontTx/>
+              <a:buNone/>
+              <a:tabLst/>
+              <a:defRPr/>
+            </a:pPr>
+            <a:r>
+              <a:rPr lang="fr-FR" dirty="0"/>
+              <a:t>ESXi offre des Performances élevées et une exploitation optimisée des ressources.</a:t>
+            </a:r>
+          </a:p>
+          <a:p>
+            <a:pPr marL="0" marR="0" lvl="0" indent="0" algn="l" defTabSz="914400" rtl="0" eaLnBrk="1" fontAlgn="auto" latinLnBrk="0" hangingPunct="1">
+              <a:lnSpc>
+                <a:spcPct val="100000"/>
+              </a:lnSpc>
+              <a:spcBef>
+                <a:spcPts val="0"/>
+              </a:spcBef>
+              <a:spcAft>
+                <a:spcPts val="0"/>
+              </a:spcAft>
+              <a:buClrTx/>
+              <a:buSzTx/>
+              <a:buFontTx/>
+              <a:buNone/>
+              <a:tabLst/>
+              <a:defRPr/>
+            </a:pPr>
+            <a:endParaRPr lang="fr-FR" dirty="0"/>
+          </a:p>
+          <a:p>
+            <a:pPr marL="0" marR="0" lvl="0" indent="0" algn="l" defTabSz="914400" rtl="0" eaLnBrk="1" fontAlgn="auto" latinLnBrk="0" hangingPunct="1">
+              <a:lnSpc>
+                <a:spcPct val="100000"/>
+              </a:lnSpc>
+              <a:spcBef>
+                <a:spcPts val="0"/>
+              </a:spcBef>
+              <a:spcAft>
+                <a:spcPts val="0"/>
+              </a:spcAft>
+              <a:buClrTx/>
+              <a:buSzTx/>
+              <a:buFontTx/>
+              <a:buNone/>
+              <a:tabLst/>
+              <a:defRPr/>
+            </a:pPr>
+            <a:r>
+              <a:rPr lang="fr-FR" dirty="0"/>
+              <a:t>vCenter Server quant à lui est le point central de l’environnement. c’est le gestionnaire des nœuds et des clusters. L’accès se fait via une interface web qui utilise des requêtes API pour communiquer avec tous les éléments de l’environnement. </a:t>
+            </a:r>
+          </a:p>
+          <a:p>
+            <a:pPr marL="0" marR="0" lvl="0" indent="0" algn="l" defTabSz="914400" rtl="0" eaLnBrk="1" fontAlgn="auto" latinLnBrk="0" hangingPunct="1">
+              <a:lnSpc>
+                <a:spcPct val="100000"/>
+              </a:lnSpc>
+              <a:spcBef>
+                <a:spcPts val="0"/>
+              </a:spcBef>
+              <a:spcAft>
+                <a:spcPts val="0"/>
+              </a:spcAft>
+              <a:buClrTx/>
+              <a:buSzTx/>
+              <a:buFontTx/>
+              <a:buNone/>
+              <a:tabLst/>
+              <a:defRPr/>
+            </a:pPr>
+            <a:endParaRPr lang="fr-FR" dirty="0"/>
+          </a:p>
+          <a:p>
+            <a:pPr marL="0" marR="0" lvl="0" indent="0" algn="l" defTabSz="914400" rtl="0" eaLnBrk="1" fontAlgn="auto" latinLnBrk="0" hangingPunct="1">
+              <a:lnSpc>
+                <a:spcPct val="100000"/>
+              </a:lnSpc>
+              <a:spcBef>
+                <a:spcPts val="0"/>
+              </a:spcBef>
+              <a:spcAft>
+                <a:spcPts val="0"/>
+              </a:spcAft>
+              <a:buClrTx/>
+              <a:buSzTx/>
+              <a:buFontTx/>
+              <a:buNone/>
+              <a:tabLst/>
+              <a:defRPr/>
+            </a:pPr>
+            <a:r>
+              <a:rPr lang="fr-FR" dirty="0"/>
+              <a:t>On y retrouve une gestion centralisée et une supervision complète des éléments.</a:t>
+            </a:r>
+          </a:p>
+          <a:p>
+            <a:endParaRPr lang="fr-BE" dirty="0"/>
+          </a:p>
+        </p:txBody>
+      </p:sp>
+      <p:sp>
+        <p:nvSpPr>
+          <p:cNvPr id="4" name="Espace réservé du numéro de diapositive 3"/>
+          <p:cNvSpPr>
+            <a:spLocks noGrp="1"/>
+          </p:cNvSpPr>
+          <p:nvPr>
+            <p:ph type="sldNum" sz="quarter" idx="5"/>
+          </p:nvPr>
+        </p:nvSpPr>
+        <p:spPr/>
+        <p:txBody>
+          <a:bodyPr/>
+          <a:lstStyle/>
+          <a:p>
+            <a:pPr marL="0" marR="0" lvl="0" indent="0" algn="r" defTabSz="914400" rtl="0" eaLnBrk="1" fontAlgn="auto" latinLnBrk="0" hangingPunct="1">
+              <a:lnSpc>
+                <a:spcPct val="100000"/>
+              </a:lnSpc>
+              <a:spcBef>
+                <a:spcPts val="0"/>
+              </a:spcBef>
+              <a:spcAft>
+                <a:spcPts val="0"/>
+              </a:spcAft>
+              <a:buClrTx/>
+              <a:buSzTx/>
+              <a:buFontTx/>
+              <a:buNone/>
+              <a:tabLst/>
+              <a:defRPr/>
+            </a:pPr>
+            <a:fld id="{891A7DBC-6ED6-4006-A92E-F3B49A4F1505}" type="slidenum">
+              <a:rPr kumimoji="0" lang="fr-BE" sz="1200" b="0" i="0" u="none" strike="noStrike" kern="1200" cap="none" spc="0" normalizeH="0" baseline="0" noProof="0" smtClean="0">
+                <a:ln>
+                  <a:noFill/>
+                </a:ln>
+                <a:solidFill>
+                  <a:prstClr val="black"/>
+                </a:solidFill>
+                <a:effectLst/>
+                <a:uLnTx/>
+                <a:uFillTx/>
+                <a:latin typeface="Aptos" panose="02110004020202020204"/>
+                <a:ea typeface="+mn-ea"/>
+                <a:cs typeface="+mn-cs"/>
+              </a:rPr>
+              <a:pPr marL="0" marR="0" lvl="0" indent="0" algn="r" defTabSz="914400" rtl="0" eaLnBrk="1" fontAlgn="auto" latinLnBrk="0" hangingPunct="1">
+                <a:lnSpc>
+                  <a:spcPct val="100000"/>
+                </a:lnSpc>
+                <a:spcBef>
+                  <a:spcPts val="0"/>
+                </a:spcBef>
+                <a:spcAft>
+                  <a:spcPts val="0"/>
+                </a:spcAft>
+                <a:buClrTx/>
+                <a:buSzTx/>
+                <a:buFontTx/>
+                <a:buNone/>
+                <a:tabLst/>
+                <a:defRPr/>
+              </a:pPr>
+              <a:t>11</a:t>
+            </a:fld>
+            <a:endParaRPr kumimoji="0" lang="fr-BE" sz="1200" b="0" i="0" u="none" strike="noStrike" kern="1200" cap="none" spc="0" normalizeH="0" baseline="0" noProof="0">
+              <a:ln>
+                <a:noFill/>
+              </a:ln>
+              <a:solidFill>
+                <a:prstClr val="black"/>
+              </a:solidFill>
+              <a:effectLst/>
+              <a:uLnTx/>
+              <a:uFillTx/>
+              <a:latin typeface="Aptos" panose="02110004020202020204"/>
+              <a:ea typeface="+mn-ea"/>
+              <a:cs typeface="+mn-cs"/>
+            </a:endParaRPr>
+          </a:p>
+        </p:txBody>
+      </p:sp>
+    </p:spTree>
+    <p:extLst>
+      <p:ext uri="{BB962C8B-B14F-4D97-AF65-F5344CB8AC3E}">
+        <p14:creationId xmlns:p14="http://schemas.microsoft.com/office/powerpoint/2010/main" val="3934054091"/>
+      </p:ext>
+    </p:extLst>
+  </p:cSld>
+  <p:clrMapOvr>
+    <a:masterClrMapping/>
+  </p:clrMapOvr>
+</p:notes>
+</file>
+
+<file path=ppt/notesSlides/notesSlide11.xml><?xml version="1.0" encoding="utf-8"?>
+<p:notes xmlns:a="http://schemas.openxmlformats.org/drawingml/2006/main" xmlns:r="http://schemas.openxmlformats.org/officeDocument/2006/relationships" xmlns:p="http://schemas.openxmlformats.org/presentationml/2006/main">
+  <p:cSld>
+    <p:spTree>
+      <p:nvGrpSpPr>
+        <p:cNvPr id="1" name=""/>
+        <p:cNvGrpSpPr/>
+        <p:nvPr/>
+      </p:nvGrpSpPr>
+      <p:grpSpPr>
+        <a:xfrm>
+          <a:off x="0" y="0"/>
+          <a:ext cx="0" cy="0"/>
+          <a:chOff x="0" y="0"/>
+          <a:chExt cx="0" cy="0"/>
+        </a:xfrm>
+      </p:grpSpPr>
+      <p:sp>
+        <p:nvSpPr>
+          <p:cNvPr id="2" name="Espace réservé de l'image des diapositives 1"/>
+          <p:cNvSpPr>
+            <a:spLocks noGrp="1" noRot="1" noChangeAspect="1"/>
+          </p:cNvSpPr>
+          <p:nvPr>
+            <p:ph type="sldImg"/>
+          </p:nvPr>
+        </p:nvSpPr>
+        <p:spPr/>
+      </p:sp>
+      <p:sp>
+        <p:nvSpPr>
+          <p:cNvPr id="3" name="Espace réservé des notes 2"/>
+          <p:cNvSpPr>
+            <a:spLocks noGrp="1"/>
+          </p:cNvSpPr>
+          <p:nvPr>
+            <p:ph type="body" idx="1"/>
+          </p:nvPr>
+        </p:nvSpPr>
+        <p:spPr/>
+        <p:txBody>
+          <a:bodyPr/>
+          <a:lstStyle/>
+          <a:p>
+            <a:r>
+              <a:rPr lang="fr-BE" sz="1800" dirty="0">
+                <a:effectLst/>
+                <a:latin typeface="Calibri" panose="020F0502020204030204" pitchFamily="34" charset="0"/>
+                <a:ea typeface="Times New Roman" panose="02020603050405020304" pitchFamily="18" charset="0"/>
+                <a:cs typeface="Times New Roman" panose="02020603050405020304" pitchFamily="18" charset="0"/>
+              </a:rPr>
+              <a:t>Le système vSan permet de combiner les capacités de stockage de plusieurs serveurs physiques afin de créer un espace de stockage partagé et hautement disponible. </a:t>
+            </a:r>
+          </a:p>
+          <a:p>
+            <a:endParaRPr lang="fr-BE" sz="1800" dirty="0">
+              <a:effectLst/>
+              <a:latin typeface="Calibri" panose="020F0502020204030204" pitchFamily="34" charset="0"/>
+              <a:ea typeface="Times New Roman" panose="02020603050405020304" pitchFamily="18" charset="0"/>
+              <a:cs typeface="Times New Roman" panose="02020603050405020304" pitchFamily="18" charset="0"/>
+            </a:endParaRPr>
+          </a:p>
+          <a:p>
+            <a:r>
+              <a:rPr lang="fr-BE" sz="1800" dirty="0">
+                <a:effectLst/>
+                <a:latin typeface="Calibri" panose="020F0502020204030204" pitchFamily="34" charset="0"/>
+                <a:ea typeface="Times New Roman" panose="02020603050405020304" pitchFamily="18" charset="0"/>
+                <a:cs typeface="Times New Roman" panose="02020603050405020304" pitchFamily="18" charset="0"/>
+              </a:rPr>
+              <a:t>Son principe est d’agrège les périphériques locaux ou directement connectés à un cluster pour former un pool de stockage partagé sur tous les hôtes du cluster vSan. </a:t>
+            </a:r>
+          </a:p>
+          <a:p>
+            <a:endParaRPr lang="fr-BE" sz="1800" dirty="0">
+              <a:effectLst/>
+              <a:latin typeface="Calibri" panose="020F0502020204030204" pitchFamily="34" charset="0"/>
+              <a:cs typeface="Times New Roman" panose="02020603050405020304" pitchFamily="18" charset="0"/>
+            </a:endParaRPr>
+          </a:p>
+          <a:p>
+            <a:r>
+              <a:rPr lang="fr-BE" sz="1800" dirty="0">
+                <a:effectLst/>
+                <a:latin typeface="Calibri" panose="020F0502020204030204" pitchFamily="34" charset="0"/>
+                <a:ea typeface="Times New Roman" panose="02020603050405020304" pitchFamily="18" charset="0"/>
+                <a:cs typeface="Times New Roman" panose="02020603050405020304" pitchFamily="18" charset="0"/>
+              </a:rPr>
+              <a:t>Selon le type d’infrastructure, on retrouve trois versions d’un cluster vSan. </a:t>
+            </a:r>
+          </a:p>
+          <a:p>
+            <a:endParaRPr lang="fr-BE" sz="1800" dirty="0">
+              <a:effectLst/>
+              <a:latin typeface="Calibri" panose="020F0502020204030204" pitchFamily="34" charset="0"/>
+              <a:ea typeface="Times New Roman" panose="02020603050405020304" pitchFamily="18" charset="0"/>
+              <a:cs typeface="Times New Roman" panose="02020603050405020304" pitchFamily="18" charset="0"/>
+            </a:endParaRPr>
+          </a:p>
+          <a:p>
+            <a:r>
+              <a:rPr lang="fr-BE" sz="1800" dirty="0">
+                <a:effectLst/>
+                <a:latin typeface="Calibri" panose="020F0502020204030204" pitchFamily="34" charset="0"/>
+                <a:ea typeface="Times New Roman" panose="02020603050405020304" pitchFamily="18" charset="0"/>
+                <a:cs typeface="Times New Roman" panose="02020603050405020304" pitchFamily="18" charset="0"/>
+              </a:rPr>
+              <a:t>	Le cluster standard qui est composé d’au moins trois hôtes résident sur un site unique et sont connectés au même réseau. </a:t>
+            </a:r>
+          </a:p>
+          <a:p>
+            <a:endParaRPr lang="fr-BE" sz="1800" dirty="0">
+              <a:effectLst/>
+              <a:latin typeface="Calibri" panose="020F0502020204030204" pitchFamily="34" charset="0"/>
+              <a:cs typeface="Times New Roman" panose="02020603050405020304" pitchFamily="18" charset="0"/>
+            </a:endParaRPr>
+          </a:p>
+          <a:p>
+            <a:r>
+              <a:rPr lang="fr-BE" sz="1800" dirty="0">
+                <a:effectLst/>
+                <a:latin typeface="Calibri" panose="020F0502020204030204" pitchFamily="34" charset="0"/>
+                <a:ea typeface="Times New Roman" panose="02020603050405020304" pitchFamily="18" charset="0"/>
+                <a:cs typeface="Times New Roman" panose="02020603050405020304" pitchFamily="18" charset="0"/>
+              </a:rPr>
+              <a:t>	Le cluster a 2 nœuds qui est couramment utilisés dans des environnements de bureaux distants ou de succursales, où un nombre limité de charges de travail est exécuté mais nécessite une disponibilité élevée. </a:t>
+            </a:r>
+          </a:p>
+          <a:p>
+            <a:r>
+              <a:rPr lang="fr-BE" sz="1800" dirty="0">
+                <a:effectLst/>
+                <a:latin typeface="Calibri" panose="020F0502020204030204" pitchFamily="34" charset="0"/>
+                <a:ea typeface="Times New Roman" panose="02020603050405020304" pitchFamily="18" charset="0"/>
+                <a:cs typeface="Times New Roman" panose="02020603050405020304" pitchFamily="18" charset="0"/>
+              </a:rPr>
+              <a:t>		La configuration d’un cluster a deux nœuds se compose de deux hôtes situés au même endroit, connectés au même réseau, et utilise un troisième hôte comme témoin, qui peut être situé à distance.</a:t>
+            </a:r>
+          </a:p>
+          <a:p>
+            <a:endParaRPr lang="fr-BE" sz="1800" dirty="0">
+              <a:effectLst/>
+              <a:latin typeface="Calibri" panose="020F0502020204030204" pitchFamily="34" charset="0"/>
+              <a:cs typeface="Times New Roman" panose="02020603050405020304" pitchFamily="18" charset="0"/>
+            </a:endParaRPr>
+          </a:p>
+          <a:p>
+            <a:r>
+              <a:rPr lang="fr-BE" sz="1800" dirty="0">
+                <a:effectLst/>
+                <a:latin typeface="Calibri" panose="020F0502020204030204" pitchFamily="34" charset="0"/>
+                <a:ea typeface="Times New Roman" panose="02020603050405020304" pitchFamily="18" charset="0"/>
+                <a:cs typeface="Times New Roman" panose="02020603050405020304" pitchFamily="18" charset="0"/>
+              </a:rPr>
+              <a:t>	Le cluster étendu, ce type de configuration garantit une résilience face à la perte d'un site complet. C’est-à-dire que l’on a sur chacun des site une configuration identique et que l’on rajoute un hôte ailleurs.</a:t>
+            </a:r>
+          </a:p>
+          <a:p>
+            <a:r>
+              <a:rPr lang="fr-BE" sz="1800" dirty="0">
+                <a:effectLst/>
+                <a:latin typeface="Calibri" panose="020F0502020204030204" pitchFamily="34" charset="0"/>
+                <a:ea typeface="Times New Roman" panose="02020603050405020304" pitchFamily="18" charset="0"/>
+                <a:cs typeface="Times New Roman" panose="02020603050405020304" pitchFamily="18" charset="0"/>
+              </a:rPr>
+              <a:t>		Ce dernier joue le rôle de témoin dans les situations où une partition réseau survient entre les deux sites de données. .</a:t>
+            </a:r>
+          </a:p>
+          <a:p>
+            <a:r>
+              <a:rPr lang="fr-BE" sz="1800" dirty="0">
+                <a:effectLst/>
+                <a:latin typeface="Calibri" panose="020F0502020204030204" pitchFamily="34" charset="0"/>
+                <a:cs typeface="Times New Roman" panose="02020603050405020304" pitchFamily="18" charset="0"/>
+              </a:rPr>
+              <a:t>		</a:t>
+            </a:r>
+            <a:endParaRPr lang="fr-BE" dirty="0"/>
+          </a:p>
+        </p:txBody>
+      </p:sp>
+      <p:sp>
+        <p:nvSpPr>
+          <p:cNvPr id="4" name="Espace réservé du numéro de diapositive 3"/>
+          <p:cNvSpPr>
+            <a:spLocks noGrp="1"/>
+          </p:cNvSpPr>
+          <p:nvPr>
+            <p:ph type="sldNum" sz="quarter" idx="5"/>
+          </p:nvPr>
+        </p:nvSpPr>
+        <p:spPr/>
+        <p:txBody>
+          <a:bodyPr/>
+          <a:lstStyle/>
+          <a:p>
+            <a:fld id="{891A7DBC-6ED6-4006-A92E-F3B49A4F1505}" type="slidenum">
+              <a:rPr lang="fr-BE" smtClean="0"/>
+              <a:t>12</a:t>
+            </a:fld>
+            <a:endParaRPr lang="fr-BE"/>
+          </a:p>
+        </p:txBody>
+      </p:sp>
+    </p:spTree>
+    <p:extLst>
+      <p:ext uri="{BB962C8B-B14F-4D97-AF65-F5344CB8AC3E}">
+        <p14:creationId xmlns:p14="http://schemas.microsoft.com/office/powerpoint/2010/main" val="2778391018"/>
+      </p:ext>
+    </p:extLst>
+  </p:cSld>
+  <p:clrMapOvr>
+    <a:masterClrMapping/>
+  </p:clrMapOvr>
+</p:notes>
+</file>
+
+<file path=ppt/notesSlides/notesSlide12.xml><?xml version="1.0" encoding="utf-8"?>
+<p:notes xmlns:a="http://schemas.openxmlformats.org/drawingml/2006/main" xmlns:r="http://schemas.openxmlformats.org/officeDocument/2006/relationships" xmlns:p="http://schemas.openxmlformats.org/presentationml/2006/main">
+  <p:cSld>
+    <p:spTree>
+      <p:nvGrpSpPr>
+        <p:cNvPr id="1" name=""/>
+        <p:cNvGrpSpPr/>
+        <p:nvPr/>
+      </p:nvGrpSpPr>
+      <p:grpSpPr>
+        <a:xfrm>
+          <a:off x="0" y="0"/>
+          <a:ext cx="0" cy="0"/>
+          <a:chOff x="0" y="0"/>
+          <a:chExt cx="0" cy="0"/>
+        </a:xfrm>
+      </p:grpSpPr>
+      <p:sp>
+        <p:nvSpPr>
+          <p:cNvPr id="2" name="Espace réservé de l'image des diapositives 1"/>
+          <p:cNvSpPr>
+            <a:spLocks noGrp="1" noRot="1" noChangeAspect="1"/>
+          </p:cNvSpPr>
+          <p:nvPr>
+            <p:ph type="sldImg"/>
+          </p:nvPr>
+        </p:nvSpPr>
+        <p:spPr/>
+      </p:sp>
+      <p:sp>
+        <p:nvSpPr>
+          <p:cNvPr id="3" name="Espace réservé des notes 2"/>
+          <p:cNvSpPr>
+            <a:spLocks noGrp="1"/>
+          </p:cNvSpPr>
+          <p:nvPr>
+            <p:ph type="body" idx="1"/>
+          </p:nvPr>
+        </p:nvSpPr>
+        <p:spPr/>
+        <p:txBody>
+          <a:bodyPr/>
+          <a:lstStyle/>
+          <a:p>
+            <a:endParaRPr lang="fr-BE" dirty="0"/>
+          </a:p>
+        </p:txBody>
+      </p:sp>
+      <p:sp>
+        <p:nvSpPr>
+          <p:cNvPr id="4" name="Espace réservé du numéro de diapositive 3"/>
+          <p:cNvSpPr>
+            <a:spLocks noGrp="1"/>
+          </p:cNvSpPr>
+          <p:nvPr>
+            <p:ph type="sldNum" sz="quarter" idx="5"/>
+          </p:nvPr>
+        </p:nvSpPr>
+        <p:spPr/>
+        <p:txBody>
+          <a:bodyPr/>
+          <a:lstStyle/>
+          <a:p>
+            <a:fld id="{891A7DBC-6ED6-4006-A92E-F3B49A4F1505}" type="slidenum">
+              <a:rPr lang="fr-BE" smtClean="0"/>
+              <a:t>16</a:t>
+            </a:fld>
+            <a:endParaRPr lang="fr-BE"/>
+          </a:p>
+        </p:txBody>
+      </p:sp>
+    </p:spTree>
+    <p:extLst>
+      <p:ext uri="{BB962C8B-B14F-4D97-AF65-F5344CB8AC3E}">
+        <p14:creationId xmlns:p14="http://schemas.microsoft.com/office/powerpoint/2010/main" val="1253362389"/>
+      </p:ext>
+    </p:extLst>
+  </p:cSld>
+  <p:clrMapOvr>
+    <a:masterClrMapping/>
+  </p:clrMapOvr>
+</p:notes>
+</file>
+
+<file path=ppt/notesSlides/notesSlide13.xml><?xml version="1.0" encoding="utf-8"?>
+<p:notes xmlns:a="http://schemas.openxmlformats.org/drawingml/2006/main" xmlns:r="http://schemas.openxmlformats.org/officeDocument/2006/relationships" xmlns:p="http://schemas.openxmlformats.org/presentationml/2006/main">
+  <p:cSld>
+    <p:spTree>
+      <p:nvGrpSpPr>
+        <p:cNvPr id="1" name=""/>
+        <p:cNvGrpSpPr/>
+        <p:nvPr/>
+      </p:nvGrpSpPr>
+      <p:grpSpPr>
+        <a:xfrm>
+          <a:off x="0" y="0"/>
+          <a:ext cx="0" cy="0"/>
+          <a:chOff x="0" y="0"/>
+          <a:chExt cx="0" cy="0"/>
+        </a:xfrm>
+      </p:grpSpPr>
+      <p:sp>
+        <p:nvSpPr>
+          <p:cNvPr id="2" name="Espace réservé de l'image des diapositives 1"/>
+          <p:cNvSpPr>
+            <a:spLocks noGrp="1" noRot="1" noChangeAspect="1"/>
+          </p:cNvSpPr>
+          <p:nvPr>
+            <p:ph type="sldImg"/>
+          </p:nvPr>
+        </p:nvSpPr>
+        <p:spPr/>
+      </p:sp>
+      <p:sp>
+        <p:nvSpPr>
+          <p:cNvPr id="3" name="Espace réservé des notes 2"/>
+          <p:cNvSpPr>
+            <a:spLocks noGrp="1"/>
+          </p:cNvSpPr>
+          <p:nvPr>
+            <p:ph type="body" idx="1"/>
+          </p:nvPr>
+        </p:nvSpPr>
+        <p:spPr/>
+        <p:txBody>
+          <a:bodyPr/>
+          <a:lstStyle/>
+          <a:p>
+            <a:endParaRPr lang="fr-BE" dirty="0"/>
+          </a:p>
+        </p:txBody>
+      </p:sp>
+      <p:sp>
+        <p:nvSpPr>
+          <p:cNvPr id="4" name="Espace réservé du numéro de diapositive 3"/>
+          <p:cNvSpPr>
+            <a:spLocks noGrp="1"/>
+          </p:cNvSpPr>
+          <p:nvPr>
+            <p:ph type="sldNum" sz="quarter" idx="5"/>
+          </p:nvPr>
+        </p:nvSpPr>
+        <p:spPr/>
+        <p:txBody>
+          <a:bodyPr/>
+          <a:lstStyle/>
+          <a:p>
+            <a:fld id="{891A7DBC-6ED6-4006-A92E-F3B49A4F1505}" type="slidenum">
+              <a:rPr lang="fr-BE" smtClean="0"/>
+              <a:t>17</a:t>
+            </a:fld>
+            <a:endParaRPr lang="fr-BE"/>
+          </a:p>
+        </p:txBody>
+      </p:sp>
+    </p:spTree>
+    <p:extLst>
+      <p:ext uri="{BB962C8B-B14F-4D97-AF65-F5344CB8AC3E}">
+        <p14:creationId xmlns:p14="http://schemas.microsoft.com/office/powerpoint/2010/main" val="3313715322"/>
+      </p:ext>
+    </p:extLst>
+  </p:cSld>
+  <p:clrMapOvr>
+    <a:masterClrMapping/>
+  </p:clrMapOvr>
+</p:notes>
+</file>
+
+<file path=ppt/notesSlides/notesSlide14.xml><?xml version="1.0" encoding="utf-8"?>
+<p:notes xmlns:a="http://schemas.openxmlformats.org/drawingml/2006/main" xmlns:r="http://schemas.openxmlformats.org/officeDocument/2006/relationships" xmlns:p="http://schemas.openxmlformats.org/presentationml/2006/main">
+  <p:cSld>
+    <p:spTree>
+      <p:nvGrpSpPr>
+        <p:cNvPr id="1" name=""/>
+        <p:cNvGrpSpPr/>
+        <p:nvPr/>
+      </p:nvGrpSpPr>
+      <p:grpSpPr>
+        <a:xfrm>
+          <a:off x="0" y="0"/>
+          <a:ext cx="0" cy="0"/>
+          <a:chOff x="0" y="0"/>
+          <a:chExt cx="0" cy="0"/>
+        </a:xfrm>
+      </p:grpSpPr>
+      <p:sp>
+        <p:nvSpPr>
+          <p:cNvPr id="2" name="Espace réservé de l'image des diapositives 1"/>
+          <p:cNvSpPr>
+            <a:spLocks noGrp="1" noRot="1" noChangeAspect="1"/>
+          </p:cNvSpPr>
+          <p:nvPr>
+            <p:ph type="sldImg"/>
+          </p:nvPr>
+        </p:nvSpPr>
+        <p:spPr/>
+      </p:sp>
+      <p:sp>
+        <p:nvSpPr>
+          <p:cNvPr id="3" name="Espace réservé des notes 2"/>
+          <p:cNvSpPr>
+            <a:spLocks noGrp="1"/>
+          </p:cNvSpPr>
+          <p:nvPr>
+            <p:ph type="body" idx="1"/>
+          </p:nvPr>
+        </p:nvSpPr>
+        <p:spPr/>
+        <p:txBody>
+          <a:bodyPr/>
+          <a:lstStyle/>
+          <a:p>
+            <a:endParaRPr lang="fr-BE" dirty="0"/>
+          </a:p>
+        </p:txBody>
+      </p:sp>
+      <p:sp>
+        <p:nvSpPr>
+          <p:cNvPr id="4" name="Espace réservé du numéro de diapositive 3"/>
+          <p:cNvSpPr>
+            <a:spLocks noGrp="1"/>
+          </p:cNvSpPr>
+          <p:nvPr>
+            <p:ph type="sldNum" sz="quarter" idx="5"/>
+          </p:nvPr>
+        </p:nvSpPr>
+        <p:spPr/>
+        <p:txBody>
+          <a:bodyPr/>
+          <a:lstStyle/>
+          <a:p>
+            <a:fld id="{891A7DBC-6ED6-4006-A92E-F3B49A4F1505}" type="slidenum">
+              <a:rPr lang="fr-BE" smtClean="0"/>
+              <a:t>25</a:t>
+            </a:fld>
+            <a:endParaRPr lang="fr-BE"/>
+          </a:p>
+        </p:txBody>
+      </p:sp>
+    </p:spTree>
+    <p:extLst>
+      <p:ext uri="{BB962C8B-B14F-4D97-AF65-F5344CB8AC3E}">
+        <p14:creationId xmlns:p14="http://schemas.microsoft.com/office/powerpoint/2010/main" val="2853351311"/>
       </p:ext>
     </p:extLst>
   </p:cSld>
@@ -16033,8 +19619,100 @@
                 <a:ea typeface="Times New Roman" panose="02020603050405020304" pitchFamily="18" charset="0"/>
                 <a:cs typeface="Times New Roman" panose="02020603050405020304" pitchFamily="18" charset="0"/>
               </a:rPr>
-              <a:t>Crée en 1992, Nexis est une société de consultance qui excelle dans la livraison, l’installation d’infrastructure ICT ainsi que le support client.</a:t>
+              <a:t>Crée en 1992, Nexis est une société de consultance qui excelle dans la livraison et l’installation d’infrastructure ICT (Tech de l’information et de la communication) ainsi que le support client. </a:t>
             </a:r>
+            <a:br>
+              <a:rPr lang="fr-BE" sz="1800" dirty="0">
+                <a:effectLst/>
+                <a:latin typeface="Calibri" panose="020F0502020204030204" pitchFamily="34" charset="0"/>
+                <a:ea typeface="Times New Roman" panose="02020603050405020304" pitchFamily="18" charset="0"/>
+                <a:cs typeface="Times New Roman" panose="02020603050405020304" pitchFamily="18" charset="0"/>
+              </a:rPr>
+            </a:br>
+            <a:br>
+              <a:rPr lang="fr-BE" sz="1800" dirty="0">
+                <a:effectLst/>
+                <a:latin typeface="Calibri" panose="020F0502020204030204" pitchFamily="34" charset="0"/>
+                <a:ea typeface="Times New Roman" panose="02020603050405020304" pitchFamily="18" charset="0"/>
+                <a:cs typeface="Times New Roman" panose="02020603050405020304" pitchFamily="18" charset="0"/>
+              </a:rPr>
+            </a:br>
+            <a:r>
+              <a:rPr lang="fr-BE" sz="1800" dirty="0">
+                <a:effectLst/>
+                <a:latin typeface="Calibri" panose="020F0502020204030204" pitchFamily="34" charset="0"/>
+                <a:ea typeface="Times New Roman" panose="02020603050405020304" pitchFamily="18" charset="0"/>
+                <a:cs typeface="Times New Roman" panose="02020603050405020304" pitchFamily="18" charset="0"/>
+              </a:rPr>
+              <a:t>On retrouve dans les services fournit par l’entreprise par exemple tout ce qui touche aux Infrastructures et service Réseaux, à la Sécurité, aux Cloud ou encore la partie support avec du Helpdesk.</a:t>
+            </a:r>
+          </a:p>
+          <a:p>
+            <a:pPr marL="0" marR="0" lvl="0" indent="0" algn="l" defTabSz="914400" rtl="0" eaLnBrk="1" fontAlgn="auto" latinLnBrk="0" hangingPunct="1">
+              <a:lnSpc>
+                <a:spcPct val="100000"/>
+              </a:lnSpc>
+              <a:spcBef>
+                <a:spcPts val="0"/>
+              </a:spcBef>
+              <a:spcAft>
+                <a:spcPts val="0"/>
+              </a:spcAft>
+              <a:buClrTx/>
+              <a:buSzTx/>
+              <a:buFontTx/>
+              <a:buNone/>
+              <a:tabLst/>
+              <a:defRPr/>
+            </a:pPr>
+            <a:endParaRPr lang="fr-BE" sz="1800" dirty="0">
+              <a:effectLst/>
+              <a:latin typeface="Calibri" panose="020F0502020204030204" pitchFamily="34" charset="0"/>
+              <a:ea typeface="Times New Roman" panose="02020603050405020304" pitchFamily="18" charset="0"/>
+              <a:cs typeface="Times New Roman" panose="02020603050405020304" pitchFamily="18" charset="0"/>
+            </a:endParaRPr>
+          </a:p>
+          <a:p>
+            <a:pPr marL="0" marR="0" lvl="0" indent="0" algn="l" defTabSz="914400" rtl="0" eaLnBrk="1" fontAlgn="auto" latinLnBrk="0" hangingPunct="1">
+              <a:lnSpc>
+                <a:spcPct val="100000"/>
+              </a:lnSpc>
+              <a:spcBef>
+                <a:spcPts val="0"/>
+              </a:spcBef>
+              <a:spcAft>
+                <a:spcPts val="0"/>
+              </a:spcAft>
+              <a:buClrTx/>
+              <a:buSzTx/>
+              <a:buFontTx/>
+              <a:buNone/>
+              <a:tabLst/>
+              <a:defRPr/>
+            </a:pPr>
+            <a:r>
+              <a:rPr lang="fr-BE" sz="1800" dirty="0">
+                <a:effectLst/>
+                <a:latin typeface="Calibri" panose="020F0502020204030204" pitchFamily="34" charset="0"/>
+                <a:ea typeface="Times New Roman" panose="02020603050405020304" pitchFamily="18" charset="0"/>
+                <a:cs typeface="Times New Roman" panose="02020603050405020304" pitchFamily="18" charset="0"/>
+              </a:rPr>
+              <a:t>En 2020, Nexis a rejoint la société Trustteam et le changement de nom c’est fait durant le stage. Trustteam a été créé en 2002 à Courtrai,</a:t>
+            </a:r>
+            <a:r>
+              <a:rPr lang="fr-BE" sz="1800" dirty="0">
+                <a:effectLst/>
+                <a:latin typeface="Calibri" panose="020F0502020204030204" pitchFamily="34" charset="0"/>
+                <a:ea typeface="Times New Roman" panose="02020603050405020304" pitchFamily="18" charset="0"/>
+              </a:rPr>
+              <a:t> elle accompagne ses clients de toute taille et de tout secteur d'activité dans la transformation numérique de leurs organisations. On retrouve la société dans plusieurs lieux en Europe. </a:t>
+            </a:r>
+            <a:endParaRPr lang="fr-BE" sz="1800" dirty="0">
+              <a:effectLst/>
+              <a:latin typeface="Calibri" panose="020F0502020204030204" pitchFamily="34" charset="0"/>
+              <a:ea typeface="Times New Roman" panose="02020603050405020304" pitchFamily="18" charset="0"/>
+              <a:cs typeface="Times New Roman" panose="02020603050405020304" pitchFamily="18" charset="0"/>
+            </a:endParaRPr>
           </a:p>
           <a:p>
             <a:pPr marL="0" marR="0" lvl="0" indent="0" algn="l" defTabSz="914400" rtl="0" eaLnBrk="1" fontAlgn="auto" latinLnBrk="0" hangingPunct="1">
@@ -16142,6 +19820,52 @@
           <a:bodyPr/>
           <a:lstStyle/>
           <a:p>
+            <a:r>
+              <a:rPr lang="fr-FR" dirty="0"/>
+              <a:t>L’objectif du stage est donc de mettre en place un cluster hyperconvergé basé sur la technologie de VMware. La société a proposé ce stage pour se mette à jour par rapport à la nouvelle version et aux différentes options qui en découle. </a:t>
+            </a:r>
+          </a:p>
+          <a:p>
+            <a:endParaRPr lang="fr-FR" dirty="0"/>
+          </a:p>
+          <a:p>
+            <a:r>
+              <a:rPr lang="fr-FR" dirty="0"/>
+              <a:t>une feuille de routes c’est naturellement fait. On retrouve entre autres :</a:t>
+            </a:r>
+          </a:p>
+          <a:p>
+            <a:endParaRPr lang="fr-FR" dirty="0"/>
+          </a:p>
+          <a:p>
+            <a:r>
+              <a:rPr lang="fr-FR" dirty="0"/>
+              <a:t>	- dans un premier temps une recherche et documentation sur le sujet de l’hyperconvergence.</a:t>
+            </a:r>
+          </a:p>
+          <a:p>
+            <a:r>
+              <a:rPr lang="fr-FR" dirty="0"/>
+              <a:t>	- ensuite une découverte et une documentation des différentes technologies proposées par VMware (comme vSphere, vSan, NSX et vCenter)</a:t>
+            </a:r>
+          </a:p>
+          <a:p>
+            <a:r>
+              <a:rPr lang="fr-FR" dirty="0"/>
+              <a:t>	- viens après la découverte et la documentation du matériel physique HCI.</a:t>
+            </a:r>
+          </a:p>
+          <a:p>
+            <a:r>
+              <a:rPr lang="fr-FR" dirty="0"/>
+              <a:t>	- la mise en place de test pour assurer la disponibilité des charges de travail ainsi que le stockage.</a:t>
+            </a:r>
+          </a:p>
+          <a:p>
+            <a:r>
+              <a:rPr lang="fr-FR" dirty="0"/>
+              <a:t>	- on retrouve aussi de la documentation générale pour le stage comme le plan d’adressage et un de logique, la documentation de la technologie VMware et du matériel DELL ou encore une timeline du projet.</a:t>
+            </a:r>
             <a:endParaRPr lang="fr-BE" dirty="0"/>
           </a:p>
         </p:txBody>
@@ -16163,7 +19887,7 @@
           <a:p>
             <a:fld id="{891A7DBC-6ED6-4006-A92E-F3B49A4F1505}" type="slidenum">
               <a:rPr lang="fr-BE" smtClean="0"/>
-              <a:t>5</a:t>
+              <a:t>4</a:t>
             </a:fld>
             <a:endParaRPr lang="fr-BE"/>
           </a:p>
@@ -16172,7 +19896,7 @@
     </p:spTree>
     <p:extLst>
       <p:ext uri="{BB962C8B-B14F-4D97-AF65-F5344CB8AC3E}">
-        <p14:creationId xmlns:p14="http://schemas.microsoft.com/office/powerpoint/2010/main" val="1965079119"/>
+        <p14:creationId xmlns:p14="http://schemas.microsoft.com/office/powerpoint/2010/main" val="1463903769"/>
       </p:ext>
     </p:extLst>
   </p:cSld>
@@ -16247,7 +19971,7 @@
           <a:p>
             <a:fld id="{891A7DBC-6ED6-4006-A92E-F3B49A4F1505}" type="slidenum">
               <a:rPr lang="fr-BE" smtClean="0"/>
-              <a:t>16</a:t>
+              <a:t>5</a:t>
             </a:fld>
             <a:endParaRPr lang="fr-BE"/>
           </a:p>
@@ -16256,7 +19980,7 @@
     </p:spTree>
     <p:extLst>
       <p:ext uri="{BB962C8B-B14F-4D97-AF65-F5344CB8AC3E}">
-        <p14:creationId xmlns:p14="http://schemas.microsoft.com/office/powerpoint/2010/main" val="1253362389"/>
+        <p14:creationId xmlns:p14="http://schemas.microsoft.com/office/powerpoint/2010/main" val="1965079119"/>
       </p:ext>
     </p:extLst>
   </p:cSld>
@@ -16267,6 +19991,542 @@
 </file>
 
 <file path=ppt/notesSlides/notesSlide5.xml><?xml version="1.0" encoding="utf-8"?>
+<p:notes xmlns:a="http://schemas.openxmlformats.org/drawingml/2006/main" xmlns:r="http://schemas.openxmlformats.org/officeDocument/2006/relationships" xmlns:p="http://schemas.openxmlformats.org/presentationml/2006/main">
+  <p:cSld>
+    <p:spTree>
+      <p:nvGrpSpPr>
+        <p:cNvPr id="1" name=""/>
+        <p:cNvGrpSpPr/>
+        <p:nvPr/>
+      </p:nvGrpSpPr>
+      <p:grpSpPr>
+        <a:xfrm>
+          <a:off x="0" y="0"/>
+          <a:ext cx="0" cy="0"/>
+          <a:chOff x="0" y="0"/>
+          <a:chExt cx="0" cy="0"/>
+        </a:xfrm>
+      </p:grpSpPr>
+      <p:sp>
+        <p:nvSpPr>
+          <p:cNvPr id="2" name="Espace réservé de l'image des diapositives 1"/>
+          <p:cNvSpPr>
+            <a:spLocks noGrp="1" noRot="1" noChangeAspect="1"/>
+          </p:cNvSpPr>
+          <p:nvPr>
+            <p:ph type="sldImg"/>
+          </p:nvPr>
+        </p:nvSpPr>
+        <p:spPr/>
+      </p:sp>
+      <p:sp>
+        <p:nvSpPr>
+          <p:cNvPr id="3" name="Espace réservé des notes 2"/>
+          <p:cNvSpPr>
+            <a:spLocks noGrp="1"/>
+          </p:cNvSpPr>
+          <p:nvPr>
+            <p:ph type="body" idx="1"/>
+          </p:nvPr>
+        </p:nvSpPr>
+        <p:spPr/>
+        <p:txBody>
+          <a:bodyPr/>
+          <a:lstStyle/>
+          <a:p>
+            <a:pPr>
+              <a:lnSpc>
+                <a:spcPct val="107000"/>
+              </a:lnSpc>
+              <a:spcAft>
+                <a:spcPts val="800"/>
+              </a:spcAft>
+            </a:pPr>
+            <a:r>
+              <a:rPr lang="fr-BE" sz="1800" dirty="0">
+                <a:effectLst/>
+                <a:latin typeface="Calibri" panose="020F0502020204030204" pitchFamily="34" charset="0"/>
+                <a:ea typeface="Times New Roman" panose="02020603050405020304" pitchFamily="18" charset="0"/>
+                <a:cs typeface="Times New Roman" panose="02020603050405020304" pitchFamily="18" charset="0"/>
+              </a:rPr>
+              <a:t>L'hyperconvergence dans le domaine de l'informatique est une approche qui cherche à unifier les ressources. </a:t>
+            </a:r>
+          </a:p>
+          <a:p>
+            <a:pPr>
+              <a:lnSpc>
+                <a:spcPct val="107000"/>
+              </a:lnSpc>
+              <a:spcAft>
+                <a:spcPts val="800"/>
+              </a:spcAft>
+            </a:pPr>
+            <a:endParaRPr lang="fr-BE" sz="1800" dirty="0">
+              <a:effectLst/>
+              <a:latin typeface="Calibri" panose="020F0502020204030204" pitchFamily="34" charset="0"/>
+              <a:ea typeface="Times New Roman" panose="02020603050405020304" pitchFamily="18" charset="0"/>
+              <a:cs typeface="Times New Roman" panose="02020603050405020304" pitchFamily="18" charset="0"/>
+            </a:endParaRPr>
+          </a:p>
+          <a:p>
+            <a:pPr>
+              <a:lnSpc>
+                <a:spcPct val="107000"/>
+              </a:lnSpc>
+              <a:spcAft>
+                <a:spcPts val="800"/>
+              </a:spcAft>
+            </a:pPr>
+            <a:r>
+              <a:rPr lang="fr-BE" sz="1800" dirty="0">
+                <a:effectLst/>
+                <a:latin typeface="Calibri" panose="020F0502020204030204" pitchFamily="34" charset="0"/>
+                <a:ea typeface="Times New Roman" panose="02020603050405020304" pitchFamily="18" charset="0"/>
+                <a:cs typeface="Times New Roman" panose="02020603050405020304" pitchFamily="18" charset="0"/>
+              </a:rPr>
+              <a:t>Une infrastructure hyperconvergée est une plateforme qui sera définie par logiciel qui intègrera le stockage, le calcul, la gestion du réseau et la virtualisation au sein d'un système unique.</a:t>
+            </a:r>
+          </a:p>
+          <a:p>
+            <a:pPr>
+              <a:lnSpc>
+                <a:spcPct val="107000"/>
+              </a:lnSpc>
+              <a:spcAft>
+                <a:spcPts val="800"/>
+              </a:spcAft>
+            </a:pPr>
+            <a:r>
+              <a:rPr lang="fr-BE" sz="1800" dirty="0">
+                <a:effectLst/>
+                <a:latin typeface="Calibri" panose="020F0502020204030204" pitchFamily="34" charset="0"/>
+                <a:ea typeface="Times New Roman" panose="02020603050405020304" pitchFamily="18" charset="0"/>
+                <a:cs typeface="Times New Roman" panose="02020603050405020304" pitchFamily="18" charset="0"/>
+              </a:rPr>
+              <a:t> </a:t>
+            </a:r>
+          </a:p>
+          <a:p>
+            <a:pPr>
+              <a:lnSpc>
+                <a:spcPct val="107000"/>
+              </a:lnSpc>
+              <a:spcAft>
+                <a:spcPts val="800"/>
+              </a:spcAft>
+            </a:pPr>
+            <a:r>
+              <a:rPr lang="fr-BE" sz="1800" dirty="0">
+                <a:effectLst/>
+                <a:latin typeface="Calibri" panose="020F0502020204030204" pitchFamily="34" charset="0"/>
+                <a:ea typeface="Times New Roman" panose="02020603050405020304" pitchFamily="18" charset="0"/>
+                <a:cs typeface="Times New Roman" panose="02020603050405020304" pitchFamily="18" charset="0"/>
+              </a:rPr>
+              <a:t>Donc typiquement, c’est constitué de plusieurs serveurs appelés nœud, chacun doté de son propre stockage local et de sa puissance de traitement. Ces serveurs sont regroupés et gérés comme une entité unique dite cluster. </a:t>
+            </a:r>
+          </a:p>
+          <a:p>
+            <a:endParaRPr lang="fr-FR" dirty="0"/>
+          </a:p>
+          <a:p>
+            <a:r>
+              <a:rPr lang="fr-FR" dirty="0"/>
+              <a:t>On retrouve deux grandes utilisations de l’HCI, dans les infrastructures cloud et celles plus pour du Compute &amp; Storage.</a:t>
+            </a:r>
+            <a:endParaRPr lang="fr-BE" dirty="0"/>
+          </a:p>
+        </p:txBody>
+      </p:sp>
+      <p:sp>
+        <p:nvSpPr>
+          <p:cNvPr id="4" name="Espace réservé du numéro de diapositive 3"/>
+          <p:cNvSpPr>
+            <a:spLocks noGrp="1"/>
+          </p:cNvSpPr>
+          <p:nvPr>
+            <p:ph type="sldNum" sz="quarter" idx="5"/>
+          </p:nvPr>
+        </p:nvSpPr>
+        <p:spPr/>
+        <p:txBody>
+          <a:bodyPr/>
+          <a:lstStyle/>
+          <a:p>
+            <a:fld id="{891A7DBC-6ED6-4006-A92E-F3B49A4F1505}" type="slidenum">
+              <a:rPr lang="fr-BE" smtClean="0"/>
+              <a:t>6</a:t>
+            </a:fld>
+            <a:endParaRPr lang="fr-BE"/>
+          </a:p>
+        </p:txBody>
+      </p:sp>
+    </p:spTree>
+    <p:extLst>
+      <p:ext uri="{BB962C8B-B14F-4D97-AF65-F5344CB8AC3E}">
+        <p14:creationId xmlns:p14="http://schemas.microsoft.com/office/powerpoint/2010/main" val="3517506126"/>
+      </p:ext>
+    </p:extLst>
+  </p:cSld>
+  <p:clrMapOvr>
+    <a:masterClrMapping/>
+  </p:clrMapOvr>
+</p:notes>
+</file>
+
+<file path=ppt/notesSlides/notesSlide6.xml><?xml version="1.0" encoding="utf-8"?>
+<p:notes xmlns:a="http://schemas.openxmlformats.org/drawingml/2006/main" xmlns:r="http://schemas.openxmlformats.org/officeDocument/2006/relationships" xmlns:p="http://schemas.openxmlformats.org/presentationml/2006/main">
+  <p:cSld>
+    <p:spTree>
+      <p:nvGrpSpPr>
+        <p:cNvPr id="1" name=""/>
+        <p:cNvGrpSpPr/>
+        <p:nvPr/>
+      </p:nvGrpSpPr>
+      <p:grpSpPr>
+        <a:xfrm>
+          <a:off x="0" y="0"/>
+          <a:ext cx="0" cy="0"/>
+          <a:chOff x="0" y="0"/>
+          <a:chExt cx="0" cy="0"/>
+        </a:xfrm>
+      </p:grpSpPr>
+      <p:sp>
+        <p:nvSpPr>
+          <p:cNvPr id="2" name="Espace réservé de l'image des diapositives 1"/>
+          <p:cNvSpPr>
+            <a:spLocks noGrp="1" noRot="1" noChangeAspect="1"/>
+          </p:cNvSpPr>
+          <p:nvPr>
+            <p:ph type="sldImg"/>
+          </p:nvPr>
+        </p:nvSpPr>
+        <p:spPr/>
+      </p:sp>
+      <p:sp>
+        <p:nvSpPr>
+          <p:cNvPr id="3" name="Espace réservé des notes 2"/>
+          <p:cNvSpPr>
+            <a:spLocks noGrp="1"/>
+          </p:cNvSpPr>
+          <p:nvPr>
+            <p:ph type="body" idx="1"/>
+          </p:nvPr>
+        </p:nvSpPr>
+        <p:spPr/>
+        <p:txBody>
+          <a:bodyPr/>
+          <a:lstStyle/>
+          <a:p>
+            <a:r>
+              <a:rPr lang="fr-FR" dirty="0"/>
+              <a:t>A1.	La solution offre aux </a:t>
+            </a:r>
+            <a:r>
+              <a:rPr lang="fr-BE" sz="1800" dirty="0">
+                <a:effectLst/>
+                <a:latin typeface="Calibri" panose="020F0502020204030204" pitchFamily="34" charset="0"/>
+                <a:ea typeface="Times New Roman" panose="02020603050405020304" pitchFamily="18" charset="0"/>
+                <a:cs typeface="Times New Roman" panose="02020603050405020304" pitchFamily="18" charset="0"/>
+              </a:rPr>
+              <a:t>entreprises le choix de commencer avec une configuration de taille adaptée à leurs besoins et la faire évoluer au fur et à mesure. Cela permet une adaptation facile aux changements dans l'entreprise sans nécessité de migrations ou de remplacements majeurs.</a:t>
+            </a:r>
+          </a:p>
+          <a:p>
+            <a:endParaRPr lang="fr-BE" sz="1800" dirty="0">
+              <a:effectLst/>
+              <a:latin typeface="Calibri" panose="020F0502020204030204" pitchFamily="34" charset="0"/>
+              <a:cs typeface="Times New Roman" panose="02020603050405020304" pitchFamily="18" charset="0"/>
+            </a:endParaRPr>
+          </a:p>
+          <a:p>
+            <a:r>
+              <a:rPr lang="fr-BE" sz="1800" dirty="0">
+                <a:effectLst/>
+                <a:latin typeface="Calibri" panose="020F0502020204030204" pitchFamily="34" charset="0"/>
+                <a:cs typeface="Times New Roman" panose="02020603050405020304" pitchFamily="18" charset="0"/>
+              </a:rPr>
+              <a:t>A2.	</a:t>
+            </a:r>
+            <a:r>
+              <a:rPr lang="fr-BE" sz="1800" dirty="0">
+                <a:effectLst/>
+                <a:latin typeface="Calibri" panose="020F0502020204030204" pitchFamily="34" charset="0"/>
+                <a:ea typeface="Times New Roman" panose="02020603050405020304" pitchFamily="18" charset="0"/>
+                <a:cs typeface="Times New Roman" panose="02020603050405020304" pitchFamily="18" charset="0"/>
+              </a:rPr>
+              <a:t>En regroupant divers éléments en une seule solution, l'HCI permet de réduire l'espace physique nécessaire. Cela peut être particulièrement avantageux dans des environnements où l'espace est limité et ou coûteux.</a:t>
+            </a:r>
+            <a:endParaRPr lang="fr-BE" sz="1800" dirty="0">
+              <a:effectLst/>
+              <a:latin typeface="Calibri" panose="020F0502020204030204" pitchFamily="34" charset="0"/>
+              <a:cs typeface="Times New Roman" panose="02020603050405020304" pitchFamily="18" charset="0"/>
+            </a:endParaRPr>
+          </a:p>
+          <a:p>
+            <a:pPr marL="0" marR="0" lvl="0" indent="0" algn="l" defTabSz="914400" rtl="0" eaLnBrk="1" fontAlgn="auto" latinLnBrk="0" hangingPunct="1">
+              <a:lnSpc>
+                <a:spcPct val="100000"/>
+              </a:lnSpc>
+              <a:spcBef>
+                <a:spcPts val="0"/>
+              </a:spcBef>
+              <a:spcAft>
+                <a:spcPts val="0"/>
+              </a:spcAft>
+              <a:buClrTx/>
+              <a:buSzTx/>
+              <a:buFontTx/>
+              <a:buNone/>
+              <a:tabLst/>
+              <a:defRPr/>
+            </a:pPr>
+            <a:endParaRPr lang="fr-BE" sz="1800" dirty="0">
+              <a:effectLst/>
+              <a:latin typeface="Calibri" panose="020F0502020204030204" pitchFamily="34" charset="0"/>
+              <a:cs typeface="Times New Roman" panose="02020603050405020304" pitchFamily="18" charset="0"/>
+            </a:endParaRPr>
+          </a:p>
+          <a:p>
+            <a:pPr marL="0" marR="0" lvl="0" indent="0" algn="l" defTabSz="914400" rtl="0" eaLnBrk="1" fontAlgn="auto" latinLnBrk="0" hangingPunct="1">
+              <a:lnSpc>
+                <a:spcPct val="100000"/>
+              </a:lnSpc>
+              <a:spcBef>
+                <a:spcPts val="0"/>
+              </a:spcBef>
+              <a:spcAft>
+                <a:spcPts val="0"/>
+              </a:spcAft>
+              <a:buClrTx/>
+              <a:buSzTx/>
+              <a:buFontTx/>
+              <a:buNone/>
+              <a:tabLst/>
+              <a:defRPr/>
+            </a:pPr>
+            <a:r>
+              <a:rPr lang="fr-BE" sz="1800" dirty="0">
+                <a:effectLst/>
+                <a:latin typeface="Calibri" panose="020F0502020204030204" pitchFamily="34" charset="0"/>
+                <a:cs typeface="Times New Roman" panose="02020603050405020304" pitchFamily="18" charset="0"/>
+              </a:rPr>
+              <a:t>A3.	</a:t>
+            </a:r>
+            <a:r>
+              <a:rPr lang="fr-BE" sz="1800" dirty="0">
+                <a:effectLst/>
+                <a:latin typeface="Calibri" panose="020F0502020204030204" pitchFamily="34" charset="0"/>
+                <a:ea typeface="Times New Roman" panose="02020603050405020304" pitchFamily="18" charset="0"/>
+                <a:cs typeface="Times New Roman" panose="02020603050405020304" pitchFamily="18" charset="0"/>
+              </a:rPr>
+              <a:t>Conçue pour fournir une haute disponibilité grâce à la redondance intégrée au niveau matériel et logiciel. La technologie assure en cas de panne, d’automatiquement migrer les charges de travail vers d'autres nœuds de l'infrastructure, garantissant ainsi la continuité des opérations.</a:t>
+            </a:r>
+          </a:p>
+          <a:p>
+            <a:endParaRPr lang="fr-BE" sz="1800" dirty="0">
+              <a:effectLst/>
+              <a:latin typeface="Calibri" panose="020F0502020204030204" pitchFamily="34" charset="0"/>
+              <a:cs typeface="Times New Roman" panose="02020603050405020304" pitchFamily="18" charset="0"/>
+            </a:endParaRPr>
+          </a:p>
+          <a:p>
+            <a:r>
+              <a:rPr lang="fr-BE" sz="1800" dirty="0">
+                <a:effectLst/>
+                <a:latin typeface="Calibri" panose="020F0502020204030204" pitchFamily="34" charset="0"/>
+                <a:cs typeface="Times New Roman" panose="02020603050405020304" pitchFamily="18" charset="0"/>
+              </a:rPr>
+              <a:t>A4.	</a:t>
+            </a:r>
+            <a:r>
+              <a:rPr lang="fr-BE" sz="1800" dirty="0">
+                <a:effectLst/>
+                <a:latin typeface="Calibri" panose="020F0502020204030204" pitchFamily="34" charset="0"/>
+                <a:ea typeface="Times New Roman" panose="02020603050405020304" pitchFamily="18" charset="0"/>
+                <a:cs typeface="Times New Roman" panose="02020603050405020304" pitchFamily="18" charset="0"/>
+              </a:rPr>
+              <a:t>La gestion centralisée de l'infrastructure par le biais d’un gestionnaire permet une administration plus efficace. Les administrateurs peuvent gérer tous les aspects de l'infrastructure à partir d'une seule interface.</a:t>
+            </a:r>
+          </a:p>
+          <a:p>
+            <a:endParaRPr lang="fr-BE" sz="1800" dirty="0">
+              <a:effectLst/>
+              <a:latin typeface="Calibri" panose="020F0502020204030204" pitchFamily="34" charset="0"/>
+              <a:cs typeface="Times New Roman" panose="02020603050405020304" pitchFamily="18" charset="0"/>
+            </a:endParaRPr>
+          </a:p>
+          <a:p>
+            <a:r>
+              <a:rPr lang="fr-BE" sz="1800" dirty="0">
+                <a:effectLst/>
+                <a:latin typeface="Calibri" panose="020F0502020204030204" pitchFamily="34" charset="0"/>
+                <a:cs typeface="Times New Roman" panose="02020603050405020304" pitchFamily="18" charset="0"/>
+              </a:rPr>
+              <a:t>Certains aspects peuvent être vue comme inconvénients:</a:t>
+            </a:r>
+          </a:p>
+          <a:p>
+            <a:endParaRPr lang="fr-BE" sz="1800" dirty="0">
+              <a:effectLst/>
+              <a:latin typeface="Calibri" panose="020F0502020204030204" pitchFamily="34" charset="0"/>
+              <a:cs typeface="Times New Roman" panose="02020603050405020304" pitchFamily="18" charset="0"/>
+            </a:endParaRPr>
+          </a:p>
+          <a:p>
+            <a:r>
+              <a:rPr lang="fr-BE" sz="1800" dirty="0">
+                <a:effectLst/>
+                <a:latin typeface="Calibri" panose="020F0502020204030204" pitchFamily="34" charset="0"/>
+                <a:cs typeface="Times New Roman" panose="02020603050405020304" pitchFamily="18" charset="0"/>
+              </a:rPr>
+              <a:t>I1.	L’intégration d’un nouvel environnement HCI peut selon le matériel déjà en place, être compliqué voir demander des migration et remplacement volumineux.</a:t>
+            </a:r>
+          </a:p>
+          <a:p>
+            <a:endParaRPr lang="fr-BE" sz="1800" dirty="0">
+              <a:effectLst/>
+              <a:latin typeface="Calibri" panose="020F0502020204030204" pitchFamily="34" charset="0"/>
+              <a:cs typeface="Times New Roman" panose="02020603050405020304" pitchFamily="18" charset="0"/>
+            </a:endParaRPr>
+          </a:p>
+          <a:p>
+            <a:pPr marL="0" marR="0" lvl="0" indent="0" algn="l" defTabSz="914400" rtl="0" eaLnBrk="1" fontAlgn="auto" latinLnBrk="0" hangingPunct="1">
+              <a:lnSpc>
+                <a:spcPct val="100000"/>
+              </a:lnSpc>
+              <a:spcBef>
+                <a:spcPts val="0"/>
+              </a:spcBef>
+              <a:spcAft>
+                <a:spcPts val="0"/>
+              </a:spcAft>
+              <a:buClrTx/>
+              <a:buSzTx/>
+              <a:buFontTx/>
+              <a:buNone/>
+              <a:tabLst/>
+              <a:defRPr/>
+            </a:pPr>
+            <a:r>
+              <a:rPr lang="fr-BE" sz="1800" dirty="0">
+                <a:effectLst/>
+                <a:latin typeface="Calibri" panose="020F0502020204030204" pitchFamily="34" charset="0"/>
+                <a:cs typeface="Times New Roman" panose="02020603050405020304" pitchFamily="18" charset="0"/>
+              </a:rPr>
+              <a:t>I2.	</a:t>
+            </a:r>
+            <a:r>
+              <a:rPr lang="fr-BE" sz="1800" dirty="0">
+                <a:effectLst/>
+                <a:latin typeface="Calibri" panose="020F0502020204030204" pitchFamily="34" charset="0"/>
+                <a:ea typeface="Times New Roman" panose="02020603050405020304" pitchFamily="18" charset="0"/>
+                <a:cs typeface="Times New Roman" panose="02020603050405020304" pitchFamily="18" charset="0"/>
+              </a:rPr>
+              <a:t>Bien que l'HCI offre de nombreux avantages et optimisations, sa mise en œuvre et sa gestion peuvent devenir rapidement complexes, nécessitant des compétences techniques avancées pour configurer, surveiller et optimiser l'infrastructure.</a:t>
+            </a:r>
+            <a:endParaRPr lang="fr-BE" sz="1800" dirty="0">
+              <a:effectLst/>
+              <a:latin typeface="Calibri" panose="020F0502020204030204" pitchFamily="34" charset="0"/>
+              <a:cs typeface="Times New Roman" panose="02020603050405020304" pitchFamily="18" charset="0"/>
+            </a:endParaRPr>
+          </a:p>
+          <a:p>
+            <a:endParaRPr lang="fr-BE" sz="1800" dirty="0">
+              <a:effectLst/>
+              <a:latin typeface="Calibri" panose="020F0502020204030204" pitchFamily="34" charset="0"/>
+              <a:cs typeface="Times New Roman" panose="02020603050405020304" pitchFamily="18" charset="0"/>
+            </a:endParaRPr>
+          </a:p>
+          <a:p>
+            <a:r>
+              <a:rPr lang="fr-BE" sz="1800" dirty="0">
+                <a:effectLst/>
+                <a:latin typeface="Calibri" panose="020F0502020204030204" pitchFamily="34" charset="0"/>
+                <a:cs typeface="Times New Roman" panose="02020603050405020304" pitchFamily="18" charset="0"/>
+              </a:rPr>
+              <a:t>I3.	Sur le long terme, l’environnement </a:t>
+            </a:r>
+            <a:r>
+              <a:rPr lang="fr-BE" sz="1800" dirty="0">
+                <a:effectLst/>
+                <a:latin typeface="Calibri" panose="020F0502020204030204" pitchFamily="34" charset="0"/>
+                <a:ea typeface="Times New Roman" panose="02020603050405020304" pitchFamily="18" charset="0"/>
+                <a:cs typeface="Times New Roman" panose="02020603050405020304" pitchFamily="18" charset="0"/>
+              </a:rPr>
+              <a:t>offre des économies certaines sur le budget, en termes d'efficacité opérationnelle où de gestion simplifiée mais les coûts initiaux d'acquisition et de mise en œuvre peuvent être significatifs et cela peut représenter un obstacle financier pour certaines entreprises.</a:t>
+            </a:r>
+            <a:endParaRPr lang="fr-BE" sz="1800" dirty="0">
+              <a:effectLst/>
+              <a:latin typeface="Calibri" panose="020F0502020204030204" pitchFamily="34" charset="0"/>
+              <a:cs typeface="Times New Roman" panose="02020603050405020304" pitchFamily="18" charset="0"/>
+            </a:endParaRPr>
+          </a:p>
+          <a:p>
+            <a:endParaRPr lang="fr-BE" sz="1800" dirty="0">
+              <a:effectLst/>
+              <a:latin typeface="Calibri" panose="020F0502020204030204" pitchFamily="34" charset="0"/>
+              <a:cs typeface="Times New Roman" panose="02020603050405020304" pitchFamily="18" charset="0"/>
+            </a:endParaRPr>
+          </a:p>
+          <a:p>
+            <a:r>
+              <a:rPr lang="fr-BE" sz="1800" dirty="0">
+                <a:effectLst/>
+                <a:latin typeface="Calibri" panose="020F0502020204030204" pitchFamily="34" charset="0"/>
+                <a:cs typeface="Times New Roman" panose="02020603050405020304" pitchFamily="18" charset="0"/>
+              </a:rPr>
+              <a:t>I4.	</a:t>
+            </a:r>
+            <a:r>
+              <a:rPr lang="fr-BE" sz="1800" dirty="0">
+                <a:effectLst/>
+                <a:latin typeface="Calibri" panose="020F0502020204030204" pitchFamily="34" charset="0"/>
+                <a:ea typeface="Times New Roman" panose="02020603050405020304" pitchFamily="18" charset="0"/>
+                <a:cs typeface="Times New Roman" panose="02020603050405020304" pitchFamily="18" charset="0"/>
+              </a:rPr>
+              <a:t>Dans certains cas, l'architecture HCI peut ne pas être parfaitement adaptée à l'environnement physique où elle est déployée, ce qui peut nécessiter des ajustements ou des investissements supplémentaires pour assurer la couverture du réseau ou l’alimentation électrique.</a:t>
+            </a:r>
+            <a:endParaRPr lang="fr-BE" dirty="0"/>
+          </a:p>
+        </p:txBody>
+      </p:sp>
+      <p:sp>
+        <p:nvSpPr>
+          <p:cNvPr id="4" name="Espace réservé du numéro de diapositive 3"/>
+          <p:cNvSpPr>
+            <a:spLocks noGrp="1"/>
+          </p:cNvSpPr>
+          <p:nvPr>
+            <p:ph type="sldNum" sz="quarter" idx="5"/>
+          </p:nvPr>
+        </p:nvSpPr>
+        <p:spPr/>
+        <p:txBody>
+          <a:bodyPr/>
+          <a:lstStyle/>
+          <a:p>
+            <a:fld id="{891A7DBC-6ED6-4006-A92E-F3B49A4F1505}" type="slidenum">
+              <a:rPr lang="fr-BE" smtClean="0"/>
+              <a:t>7</a:t>
+            </a:fld>
+            <a:endParaRPr lang="fr-BE"/>
+          </a:p>
+        </p:txBody>
+      </p:sp>
+    </p:spTree>
+    <p:extLst>
+      <p:ext uri="{BB962C8B-B14F-4D97-AF65-F5344CB8AC3E}">
+        <p14:creationId xmlns:p14="http://schemas.microsoft.com/office/powerpoint/2010/main" val="2555900316"/>
+      </p:ext>
+    </p:extLst>
+  </p:cSld>
+  <p:clrMapOvr>
+    <a:masterClrMapping/>
+  </p:clrMapOvr>
+</p:notes>
+</file>
+
+<file path=ppt/notesSlides/notesSlide7.xml><?xml version="1.0" encoding="utf-8"?>
 <p:notes xmlns:a="http://schemas.openxmlformats.org/drawingml/2006/main" xmlns:r="http://schemas.openxmlformats.org/officeDocument/2006/relationships" xmlns:p="http://schemas.openxmlformats.org/presentationml/2006/main">
   <p:cSld>
     <p:spTree>
@@ -16331,7 +20591,7 @@
           <a:p>
             <a:fld id="{891A7DBC-6ED6-4006-A92E-F3B49A4F1505}" type="slidenum">
               <a:rPr lang="fr-BE" smtClean="0"/>
-              <a:t>18</a:t>
+              <a:t>8</a:t>
             </a:fld>
             <a:endParaRPr lang="fr-BE"/>
           </a:p>
@@ -16340,7 +20600,7 @@
     </p:spTree>
     <p:extLst>
       <p:ext uri="{BB962C8B-B14F-4D97-AF65-F5344CB8AC3E}">
-        <p14:creationId xmlns:p14="http://schemas.microsoft.com/office/powerpoint/2010/main" val="3313715322"/>
+        <p14:creationId xmlns:p14="http://schemas.microsoft.com/office/powerpoint/2010/main" val="1495209455"/>
       </p:ext>
     </p:extLst>
   </p:cSld>
@@ -16350,7 +20610,121 @@
 </p:notes>
 </file>
 
-<file path=ppt/notesSlides/notesSlide6.xml><?xml version="1.0" encoding="utf-8"?>
+<file path=ppt/notesSlides/notesSlide8.xml><?xml version="1.0" encoding="utf-8"?>
+<p:notes xmlns:a="http://schemas.openxmlformats.org/drawingml/2006/main" xmlns:r="http://schemas.openxmlformats.org/officeDocument/2006/relationships" xmlns:p="http://schemas.openxmlformats.org/presentationml/2006/main">
+  <p:cSld>
+    <p:spTree>
+      <p:nvGrpSpPr>
+        <p:cNvPr id="1" name=""/>
+        <p:cNvGrpSpPr/>
+        <p:nvPr/>
+      </p:nvGrpSpPr>
+      <p:grpSpPr>
+        <a:xfrm>
+          <a:off x="0" y="0"/>
+          <a:ext cx="0" cy="0"/>
+          <a:chOff x="0" y="0"/>
+          <a:chExt cx="0" cy="0"/>
+        </a:xfrm>
+      </p:grpSpPr>
+      <p:sp>
+        <p:nvSpPr>
+          <p:cNvPr id="2" name="Espace réservé de l'image des diapositives 1"/>
+          <p:cNvSpPr>
+            <a:spLocks noGrp="1" noRot="1" noChangeAspect="1"/>
+          </p:cNvSpPr>
+          <p:nvPr>
+            <p:ph type="sldImg"/>
+          </p:nvPr>
+        </p:nvSpPr>
+        <p:spPr/>
+      </p:sp>
+      <p:sp>
+        <p:nvSpPr>
+          <p:cNvPr id="3" name="Espace réservé des notes 2"/>
+          <p:cNvSpPr>
+            <a:spLocks noGrp="1"/>
+          </p:cNvSpPr>
+          <p:nvPr>
+            <p:ph type="body" idx="1"/>
+          </p:nvPr>
+        </p:nvSpPr>
+        <p:spPr/>
+        <p:txBody>
+          <a:bodyPr/>
+          <a:lstStyle/>
+          <a:p>
+            <a:r>
+              <a:rPr lang="fr-FR" dirty="0"/>
+              <a:t>Pour ce stage se sont des logiciels VMware qui ont été utilisées. </a:t>
+            </a:r>
+          </a:p>
+          <a:p>
+            <a:endParaRPr lang="fr-FR" dirty="0"/>
+          </a:p>
+          <a:p>
+            <a:r>
+              <a:rPr lang="fr-FR" dirty="0"/>
+              <a:t>On retrouve deux éditions majeures chez VMware: vSphere Foundation et Cloud Foundation.</a:t>
+            </a:r>
+          </a:p>
+          <a:p>
+            <a:endParaRPr lang="fr-BE" dirty="0"/>
+          </a:p>
+          <a:p>
+            <a:r>
+              <a:rPr lang="fr-BE" dirty="0"/>
+              <a:t>VSphere sera plus orienté pour les entreprises qui cherche a consolidé et optimisé leur environnement, cette suite est parfaite pour les charges de travail les plus exigeante.</a:t>
+            </a:r>
+          </a:p>
+          <a:p>
+            <a:endParaRPr lang="fr-BE" dirty="0"/>
+          </a:p>
+          <a:p>
+            <a:r>
+              <a:rPr lang="fr-BE" dirty="0"/>
+              <a:t>Cloud Foundation quant à lui est une solution de logiciels pour environnement cloud Iaas ou pour les entreprises qui cherche à faire leur cloud privé.</a:t>
+            </a:r>
+          </a:p>
+        </p:txBody>
+      </p:sp>
+      <p:sp>
+        <p:nvSpPr>
+          <p:cNvPr id="4" name="Espace réservé du numéro de diapositive 3"/>
+          <p:cNvSpPr>
+            <a:spLocks noGrp="1"/>
+          </p:cNvSpPr>
+          <p:nvPr>
+            <p:ph type="sldNum" sz="quarter" idx="5"/>
+          </p:nvPr>
+        </p:nvSpPr>
+        <p:spPr/>
+        <p:txBody>
+          <a:bodyPr/>
+          <a:lstStyle/>
+          <a:p>
+            <a:fld id="{891A7DBC-6ED6-4006-A92E-F3B49A4F1505}" type="slidenum">
+              <a:rPr lang="fr-BE" smtClean="0"/>
+              <a:t>9</a:t>
+            </a:fld>
+            <a:endParaRPr lang="fr-BE"/>
+          </a:p>
+        </p:txBody>
+      </p:sp>
+    </p:spTree>
+    <p:extLst>
+      <p:ext uri="{BB962C8B-B14F-4D97-AF65-F5344CB8AC3E}">
+        <p14:creationId xmlns:p14="http://schemas.microsoft.com/office/powerpoint/2010/main" val="71179012"/>
+      </p:ext>
+    </p:extLst>
+  </p:cSld>
+  <p:clrMapOvr>
+    <a:masterClrMapping/>
+  </p:clrMapOvr>
+</p:notes>
+</file>
+
+<file path=ppt/notesSlides/notesSlide9.xml><?xml version="1.0" encoding="utf-8"?>
 <p:notes xmlns:a="http://schemas.openxmlformats.org/drawingml/2006/main" xmlns:r="http://schemas.openxmlformats.org/officeDocument/2006/relationships" xmlns:p="http://schemas.openxmlformats.org/presentationml/2006/main">
   <p:cSld>
     <p:spTree>
@@ -16415,7 +20789,7 @@
           <a:p>
             <a:fld id="{891A7DBC-6ED6-4006-A92E-F3B49A4F1505}" type="slidenum">
               <a:rPr lang="fr-BE" smtClean="0"/>
-              <a:t>25</a:t>
+              <a:t>10</a:t>
             </a:fld>
             <a:endParaRPr lang="fr-BE"/>
           </a:p>
@@ -16424,7 +20798,7 @@
     </p:spTree>
     <p:extLst>
       <p:ext uri="{BB962C8B-B14F-4D97-AF65-F5344CB8AC3E}">
-        <p14:creationId xmlns:p14="http://schemas.microsoft.com/office/powerpoint/2010/main" val="2853351311"/>
+        <p14:creationId xmlns:p14="http://schemas.microsoft.com/office/powerpoint/2010/main" val="436437178"/>
       </p:ext>
     </p:extLst>
   </p:cSld>
@@ -16583,7 +20957,7 @@
           <a:p>
             <a:fld id="{CFCD01D5-3C04-4AE6-AEE8-C25531D93149}" type="datetimeFigureOut">
               <a:rPr lang="fr-BE" smtClean="0"/>
-              <a:t>02-05-24</a:t>
+              <a:t>04-05-24</a:t>
             </a:fld>
             <a:endParaRPr lang="fr-BE"/>
           </a:p>
@@ -16783,7 +21157,7 @@
           <a:p>
             <a:fld id="{CFCD01D5-3C04-4AE6-AEE8-C25531D93149}" type="datetimeFigureOut">
               <a:rPr lang="fr-BE" smtClean="0"/>
-              <a:t>02-05-24</a:t>
+              <a:t>04-05-24</a:t>
             </a:fld>
             <a:endParaRPr lang="fr-BE"/>
           </a:p>
@@ -16993,7 +21367,7 @@
           <a:p>
             <a:fld id="{CFCD01D5-3C04-4AE6-AEE8-C25531D93149}" type="datetimeFigureOut">
               <a:rPr lang="fr-BE" smtClean="0"/>
-              <a:t>02-05-24</a:t>
+              <a:t>04-05-24</a:t>
             </a:fld>
             <a:endParaRPr lang="fr-BE"/>
           </a:p>
@@ -17193,7 +21567,7 @@
           <a:p>
             <a:fld id="{CFCD01D5-3C04-4AE6-AEE8-C25531D93149}" type="datetimeFigureOut">
               <a:rPr lang="fr-BE" smtClean="0"/>
-              <a:t>02-05-24</a:t>
+              <a:t>04-05-24</a:t>
             </a:fld>
             <a:endParaRPr lang="fr-BE"/>
           </a:p>
@@ -17469,7 +21843,7 @@
           <a:p>
             <a:fld id="{CFCD01D5-3C04-4AE6-AEE8-C25531D93149}" type="datetimeFigureOut">
               <a:rPr lang="fr-BE" smtClean="0"/>
-              <a:t>02-05-24</a:t>
+              <a:t>04-05-24</a:t>
             </a:fld>
             <a:endParaRPr lang="fr-BE"/>
           </a:p>
@@ -17737,7 +22111,7 @@
           <a:p>
             <a:fld id="{CFCD01D5-3C04-4AE6-AEE8-C25531D93149}" type="datetimeFigureOut">
               <a:rPr lang="fr-BE" smtClean="0"/>
-              <a:t>02-05-24</a:t>
+              <a:t>04-05-24</a:t>
             </a:fld>
             <a:endParaRPr lang="fr-BE"/>
           </a:p>
@@ -18152,7 +22526,7 @@
           <a:p>
             <a:fld id="{CFCD01D5-3C04-4AE6-AEE8-C25531D93149}" type="datetimeFigureOut">
               <a:rPr lang="fr-BE" smtClean="0"/>
-              <a:t>02-05-24</a:t>
+              <a:t>04-05-24</a:t>
             </a:fld>
             <a:endParaRPr lang="fr-BE"/>
           </a:p>
@@ -18294,7 +22668,7 @@
           <a:p>
             <a:fld id="{CFCD01D5-3C04-4AE6-AEE8-C25531D93149}" type="datetimeFigureOut">
               <a:rPr lang="fr-BE" smtClean="0"/>
-              <a:t>02-05-24</a:t>
+              <a:t>04-05-24</a:t>
             </a:fld>
             <a:endParaRPr lang="fr-BE"/>
           </a:p>
@@ -18407,7 +22781,7 @@
           <a:p>
             <a:fld id="{CFCD01D5-3C04-4AE6-AEE8-C25531D93149}" type="datetimeFigureOut">
               <a:rPr lang="fr-BE" smtClean="0"/>
-              <a:t>02-05-24</a:t>
+              <a:t>04-05-24</a:t>
             </a:fld>
             <a:endParaRPr lang="fr-BE"/>
           </a:p>
@@ -18720,7 +23094,7 @@
           <a:p>
             <a:fld id="{CFCD01D5-3C04-4AE6-AEE8-C25531D93149}" type="datetimeFigureOut">
               <a:rPr lang="fr-BE" smtClean="0"/>
-              <a:t>02-05-24</a:t>
+              <a:t>04-05-24</a:t>
             </a:fld>
             <a:endParaRPr lang="fr-BE"/>
           </a:p>
@@ -19009,7 +23383,7 @@
           <a:p>
             <a:fld id="{CFCD01D5-3C04-4AE6-AEE8-C25531D93149}" type="datetimeFigureOut">
               <a:rPr lang="fr-BE" smtClean="0"/>
-              <a:t>02-05-24</a:t>
+              <a:t>04-05-24</a:t>
             </a:fld>
             <a:endParaRPr lang="fr-BE"/>
           </a:p>
@@ -19252,7 +23626,7 @@
           <a:p>
             <a:fld id="{CFCD01D5-3C04-4AE6-AEE8-C25531D93149}" type="datetimeFigureOut">
               <a:rPr lang="fr-BE" smtClean="0"/>
-              <a:t>02-05-24</a:t>
+              <a:t>04-05-24</a:t>
             </a:fld>
             <a:endParaRPr lang="fr-BE"/>
           </a:p>
@@ -20225,10 +24599,10 @@
         </p:nvGrpSpPr>
         <p:grpSpPr>
           <a:xfrm>
-            <a:off x="1371599" y="715630"/>
-            <a:ext cx="4055162" cy="3679958"/>
-            <a:chOff x="4052887" y="787528"/>
-            <a:chExt cx="4086225" cy="3797658"/>
+            <a:off x="1382001" y="765269"/>
+            <a:ext cx="4055162" cy="3580972"/>
+            <a:chOff x="4118201" y="889679"/>
+            <a:chExt cx="4086225" cy="3695506"/>
           </a:xfrm>
         </p:grpSpPr>
         <p:grpSp>
@@ -20247,10 +24621,10 @@
           </p:nvGrpSpPr>
           <p:grpSpPr>
             <a:xfrm>
-              <a:off x="4052887" y="787528"/>
-              <a:ext cx="4086225" cy="3124200"/>
-              <a:chOff x="0" y="0"/>
-              <a:chExt cx="4086225" cy="3124200"/>
+              <a:off x="4118201" y="889679"/>
+              <a:ext cx="4086225" cy="3022049"/>
+              <a:chOff x="65314" y="102151"/>
+              <a:chExt cx="4086225" cy="3022049"/>
             </a:xfrm>
           </p:grpSpPr>
           <p:pic>
@@ -20275,7 +24649,7 @@
             </p:blipFill>
             <p:spPr>
               <a:xfrm>
-                <a:off x="0" y="0"/>
+                <a:off x="65314" y="102151"/>
                 <a:ext cx="4086225" cy="1098550"/>
               </a:xfrm>
               <a:prstGeom prst="rect">
@@ -20374,7 +24748,7 @@
           </p:blipFill>
           <p:spPr bwMode="auto">
             <a:xfrm>
-              <a:off x="4403951" y="3876526"/>
+              <a:off x="4340860" y="3876525"/>
               <a:ext cx="3514725" cy="708660"/>
             </a:xfrm>
             <a:prstGeom prst="rect">
@@ -20537,10 +24911,10 @@
       </p:grpSpPr>
       <p:sp useBgFill="1">
         <p:nvSpPr>
-          <p:cNvPr id="17" name="Rectangle 16">
+          <p:cNvPr id="10" name="Rectangle 9">
             <a:extLst>
               <a:ext uri="{FF2B5EF4-FFF2-40B4-BE49-F238E27FC236}">
-                <a16:creationId xmlns:a16="http://schemas.microsoft.com/office/drawing/2014/main" id="{1B15ED52-F352-441B-82BF-E0EA34836D08}"/>
+                <a16:creationId xmlns:a16="http://schemas.microsoft.com/office/drawing/2014/main" id="{577D6B2E-37A3-429E-A37C-F30ED6487282}"/>
               </a:ext>
               <a:ext uri="{C183D7F6-B498-43B3-948B-1728B52AA6E4}">
                 <adec:decorative xmlns:adec="http://schemas.microsoft.com/office/drawing/2017/decorative" val="1"/>
@@ -20613,10 +24987,10 @@
       </p:sp>
       <p:sp>
         <p:nvSpPr>
-          <p:cNvPr id="19" name="Rectangle 18">
+          <p:cNvPr id="12" name="Rectangle 11">
             <a:extLst>
               <a:ext uri="{FF2B5EF4-FFF2-40B4-BE49-F238E27FC236}">
-                <a16:creationId xmlns:a16="http://schemas.microsoft.com/office/drawing/2014/main" id="{3B2E3793-BFE6-45A2-9B7B-E18844431C99}"/>
+                <a16:creationId xmlns:a16="http://schemas.microsoft.com/office/drawing/2014/main" id="{5CEAD642-85CF-4750-8432-7C80C901F001}"/>
               </a:ext>
               <a:ext uri="{C183D7F6-B498-43B3-948B-1728B52AA6E4}">
                 <adec:decorative xmlns:adec="http://schemas.microsoft.com/office/drawing/2017/decorative" val="1"/>
@@ -20635,9 +25009,9 @@
           </p:nvPr>
         </p:nvSpPr>
         <p:spPr>
-          <a:xfrm flipH="1">
-            <a:off x="-1" y="-1"/>
-            <a:ext cx="12191998" cy="1590742"/>
+          <a:xfrm rot="10800000">
+            <a:off x="-11723" y="-1"/>
+            <a:ext cx="12225953" cy="6868071"/>
           </a:xfrm>
           <a:prstGeom prst="rect">
             <a:avLst/>
@@ -20650,6 +25024,82 @@
               <a:gs pos="100000">
                 <a:schemeClr val="accent1">
                   <a:lumMod val="75000"/>
+                </a:schemeClr>
+              </a:gs>
+            </a:gsLst>
+            <a:lin ang="4200000" scaled="0"/>
+          </a:gradFill>
+          <a:ln>
+            <a:noFill/>
+          </a:ln>
+        </p:spPr>
+        <p:style>
+          <a:lnRef idx="2">
+            <a:schemeClr val="accent1">
+              <a:shade val="50000"/>
+            </a:schemeClr>
+          </a:lnRef>
+          <a:fillRef idx="1">
+            <a:schemeClr val="accent1"/>
+          </a:fillRef>
+          <a:effectRef idx="0">
+            <a:schemeClr val="accent1"/>
+          </a:effectRef>
+          <a:fontRef idx="minor">
+            <a:schemeClr val="lt1"/>
+          </a:fontRef>
+        </p:style>
+        <p:txBody>
+          <a:bodyPr rtlCol="0" anchor="ctr"/>
+          <a:lstStyle/>
+          <a:p>
+            <a:pPr algn="ctr"/>
+            <a:endParaRPr lang="en-US"/>
+          </a:p>
+        </p:txBody>
+      </p:sp>
+      <p:sp>
+        <p:nvSpPr>
+          <p:cNvPr id="14" name="Rectangle 13">
+            <a:extLst>
+              <a:ext uri="{FF2B5EF4-FFF2-40B4-BE49-F238E27FC236}">
+                <a16:creationId xmlns:a16="http://schemas.microsoft.com/office/drawing/2014/main" id="{FA33EEAE-15D5-4119-8C1E-89D943F911EF}"/>
+              </a:ext>
+              <a:ext uri="{C183D7F6-B498-43B3-948B-1728B52AA6E4}">
+                <adec:decorative xmlns:adec="http://schemas.microsoft.com/office/drawing/2017/decorative" val="1"/>
+              </a:ext>
+            </a:extLst>
+          </p:cNvPr>
+          <p:cNvSpPr>
+            <a:spLocks noGrp="1" noRot="1" noChangeAspect="1" noMove="1" noResize="1" noEditPoints="1" noAdjustHandles="1" noChangeArrowheads="1" noChangeShapeType="1" noTextEdit="1"/>
+          </p:cNvSpPr>
+          <p:nvPr>
+            <p:extLst>
+              <p:ext uri="{386F3935-93C4-4BCD-93E2-E3B085C9AB24}">
+                <p16:designElem xmlns:p16="http://schemas.microsoft.com/office/powerpoint/2015/main" val="1"/>
+              </p:ext>
+            </p:extLst>
+          </p:nvPr>
+        </p:nvSpPr>
+        <p:spPr>
+          <a:xfrm rot="10800000" flipH="1">
+            <a:off x="441959" y="-3"/>
+            <a:ext cx="11772269" cy="6868074"/>
+          </a:xfrm>
+          <a:prstGeom prst="rect">
+            <a:avLst/>
+          </a:prstGeom>
+          <a:gradFill>
+            <a:gsLst>
+              <a:gs pos="21000">
+                <a:schemeClr val="accent1">
+                  <a:lumMod val="50000"/>
+                  <a:alpha val="83000"/>
+                </a:schemeClr>
+              </a:gs>
+              <a:gs pos="100000">
+                <a:schemeClr val="accent1">
+                  <a:alpha val="0"/>
                 </a:schemeClr>
               </a:gs>
             </a:gsLst>
@@ -20686,10 +25136,10 @@
       </p:sp>
       <p:sp>
         <p:nvSpPr>
-          <p:cNvPr id="20" name="Rectangle 19">
+          <p:cNvPr id="16" name="Rectangle 15">
             <a:extLst>
               <a:ext uri="{FF2B5EF4-FFF2-40B4-BE49-F238E27FC236}">
-                <a16:creationId xmlns:a16="http://schemas.microsoft.com/office/drawing/2014/main" id="{BC4C4868-CB8F-4AF9-9CDB-8108F2C19B67}"/>
+                <a16:creationId xmlns:a16="http://schemas.microsoft.com/office/drawing/2014/main" id="{730D8B3B-9B80-4025-B934-26DC7D7CD231}"/>
               </a:ext>
               <a:ext uri="{C183D7F6-B498-43B3-948B-1728B52AA6E4}">
                 <adec:decorative xmlns:adec="http://schemas.microsoft.com/office/drawing/2017/decorative" val="1"/>
@@ -20708,85 +25158,9 @@
           </p:nvPr>
         </p:nvSpPr>
         <p:spPr>
-          <a:xfrm rot="10800000" flipH="1">
-            <a:off x="-3" y="0"/>
-            <a:ext cx="8115306" cy="1590742"/>
-          </a:xfrm>
-          <a:prstGeom prst="rect">
-            <a:avLst/>
-          </a:prstGeom>
-          <a:gradFill>
-            <a:gsLst>
-              <a:gs pos="20000">
-                <a:schemeClr val="accent1">
-                  <a:alpha val="0"/>
-                </a:schemeClr>
-              </a:gs>
-              <a:gs pos="100000">
-                <a:schemeClr val="accent1">
-                  <a:lumMod val="50000"/>
-                  <a:alpha val="55000"/>
-                </a:schemeClr>
-              </a:gs>
-            </a:gsLst>
-            <a:lin ang="13800000" scaled="0"/>
-          </a:gradFill>
-          <a:ln>
-            <a:noFill/>
-          </a:ln>
-        </p:spPr>
-        <p:style>
-          <a:lnRef idx="2">
-            <a:schemeClr val="accent1">
-              <a:shade val="50000"/>
-            </a:schemeClr>
-          </a:lnRef>
-          <a:fillRef idx="1">
-            <a:schemeClr val="accent1"/>
-          </a:fillRef>
-          <a:effectRef idx="0">
-            <a:schemeClr val="accent1"/>
-          </a:effectRef>
-          <a:fontRef idx="minor">
-            <a:schemeClr val="lt1"/>
-          </a:fontRef>
-        </p:style>
-        <p:txBody>
-          <a:bodyPr rtlCol="0" anchor="ctr"/>
-          <a:lstStyle/>
-          <a:p>
-            <a:pPr algn="ctr"/>
-            <a:endParaRPr lang="en-US"/>
-          </a:p>
-        </p:txBody>
-      </p:sp>
-      <p:sp>
-        <p:nvSpPr>
-          <p:cNvPr id="16" name="Rectangle 15">
-            <a:extLst>
-              <a:ext uri="{FF2B5EF4-FFF2-40B4-BE49-F238E27FC236}">
-                <a16:creationId xmlns:a16="http://schemas.microsoft.com/office/drawing/2014/main" id="{375E0459-6403-40CD-989D-56A4407CA12E}"/>
-              </a:ext>
-              <a:ext uri="{C183D7F6-B498-43B3-948B-1728B52AA6E4}">
-                <adec:decorative xmlns:adec="http://schemas.microsoft.com/office/drawing/2017/decorative" val="1"/>
-              </a:ext>
-            </a:extLst>
-          </p:cNvPr>
-          <p:cNvSpPr>
-            <a:spLocks noGrp="1" noRot="1" noChangeAspect="1" noMove="1" noResize="1" noEditPoints="1" noAdjustHandles="1" noChangeArrowheads="1" noChangeShapeType="1" noTextEdit="1"/>
-          </p:cNvSpPr>
-          <p:nvPr>
-            <p:extLst>
-              <p:ext uri="{386F3935-93C4-4BCD-93E2-E3B085C9AB24}">
-                <p16:designElem xmlns:p16="http://schemas.microsoft.com/office/powerpoint/2015/main" val="1"/>
-              </p:ext>
-            </p:extLst>
-          </p:nvPr>
-        </p:nvSpPr>
-        <p:spPr>
-          <a:xfrm flipH="1">
-            <a:off x="8115299" y="-1"/>
-            <a:ext cx="4076698" cy="1590742"/>
+          <a:xfrm rot="10800000">
+            <a:off x="-15200" y="0"/>
+            <a:ext cx="3623374" cy="6868072"/>
           </a:xfrm>
           <a:prstGeom prst="rect">
             <a:avLst/>
@@ -20795,12 +25169,13 @@
             <a:gsLst>
               <a:gs pos="0">
                 <a:schemeClr val="accent1">
-                  <a:alpha val="66000"/>
+                  <a:lumMod val="75000"/>
+                  <a:alpha val="0"/>
                 </a:schemeClr>
               </a:gs>
-              <a:gs pos="100000">
+              <a:gs pos="99000">
                 <a:srgbClr val="000000">
-                  <a:alpha val="30000"/>
+                  <a:alpha val="41000"/>
                 </a:srgbClr>
               </a:gs>
             </a:gsLst>
@@ -20840,7 +25215,392 @@
           <p:cNvPr id="18" name="Rectangle 17">
             <a:extLst>
               <a:ext uri="{FF2B5EF4-FFF2-40B4-BE49-F238E27FC236}">
-                <a16:creationId xmlns:a16="http://schemas.microsoft.com/office/drawing/2014/main" id="{53E5B1A8-3AC9-4BD1-9BBC-78CA94F2D1BA}"/>
+                <a16:creationId xmlns:a16="http://schemas.microsoft.com/office/drawing/2014/main" id="{1064D5D5-227B-4F66-9AEA-46F570E793BD}"/>
+              </a:ext>
+              <a:ext uri="{C183D7F6-B498-43B3-948B-1728B52AA6E4}">
+                <adec:decorative xmlns:adec="http://schemas.microsoft.com/office/drawing/2017/decorative" val="1"/>
+              </a:ext>
+            </a:extLst>
+          </p:cNvPr>
+          <p:cNvSpPr>
+            <a:spLocks noGrp="1" noRot="1" noChangeAspect="1" noMove="1" noResize="1" noEditPoints="1" noAdjustHandles="1" noChangeArrowheads="1" noChangeShapeType="1" noTextEdit="1"/>
+          </p:cNvSpPr>
+          <p:nvPr>
+            <p:extLst>
+              <p:ext uri="{386F3935-93C4-4BCD-93E2-E3B085C9AB24}">
+                <p16:designElem xmlns:p16="http://schemas.microsoft.com/office/powerpoint/2015/main" val="1"/>
+              </p:ext>
+            </p:extLst>
+          </p:nvPr>
+        </p:nvSpPr>
+        <p:spPr>
+          <a:xfrm flipH="1">
+            <a:off x="-15875" y="-3"/>
+            <a:ext cx="12233581" cy="6868076"/>
+          </a:xfrm>
+          <a:prstGeom prst="rect">
+            <a:avLst/>
+          </a:prstGeom>
+          <a:gradFill>
+            <a:gsLst>
+              <a:gs pos="3000">
+                <a:schemeClr val="accent1">
+                  <a:lumMod val="75000"/>
+                  <a:alpha val="0"/>
+                </a:schemeClr>
+              </a:gs>
+              <a:gs pos="100000">
+                <a:srgbClr val="000000">
+                  <a:alpha val="73000"/>
+                </a:srgbClr>
+              </a:gs>
+            </a:gsLst>
+            <a:lin ang="17400000" scaled="0"/>
+          </a:gradFill>
+          <a:ln>
+            <a:noFill/>
+          </a:ln>
+        </p:spPr>
+        <p:style>
+          <a:lnRef idx="2">
+            <a:schemeClr val="accent1">
+              <a:shade val="50000"/>
+            </a:schemeClr>
+          </a:lnRef>
+          <a:fillRef idx="1">
+            <a:schemeClr val="accent1"/>
+          </a:fillRef>
+          <a:effectRef idx="0">
+            <a:schemeClr val="accent1"/>
+          </a:effectRef>
+          <a:fontRef idx="minor">
+            <a:schemeClr val="lt1"/>
+          </a:fontRef>
+        </p:style>
+        <p:txBody>
+          <a:bodyPr rtlCol="0" anchor="ctr"/>
+          <a:lstStyle/>
+          <a:p>
+            <a:pPr algn="ctr"/>
+            <a:endParaRPr lang="en-US"/>
+          </a:p>
+        </p:txBody>
+      </p:sp>
+      <p:sp>
+        <p:nvSpPr>
+          <p:cNvPr id="20" name="Rectangle 19">
+            <a:extLst>
+              <a:ext uri="{FF2B5EF4-FFF2-40B4-BE49-F238E27FC236}">
+                <a16:creationId xmlns:a16="http://schemas.microsoft.com/office/drawing/2014/main" id="{646B67A4-D328-4747-A82B-65E84FA46368}"/>
+              </a:ext>
+              <a:ext uri="{C183D7F6-B498-43B3-948B-1728B52AA6E4}">
+                <adec:decorative xmlns:adec="http://schemas.microsoft.com/office/drawing/2017/decorative" val="1"/>
+              </a:ext>
+            </a:extLst>
+          </p:cNvPr>
+          <p:cNvSpPr>
+            <a:spLocks noGrp="1" noRot="1" noChangeAspect="1" noMove="1" noResize="1" noEditPoints="1" noAdjustHandles="1" noChangeArrowheads="1" noChangeShapeType="1" noTextEdit="1"/>
+          </p:cNvSpPr>
+          <p:nvPr>
+            <p:extLst>
+              <p:ext uri="{386F3935-93C4-4BCD-93E2-E3B085C9AB24}">
+                <p16:designElem xmlns:p16="http://schemas.microsoft.com/office/powerpoint/2015/main" val="1"/>
+              </p:ext>
+            </p:extLst>
+          </p:nvPr>
+        </p:nvSpPr>
+        <p:spPr>
+          <a:xfrm rot="5400000" flipH="1">
+            <a:off x="4484334" y="-861824"/>
+            <a:ext cx="6861931" cy="8597859"/>
+          </a:xfrm>
+          <a:prstGeom prst="rect">
+            <a:avLst/>
+          </a:prstGeom>
+          <a:gradFill>
+            <a:gsLst>
+              <a:gs pos="3000">
+                <a:schemeClr val="accent1">
+                  <a:lumMod val="75000"/>
+                  <a:alpha val="0"/>
+                </a:schemeClr>
+              </a:gs>
+              <a:gs pos="100000">
+                <a:srgbClr val="000000">
+                  <a:alpha val="27000"/>
+                </a:srgbClr>
+              </a:gs>
+            </a:gsLst>
+            <a:lin ang="13800000" scaled="0"/>
+          </a:gradFill>
+          <a:ln>
+            <a:noFill/>
+          </a:ln>
+        </p:spPr>
+        <p:style>
+          <a:lnRef idx="2">
+            <a:schemeClr val="accent1">
+              <a:shade val="50000"/>
+            </a:schemeClr>
+          </a:lnRef>
+          <a:fillRef idx="1">
+            <a:schemeClr val="accent1"/>
+          </a:fillRef>
+          <a:effectRef idx="0">
+            <a:schemeClr val="accent1"/>
+          </a:effectRef>
+          <a:fontRef idx="minor">
+            <a:schemeClr val="lt1"/>
+          </a:fontRef>
+        </p:style>
+        <p:txBody>
+          <a:bodyPr rtlCol="0" anchor="ctr"/>
+          <a:lstStyle/>
+          <a:p>
+            <a:pPr algn="ctr"/>
+            <a:endParaRPr lang="en-US"/>
+          </a:p>
+        </p:txBody>
+      </p:sp>
+      <p:sp>
+        <p:nvSpPr>
+          <p:cNvPr id="22" name="Oval 21">
+            <a:extLst>
+              <a:ext uri="{FF2B5EF4-FFF2-40B4-BE49-F238E27FC236}">
+                <a16:creationId xmlns:a16="http://schemas.microsoft.com/office/drawing/2014/main" id="{B5A1B09C-1565-46F8-B70F-621C5EB48A09}"/>
+              </a:ext>
+              <a:ext uri="{C183D7F6-B498-43B3-948B-1728B52AA6E4}">
+                <adec:decorative xmlns:adec="http://schemas.microsoft.com/office/drawing/2017/decorative" val="1"/>
+              </a:ext>
+            </a:extLst>
+          </p:cNvPr>
+          <p:cNvSpPr>
+            <a:spLocks noGrp="1" noRot="1" noChangeAspect="1" noMove="1" noResize="1" noEditPoints="1" noAdjustHandles="1" noChangeArrowheads="1" noChangeShapeType="1" noTextEdit="1"/>
+          </p:cNvSpPr>
+          <p:nvPr>
+            <p:extLst>
+              <p:ext uri="{386F3935-93C4-4BCD-93E2-E3B085C9AB24}">
+                <p16:designElem xmlns:p16="http://schemas.microsoft.com/office/powerpoint/2015/main" val="1"/>
+              </p:ext>
+            </p:extLst>
+          </p:nvPr>
+        </p:nvSpPr>
+        <p:spPr>
+          <a:xfrm rot="5993193">
+            <a:off x="1186972" y="1089049"/>
+            <a:ext cx="4967533" cy="4988390"/>
+          </a:xfrm>
+          <a:prstGeom prst="ellipse">
+            <a:avLst/>
+          </a:prstGeom>
+          <a:gradFill>
+            <a:gsLst>
+              <a:gs pos="0">
+                <a:schemeClr val="accent1">
+                  <a:alpha val="26000"/>
+                </a:schemeClr>
+              </a:gs>
+              <a:gs pos="85000">
+                <a:schemeClr val="accent1">
+                  <a:lumMod val="60000"/>
+                  <a:lumOff val="40000"/>
+                  <a:alpha val="0"/>
+                </a:schemeClr>
+              </a:gs>
+            </a:gsLst>
+            <a:lin ang="14400000" scaled="0"/>
+          </a:gradFill>
+          <a:ln>
+            <a:noFill/>
+          </a:ln>
+        </p:spPr>
+        <p:style>
+          <a:lnRef idx="2">
+            <a:schemeClr val="accent1">
+              <a:shade val="50000"/>
+            </a:schemeClr>
+          </a:lnRef>
+          <a:fillRef idx="1">
+            <a:schemeClr val="accent1"/>
+          </a:fillRef>
+          <a:effectRef idx="0">
+            <a:schemeClr val="accent1"/>
+          </a:effectRef>
+          <a:fontRef idx="minor">
+            <a:schemeClr val="lt1"/>
+          </a:fontRef>
+        </p:style>
+        <p:txBody>
+          <a:bodyPr rtlCol="0" anchor="ctr"/>
+          <a:lstStyle/>
+          <a:p>
+            <a:pPr algn="ctr"/>
+            <a:endParaRPr lang="en-US" dirty="0"/>
+          </a:p>
+        </p:txBody>
+      </p:sp>
+      <p:sp>
+        <p:nvSpPr>
+          <p:cNvPr id="4" name="Titre 3">
+            <a:extLst>
+              <a:ext uri="{FF2B5EF4-FFF2-40B4-BE49-F238E27FC236}">
+                <a16:creationId xmlns:a16="http://schemas.microsoft.com/office/drawing/2014/main" id="{EDDB8C3B-2BBE-08DB-4506-77AA263C16EB}"/>
+              </a:ext>
+            </a:extLst>
+          </p:cNvPr>
+          <p:cNvSpPr>
+            <a:spLocks noGrp="1"/>
+          </p:cNvSpPr>
+          <p:nvPr>
+            <p:ph type="title"/>
+          </p:nvPr>
+        </p:nvSpPr>
+        <p:spPr>
+          <a:xfrm>
+            <a:off x="4162567" y="818984"/>
+            <a:ext cx="6714699" cy="3178689"/>
+          </a:xfrm>
+        </p:spPr>
+        <p:txBody>
+          <a:bodyPr vert="horz" lIns="91440" tIns="45720" rIns="91440" bIns="45720" rtlCol="0" anchor="b">
+            <a:normAutofit/>
+          </a:bodyPr>
+          <a:lstStyle/>
+          <a:p>
+            <a:r>
+              <a:rPr lang="en-US" sz="4800" kern="1200">
+                <a:solidFill>
+                  <a:srgbClr val="FFFFFF"/>
+                </a:solidFill>
+                <a:latin typeface="+mj-lt"/>
+                <a:ea typeface="+mj-ea"/>
+                <a:cs typeface="+mj-cs"/>
+              </a:rPr>
+              <a:t>Suite VMware</a:t>
+            </a:r>
+          </a:p>
+        </p:txBody>
+      </p:sp>
+      <p:sp>
+        <p:nvSpPr>
+          <p:cNvPr id="24" name="Rectangle 23">
+            <a:extLst>
+              <a:ext uri="{FF2B5EF4-FFF2-40B4-BE49-F238E27FC236}">
+                <a16:creationId xmlns:a16="http://schemas.microsoft.com/office/drawing/2014/main" id="{8C516CC8-80AC-446C-A56E-9F54B7210402}"/>
+              </a:ext>
+              <a:ext uri="{C183D7F6-B498-43B3-948B-1728B52AA6E4}">
+                <adec:decorative xmlns:adec="http://schemas.microsoft.com/office/drawing/2017/decorative" val="1"/>
+              </a:ext>
+            </a:extLst>
+          </p:cNvPr>
+          <p:cNvSpPr>
+            <a:spLocks noGrp="1" noRot="1" noChangeAspect="1" noMove="1" noResize="1" noEditPoints="1" noAdjustHandles="1" noChangeArrowheads="1" noChangeShapeType="1" noTextEdit="1"/>
+          </p:cNvSpPr>
+          <p:nvPr>
+            <p:extLst>
+              <p:ext uri="{386F3935-93C4-4BCD-93E2-E3B085C9AB24}">
+                <p16:designElem xmlns:p16="http://schemas.microsoft.com/office/powerpoint/2015/main" val="1"/>
+              </p:ext>
+            </p:extLst>
+          </p:nvPr>
+        </p:nvSpPr>
+        <p:spPr>
+          <a:xfrm flipH="1">
+            <a:off x="-3" y="4490110"/>
+            <a:ext cx="12217710" cy="2377962"/>
+          </a:xfrm>
+          <a:prstGeom prst="rect">
+            <a:avLst/>
+          </a:prstGeom>
+          <a:gradFill>
+            <a:gsLst>
+              <a:gs pos="0">
+                <a:schemeClr val="accent1">
+                  <a:lumMod val="75000"/>
+                  <a:alpha val="50000"/>
+                </a:schemeClr>
+              </a:gs>
+              <a:gs pos="99000">
+                <a:srgbClr val="000000">
+                  <a:alpha val="34000"/>
+                </a:srgbClr>
+              </a:gs>
+            </a:gsLst>
+            <a:lin ang="13200000" scaled="0"/>
+          </a:gradFill>
+          <a:ln>
+            <a:noFill/>
+          </a:ln>
+        </p:spPr>
+        <p:style>
+          <a:lnRef idx="2">
+            <a:schemeClr val="accent1">
+              <a:shade val="50000"/>
+            </a:schemeClr>
+          </a:lnRef>
+          <a:fillRef idx="1">
+            <a:schemeClr val="accent1"/>
+          </a:fillRef>
+          <a:effectRef idx="0">
+            <a:schemeClr val="accent1"/>
+          </a:effectRef>
+          <a:fontRef idx="minor">
+            <a:schemeClr val="lt1"/>
+          </a:fontRef>
+        </p:style>
+        <p:txBody>
+          <a:bodyPr rtlCol="0" anchor="ctr"/>
+          <a:lstStyle/>
+          <a:p>
+            <a:pPr algn="ctr"/>
+            <a:endParaRPr lang="en-US"/>
+          </a:p>
+        </p:txBody>
+      </p:sp>
+    </p:spTree>
+    <p:extLst>
+      <p:ext uri="{BB962C8B-B14F-4D97-AF65-F5344CB8AC3E}">
+        <p14:creationId xmlns:p14="http://schemas.microsoft.com/office/powerpoint/2010/main" val="3284202615"/>
+      </p:ext>
+    </p:extLst>
+  </p:cSld>
+  <p:clrMapOvr>
+    <a:masterClrMapping/>
+  </p:clrMapOvr>
+</p:sld>
+</file>
+
+<file path=ppt/slides/slide11.xml><?xml version="1.0" encoding="utf-8"?>
+<p:sld xmlns:a="http://schemas.openxmlformats.org/drawingml/2006/main" xmlns:r="http://schemas.openxmlformats.org/officeDocument/2006/relationships" xmlns:p="http://schemas.openxmlformats.org/presentationml/2006/main">
+  <p:cSld>
+    <p:bg>
+      <p:bgPr>
+        <a:solidFill>
+          <a:schemeClr val="bg1"/>
+        </a:solidFill>
+        <a:effectLst/>
+      </p:bgPr>
+    </p:bg>
+    <p:spTree>
+      <p:nvGrpSpPr>
+        <p:cNvPr id="1" name=""/>
+        <p:cNvGrpSpPr/>
+        <p:nvPr/>
+      </p:nvGrpSpPr>
+      <p:grpSpPr>
+        <a:xfrm>
+          <a:off x="0" y="0"/>
+          <a:ext cx="0" cy="0"/>
+          <a:chOff x="0" y="0"/>
+          <a:chExt cx="0" cy="0"/>
+        </a:xfrm>
+      </p:grpSpPr>
+      <p:sp useBgFill="1">
+        <p:nvSpPr>
+          <p:cNvPr id="40" name="Rectangle 39">
+            <a:extLst>
+              <a:ext uri="{FF2B5EF4-FFF2-40B4-BE49-F238E27FC236}">
+                <a16:creationId xmlns:a16="http://schemas.microsoft.com/office/drawing/2014/main" id="{BACC6370-2D7E-4714-9D71-7542949D7D5D}"/>
               </a:ext>
               <a:ext uri="{C183D7F6-B498-43B3-948B-1728B52AA6E4}">
                 <adec:decorative xmlns:adec="http://schemas.microsoft.com/office/drawing/2017/decorative" val="1"/>
@@ -20860,27 +25620,497 @@
         </p:nvSpPr>
         <p:spPr>
           <a:xfrm>
-            <a:off x="459350" y="-1"/>
-            <a:ext cx="11732646" cy="1597433"/>
+            <a:off x="0" y="0"/>
+            <a:ext cx="12192000" cy="6858000"/>
+          </a:xfrm>
+          <a:prstGeom prst="rect">
+            <a:avLst/>
+          </a:prstGeom>
+          <a:ln w="12700" cap="flat" cmpd="sng" algn="ctr">
+            <a:noFill/>
+            <a:prstDash val="solid"/>
+            <a:miter lim="800000"/>
+          </a:ln>
+          <a:effectLst/>
+          <a:extLst>
+            <a:ext uri="{91240B29-F687-4F45-9708-019B960494DF}">
+              <a14:hiddenLine xmlns:a14="http://schemas.microsoft.com/office/drawing/2010/main" w="12700" cap="flat" cmpd="sng" algn="ctr">
+                <a:solidFill>
+                  <a:schemeClr val="accent1">
+                    <a:shade val="50000"/>
+                  </a:schemeClr>
+                </a:solidFill>
+                <a:prstDash val="solid"/>
+                <a:miter lim="800000"/>
+              </a14:hiddenLine>
+            </a:ext>
+          </a:extLst>
+        </p:spPr>
+        <p:style>
+          <a:lnRef idx="2">
+            <a:schemeClr val="accent1">
+              <a:shade val="50000"/>
+            </a:schemeClr>
+          </a:lnRef>
+          <a:fillRef idx="1">
+            <a:schemeClr val="accent1"/>
+          </a:fillRef>
+          <a:effectRef idx="0">
+            <a:schemeClr val="accent1"/>
+          </a:effectRef>
+          <a:fontRef idx="minor">
+            <a:schemeClr val="lt1"/>
+          </a:fontRef>
+        </p:style>
+        <p:txBody>
+          <a:bodyPr rtlCol="0" anchor="ctr"/>
+          <a:lstStyle/>
+          <a:p>
+            <a:pPr algn="ctr"/>
+            <a:endParaRPr lang="en-US"/>
+          </a:p>
+        </p:txBody>
+      </p:sp>
+      <p:sp>
+        <p:nvSpPr>
+          <p:cNvPr id="42" name="Rectangle 41">
+            <a:extLst>
+              <a:ext uri="{FF2B5EF4-FFF2-40B4-BE49-F238E27FC236}">
+                <a16:creationId xmlns:a16="http://schemas.microsoft.com/office/drawing/2014/main" id="{256B2C21-A230-48C0-8DF1-C46611373C44}"/>
+              </a:ext>
+              <a:ext uri="{C183D7F6-B498-43B3-948B-1728B52AA6E4}">
+                <adec:decorative xmlns:adec="http://schemas.microsoft.com/office/drawing/2017/decorative" val="1"/>
+              </a:ext>
+            </a:extLst>
+          </p:cNvPr>
+          <p:cNvSpPr>
+            <a:spLocks noGrp="1" noRot="1" noChangeAspect="1" noMove="1" noResize="1" noEditPoints="1" noAdjustHandles="1" noChangeArrowheads="1" noChangeShapeType="1" noTextEdit="1"/>
+          </p:cNvSpPr>
+          <p:nvPr>
+            <p:extLst>
+              <p:ext uri="{386F3935-93C4-4BCD-93E2-E3B085C9AB24}">
+                <p16:designElem xmlns:p16="http://schemas.microsoft.com/office/powerpoint/2015/main" val="1"/>
+              </p:ext>
+            </p:extLst>
+          </p:nvPr>
+        </p:nvSpPr>
+        <p:spPr>
+          <a:xfrm rot="5400000" flipH="1">
+            <a:off x="-1410084" y="1410082"/>
+            <a:ext cx="6858000" cy="4037836"/>
           </a:xfrm>
           <a:prstGeom prst="rect">
             <a:avLst/>
           </a:prstGeom>
           <a:gradFill>
             <a:gsLst>
-              <a:gs pos="50000">
+              <a:gs pos="8000">
+                <a:srgbClr val="000000"/>
+              </a:gs>
+              <a:gs pos="100000">
+                <a:schemeClr val="accent1">
+                  <a:lumMod val="75000"/>
+                </a:schemeClr>
+              </a:gs>
+            </a:gsLst>
+            <a:lin ang="3000000" scaled="0"/>
+          </a:gradFill>
+          <a:ln>
+            <a:noFill/>
+          </a:ln>
+        </p:spPr>
+        <p:style>
+          <a:lnRef idx="2">
+            <a:schemeClr val="accent1">
+              <a:shade val="50000"/>
+            </a:schemeClr>
+          </a:lnRef>
+          <a:fillRef idx="1">
+            <a:schemeClr val="accent1"/>
+          </a:fillRef>
+          <a:effectRef idx="0">
+            <a:schemeClr val="accent1"/>
+          </a:effectRef>
+          <a:fontRef idx="minor">
+            <a:schemeClr val="lt1"/>
+          </a:fontRef>
+        </p:style>
+        <p:txBody>
+          <a:bodyPr rtlCol="0" anchor="ctr"/>
+          <a:lstStyle/>
+          <a:p>
+            <a:pPr algn="ctr"/>
+            <a:endParaRPr lang="en-US"/>
+          </a:p>
+        </p:txBody>
+      </p:sp>
+      <p:sp>
+        <p:nvSpPr>
+          <p:cNvPr id="44" name="Rectangle 43">
+            <a:extLst>
+              <a:ext uri="{FF2B5EF4-FFF2-40B4-BE49-F238E27FC236}">
+                <a16:creationId xmlns:a16="http://schemas.microsoft.com/office/drawing/2014/main" id="{3847E18C-932D-4C95-AABA-FEC7C9499AD7}"/>
+              </a:ext>
+              <a:ext uri="{C183D7F6-B498-43B3-948B-1728B52AA6E4}">
+                <adec:decorative xmlns:adec="http://schemas.microsoft.com/office/drawing/2017/decorative" val="1"/>
+              </a:ext>
+            </a:extLst>
+          </p:cNvPr>
+          <p:cNvSpPr>
+            <a:spLocks noGrp="1" noRot="1" noChangeAspect="1" noMove="1" noResize="1" noEditPoints="1" noAdjustHandles="1" noChangeArrowheads="1" noChangeShapeType="1" noTextEdit="1"/>
+          </p:cNvSpPr>
+          <p:nvPr>
+            <p:extLst>
+              <p:ext uri="{386F3935-93C4-4BCD-93E2-E3B085C9AB24}">
+                <p16:designElem xmlns:p16="http://schemas.microsoft.com/office/powerpoint/2015/main" val="1"/>
+              </p:ext>
+            </p:extLst>
+          </p:nvPr>
+        </p:nvSpPr>
+        <p:spPr>
+          <a:xfrm rot="5400000" flipH="1">
+            <a:off x="-1410085" y="1420219"/>
+            <a:ext cx="6857999" cy="4037839"/>
+          </a:xfrm>
+          <a:prstGeom prst="rect">
+            <a:avLst/>
+          </a:prstGeom>
+          <a:gradFill>
+            <a:gsLst>
+              <a:gs pos="0">
                 <a:srgbClr val="000000">
                   <a:alpha val="0"/>
                 </a:srgbClr>
               </a:gs>
               <a:gs pos="99000">
                 <a:schemeClr val="accent1">
-                  <a:lumMod val="50000"/>
-                  <a:alpha val="52000"/>
+                  <a:alpha val="46000"/>
                 </a:schemeClr>
               </a:gs>
             </a:gsLst>
-            <a:lin ang="16800000" scaled="0"/>
+            <a:lin ang="1800000" scaled="0"/>
+          </a:gradFill>
+          <a:ln>
+            <a:noFill/>
+          </a:ln>
+        </p:spPr>
+        <p:style>
+          <a:lnRef idx="2">
+            <a:schemeClr val="accent1">
+              <a:shade val="50000"/>
+            </a:schemeClr>
+          </a:lnRef>
+          <a:fillRef idx="1">
+            <a:schemeClr val="accent1"/>
+          </a:fillRef>
+          <a:effectRef idx="0">
+            <a:schemeClr val="accent1"/>
+          </a:effectRef>
+          <a:fontRef idx="minor">
+            <a:schemeClr val="lt1"/>
+          </a:fontRef>
+        </p:style>
+        <p:txBody>
+          <a:bodyPr rtlCol="0" anchor="ctr"/>
+          <a:lstStyle/>
+          <a:p>
+            <a:pPr algn="ctr"/>
+            <a:endParaRPr lang="en-US"/>
+          </a:p>
+        </p:txBody>
+      </p:sp>
+      <p:sp>
+        <p:nvSpPr>
+          <p:cNvPr id="46" name="Rectangle 45">
+            <a:extLst>
+              <a:ext uri="{FF2B5EF4-FFF2-40B4-BE49-F238E27FC236}">
+                <a16:creationId xmlns:a16="http://schemas.microsoft.com/office/drawing/2014/main" id="{3150CB11-0C61-439E-910F-5787759E72A0}"/>
+              </a:ext>
+              <a:ext uri="{C183D7F6-B498-43B3-948B-1728B52AA6E4}">
+                <adec:decorative xmlns:adec="http://schemas.microsoft.com/office/drawing/2017/decorative" val="1"/>
+              </a:ext>
+            </a:extLst>
+          </p:cNvPr>
+          <p:cNvSpPr>
+            <a:spLocks noGrp="1" noRot="1" noChangeAspect="1" noMove="1" noResize="1" noEditPoints="1" noAdjustHandles="1" noChangeArrowheads="1" noChangeShapeType="1" noTextEdit="1"/>
+          </p:cNvSpPr>
+          <p:nvPr>
+            <p:extLst>
+              <p:ext uri="{386F3935-93C4-4BCD-93E2-E3B085C9AB24}">
+                <p16:designElem xmlns:p16="http://schemas.microsoft.com/office/powerpoint/2015/main" val="1"/>
+              </p:ext>
+            </p:extLst>
+          </p:nvPr>
+        </p:nvSpPr>
+        <p:spPr>
+          <a:xfrm rot="5400000" flipH="1">
+            <a:off x="767923" y="3588085"/>
+            <a:ext cx="2501979" cy="4037841"/>
+          </a:xfrm>
+          <a:prstGeom prst="rect">
+            <a:avLst/>
+          </a:prstGeom>
+          <a:gradFill>
+            <a:gsLst>
+              <a:gs pos="2000">
+                <a:schemeClr val="accent1">
+                  <a:alpha val="29000"/>
+                </a:schemeClr>
+              </a:gs>
+              <a:gs pos="100000">
+                <a:srgbClr val="000000">
+                  <a:alpha val="30000"/>
+                </a:srgbClr>
+              </a:gs>
+            </a:gsLst>
+            <a:lin ang="7800000" scaled="0"/>
+          </a:gradFill>
+          <a:ln>
+            <a:noFill/>
+          </a:ln>
+        </p:spPr>
+        <p:style>
+          <a:lnRef idx="2">
+            <a:schemeClr val="accent1">
+              <a:shade val="50000"/>
+            </a:schemeClr>
+          </a:lnRef>
+          <a:fillRef idx="1">
+            <a:schemeClr val="accent1"/>
+          </a:fillRef>
+          <a:effectRef idx="0">
+            <a:schemeClr val="accent1"/>
+          </a:effectRef>
+          <a:fontRef idx="minor">
+            <a:schemeClr val="lt1"/>
+          </a:fontRef>
+        </p:style>
+        <p:txBody>
+          <a:bodyPr rtlCol="0" anchor="ctr"/>
+          <a:lstStyle/>
+          <a:p>
+            <a:pPr algn="ctr"/>
+            <a:endParaRPr lang="en-US" dirty="0"/>
+          </a:p>
+        </p:txBody>
+      </p:sp>
+      <p:sp>
+        <p:nvSpPr>
+          <p:cNvPr id="48" name="Freeform: Shape 47">
+            <a:extLst>
+              <a:ext uri="{FF2B5EF4-FFF2-40B4-BE49-F238E27FC236}">
+                <a16:creationId xmlns:a16="http://schemas.microsoft.com/office/drawing/2014/main" id="{43F8A58B-5155-44CE-A5FF-7647B47D0A7A}"/>
+              </a:ext>
+              <a:ext uri="{C183D7F6-B498-43B3-948B-1728B52AA6E4}">
+                <adec:decorative xmlns:adec="http://schemas.microsoft.com/office/drawing/2017/decorative" val="1"/>
+              </a:ext>
+            </a:extLst>
+          </p:cNvPr>
+          <p:cNvSpPr>
+            <a:spLocks noGrp="1" noRot="1" noChangeAspect="1" noMove="1" noResize="1" noEditPoints="1" noAdjustHandles="1" noChangeArrowheads="1" noChangeShapeType="1" noTextEdit="1"/>
+          </p:cNvSpPr>
+          <p:nvPr>
+            <p:extLst>
+              <p:ext uri="{386F3935-93C4-4BCD-93E2-E3B085C9AB24}">
+                <p16:designElem xmlns:p16="http://schemas.microsoft.com/office/powerpoint/2015/main" val="1"/>
+              </p:ext>
+            </p:extLst>
+          </p:nvPr>
+        </p:nvSpPr>
+        <p:spPr>
+          <a:xfrm rot="20635413">
+            <a:off x="-501737" y="969718"/>
+            <a:ext cx="3900357" cy="4178958"/>
+          </a:xfrm>
+          <a:custGeom>
+            <a:avLst/>
+            <a:gdLst>
+              <a:gd name="connsiteX0" fmla="*/ 2432225 w 3900357"/>
+              <a:gd name="connsiteY0" fmla="*/ 93939 h 4178958"/>
+              <a:gd name="connsiteX1" fmla="*/ 3900357 w 3900357"/>
+              <a:gd name="connsiteY1" fmla="*/ 2089479 h 4178958"/>
+              <a:gd name="connsiteX2" fmla="*/ 1810878 w 3900357"/>
+              <a:gd name="connsiteY2" fmla="*/ 4178958 h 4178958"/>
+              <a:gd name="connsiteX3" fmla="*/ 78249 w 3900357"/>
+              <a:gd name="connsiteY3" fmla="*/ 3257727 h 4178958"/>
+              <a:gd name="connsiteX4" fmla="*/ 0 w 3900357"/>
+              <a:gd name="connsiteY4" fmla="*/ 3128923 h 4178958"/>
+              <a:gd name="connsiteX5" fmla="*/ 831324 w 3900357"/>
+              <a:gd name="connsiteY5" fmla="*/ 244281 h 4178958"/>
+              <a:gd name="connsiteX6" fmla="*/ 997559 w 3900357"/>
+              <a:gd name="connsiteY6" fmla="*/ 164202 h 4178958"/>
+              <a:gd name="connsiteX7" fmla="*/ 1810878 w 3900357"/>
+              <a:gd name="connsiteY7" fmla="*/ 0 h 4178958"/>
+              <a:gd name="connsiteX8" fmla="*/ 2432225 w 3900357"/>
+              <a:gd name="connsiteY8" fmla="*/ 93939 h 4178958"/>
+            </a:gdLst>
+            <a:ahLst/>
+            <a:cxnLst>
+              <a:cxn ang="0">
+                <a:pos x="connsiteX0" y="connsiteY0"/>
+              </a:cxn>
+              <a:cxn ang="0">
+                <a:pos x="connsiteX1" y="connsiteY1"/>
+              </a:cxn>
+              <a:cxn ang="0">
+                <a:pos x="connsiteX2" y="connsiteY2"/>
+              </a:cxn>
+              <a:cxn ang="0">
+                <a:pos x="connsiteX3" y="connsiteY3"/>
+              </a:cxn>
+              <a:cxn ang="0">
+                <a:pos x="connsiteX4" y="connsiteY4"/>
+              </a:cxn>
+              <a:cxn ang="0">
+                <a:pos x="connsiteX5" y="connsiteY5"/>
+              </a:cxn>
+              <a:cxn ang="0">
+                <a:pos x="connsiteX6" y="connsiteY6"/>
+              </a:cxn>
+              <a:cxn ang="0">
+                <a:pos x="connsiteX7" y="connsiteY7"/>
+              </a:cxn>
+              <a:cxn ang="0">
+                <a:pos x="connsiteX8" y="connsiteY8"/>
+              </a:cxn>
+            </a:cxnLst>
+            <a:rect l="l" t="t" r="r" b="b"/>
+            <a:pathLst>
+              <a:path w="3900357" h="4178958">
+                <a:moveTo>
+                  <a:pt x="2432225" y="93939"/>
+                </a:moveTo>
+                <a:cubicBezTo>
+                  <a:pt x="3282786" y="358491"/>
+                  <a:pt x="3900357" y="1151865"/>
+                  <a:pt x="3900357" y="2089479"/>
+                </a:cubicBezTo>
+                <a:cubicBezTo>
+                  <a:pt x="3900357" y="3243466"/>
+                  <a:pt x="2964865" y="4178958"/>
+                  <a:pt x="1810878" y="4178958"/>
+                </a:cubicBezTo>
+                <a:cubicBezTo>
+                  <a:pt x="1089636" y="4178958"/>
+                  <a:pt x="453744" y="3813531"/>
+                  <a:pt x="78249" y="3257727"/>
+                </a:cubicBezTo>
+                <a:lnTo>
+                  <a:pt x="0" y="3128923"/>
+                </a:lnTo>
+                <a:lnTo>
+                  <a:pt x="831324" y="244281"/>
+                </a:lnTo>
+                <a:lnTo>
+                  <a:pt x="997559" y="164202"/>
+                </a:lnTo>
+                <a:cubicBezTo>
+                  <a:pt x="1247540" y="58468"/>
+                  <a:pt x="1522381" y="0"/>
+                  <a:pt x="1810878" y="0"/>
+                </a:cubicBezTo>
+                <a:cubicBezTo>
+                  <a:pt x="2027251" y="0"/>
+                  <a:pt x="2235942" y="32888"/>
+                  <a:pt x="2432225" y="93939"/>
+                </a:cubicBezTo>
+                <a:close/>
+              </a:path>
+            </a:pathLst>
+          </a:custGeom>
+          <a:gradFill>
+            <a:gsLst>
+              <a:gs pos="29000">
+                <a:srgbClr val="000000">
+                  <a:alpha val="0"/>
+                </a:srgbClr>
+              </a:gs>
+              <a:gs pos="100000">
+                <a:schemeClr val="accent1">
+                  <a:alpha val="43000"/>
+                </a:schemeClr>
+              </a:gs>
+            </a:gsLst>
+            <a:lin ang="1800000" scaled="0"/>
+          </a:gradFill>
+          <a:ln>
+            <a:noFill/>
+          </a:ln>
+        </p:spPr>
+        <p:style>
+          <a:lnRef idx="2">
+            <a:schemeClr val="accent1">
+              <a:shade val="50000"/>
+            </a:schemeClr>
+          </a:lnRef>
+          <a:fillRef idx="1">
+            <a:schemeClr val="accent1"/>
+          </a:fillRef>
+          <a:effectRef idx="0">
+            <a:schemeClr val="accent1"/>
+          </a:effectRef>
+          <a:fontRef idx="minor">
+            <a:schemeClr val="lt1"/>
+          </a:fontRef>
+        </p:style>
+        <p:txBody>
+          <a:bodyPr wrap="square" rtlCol="0" anchor="ctr">
+            <a:noAutofit/>
+          </a:bodyPr>
+          <a:lstStyle/>
+          <a:p>
+            <a:pPr algn="ctr"/>
+            <a:endParaRPr lang="en-US" dirty="0"/>
+          </a:p>
+        </p:txBody>
+      </p:sp>
+      <p:sp>
+        <p:nvSpPr>
+          <p:cNvPr id="50" name="Rectangle 49">
+            <a:extLst>
+              <a:ext uri="{FF2B5EF4-FFF2-40B4-BE49-F238E27FC236}">
+                <a16:creationId xmlns:a16="http://schemas.microsoft.com/office/drawing/2014/main" id="{443F2ACA-E6D6-4028-82DD-F03C262D5DE6}"/>
+              </a:ext>
+              <a:ext uri="{C183D7F6-B498-43B3-948B-1728B52AA6E4}">
+                <adec:decorative xmlns:adec="http://schemas.microsoft.com/office/drawing/2017/decorative" val="1"/>
+              </a:ext>
+            </a:extLst>
+          </p:cNvPr>
+          <p:cNvSpPr>
+            <a:spLocks noGrp="1" noRot="1" noChangeAspect="1" noMove="1" noResize="1" noEditPoints="1" noAdjustHandles="1" noChangeArrowheads="1" noChangeShapeType="1" noTextEdit="1"/>
+          </p:cNvSpPr>
+          <p:nvPr>
+            <p:extLst>
+              <p:ext uri="{386F3935-93C4-4BCD-93E2-E3B085C9AB24}">
+                <p16:designElem xmlns:p16="http://schemas.microsoft.com/office/powerpoint/2015/main" val="1"/>
+              </p:ext>
+            </p:extLst>
+          </p:nvPr>
+        </p:nvSpPr>
+        <p:spPr>
+          <a:xfrm rot="5400000" flipH="1">
+            <a:off x="-1410095" y="1410079"/>
+            <a:ext cx="6858003" cy="4037835"/>
+          </a:xfrm>
+          <a:prstGeom prst="rect">
+            <a:avLst/>
+          </a:prstGeom>
+          <a:gradFill>
+            <a:gsLst>
+              <a:gs pos="0">
+                <a:srgbClr val="000000">
+                  <a:alpha val="0"/>
+                </a:srgbClr>
+              </a:gs>
+              <a:gs pos="99000">
+                <a:schemeClr val="accent1">
+                  <a:lumMod val="60000"/>
+                  <a:lumOff val="40000"/>
+                  <a:alpha val="11000"/>
+                </a:schemeClr>
+              </a:gs>
+            </a:gsLst>
+            <a:lin ang="7200000" scaled="0"/>
           </a:gradFill>
           <a:ln>
             <a:noFill/>
@@ -20916,7 +26146,7 @@
           <p:cNvPr id="4" name="Titre 3">
             <a:extLst>
               <a:ext uri="{FF2B5EF4-FFF2-40B4-BE49-F238E27FC236}">
-                <a16:creationId xmlns:a16="http://schemas.microsoft.com/office/drawing/2014/main" id="{3A26A676-A772-9EA6-7F53-472EDB2411E9}"/>
+                <a16:creationId xmlns:a16="http://schemas.microsoft.com/office/drawing/2014/main" id="{165B189D-CBC0-404D-0AF4-18138E1B10DF}"/>
               </a:ext>
             </a:extLst>
           </p:cNvPr>
@@ -20929,221 +26159,63 @@
         </p:nvSpPr>
         <p:spPr>
           <a:xfrm>
-            <a:off x="1371599" y="294538"/>
-            <a:ext cx="9895951" cy="1033669"/>
+            <a:off x="586478" y="1683756"/>
+            <a:ext cx="3115265" cy="2396359"/>
           </a:xfrm>
         </p:spPr>
         <p:txBody>
-          <a:bodyPr>
+          <a:bodyPr vert="horz" lIns="91440" tIns="45720" rIns="91440" bIns="45720" rtlCol="0" anchor="b">
             <a:normAutofit/>
           </a:bodyPr>
           <a:lstStyle/>
           <a:p>
+            <a:pPr algn="r"/>
             <a:r>
-              <a:rPr lang="fr-BE" sz="4000">
+              <a:rPr lang="en-US" sz="4000" kern="1200">
                 <a:solidFill>
                   <a:srgbClr val="FFFFFF"/>
                 </a:solidFill>
+                <a:latin typeface="+mj-lt"/>
+                <a:ea typeface="+mj-ea"/>
+                <a:cs typeface="+mj-cs"/>
               </a:rPr>
-              <a:t>Suite VMware vSphere Foundation</a:t>
+              <a:t>Composant clés de l’écosystème</a:t>
             </a:r>
           </a:p>
         </p:txBody>
       </p:sp>
-      <p:sp>
-        <p:nvSpPr>
-          <p:cNvPr id="5" name="Espace réservé du contenu 4">
+      <p:graphicFrame>
+        <p:nvGraphicFramePr>
+          <p:cNvPr id="26" name="Diagramme 25">
             <a:extLst>
               <a:ext uri="{FF2B5EF4-FFF2-40B4-BE49-F238E27FC236}">
-                <a16:creationId xmlns:a16="http://schemas.microsoft.com/office/drawing/2014/main" id="{991B77B6-F12F-1CD6-23F0-47623AA879CB}"/>
+                <a16:creationId xmlns:a16="http://schemas.microsoft.com/office/drawing/2014/main" id="{6DF5ABC3-0C6B-4852-9521-68453121E179}"/>
               </a:ext>
             </a:extLst>
           </p:cNvPr>
-          <p:cNvSpPr>
-            <a:spLocks noGrp="1"/>
-          </p:cNvSpPr>
+          <p:cNvGraphicFramePr/>
           <p:nvPr>
-            <p:ph idx="1"/>
+            <p:extLst>
+              <p:ext uri="{D42A27DB-BD31-4B8C-83A1-F6EECF244321}">
+                <p14:modId xmlns:p14="http://schemas.microsoft.com/office/powerpoint/2010/main" val="3433658101"/>
+              </p:ext>
+            </p:extLst>
           </p:nvPr>
-        </p:nvSpPr>
-        <p:spPr>
-          <a:xfrm>
-            <a:off x="1371599" y="2318197"/>
-            <a:ext cx="9724031" cy="3683358"/>
-          </a:xfrm>
-        </p:spPr>
-        <p:txBody>
-          <a:bodyPr anchor="ctr">
-            <a:normAutofit/>
-          </a:bodyPr>
-          <a:lstStyle/>
-          <a:p>
-            <a:endParaRPr lang="fr-BE" sz="2000"/>
-          </a:p>
-        </p:txBody>
-      </p:sp>
+        </p:nvGraphicFramePr>
+        <p:xfrm>
+          <a:off x="4905052" y="750440"/>
+          <a:ext cx="6666833" cy="5453920"/>
+        </p:xfrm>
+        <a:graphic>
+          <a:graphicData uri="http://schemas.openxmlformats.org/drawingml/2006/diagram">
+            <dgm:relIds xmlns:dgm="http://schemas.openxmlformats.org/drawingml/2006/diagram" xmlns:r="http://schemas.openxmlformats.org/officeDocument/2006/relationships" r:dm="rId3" r:lo="rId4" r:qs="rId5" r:cs="rId6"/>
+          </a:graphicData>
+        </a:graphic>
+      </p:graphicFrame>
     </p:spTree>
     <p:extLst>
       <p:ext uri="{BB962C8B-B14F-4D97-AF65-F5344CB8AC3E}">
-        <p14:creationId xmlns:p14="http://schemas.microsoft.com/office/powerpoint/2010/main" val="720998803"/>
-      </p:ext>
-    </p:extLst>
-  </p:cSld>
-  <p:clrMapOvr>
-    <a:masterClrMapping/>
-  </p:clrMapOvr>
-</p:sld>
-</file>
-
-<file path=ppt/slides/slide11.xml><?xml version="1.0" encoding="utf-8"?>
-<p:sld xmlns:a="http://schemas.openxmlformats.org/drawingml/2006/main" xmlns:r="http://schemas.openxmlformats.org/officeDocument/2006/relationships" xmlns:p="http://schemas.openxmlformats.org/presentationml/2006/main">
-  <p:cSld>
-    <p:spTree>
-      <p:nvGrpSpPr>
-        <p:cNvPr id="1" name=""/>
-        <p:cNvGrpSpPr/>
-        <p:nvPr/>
-      </p:nvGrpSpPr>
-      <p:grpSpPr>
-        <a:xfrm>
-          <a:off x="0" y="0"/>
-          <a:ext cx="0" cy="0"/>
-          <a:chOff x="0" y="0"/>
-          <a:chExt cx="0" cy="0"/>
-        </a:xfrm>
-      </p:grpSpPr>
-      <p:sp>
-        <p:nvSpPr>
-          <p:cNvPr id="5" name="Espace réservé du texte 4">
-            <a:extLst>
-              <a:ext uri="{FF2B5EF4-FFF2-40B4-BE49-F238E27FC236}">
-                <a16:creationId xmlns:a16="http://schemas.microsoft.com/office/drawing/2014/main" id="{99AD0F7B-F223-8A2D-200A-D153F8412C50}"/>
-              </a:ext>
-            </a:extLst>
-          </p:cNvPr>
-          <p:cNvSpPr>
-            <a:spLocks noGrp="1"/>
-          </p:cNvSpPr>
-          <p:nvPr>
-            <p:ph type="body" idx="1"/>
-          </p:nvPr>
-        </p:nvSpPr>
-        <p:spPr>
-          <a:xfrm>
-            <a:off x="938213" y="1208197"/>
-            <a:ext cx="5157787" cy="823912"/>
-          </a:xfrm>
-        </p:spPr>
-        <p:txBody>
-          <a:bodyPr/>
-          <a:lstStyle/>
-          <a:p>
-            <a:pPr algn="ctr"/>
-            <a:r>
-              <a:rPr lang="fr-BE" dirty="0"/>
-              <a:t>vSphere ESXi Hypervisor</a:t>
-            </a:r>
-          </a:p>
-        </p:txBody>
-      </p:sp>
-      <p:sp>
-        <p:nvSpPr>
-          <p:cNvPr id="6" name="Espace réservé du contenu 5">
-            <a:extLst>
-              <a:ext uri="{FF2B5EF4-FFF2-40B4-BE49-F238E27FC236}">
-                <a16:creationId xmlns:a16="http://schemas.microsoft.com/office/drawing/2014/main" id="{C30496D4-DAA6-658C-0120-5A416C842B80}"/>
-              </a:ext>
-            </a:extLst>
-          </p:cNvPr>
-          <p:cNvSpPr>
-            <a:spLocks noGrp="1"/>
-          </p:cNvSpPr>
-          <p:nvPr>
-            <p:ph sz="half" idx="2"/>
-          </p:nvPr>
-        </p:nvSpPr>
-        <p:spPr>
-          <a:xfrm>
-            <a:off x="938213" y="2032109"/>
-            <a:ext cx="5157787" cy="3684588"/>
-          </a:xfrm>
-        </p:spPr>
-        <p:txBody>
-          <a:bodyPr/>
-          <a:lstStyle/>
-          <a:p>
-            <a:endParaRPr lang="fr-BE" dirty="0"/>
-          </a:p>
-        </p:txBody>
-      </p:sp>
-      <p:sp>
-        <p:nvSpPr>
-          <p:cNvPr id="7" name="Espace réservé du texte 6">
-            <a:extLst>
-              <a:ext uri="{FF2B5EF4-FFF2-40B4-BE49-F238E27FC236}">
-                <a16:creationId xmlns:a16="http://schemas.microsoft.com/office/drawing/2014/main" id="{E23DC0DE-B842-192B-2AC6-112CBC1C43E0}"/>
-              </a:ext>
-            </a:extLst>
-          </p:cNvPr>
-          <p:cNvSpPr>
-            <a:spLocks noGrp="1"/>
-          </p:cNvSpPr>
-          <p:nvPr>
-            <p:ph type="body" sz="quarter" idx="3"/>
-          </p:nvPr>
-        </p:nvSpPr>
-        <p:spPr>
-          <a:xfrm>
-            <a:off x="6270625" y="1208197"/>
-            <a:ext cx="5183188" cy="823912"/>
-          </a:xfrm>
-        </p:spPr>
-        <p:txBody>
-          <a:bodyPr/>
-          <a:lstStyle/>
-          <a:p>
-            <a:pPr algn="ctr"/>
-            <a:r>
-              <a:rPr lang="fr-BE" dirty="0"/>
-              <a:t>vCenter Server</a:t>
-            </a:r>
-          </a:p>
-        </p:txBody>
-      </p:sp>
-      <p:sp>
-        <p:nvSpPr>
-          <p:cNvPr id="8" name="Espace réservé du contenu 7">
-            <a:extLst>
-              <a:ext uri="{FF2B5EF4-FFF2-40B4-BE49-F238E27FC236}">
-                <a16:creationId xmlns:a16="http://schemas.microsoft.com/office/drawing/2014/main" id="{7CA386E9-E709-99B8-B5C1-EE5F5ACE4BB2}"/>
-              </a:ext>
-            </a:extLst>
-          </p:cNvPr>
-          <p:cNvSpPr>
-            <a:spLocks noGrp="1"/>
-          </p:cNvSpPr>
-          <p:nvPr>
-            <p:ph sz="quarter" idx="4"/>
-          </p:nvPr>
-        </p:nvSpPr>
-        <p:spPr>
-          <a:xfrm>
-            <a:off x="6270625" y="2032109"/>
-            <a:ext cx="5183188" cy="3684588"/>
-          </a:xfrm>
-        </p:spPr>
-        <p:txBody>
-          <a:bodyPr/>
-          <a:lstStyle/>
-          <a:p>
-            <a:endParaRPr lang="fr-BE"/>
-          </a:p>
-        </p:txBody>
-      </p:sp>
-    </p:spTree>
-    <p:extLst>
-      <p:ext uri="{BB962C8B-B14F-4D97-AF65-F5344CB8AC3E}">
-        <p14:creationId xmlns:p14="http://schemas.microsoft.com/office/powerpoint/2010/main" val="3026162213"/>
+        <p14:creationId xmlns:p14="http://schemas.microsoft.com/office/powerpoint/2010/main" val="2028404322"/>
       </p:ext>
     </p:extLst>
   </p:cSld>
@@ -21609,7 +26681,7 @@
           <p:nvPr/>
         </p:nvPicPr>
         <p:blipFill>
-          <a:blip r:embed="rId2">
+          <a:blip r:embed="rId3">
             <a:extLst>
               <a:ext uri="{28A0092B-C50C-407E-A947-70E740481C1C}">
                 <a14:useLocalDpi xmlns:a14="http://schemas.microsoft.com/office/drawing/2010/main" val="0"/>
@@ -21658,7 +26730,7 @@
           <p:nvPr/>
         </p:nvPicPr>
         <p:blipFill>
-          <a:blip r:embed="rId3">
+          <a:blip r:embed="rId4">
             <a:extLst>
               <a:ext uri="{28A0092B-C50C-407E-A947-70E740481C1C}">
                 <a14:useLocalDpi xmlns:a14="http://schemas.microsoft.com/office/drawing/2010/main" val="0"/>
@@ -21707,7 +26779,7 @@
           <p:nvPr/>
         </p:nvPicPr>
         <p:blipFill>
-          <a:blip r:embed="rId4">
+          <a:blip r:embed="rId5">
             <a:extLst>
               <a:ext uri="{28A0092B-C50C-407E-A947-70E740481C1C}">
                 <a14:useLocalDpi xmlns:a14="http://schemas.microsoft.com/office/drawing/2010/main" val="0"/>
@@ -21874,6 +26946,14 @@
 <file path=ppt/slides/slide13.xml><?xml version="1.0" encoding="utf-8"?>
 <p:sld xmlns:a="http://schemas.openxmlformats.org/drawingml/2006/main" xmlns:r="http://schemas.openxmlformats.org/officeDocument/2006/relationships" xmlns:p="http://schemas.openxmlformats.org/presentationml/2006/main">
   <p:cSld>
+    <p:bg>
+      <p:bgPr>
+        <a:solidFill>
+          <a:schemeClr val="bg1"/>
+        </a:solidFill>
+        <a:effectLst/>
+      </p:bgPr>
+    </p:bg>
     <p:spTree>
       <p:nvGrpSpPr>
         <p:cNvPr id="1" name=""/>
@@ -21888,12 +26968,533 @@
           <a:chExt cx="0" cy="0"/>
         </a:xfrm>
       </p:grpSpPr>
+      <p:sp useBgFill="1">
+        <p:nvSpPr>
+          <p:cNvPr id="13" name="Rectangle 12">
+            <a:extLst>
+              <a:ext uri="{FF2B5EF4-FFF2-40B4-BE49-F238E27FC236}">
+                <a16:creationId xmlns:a16="http://schemas.microsoft.com/office/drawing/2014/main" id="{1B15ED52-F352-441B-82BF-E0EA34836D08}"/>
+              </a:ext>
+              <a:ext uri="{C183D7F6-B498-43B3-948B-1728B52AA6E4}">
+                <adec:decorative xmlns:adec="http://schemas.microsoft.com/office/drawing/2017/decorative" val="1"/>
+              </a:ext>
+            </a:extLst>
+          </p:cNvPr>
+          <p:cNvSpPr>
+            <a:spLocks noGrp="1" noRot="1" noChangeAspect="1" noMove="1" noResize="1" noEditPoints="1" noAdjustHandles="1" noChangeArrowheads="1" noChangeShapeType="1" noTextEdit="1"/>
+          </p:cNvSpPr>
+          <p:nvPr>
+            <p:extLst>
+              <p:ext uri="{386F3935-93C4-4BCD-93E2-E3B085C9AB24}">
+                <p16:designElem xmlns:p16="http://schemas.microsoft.com/office/powerpoint/2015/main" val="1"/>
+              </p:ext>
+            </p:extLst>
+          </p:nvPr>
+        </p:nvSpPr>
+        <p:spPr>
+          <a:xfrm>
+            <a:off x="0" y="0"/>
+            <a:ext cx="12192000" cy="6858000"/>
+          </a:xfrm>
+          <a:prstGeom prst="rect">
+            <a:avLst/>
+          </a:prstGeom>
+          <a:ln w="12700" cap="flat" cmpd="sng" algn="ctr">
+            <a:noFill/>
+            <a:prstDash val="solid"/>
+            <a:miter lim="800000"/>
+          </a:ln>
+          <a:effectLst/>
+          <a:extLst>
+            <a:ext uri="{91240B29-F687-4F45-9708-019B960494DF}">
+              <a14:hiddenLine xmlns:a14="http://schemas.microsoft.com/office/drawing/2010/main" w="12700" cap="flat" cmpd="sng" algn="ctr">
+                <a:solidFill>
+                  <a:schemeClr val="accent1">
+                    <a:shade val="50000"/>
+                  </a:schemeClr>
+                </a:solidFill>
+                <a:prstDash val="solid"/>
+                <a:miter lim="800000"/>
+              </a14:hiddenLine>
+            </a:ext>
+          </a:extLst>
+        </p:spPr>
+        <p:style>
+          <a:lnRef idx="2">
+            <a:schemeClr val="accent1">
+              <a:shade val="50000"/>
+            </a:schemeClr>
+          </a:lnRef>
+          <a:fillRef idx="1">
+            <a:schemeClr val="accent1"/>
+          </a:fillRef>
+          <a:effectRef idx="0">
+            <a:schemeClr val="accent1"/>
+          </a:effectRef>
+          <a:fontRef idx="minor">
+            <a:schemeClr val="lt1"/>
+          </a:fontRef>
+        </p:style>
+        <p:txBody>
+          <a:bodyPr rtlCol="0" anchor="ctr"/>
+          <a:lstStyle/>
+          <a:p>
+            <a:pPr marL="0" marR="0" lvl="0" indent="0" algn="ctr" defTabSz="914400" rtl="0" eaLnBrk="1" fontAlgn="auto" latinLnBrk="0" hangingPunct="1">
+              <a:lnSpc>
+                <a:spcPct val="100000"/>
+              </a:lnSpc>
+              <a:spcBef>
+                <a:spcPts val="0"/>
+              </a:spcBef>
+              <a:spcAft>
+                <a:spcPts val="0"/>
+              </a:spcAft>
+              <a:buClrTx/>
+              <a:buSzTx/>
+              <a:buFontTx/>
+              <a:buNone/>
+              <a:tabLst/>
+              <a:defRPr/>
+            </a:pPr>
+            <a:endParaRPr kumimoji="0" lang="en-US" sz="1800" b="0" i="0" u="none" strike="noStrike" kern="1200" cap="none" spc="0" normalizeH="0" baseline="0" noProof="0">
+              <a:ln>
+                <a:noFill/>
+              </a:ln>
+              <a:solidFill>
+                <a:prstClr val="white"/>
+              </a:solidFill>
+              <a:effectLst/>
+              <a:uLnTx/>
+              <a:uFillTx/>
+              <a:latin typeface="Aptos" panose="02110004020202020204"/>
+              <a:ea typeface="+mn-ea"/>
+              <a:cs typeface="+mn-cs"/>
+            </a:endParaRPr>
+          </a:p>
+        </p:txBody>
+      </p:sp>
       <p:sp>
         <p:nvSpPr>
-          <p:cNvPr id="2" name="Titre 1">
+          <p:cNvPr id="15" name="Rectangle 14">
             <a:extLst>
               <a:ext uri="{FF2B5EF4-FFF2-40B4-BE49-F238E27FC236}">
-                <a16:creationId xmlns:a16="http://schemas.microsoft.com/office/drawing/2014/main" id="{455C629D-612C-707E-E202-75C48AF41B6D}"/>
+                <a16:creationId xmlns:a16="http://schemas.microsoft.com/office/drawing/2014/main" id="{3B2E3793-BFE6-45A2-9B7B-E18844431C99}"/>
+              </a:ext>
+              <a:ext uri="{C183D7F6-B498-43B3-948B-1728B52AA6E4}">
+                <adec:decorative xmlns:adec="http://schemas.microsoft.com/office/drawing/2017/decorative" val="1"/>
+              </a:ext>
+            </a:extLst>
+          </p:cNvPr>
+          <p:cNvSpPr>
+            <a:spLocks noGrp="1" noRot="1" noChangeAspect="1" noMove="1" noResize="1" noEditPoints="1" noAdjustHandles="1" noChangeArrowheads="1" noChangeShapeType="1" noTextEdit="1"/>
+          </p:cNvSpPr>
+          <p:nvPr>
+            <p:extLst>
+              <p:ext uri="{386F3935-93C4-4BCD-93E2-E3B085C9AB24}">
+                <p16:designElem xmlns:p16="http://schemas.microsoft.com/office/powerpoint/2015/main" val="1"/>
+              </p:ext>
+            </p:extLst>
+          </p:nvPr>
+        </p:nvSpPr>
+        <p:spPr>
+          <a:xfrm flipH="1">
+            <a:off x="-1" y="-1"/>
+            <a:ext cx="12191998" cy="1590742"/>
+          </a:xfrm>
+          <a:prstGeom prst="rect">
+            <a:avLst/>
+          </a:prstGeom>
+          <a:gradFill>
+            <a:gsLst>
+              <a:gs pos="0">
+                <a:srgbClr val="000000"/>
+              </a:gs>
+              <a:gs pos="100000">
+                <a:schemeClr val="accent1">
+                  <a:lumMod val="75000"/>
+                </a:schemeClr>
+              </a:gs>
+            </a:gsLst>
+            <a:lin ang="8400000" scaled="0"/>
+          </a:gradFill>
+          <a:ln>
+            <a:noFill/>
+          </a:ln>
+        </p:spPr>
+        <p:style>
+          <a:lnRef idx="2">
+            <a:schemeClr val="accent1">
+              <a:shade val="50000"/>
+            </a:schemeClr>
+          </a:lnRef>
+          <a:fillRef idx="1">
+            <a:schemeClr val="accent1"/>
+          </a:fillRef>
+          <a:effectRef idx="0">
+            <a:schemeClr val="accent1"/>
+          </a:effectRef>
+          <a:fontRef idx="minor">
+            <a:schemeClr val="lt1"/>
+          </a:fontRef>
+        </p:style>
+        <p:txBody>
+          <a:bodyPr rtlCol="0" anchor="ctr"/>
+          <a:lstStyle/>
+          <a:p>
+            <a:pPr marL="0" marR="0" lvl="0" indent="0" algn="ctr" defTabSz="914400" rtl="0" eaLnBrk="1" fontAlgn="auto" latinLnBrk="0" hangingPunct="1">
+              <a:lnSpc>
+                <a:spcPct val="100000"/>
+              </a:lnSpc>
+              <a:spcBef>
+                <a:spcPts val="0"/>
+              </a:spcBef>
+              <a:spcAft>
+                <a:spcPts val="0"/>
+              </a:spcAft>
+              <a:buClrTx/>
+              <a:buSzTx/>
+              <a:buFontTx/>
+              <a:buNone/>
+              <a:tabLst/>
+              <a:defRPr/>
+            </a:pPr>
+            <a:endParaRPr kumimoji="0" lang="en-US" sz="1800" b="0" i="0" u="none" strike="noStrike" kern="1200" cap="none" spc="0" normalizeH="0" baseline="0" noProof="0">
+              <a:ln>
+                <a:noFill/>
+              </a:ln>
+              <a:solidFill>
+                <a:prstClr val="white"/>
+              </a:solidFill>
+              <a:effectLst/>
+              <a:uLnTx/>
+              <a:uFillTx/>
+              <a:latin typeface="Aptos" panose="02110004020202020204"/>
+              <a:ea typeface="+mn-ea"/>
+              <a:cs typeface="+mn-cs"/>
+            </a:endParaRPr>
+          </a:p>
+        </p:txBody>
+      </p:sp>
+      <p:sp>
+        <p:nvSpPr>
+          <p:cNvPr id="17" name="Rectangle 16">
+            <a:extLst>
+              <a:ext uri="{FF2B5EF4-FFF2-40B4-BE49-F238E27FC236}">
+                <a16:creationId xmlns:a16="http://schemas.microsoft.com/office/drawing/2014/main" id="{BC4C4868-CB8F-4AF9-9CDB-8108F2C19B67}"/>
+              </a:ext>
+              <a:ext uri="{C183D7F6-B498-43B3-948B-1728B52AA6E4}">
+                <adec:decorative xmlns:adec="http://schemas.microsoft.com/office/drawing/2017/decorative" val="1"/>
+              </a:ext>
+            </a:extLst>
+          </p:cNvPr>
+          <p:cNvSpPr>
+            <a:spLocks noGrp="1" noRot="1" noChangeAspect="1" noMove="1" noResize="1" noEditPoints="1" noAdjustHandles="1" noChangeArrowheads="1" noChangeShapeType="1" noTextEdit="1"/>
+          </p:cNvSpPr>
+          <p:nvPr>
+            <p:extLst>
+              <p:ext uri="{386F3935-93C4-4BCD-93E2-E3B085C9AB24}">
+                <p16:designElem xmlns:p16="http://schemas.microsoft.com/office/powerpoint/2015/main" val="1"/>
+              </p:ext>
+            </p:extLst>
+          </p:nvPr>
+        </p:nvSpPr>
+        <p:spPr>
+          <a:xfrm rot="10800000" flipH="1">
+            <a:off x="-3" y="0"/>
+            <a:ext cx="8115306" cy="1590742"/>
+          </a:xfrm>
+          <a:prstGeom prst="rect">
+            <a:avLst/>
+          </a:prstGeom>
+          <a:gradFill>
+            <a:gsLst>
+              <a:gs pos="20000">
+                <a:schemeClr val="accent1">
+                  <a:alpha val="0"/>
+                </a:schemeClr>
+              </a:gs>
+              <a:gs pos="100000">
+                <a:schemeClr val="accent1">
+                  <a:lumMod val="50000"/>
+                  <a:alpha val="55000"/>
+                </a:schemeClr>
+              </a:gs>
+            </a:gsLst>
+            <a:lin ang="13800000" scaled="0"/>
+          </a:gradFill>
+          <a:ln>
+            <a:noFill/>
+          </a:ln>
+        </p:spPr>
+        <p:style>
+          <a:lnRef idx="2">
+            <a:schemeClr val="accent1">
+              <a:shade val="50000"/>
+            </a:schemeClr>
+          </a:lnRef>
+          <a:fillRef idx="1">
+            <a:schemeClr val="accent1"/>
+          </a:fillRef>
+          <a:effectRef idx="0">
+            <a:schemeClr val="accent1"/>
+          </a:effectRef>
+          <a:fontRef idx="minor">
+            <a:schemeClr val="lt1"/>
+          </a:fontRef>
+        </p:style>
+        <p:txBody>
+          <a:bodyPr rtlCol="0" anchor="ctr"/>
+          <a:lstStyle/>
+          <a:p>
+            <a:pPr marL="0" marR="0" lvl="0" indent="0" algn="ctr" defTabSz="914400" rtl="0" eaLnBrk="1" fontAlgn="auto" latinLnBrk="0" hangingPunct="1">
+              <a:lnSpc>
+                <a:spcPct val="100000"/>
+              </a:lnSpc>
+              <a:spcBef>
+                <a:spcPts val="0"/>
+              </a:spcBef>
+              <a:spcAft>
+                <a:spcPts val="0"/>
+              </a:spcAft>
+              <a:buClrTx/>
+              <a:buSzTx/>
+              <a:buFontTx/>
+              <a:buNone/>
+              <a:tabLst/>
+              <a:defRPr/>
+            </a:pPr>
+            <a:endParaRPr kumimoji="0" lang="en-US" sz="1800" b="0" i="0" u="none" strike="noStrike" kern="1200" cap="none" spc="0" normalizeH="0" baseline="0" noProof="0">
+              <a:ln>
+                <a:noFill/>
+              </a:ln>
+              <a:solidFill>
+                <a:prstClr val="white"/>
+              </a:solidFill>
+              <a:effectLst/>
+              <a:uLnTx/>
+              <a:uFillTx/>
+              <a:latin typeface="Aptos" panose="02110004020202020204"/>
+              <a:ea typeface="+mn-ea"/>
+              <a:cs typeface="+mn-cs"/>
+            </a:endParaRPr>
+          </a:p>
+        </p:txBody>
+      </p:sp>
+      <p:sp>
+        <p:nvSpPr>
+          <p:cNvPr id="19" name="Rectangle 18">
+            <a:extLst>
+              <a:ext uri="{FF2B5EF4-FFF2-40B4-BE49-F238E27FC236}">
+                <a16:creationId xmlns:a16="http://schemas.microsoft.com/office/drawing/2014/main" id="{375E0459-6403-40CD-989D-56A4407CA12E}"/>
+              </a:ext>
+              <a:ext uri="{C183D7F6-B498-43B3-948B-1728B52AA6E4}">
+                <adec:decorative xmlns:adec="http://schemas.microsoft.com/office/drawing/2017/decorative" val="1"/>
+              </a:ext>
+            </a:extLst>
+          </p:cNvPr>
+          <p:cNvSpPr>
+            <a:spLocks noGrp="1" noRot="1" noChangeAspect="1" noMove="1" noResize="1" noEditPoints="1" noAdjustHandles="1" noChangeArrowheads="1" noChangeShapeType="1" noTextEdit="1"/>
+          </p:cNvSpPr>
+          <p:nvPr>
+            <p:extLst>
+              <p:ext uri="{386F3935-93C4-4BCD-93E2-E3B085C9AB24}">
+                <p16:designElem xmlns:p16="http://schemas.microsoft.com/office/powerpoint/2015/main" val="1"/>
+              </p:ext>
+            </p:extLst>
+          </p:nvPr>
+        </p:nvSpPr>
+        <p:spPr>
+          <a:xfrm flipH="1">
+            <a:off x="8115299" y="-1"/>
+            <a:ext cx="4076698" cy="1590742"/>
+          </a:xfrm>
+          <a:prstGeom prst="rect">
+            <a:avLst/>
+          </a:prstGeom>
+          <a:gradFill>
+            <a:gsLst>
+              <a:gs pos="0">
+                <a:schemeClr val="accent1">
+                  <a:alpha val="66000"/>
+                </a:schemeClr>
+              </a:gs>
+              <a:gs pos="100000">
+                <a:srgbClr val="000000">
+                  <a:alpha val="30000"/>
+                </a:srgbClr>
+              </a:gs>
+            </a:gsLst>
+            <a:lin ang="13200000" scaled="0"/>
+          </a:gradFill>
+          <a:ln>
+            <a:noFill/>
+          </a:ln>
+        </p:spPr>
+        <p:style>
+          <a:lnRef idx="2">
+            <a:schemeClr val="accent1">
+              <a:shade val="50000"/>
+            </a:schemeClr>
+          </a:lnRef>
+          <a:fillRef idx="1">
+            <a:schemeClr val="accent1"/>
+          </a:fillRef>
+          <a:effectRef idx="0">
+            <a:schemeClr val="accent1"/>
+          </a:effectRef>
+          <a:fontRef idx="minor">
+            <a:schemeClr val="lt1"/>
+          </a:fontRef>
+        </p:style>
+        <p:txBody>
+          <a:bodyPr rtlCol="0" anchor="ctr"/>
+          <a:lstStyle/>
+          <a:p>
+            <a:pPr marL="0" marR="0" lvl="0" indent="0" algn="ctr" defTabSz="914400" rtl="0" eaLnBrk="1" fontAlgn="auto" latinLnBrk="0" hangingPunct="1">
+              <a:lnSpc>
+                <a:spcPct val="100000"/>
+              </a:lnSpc>
+              <a:spcBef>
+                <a:spcPts val="0"/>
+              </a:spcBef>
+              <a:spcAft>
+                <a:spcPts val="0"/>
+              </a:spcAft>
+              <a:buClrTx/>
+              <a:buSzTx/>
+              <a:buFontTx/>
+              <a:buNone/>
+              <a:tabLst/>
+              <a:defRPr/>
+            </a:pPr>
+            <a:endParaRPr kumimoji="0" lang="en-US" sz="1800" b="0" i="0" u="none" strike="noStrike" kern="1200" cap="none" spc="0" normalizeH="0" baseline="0" noProof="0">
+              <a:ln>
+                <a:noFill/>
+              </a:ln>
+              <a:solidFill>
+                <a:prstClr val="white"/>
+              </a:solidFill>
+              <a:effectLst/>
+              <a:uLnTx/>
+              <a:uFillTx/>
+              <a:latin typeface="Aptos" panose="02110004020202020204"/>
+              <a:ea typeface="+mn-ea"/>
+              <a:cs typeface="+mn-cs"/>
+            </a:endParaRPr>
+          </a:p>
+        </p:txBody>
+      </p:sp>
+      <p:sp>
+        <p:nvSpPr>
+          <p:cNvPr id="21" name="Rectangle 20">
+            <a:extLst>
+              <a:ext uri="{FF2B5EF4-FFF2-40B4-BE49-F238E27FC236}">
+                <a16:creationId xmlns:a16="http://schemas.microsoft.com/office/drawing/2014/main" id="{53E5B1A8-3AC9-4BD1-9BBC-78CA94F2D1BA}"/>
+              </a:ext>
+              <a:ext uri="{C183D7F6-B498-43B3-948B-1728B52AA6E4}">
+                <adec:decorative xmlns:adec="http://schemas.microsoft.com/office/drawing/2017/decorative" val="1"/>
+              </a:ext>
+            </a:extLst>
+          </p:cNvPr>
+          <p:cNvSpPr>
+            <a:spLocks noGrp="1" noRot="1" noChangeAspect="1" noMove="1" noResize="1" noEditPoints="1" noAdjustHandles="1" noChangeArrowheads="1" noChangeShapeType="1" noTextEdit="1"/>
+          </p:cNvSpPr>
+          <p:nvPr>
+            <p:extLst>
+              <p:ext uri="{386F3935-93C4-4BCD-93E2-E3B085C9AB24}">
+                <p16:designElem xmlns:p16="http://schemas.microsoft.com/office/powerpoint/2015/main" val="1"/>
+              </p:ext>
+            </p:extLst>
+          </p:nvPr>
+        </p:nvSpPr>
+        <p:spPr>
+          <a:xfrm>
+            <a:off x="459350" y="-1"/>
+            <a:ext cx="11732646" cy="1597433"/>
+          </a:xfrm>
+          <a:prstGeom prst="rect">
+            <a:avLst/>
+          </a:prstGeom>
+          <a:gradFill>
+            <a:gsLst>
+              <a:gs pos="50000">
+                <a:srgbClr val="000000">
+                  <a:alpha val="0"/>
+                </a:srgbClr>
+              </a:gs>
+              <a:gs pos="99000">
+                <a:schemeClr val="accent1">
+                  <a:lumMod val="50000"/>
+                  <a:alpha val="52000"/>
+                </a:schemeClr>
+              </a:gs>
+            </a:gsLst>
+            <a:lin ang="16800000" scaled="0"/>
+          </a:gradFill>
+          <a:ln>
+            <a:noFill/>
+          </a:ln>
+        </p:spPr>
+        <p:style>
+          <a:lnRef idx="2">
+            <a:schemeClr val="accent1">
+              <a:shade val="50000"/>
+            </a:schemeClr>
+          </a:lnRef>
+          <a:fillRef idx="1">
+            <a:schemeClr val="accent1"/>
+          </a:fillRef>
+          <a:effectRef idx="0">
+            <a:schemeClr val="accent1"/>
+          </a:effectRef>
+          <a:fontRef idx="minor">
+            <a:schemeClr val="lt1"/>
+          </a:fontRef>
+        </p:style>
+        <p:txBody>
+          <a:bodyPr rtlCol="0" anchor="ctr"/>
+          <a:lstStyle/>
+          <a:p>
+            <a:pPr marL="0" marR="0" lvl="0" indent="0" algn="ctr" defTabSz="914400" rtl="0" eaLnBrk="1" fontAlgn="auto" latinLnBrk="0" hangingPunct="1">
+              <a:lnSpc>
+                <a:spcPct val="100000"/>
+              </a:lnSpc>
+              <a:spcBef>
+                <a:spcPts val="0"/>
+              </a:spcBef>
+              <a:spcAft>
+                <a:spcPts val="0"/>
+              </a:spcAft>
+              <a:buClrTx/>
+              <a:buSzTx/>
+              <a:buFontTx/>
+              <a:buNone/>
+              <a:tabLst/>
+              <a:defRPr/>
+            </a:pPr>
+            <a:endParaRPr kumimoji="0" lang="en-US" sz="1800" b="0" i="0" u="none" strike="noStrike" kern="1200" cap="none" spc="0" normalizeH="0" baseline="0" noProof="0">
+              <a:ln>
+                <a:noFill/>
+              </a:ln>
+              <a:solidFill>
+                <a:prstClr val="white"/>
+              </a:solidFill>
+              <a:effectLst/>
+              <a:uLnTx/>
+              <a:uFillTx/>
+              <a:latin typeface="Aptos" panose="02110004020202020204"/>
+              <a:ea typeface="+mn-ea"/>
+              <a:cs typeface="+mn-cs"/>
+            </a:endParaRPr>
+          </a:p>
+        </p:txBody>
+      </p:sp>
+      <p:sp>
+        <p:nvSpPr>
+          <p:cNvPr id="7" name="Titre 6">
+            <a:extLst>
+              <a:ext uri="{FF2B5EF4-FFF2-40B4-BE49-F238E27FC236}">
+                <a16:creationId xmlns:a16="http://schemas.microsoft.com/office/drawing/2014/main" id="{C358672B-EA96-40B4-47C5-1A1035156951}"/>
               </a:ext>
             </a:extLst>
           </p:cNvPr>
@@ -21904,14 +27505,24 @@
             <p:ph type="title"/>
           </p:nvPr>
         </p:nvSpPr>
-        <p:spPr/>
+        <p:spPr>
+          <a:xfrm>
+            <a:off x="1371599" y="294538"/>
+            <a:ext cx="9895951" cy="1033669"/>
+          </a:xfrm>
+        </p:spPr>
         <p:txBody>
-          <a:bodyPr/>
+          <a:bodyPr>
+            <a:normAutofit/>
+          </a:bodyPr>
           <a:lstStyle/>
           <a:p>
-            <a:pPr algn="ctr"/>
             <a:r>
-              <a:rPr lang="fr-BE" dirty="0"/>
+              <a:rPr lang="fr-BE" sz="4000" dirty="0">
+                <a:solidFill>
+                  <a:srgbClr val="FFFFFF"/>
+                </a:solidFill>
+              </a:rPr>
               <a:t>vSan OSA ou ESA ?</a:t>
             </a:r>
           </a:p>
@@ -21919,33 +27530,606 @@
       </p:sp>
       <p:sp>
         <p:nvSpPr>
-          <p:cNvPr id="5" name="Espace réservé du texte 4">
+          <p:cNvPr id="2" name="Espace réservé du texte 6">
             <a:extLst>
               <a:ext uri="{FF2B5EF4-FFF2-40B4-BE49-F238E27FC236}">
-                <a16:creationId xmlns:a16="http://schemas.microsoft.com/office/drawing/2014/main" id="{805EB3AA-C3FC-6315-C371-47226C869AF7}"/>
+                <a16:creationId xmlns:a16="http://schemas.microsoft.com/office/drawing/2014/main" id="{40C846FA-9D8F-11C9-3C06-9E37D298016C}"/>
               </a:ext>
             </a:extLst>
           </p:cNvPr>
-          <p:cNvSpPr>
-            <a:spLocks noGrp="1"/>
+          <p:cNvSpPr txBox="1">
+            <a:spLocks/>
           </p:cNvSpPr>
-          <p:nvPr>
-            <p:ph type="body" idx="1"/>
-          </p:nvPr>
+          <p:nvPr/>
+        </p:nvSpPr>
+        <p:spPr>
+          <a:xfrm>
+            <a:off x="6172200" y="1681163"/>
+            <a:ext cx="5183188" cy="823912"/>
+          </a:xfrm>
+          <a:prstGeom prst="rect">
+            <a:avLst/>
+          </a:prstGeom>
+        </p:spPr>
+        <p:txBody>
+          <a:bodyPr anchor="ctr"/>
+          <a:lstStyle>
+            <a:lvl1pPr marL="228600" indent="-228600" algn="l" defTabSz="914400" rtl="0" eaLnBrk="1" latinLnBrk="0" hangingPunct="1">
+              <a:lnSpc>
+                <a:spcPct val="90000"/>
+              </a:lnSpc>
+              <a:spcBef>
+                <a:spcPts val="1000"/>
+              </a:spcBef>
+              <a:buFont typeface="Arial" panose="020B0604020202020204" pitchFamily="34" charset="0"/>
+              <a:buChar char="•"/>
+              <a:defRPr sz="2800" kern="1200">
+                <a:solidFill>
+                  <a:schemeClr val="tx1"/>
+                </a:solidFill>
+                <a:latin typeface="+mn-lt"/>
+                <a:ea typeface="+mn-ea"/>
+                <a:cs typeface="+mn-cs"/>
+              </a:defRPr>
+            </a:lvl1pPr>
+            <a:lvl2pPr marL="685800" indent="-228600" algn="l" defTabSz="914400" rtl="0" eaLnBrk="1" latinLnBrk="0" hangingPunct="1">
+              <a:lnSpc>
+                <a:spcPct val="90000"/>
+              </a:lnSpc>
+              <a:spcBef>
+                <a:spcPts val="500"/>
+              </a:spcBef>
+              <a:buFont typeface="Arial" panose="020B0604020202020204" pitchFamily="34" charset="0"/>
+              <a:buChar char="•"/>
+              <a:defRPr sz="2400" kern="1200">
+                <a:solidFill>
+                  <a:schemeClr val="tx1"/>
+                </a:solidFill>
+                <a:latin typeface="+mn-lt"/>
+                <a:ea typeface="+mn-ea"/>
+                <a:cs typeface="+mn-cs"/>
+              </a:defRPr>
+            </a:lvl2pPr>
+            <a:lvl3pPr marL="1143000" indent="-228600" algn="l" defTabSz="914400" rtl="0" eaLnBrk="1" latinLnBrk="0" hangingPunct="1">
+              <a:lnSpc>
+                <a:spcPct val="90000"/>
+              </a:lnSpc>
+              <a:spcBef>
+                <a:spcPts val="500"/>
+              </a:spcBef>
+              <a:buFont typeface="Arial" panose="020B0604020202020204" pitchFamily="34" charset="0"/>
+              <a:buChar char="•"/>
+              <a:defRPr sz="2000" kern="1200">
+                <a:solidFill>
+                  <a:schemeClr val="tx1"/>
+                </a:solidFill>
+                <a:latin typeface="+mn-lt"/>
+                <a:ea typeface="+mn-ea"/>
+                <a:cs typeface="+mn-cs"/>
+              </a:defRPr>
+            </a:lvl3pPr>
+            <a:lvl4pPr marL="1600200" indent="-228600" algn="l" defTabSz="914400" rtl="0" eaLnBrk="1" latinLnBrk="0" hangingPunct="1">
+              <a:lnSpc>
+                <a:spcPct val="90000"/>
+              </a:lnSpc>
+              <a:spcBef>
+                <a:spcPts val="500"/>
+              </a:spcBef>
+              <a:buFont typeface="Arial" panose="020B0604020202020204" pitchFamily="34" charset="0"/>
+              <a:buChar char="•"/>
+              <a:defRPr sz="1800" kern="1200">
+                <a:solidFill>
+                  <a:schemeClr val="tx1"/>
+                </a:solidFill>
+                <a:latin typeface="+mn-lt"/>
+                <a:ea typeface="+mn-ea"/>
+                <a:cs typeface="+mn-cs"/>
+              </a:defRPr>
+            </a:lvl4pPr>
+            <a:lvl5pPr marL="2057400" indent="-228600" algn="l" defTabSz="914400" rtl="0" eaLnBrk="1" latinLnBrk="0" hangingPunct="1">
+              <a:lnSpc>
+                <a:spcPct val="90000"/>
+              </a:lnSpc>
+              <a:spcBef>
+                <a:spcPts val="500"/>
+              </a:spcBef>
+              <a:buFont typeface="Arial" panose="020B0604020202020204" pitchFamily="34" charset="0"/>
+              <a:buChar char="•"/>
+              <a:defRPr sz="1800" kern="1200">
+                <a:solidFill>
+                  <a:schemeClr val="tx1"/>
+                </a:solidFill>
+                <a:latin typeface="+mn-lt"/>
+                <a:ea typeface="+mn-ea"/>
+                <a:cs typeface="+mn-cs"/>
+              </a:defRPr>
+            </a:lvl5pPr>
+            <a:lvl6pPr marL="2514600" indent="-228600" algn="l" defTabSz="914400" rtl="0" eaLnBrk="1" latinLnBrk="0" hangingPunct="1">
+              <a:lnSpc>
+                <a:spcPct val="90000"/>
+              </a:lnSpc>
+              <a:spcBef>
+                <a:spcPts val="500"/>
+              </a:spcBef>
+              <a:buFont typeface="Arial" panose="020B0604020202020204" pitchFamily="34" charset="0"/>
+              <a:buChar char="•"/>
+              <a:defRPr sz="1800" kern="1200">
+                <a:solidFill>
+                  <a:schemeClr val="tx1"/>
+                </a:solidFill>
+                <a:latin typeface="+mn-lt"/>
+                <a:ea typeface="+mn-ea"/>
+                <a:cs typeface="+mn-cs"/>
+              </a:defRPr>
+            </a:lvl6pPr>
+            <a:lvl7pPr marL="2971800" indent="-228600" algn="l" defTabSz="914400" rtl="0" eaLnBrk="1" latinLnBrk="0" hangingPunct="1">
+              <a:lnSpc>
+                <a:spcPct val="90000"/>
+              </a:lnSpc>
+              <a:spcBef>
+                <a:spcPts val="500"/>
+              </a:spcBef>
+              <a:buFont typeface="Arial" panose="020B0604020202020204" pitchFamily="34" charset="0"/>
+              <a:buChar char="•"/>
+              <a:defRPr sz="1800" kern="1200">
+                <a:solidFill>
+                  <a:schemeClr val="tx1"/>
+                </a:solidFill>
+                <a:latin typeface="+mn-lt"/>
+                <a:ea typeface="+mn-ea"/>
+                <a:cs typeface="+mn-cs"/>
+              </a:defRPr>
+            </a:lvl7pPr>
+            <a:lvl8pPr marL="3429000" indent="-228600" algn="l" defTabSz="914400" rtl="0" eaLnBrk="1" latinLnBrk="0" hangingPunct="1">
+              <a:lnSpc>
+                <a:spcPct val="90000"/>
+              </a:lnSpc>
+              <a:spcBef>
+                <a:spcPts val="500"/>
+              </a:spcBef>
+              <a:buFont typeface="Arial" panose="020B0604020202020204" pitchFamily="34" charset="0"/>
+              <a:buChar char="•"/>
+              <a:defRPr sz="1800" kern="1200">
+                <a:solidFill>
+                  <a:schemeClr val="tx1"/>
+                </a:solidFill>
+                <a:latin typeface="+mn-lt"/>
+                <a:ea typeface="+mn-ea"/>
+                <a:cs typeface="+mn-cs"/>
+              </a:defRPr>
+            </a:lvl8pPr>
+            <a:lvl9pPr marL="3886200" indent="-228600" algn="l" defTabSz="914400" rtl="0" eaLnBrk="1" latinLnBrk="0" hangingPunct="1">
+              <a:lnSpc>
+                <a:spcPct val="90000"/>
+              </a:lnSpc>
+              <a:spcBef>
+                <a:spcPts val="500"/>
+              </a:spcBef>
+              <a:buFont typeface="Arial" panose="020B0604020202020204" pitchFamily="34" charset="0"/>
+              <a:buChar char="•"/>
+              <a:defRPr sz="1800" kern="1200">
+                <a:solidFill>
+                  <a:schemeClr val="tx1"/>
+                </a:solidFill>
+                <a:latin typeface="+mn-lt"/>
+                <a:ea typeface="+mn-ea"/>
+                <a:cs typeface="+mn-cs"/>
+              </a:defRPr>
+            </a:lvl9pPr>
+          </a:lstStyle>
+          <a:p>
+            <a:pPr marL="0" indent="0" algn="ctr">
+              <a:buNone/>
+            </a:pPr>
+            <a:r>
+              <a:rPr lang="fr-BE" sz="2400" b="1" dirty="0"/>
+              <a:t>EXPRESS STORAGE ARCHITECTURE</a:t>
+            </a:r>
+          </a:p>
+        </p:txBody>
+      </p:sp>
+      <p:sp>
+        <p:nvSpPr>
+          <p:cNvPr id="3" name="Espace réservé du contenu 7">
+            <a:extLst>
+              <a:ext uri="{FF2B5EF4-FFF2-40B4-BE49-F238E27FC236}">
+                <a16:creationId xmlns:a16="http://schemas.microsoft.com/office/drawing/2014/main" id="{1AAACB55-337F-A5B9-027B-1A59C9129852}"/>
+              </a:ext>
+            </a:extLst>
+          </p:cNvPr>
+          <p:cNvSpPr txBox="1">
+            <a:spLocks/>
+          </p:cNvSpPr>
+          <p:nvPr/>
+        </p:nvSpPr>
+        <p:spPr>
+          <a:xfrm>
+            <a:off x="6172200" y="2505075"/>
+            <a:ext cx="5183188" cy="3684588"/>
+          </a:xfrm>
+          <a:prstGeom prst="rect">
+            <a:avLst/>
+          </a:prstGeom>
+        </p:spPr>
+        <p:txBody>
+          <a:bodyPr>
+            <a:normAutofit/>
+          </a:bodyPr>
+          <a:lstStyle>
+            <a:lvl1pPr marL="228600" indent="-228600" algn="l" defTabSz="914400" rtl="0" eaLnBrk="1" latinLnBrk="0" hangingPunct="1">
+              <a:lnSpc>
+                <a:spcPct val="90000"/>
+              </a:lnSpc>
+              <a:spcBef>
+                <a:spcPts val="1000"/>
+              </a:spcBef>
+              <a:buFont typeface="Arial" panose="020B0604020202020204" pitchFamily="34" charset="0"/>
+              <a:buChar char="•"/>
+              <a:defRPr sz="2800" kern="1200">
+                <a:solidFill>
+                  <a:schemeClr val="tx1"/>
+                </a:solidFill>
+                <a:latin typeface="+mn-lt"/>
+                <a:ea typeface="+mn-ea"/>
+                <a:cs typeface="+mn-cs"/>
+              </a:defRPr>
+            </a:lvl1pPr>
+            <a:lvl2pPr marL="685800" indent="-228600" algn="l" defTabSz="914400" rtl="0" eaLnBrk="1" latinLnBrk="0" hangingPunct="1">
+              <a:lnSpc>
+                <a:spcPct val="90000"/>
+              </a:lnSpc>
+              <a:spcBef>
+                <a:spcPts val="500"/>
+              </a:spcBef>
+              <a:buFont typeface="Arial" panose="020B0604020202020204" pitchFamily="34" charset="0"/>
+              <a:buChar char="•"/>
+              <a:defRPr sz="2400" kern="1200">
+                <a:solidFill>
+                  <a:schemeClr val="tx1"/>
+                </a:solidFill>
+                <a:latin typeface="+mn-lt"/>
+                <a:ea typeface="+mn-ea"/>
+                <a:cs typeface="+mn-cs"/>
+              </a:defRPr>
+            </a:lvl2pPr>
+            <a:lvl3pPr marL="1143000" indent="-228600" algn="l" defTabSz="914400" rtl="0" eaLnBrk="1" latinLnBrk="0" hangingPunct="1">
+              <a:lnSpc>
+                <a:spcPct val="90000"/>
+              </a:lnSpc>
+              <a:spcBef>
+                <a:spcPts val="500"/>
+              </a:spcBef>
+              <a:buFont typeface="Arial" panose="020B0604020202020204" pitchFamily="34" charset="0"/>
+              <a:buChar char="•"/>
+              <a:defRPr sz="2000" kern="1200">
+                <a:solidFill>
+                  <a:schemeClr val="tx1"/>
+                </a:solidFill>
+                <a:latin typeface="+mn-lt"/>
+                <a:ea typeface="+mn-ea"/>
+                <a:cs typeface="+mn-cs"/>
+              </a:defRPr>
+            </a:lvl3pPr>
+            <a:lvl4pPr marL="1600200" indent="-228600" algn="l" defTabSz="914400" rtl="0" eaLnBrk="1" latinLnBrk="0" hangingPunct="1">
+              <a:lnSpc>
+                <a:spcPct val="90000"/>
+              </a:lnSpc>
+              <a:spcBef>
+                <a:spcPts val="500"/>
+              </a:spcBef>
+              <a:buFont typeface="Arial" panose="020B0604020202020204" pitchFamily="34" charset="0"/>
+              <a:buChar char="•"/>
+              <a:defRPr sz="1800" kern="1200">
+                <a:solidFill>
+                  <a:schemeClr val="tx1"/>
+                </a:solidFill>
+                <a:latin typeface="+mn-lt"/>
+                <a:ea typeface="+mn-ea"/>
+                <a:cs typeface="+mn-cs"/>
+              </a:defRPr>
+            </a:lvl4pPr>
+            <a:lvl5pPr marL="2057400" indent="-228600" algn="l" defTabSz="914400" rtl="0" eaLnBrk="1" latinLnBrk="0" hangingPunct="1">
+              <a:lnSpc>
+                <a:spcPct val="90000"/>
+              </a:lnSpc>
+              <a:spcBef>
+                <a:spcPts val="500"/>
+              </a:spcBef>
+              <a:buFont typeface="Arial" panose="020B0604020202020204" pitchFamily="34" charset="0"/>
+              <a:buChar char="•"/>
+              <a:defRPr sz="1800" kern="1200">
+                <a:solidFill>
+                  <a:schemeClr val="tx1"/>
+                </a:solidFill>
+                <a:latin typeface="+mn-lt"/>
+                <a:ea typeface="+mn-ea"/>
+                <a:cs typeface="+mn-cs"/>
+              </a:defRPr>
+            </a:lvl5pPr>
+            <a:lvl6pPr marL="2514600" indent="-228600" algn="l" defTabSz="914400" rtl="0" eaLnBrk="1" latinLnBrk="0" hangingPunct="1">
+              <a:lnSpc>
+                <a:spcPct val="90000"/>
+              </a:lnSpc>
+              <a:spcBef>
+                <a:spcPts val="500"/>
+              </a:spcBef>
+              <a:buFont typeface="Arial" panose="020B0604020202020204" pitchFamily="34" charset="0"/>
+              <a:buChar char="•"/>
+              <a:defRPr sz="1800" kern="1200">
+                <a:solidFill>
+                  <a:schemeClr val="tx1"/>
+                </a:solidFill>
+                <a:latin typeface="+mn-lt"/>
+                <a:ea typeface="+mn-ea"/>
+                <a:cs typeface="+mn-cs"/>
+              </a:defRPr>
+            </a:lvl6pPr>
+            <a:lvl7pPr marL="2971800" indent="-228600" algn="l" defTabSz="914400" rtl="0" eaLnBrk="1" latinLnBrk="0" hangingPunct="1">
+              <a:lnSpc>
+                <a:spcPct val="90000"/>
+              </a:lnSpc>
+              <a:spcBef>
+                <a:spcPts val="500"/>
+              </a:spcBef>
+              <a:buFont typeface="Arial" panose="020B0604020202020204" pitchFamily="34" charset="0"/>
+              <a:buChar char="•"/>
+              <a:defRPr sz="1800" kern="1200">
+                <a:solidFill>
+                  <a:schemeClr val="tx1"/>
+                </a:solidFill>
+                <a:latin typeface="+mn-lt"/>
+                <a:ea typeface="+mn-ea"/>
+                <a:cs typeface="+mn-cs"/>
+              </a:defRPr>
+            </a:lvl7pPr>
+            <a:lvl8pPr marL="3429000" indent="-228600" algn="l" defTabSz="914400" rtl="0" eaLnBrk="1" latinLnBrk="0" hangingPunct="1">
+              <a:lnSpc>
+                <a:spcPct val="90000"/>
+              </a:lnSpc>
+              <a:spcBef>
+                <a:spcPts val="500"/>
+              </a:spcBef>
+              <a:buFont typeface="Arial" panose="020B0604020202020204" pitchFamily="34" charset="0"/>
+              <a:buChar char="•"/>
+              <a:defRPr sz="1800" kern="1200">
+                <a:solidFill>
+                  <a:schemeClr val="tx1"/>
+                </a:solidFill>
+                <a:latin typeface="+mn-lt"/>
+                <a:ea typeface="+mn-ea"/>
+                <a:cs typeface="+mn-cs"/>
+              </a:defRPr>
+            </a:lvl8pPr>
+            <a:lvl9pPr marL="3886200" indent="-228600" algn="l" defTabSz="914400" rtl="0" eaLnBrk="1" latinLnBrk="0" hangingPunct="1">
+              <a:lnSpc>
+                <a:spcPct val="90000"/>
+              </a:lnSpc>
+              <a:spcBef>
+                <a:spcPts val="500"/>
+              </a:spcBef>
+              <a:buFont typeface="Arial" panose="020B0604020202020204" pitchFamily="34" charset="0"/>
+              <a:buChar char="•"/>
+              <a:defRPr sz="1800" kern="1200">
+                <a:solidFill>
+                  <a:schemeClr val="tx1"/>
+                </a:solidFill>
+                <a:latin typeface="+mn-lt"/>
+                <a:ea typeface="+mn-ea"/>
+                <a:cs typeface="+mn-cs"/>
+              </a:defRPr>
+            </a:lvl9pPr>
+          </a:lstStyle>
+          <a:p>
+            <a:r>
+              <a:rPr lang="fr-BE" sz="2400" i="1" dirty="0"/>
+              <a:t>Crée pour la technologie NVMe</a:t>
+            </a:r>
+          </a:p>
+          <a:p>
+            <a:r>
+              <a:rPr lang="fr-BE" sz="2400" i="1" dirty="0"/>
+              <a:t>Composé d’au minimum 4 disques flash</a:t>
+            </a:r>
+          </a:p>
+        </p:txBody>
+      </p:sp>
+      <p:sp>
+        <p:nvSpPr>
+          <p:cNvPr id="4" name="Espace réservé du texte 4">
+            <a:extLst>
+              <a:ext uri="{FF2B5EF4-FFF2-40B4-BE49-F238E27FC236}">
+                <a16:creationId xmlns:a16="http://schemas.microsoft.com/office/drawing/2014/main" id="{A93AE944-6367-9CEA-C14C-AC9B4AE7A540}"/>
+              </a:ext>
+            </a:extLst>
+          </p:cNvPr>
+          <p:cNvSpPr txBox="1">
+            <a:spLocks/>
+          </p:cNvSpPr>
+          <p:nvPr/>
         </p:nvSpPr>
         <p:spPr>
           <a:xfrm>
             <a:off x="697118" y="1681163"/>
             <a:ext cx="5300458" cy="823912"/>
           </a:xfrm>
+          <a:prstGeom prst="rect">
+            <a:avLst/>
+          </a:prstGeom>
         </p:spPr>
         <p:txBody>
-          <a:bodyPr anchor="ctr"/>
-          <a:lstStyle/>
+          <a:bodyPr vert="horz" lIns="91440" tIns="45720" rIns="91440" bIns="45720" rtlCol="0" anchor="ctr">
+            <a:normAutofit/>
+          </a:bodyPr>
+          <a:lstStyle>
+            <a:lvl1pPr marL="228600" indent="-228600" algn="l" defTabSz="914400" rtl="0" eaLnBrk="1" latinLnBrk="0" hangingPunct="1">
+              <a:lnSpc>
+                <a:spcPct val="90000"/>
+              </a:lnSpc>
+              <a:spcBef>
+                <a:spcPts val="1000"/>
+              </a:spcBef>
+              <a:buFont typeface="Arial" panose="020B0604020202020204" pitchFamily="34" charset="0"/>
+              <a:buChar char="•"/>
+              <a:defRPr sz="2800" kern="1200">
+                <a:solidFill>
+                  <a:schemeClr val="tx1"/>
+                </a:solidFill>
+                <a:latin typeface="+mn-lt"/>
+                <a:ea typeface="+mn-ea"/>
+                <a:cs typeface="+mn-cs"/>
+              </a:defRPr>
+            </a:lvl1pPr>
+            <a:lvl2pPr marL="685800" indent="-228600" algn="l" defTabSz="914400" rtl="0" eaLnBrk="1" latinLnBrk="0" hangingPunct="1">
+              <a:lnSpc>
+                <a:spcPct val="90000"/>
+              </a:lnSpc>
+              <a:spcBef>
+                <a:spcPts val="500"/>
+              </a:spcBef>
+              <a:buFont typeface="Arial" panose="020B0604020202020204" pitchFamily="34" charset="0"/>
+              <a:buChar char="•"/>
+              <a:defRPr sz="2400" kern="1200">
+                <a:solidFill>
+                  <a:schemeClr val="tx1"/>
+                </a:solidFill>
+                <a:latin typeface="+mn-lt"/>
+                <a:ea typeface="+mn-ea"/>
+                <a:cs typeface="+mn-cs"/>
+              </a:defRPr>
+            </a:lvl2pPr>
+            <a:lvl3pPr marL="1143000" indent="-228600" algn="l" defTabSz="914400" rtl="0" eaLnBrk="1" latinLnBrk="0" hangingPunct="1">
+              <a:lnSpc>
+                <a:spcPct val="90000"/>
+              </a:lnSpc>
+              <a:spcBef>
+                <a:spcPts val="500"/>
+              </a:spcBef>
+              <a:buFont typeface="Arial" panose="020B0604020202020204" pitchFamily="34" charset="0"/>
+              <a:buChar char="•"/>
+              <a:defRPr sz="2000" kern="1200">
+                <a:solidFill>
+                  <a:schemeClr val="tx1"/>
+                </a:solidFill>
+                <a:latin typeface="+mn-lt"/>
+                <a:ea typeface="+mn-ea"/>
+                <a:cs typeface="+mn-cs"/>
+              </a:defRPr>
+            </a:lvl3pPr>
+            <a:lvl4pPr marL="1600200" indent="-228600" algn="l" defTabSz="914400" rtl="0" eaLnBrk="1" latinLnBrk="0" hangingPunct="1">
+              <a:lnSpc>
+                <a:spcPct val="90000"/>
+              </a:lnSpc>
+              <a:spcBef>
+                <a:spcPts val="500"/>
+              </a:spcBef>
+              <a:buFont typeface="Arial" panose="020B0604020202020204" pitchFamily="34" charset="0"/>
+              <a:buChar char="•"/>
+              <a:defRPr sz="1800" kern="1200">
+                <a:solidFill>
+                  <a:schemeClr val="tx1"/>
+                </a:solidFill>
+                <a:latin typeface="+mn-lt"/>
+                <a:ea typeface="+mn-ea"/>
+                <a:cs typeface="+mn-cs"/>
+              </a:defRPr>
+            </a:lvl4pPr>
+            <a:lvl5pPr marL="2057400" indent="-228600" algn="l" defTabSz="914400" rtl="0" eaLnBrk="1" latinLnBrk="0" hangingPunct="1">
+              <a:lnSpc>
+                <a:spcPct val="90000"/>
+              </a:lnSpc>
+              <a:spcBef>
+                <a:spcPts val="500"/>
+              </a:spcBef>
+              <a:buFont typeface="Arial" panose="020B0604020202020204" pitchFamily="34" charset="0"/>
+              <a:buChar char="•"/>
+              <a:defRPr sz="1800" kern="1200">
+                <a:solidFill>
+                  <a:schemeClr val="tx1"/>
+                </a:solidFill>
+                <a:latin typeface="+mn-lt"/>
+                <a:ea typeface="+mn-ea"/>
+                <a:cs typeface="+mn-cs"/>
+              </a:defRPr>
+            </a:lvl5pPr>
+            <a:lvl6pPr marL="2514600" indent="-228600" algn="l" defTabSz="914400" rtl="0" eaLnBrk="1" latinLnBrk="0" hangingPunct="1">
+              <a:lnSpc>
+                <a:spcPct val="90000"/>
+              </a:lnSpc>
+              <a:spcBef>
+                <a:spcPts val="500"/>
+              </a:spcBef>
+              <a:buFont typeface="Arial" panose="020B0604020202020204" pitchFamily="34" charset="0"/>
+              <a:buChar char="•"/>
+              <a:defRPr sz="1800" kern="1200">
+                <a:solidFill>
+                  <a:schemeClr val="tx1"/>
+                </a:solidFill>
+                <a:latin typeface="+mn-lt"/>
+                <a:ea typeface="+mn-ea"/>
+                <a:cs typeface="+mn-cs"/>
+              </a:defRPr>
+            </a:lvl6pPr>
+            <a:lvl7pPr marL="2971800" indent="-228600" algn="l" defTabSz="914400" rtl="0" eaLnBrk="1" latinLnBrk="0" hangingPunct="1">
+              <a:lnSpc>
+                <a:spcPct val="90000"/>
+              </a:lnSpc>
+              <a:spcBef>
+                <a:spcPts val="500"/>
+              </a:spcBef>
+              <a:buFont typeface="Arial" panose="020B0604020202020204" pitchFamily="34" charset="0"/>
+              <a:buChar char="•"/>
+              <a:defRPr sz="1800" kern="1200">
+                <a:solidFill>
+                  <a:schemeClr val="tx1"/>
+                </a:solidFill>
+                <a:latin typeface="+mn-lt"/>
+                <a:ea typeface="+mn-ea"/>
+                <a:cs typeface="+mn-cs"/>
+              </a:defRPr>
+            </a:lvl7pPr>
+            <a:lvl8pPr marL="3429000" indent="-228600" algn="l" defTabSz="914400" rtl="0" eaLnBrk="1" latinLnBrk="0" hangingPunct="1">
+              <a:lnSpc>
+                <a:spcPct val="90000"/>
+              </a:lnSpc>
+              <a:spcBef>
+                <a:spcPts val="500"/>
+              </a:spcBef>
+              <a:buFont typeface="Arial" panose="020B0604020202020204" pitchFamily="34" charset="0"/>
+              <a:buChar char="•"/>
+              <a:defRPr sz="1800" kern="1200">
+                <a:solidFill>
+                  <a:schemeClr val="tx1"/>
+                </a:solidFill>
+                <a:latin typeface="+mn-lt"/>
+                <a:ea typeface="+mn-ea"/>
+                <a:cs typeface="+mn-cs"/>
+              </a:defRPr>
+            </a:lvl8pPr>
+            <a:lvl9pPr marL="3886200" indent="-228600" algn="l" defTabSz="914400" rtl="0" eaLnBrk="1" latinLnBrk="0" hangingPunct="1">
+              <a:lnSpc>
+                <a:spcPct val="90000"/>
+              </a:lnSpc>
+              <a:spcBef>
+                <a:spcPts val="500"/>
+              </a:spcBef>
+              <a:buFont typeface="Arial" panose="020B0604020202020204" pitchFamily="34" charset="0"/>
+              <a:buChar char="•"/>
+              <a:defRPr sz="1800" kern="1200">
+                <a:solidFill>
+                  <a:schemeClr val="tx1"/>
+                </a:solidFill>
+                <a:latin typeface="+mn-lt"/>
+                <a:ea typeface="+mn-ea"/>
+                <a:cs typeface="+mn-cs"/>
+              </a:defRPr>
+            </a:lvl9pPr>
+          </a:lstStyle>
           <a:p>
-            <a:pPr algn="ctr"/>
+            <a:pPr marL="0" indent="0" algn="ctr">
+              <a:buNone/>
+            </a:pPr>
             <a:r>
-              <a:rPr lang="fr-BE" dirty="0"/>
+              <a:rPr lang="fr-BE" sz="2400" b="1" dirty="0"/>
               <a:t>ORIGINAL STORAGE ARCHITECTURE</a:t>
             </a:r>
           </a:p>
@@ -21953,119 +28137,215 @@
       </p:sp>
       <p:sp>
         <p:nvSpPr>
-          <p:cNvPr id="6" name="Espace réservé du contenu 5">
+          <p:cNvPr id="5" name="Espace réservé du contenu 5">
             <a:extLst>
               <a:ext uri="{FF2B5EF4-FFF2-40B4-BE49-F238E27FC236}">
-                <a16:creationId xmlns:a16="http://schemas.microsoft.com/office/drawing/2014/main" id="{3B5463CE-91B6-85BD-24F1-237A17FCBA36}"/>
+                <a16:creationId xmlns:a16="http://schemas.microsoft.com/office/drawing/2014/main" id="{44648492-624A-0CFC-3769-1840DF29AA6D}"/>
               </a:ext>
             </a:extLst>
           </p:cNvPr>
-          <p:cNvSpPr>
-            <a:spLocks noGrp="1"/>
+          <p:cNvSpPr txBox="1">
+            <a:spLocks/>
           </p:cNvSpPr>
-          <p:nvPr>
-            <p:ph sz="half" idx="2"/>
-          </p:nvPr>
+          <p:nvPr/>
         </p:nvSpPr>
-        <p:spPr/>
+        <p:spPr>
+          <a:xfrm>
+            <a:off x="839788" y="2505075"/>
+            <a:ext cx="5157787" cy="3684588"/>
+          </a:xfrm>
+          <a:prstGeom prst="rect">
+            <a:avLst/>
+          </a:prstGeom>
+        </p:spPr>
         <p:txBody>
           <a:bodyPr>
             <a:normAutofit/>
           </a:bodyPr>
-          <a:lstStyle/>
+          <a:lstStyle>
+            <a:lvl1pPr marL="228600" indent="-228600" algn="l" defTabSz="914400" rtl="0" eaLnBrk="1" latinLnBrk="0" hangingPunct="1">
+              <a:lnSpc>
+                <a:spcPct val="90000"/>
+              </a:lnSpc>
+              <a:spcBef>
+                <a:spcPts val="1000"/>
+              </a:spcBef>
+              <a:buFont typeface="Arial" panose="020B0604020202020204" pitchFamily="34" charset="0"/>
+              <a:buChar char="•"/>
+              <a:defRPr sz="2800" kern="1200">
+                <a:solidFill>
+                  <a:schemeClr val="tx1"/>
+                </a:solidFill>
+                <a:latin typeface="+mn-lt"/>
+                <a:ea typeface="+mn-ea"/>
+                <a:cs typeface="+mn-cs"/>
+              </a:defRPr>
+            </a:lvl1pPr>
+            <a:lvl2pPr marL="685800" indent="-228600" algn="l" defTabSz="914400" rtl="0" eaLnBrk="1" latinLnBrk="0" hangingPunct="1">
+              <a:lnSpc>
+                <a:spcPct val="90000"/>
+              </a:lnSpc>
+              <a:spcBef>
+                <a:spcPts val="500"/>
+              </a:spcBef>
+              <a:buFont typeface="Arial" panose="020B0604020202020204" pitchFamily="34" charset="0"/>
+              <a:buChar char="•"/>
+              <a:defRPr sz="2400" kern="1200">
+                <a:solidFill>
+                  <a:schemeClr val="tx1"/>
+                </a:solidFill>
+                <a:latin typeface="+mn-lt"/>
+                <a:ea typeface="+mn-ea"/>
+                <a:cs typeface="+mn-cs"/>
+              </a:defRPr>
+            </a:lvl2pPr>
+            <a:lvl3pPr marL="1143000" indent="-228600" algn="l" defTabSz="914400" rtl="0" eaLnBrk="1" latinLnBrk="0" hangingPunct="1">
+              <a:lnSpc>
+                <a:spcPct val="90000"/>
+              </a:lnSpc>
+              <a:spcBef>
+                <a:spcPts val="500"/>
+              </a:spcBef>
+              <a:buFont typeface="Arial" panose="020B0604020202020204" pitchFamily="34" charset="0"/>
+              <a:buChar char="•"/>
+              <a:defRPr sz="2000" kern="1200">
+                <a:solidFill>
+                  <a:schemeClr val="tx1"/>
+                </a:solidFill>
+                <a:latin typeface="+mn-lt"/>
+                <a:ea typeface="+mn-ea"/>
+                <a:cs typeface="+mn-cs"/>
+              </a:defRPr>
+            </a:lvl3pPr>
+            <a:lvl4pPr marL="1600200" indent="-228600" algn="l" defTabSz="914400" rtl="0" eaLnBrk="1" latinLnBrk="0" hangingPunct="1">
+              <a:lnSpc>
+                <a:spcPct val="90000"/>
+              </a:lnSpc>
+              <a:spcBef>
+                <a:spcPts val="500"/>
+              </a:spcBef>
+              <a:buFont typeface="Arial" panose="020B0604020202020204" pitchFamily="34" charset="0"/>
+              <a:buChar char="•"/>
+              <a:defRPr sz="1800" kern="1200">
+                <a:solidFill>
+                  <a:schemeClr val="tx1"/>
+                </a:solidFill>
+                <a:latin typeface="+mn-lt"/>
+                <a:ea typeface="+mn-ea"/>
+                <a:cs typeface="+mn-cs"/>
+              </a:defRPr>
+            </a:lvl4pPr>
+            <a:lvl5pPr marL="2057400" indent="-228600" algn="l" defTabSz="914400" rtl="0" eaLnBrk="1" latinLnBrk="0" hangingPunct="1">
+              <a:lnSpc>
+                <a:spcPct val="90000"/>
+              </a:lnSpc>
+              <a:spcBef>
+                <a:spcPts val="500"/>
+              </a:spcBef>
+              <a:buFont typeface="Arial" panose="020B0604020202020204" pitchFamily="34" charset="0"/>
+              <a:buChar char="•"/>
+              <a:defRPr sz="1800" kern="1200">
+                <a:solidFill>
+                  <a:schemeClr val="tx1"/>
+                </a:solidFill>
+                <a:latin typeface="+mn-lt"/>
+                <a:ea typeface="+mn-ea"/>
+                <a:cs typeface="+mn-cs"/>
+              </a:defRPr>
+            </a:lvl5pPr>
+            <a:lvl6pPr marL="2514600" indent="-228600" algn="l" defTabSz="914400" rtl="0" eaLnBrk="1" latinLnBrk="0" hangingPunct="1">
+              <a:lnSpc>
+                <a:spcPct val="90000"/>
+              </a:lnSpc>
+              <a:spcBef>
+                <a:spcPts val="500"/>
+              </a:spcBef>
+              <a:buFont typeface="Arial" panose="020B0604020202020204" pitchFamily="34" charset="0"/>
+              <a:buChar char="•"/>
+              <a:defRPr sz="1800" kern="1200">
+                <a:solidFill>
+                  <a:schemeClr val="tx1"/>
+                </a:solidFill>
+                <a:latin typeface="+mn-lt"/>
+                <a:ea typeface="+mn-ea"/>
+                <a:cs typeface="+mn-cs"/>
+              </a:defRPr>
+            </a:lvl6pPr>
+            <a:lvl7pPr marL="2971800" indent="-228600" algn="l" defTabSz="914400" rtl="0" eaLnBrk="1" latinLnBrk="0" hangingPunct="1">
+              <a:lnSpc>
+                <a:spcPct val="90000"/>
+              </a:lnSpc>
+              <a:spcBef>
+                <a:spcPts val="500"/>
+              </a:spcBef>
+              <a:buFont typeface="Arial" panose="020B0604020202020204" pitchFamily="34" charset="0"/>
+              <a:buChar char="•"/>
+              <a:defRPr sz="1800" kern="1200">
+                <a:solidFill>
+                  <a:schemeClr val="tx1"/>
+                </a:solidFill>
+                <a:latin typeface="+mn-lt"/>
+                <a:ea typeface="+mn-ea"/>
+                <a:cs typeface="+mn-cs"/>
+              </a:defRPr>
+            </a:lvl7pPr>
+            <a:lvl8pPr marL="3429000" indent="-228600" algn="l" defTabSz="914400" rtl="0" eaLnBrk="1" latinLnBrk="0" hangingPunct="1">
+              <a:lnSpc>
+                <a:spcPct val="90000"/>
+              </a:lnSpc>
+              <a:spcBef>
+                <a:spcPts val="500"/>
+              </a:spcBef>
+              <a:buFont typeface="Arial" panose="020B0604020202020204" pitchFamily="34" charset="0"/>
+              <a:buChar char="•"/>
+              <a:defRPr sz="1800" kern="1200">
+                <a:solidFill>
+                  <a:schemeClr val="tx1"/>
+                </a:solidFill>
+                <a:latin typeface="+mn-lt"/>
+                <a:ea typeface="+mn-ea"/>
+                <a:cs typeface="+mn-cs"/>
+              </a:defRPr>
+            </a:lvl8pPr>
+            <a:lvl9pPr marL="3886200" indent="-228600" algn="l" defTabSz="914400" rtl="0" eaLnBrk="1" latinLnBrk="0" hangingPunct="1">
+              <a:lnSpc>
+                <a:spcPct val="90000"/>
+              </a:lnSpc>
+              <a:spcBef>
+                <a:spcPts val="500"/>
+              </a:spcBef>
+              <a:buFont typeface="Arial" panose="020B0604020202020204" pitchFamily="34" charset="0"/>
+              <a:buChar char="•"/>
+              <a:defRPr sz="1800" kern="1200">
+                <a:solidFill>
+                  <a:schemeClr val="tx1"/>
+                </a:solidFill>
+                <a:latin typeface="+mn-lt"/>
+                <a:ea typeface="+mn-ea"/>
+                <a:cs typeface="+mn-cs"/>
+              </a:defRPr>
+            </a:lvl9pPr>
+          </a:lstStyle>
           <a:p>
             <a:r>
-              <a:rPr lang="fr-BE" sz="2400" dirty="0"/>
+              <a:rPr lang="fr-BE" sz="2400" i="1" dirty="0"/>
               <a:t>Compatible avec une grande variété de composant</a:t>
             </a:r>
           </a:p>
           <a:p>
             <a:r>
-              <a:rPr lang="fr-BE" sz="2400" dirty="0"/>
+              <a:rPr lang="fr-BE" sz="2400" i="1" dirty="0"/>
               <a:t>Composé d’au moins un disque flash et d’un ou plusieurs disques de capacité</a:t>
-            </a:r>
-          </a:p>
-        </p:txBody>
-      </p:sp>
-      <p:sp>
-        <p:nvSpPr>
-          <p:cNvPr id="7" name="Espace réservé du texte 6">
-            <a:extLst>
-              <a:ext uri="{FF2B5EF4-FFF2-40B4-BE49-F238E27FC236}">
-                <a16:creationId xmlns:a16="http://schemas.microsoft.com/office/drawing/2014/main" id="{32615AA3-73BF-73B3-E90A-BCE4B792DA79}"/>
-              </a:ext>
-            </a:extLst>
-          </p:cNvPr>
-          <p:cNvSpPr>
-            <a:spLocks noGrp="1"/>
-          </p:cNvSpPr>
-          <p:nvPr>
-            <p:ph type="body" sz="quarter" idx="3"/>
-          </p:nvPr>
-        </p:nvSpPr>
-        <p:spPr/>
-        <p:txBody>
-          <a:bodyPr anchor="ctr"/>
-          <a:lstStyle/>
-          <a:p>
-            <a:pPr algn="ctr"/>
-            <a:r>
-              <a:rPr lang="fr-BE" dirty="0"/>
-              <a:t>EXPRESS STORAGE ARCHITECTURE</a:t>
-            </a:r>
-          </a:p>
-        </p:txBody>
-      </p:sp>
-      <p:sp>
-        <p:nvSpPr>
-          <p:cNvPr id="8" name="Espace réservé du contenu 7">
-            <a:extLst>
-              <a:ext uri="{FF2B5EF4-FFF2-40B4-BE49-F238E27FC236}">
-                <a16:creationId xmlns:a16="http://schemas.microsoft.com/office/drawing/2014/main" id="{9C7D9CDE-BA5F-2790-6DE0-158469A5BFF8}"/>
-              </a:ext>
-            </a:extLst>
-          </p:cNvPr>
-          <p:cNvSpPr>
-            <a:spLocks noGrp="1"/>
-          </p:cNvSpPr>
-          <p:nvPr>
-            <p:ph sz="quarter" idx="4"/>
-          </p:nvPr>
-        </p:nvSpPr>
-        <p:spPr/>
-        <p:txBody>
-          <a:bodyPr>
-            <a:normAutofit/>
-          </a:bodyPr>
-          <a:lstStyle/>
-          <a:p>
-            <a:r>
-              <a:rPr lang="fr-BE" sz="2400" dirty="0"/>
-              <a:t>Crée pour la technologie NVMe</a:t>
-            </a:r>
-          </a:p>
-          <a:p>
-            <a:r>
-              <a:rPr lang="fr-BE" sz="2400" dirty="0"/>
-              <a:t>Composé d’au minimum </a:t>
-            </a:r>
-            <a:r>
-              <a:rPr lang="fr-BE" sz="2400"/>
-              <a:t>4 disques </a:t>
-            </a:r>
-            <a:r>
-              <a:rPr lang="fr-BE" sz="2400" dirty="0"/>
-              <a:t>flash</a:t>
             </a:r>
           </a:p>
         </p:txBody>
       </p:sp>
       <p:pic>
         <p:nvPicPr>
-          <p:cNvPr id="3" name="Image 2" descr="Une image contenant texte, capture d’écran, diagramme, Police&#10;&#10;Description générée automatiquement">
+          <p:cNvPr id="6" name="Image 5" descr="Une image contenant texte, capture d’écran, diagramme, Police&#10;&#10;Description générée automatiquement">
             <a:extLst>
               <a:ext uri="{FF2B5EF4-FFF2-40B4-BE49-F238E27FC236}">
-                <a16:creationId xmlns:a16="http://schemas.microsoft.com/office/drawing/2014/main" id="{AE81C7B7-AD1B-F423-5830-02FC52E7872C}"/>
+                <a16:creationId xmlns:a16="http://schemas.microsoft.com/office/drawing/2014/main" id="{971A58B6-B810-E215-4386-4C2FBE04ECFB}"/>
               </a:ext>
             </a:extLst>
           </p:cNvPr>
@@ -22103,10 +28383,10 @@
       </p:pic>
       <p:pic>
         <p:nvPicPr>
-          <p:cNvPr id="4" name="Image 3" descr="Une image contenant texte, capture d’écran, Police, nombre&#10;&#10;Description générée automatiquement">
+          <p:cNvPr id="9" name="Image 8" descr="Une image contenant texte, capture d’écran, Police, nombre&#10;&#10;Description générée automatiquement">
             <a:extLst>
               <a:ext uri="{FF2B5EF4-FFF2-40B4-BE49-F238E27FC236}">
-                <a16:creationId xmlns:a16="http://schemas.microsoft.com/office/drawing/2014/main" id="{32E53532-88C5-B606-D0B4-9E40161811B3}"/>
+                <a16:creationId xmlns:a16="http://schemas.microsoft.com/office/drawing/2014/main" id="{E3A3EAF2-C4D4-47F0-22C2-CDB565FD9118}"/>
               </a:ext>
             </a:extLst>
           </p:cNvPr>
@@ -22154,7 +28434,7 @@
     </p:spTree>
     <p:extLst>
       <p:ext uri="{BB962C8B-B14F-4D97-AF65-F5344CB8AC3E}">
-        <p14:creationId xmlns:p14="http://schemas.microsoft.com/office/powerpoint/2010/main" val="1493191127"/>
+        <p14:creationId xmlns:p14="http://schemas.microsoft.com/office/powerpoint/2010/main" val="2065069255"/>
       </p:ext>
     </p:extLst>
   </p:cSld>
@@ -22684,12 +28964,14 @@
         </p:nvSpPr>
         <p:spPr/>
         <p:txBody>
-          <a:bodyPr/>
+          <a:bodyPr>
+            <a:normAutofit/>
+          </a:bodyPr>
           <a:lstStyle/>
           <a:p>
             <a:pPr algn="ctr"/>
             <a:r>
-              <a:rPr lang="fr-BE" dirty="0"/>
+              <a:rPr lang="fr-BE" b="1" dirty="0"/>
               <a:t>Autres solutions dans la suite vSphere</a:t>
             </a:r>
           </a:p>
@@ -23484,6 +29766,647 @@
 </file>
 
 <file path=ppt/slides/slide17.xml><?xml version="1.0" encoding="utf-8"?>
+<p:sld xmlns:a="http://schemas.openxmlformats.org/drawingml/2006/main" xmlns:r="http://schemas.openxmlformats.org/officeDocument/2006/relationships" xmlns:p="http://schemas.openxmlformats.org/presentationml/2006/main">
+  <p:cSld>
+    <p:bg>
+      <p:bgPr>
+        <a:solidFill>
+          <a:schemeClr val="bg1"/>
+        </a:solidFill>
+        <a:effectLst/>
+      </p:bgPr>
+    </p:bg>
+    <p:spTree>
+      <p:nvGrpSpPr>
+        <p:cNvPr id="1" name=""/>
+        <p:cNvGrpSpPr/>
+        <p:nvPr/>
+      </p:nvGrpSpPr>
+      <p:grpSpPr>
+        <a:xfrm>
+          <a:off x="0" y="0"/>
+          <a:ext cx="0" cy="0"/>
+          <a:chOff x="0" y="0"/>
+          <a:chExt cx="0" cy="0"/>
+        </a:xfrm>
+      </p:grpSpPr>
+      <p:sp useBgFill="1">
+        <p:nvSpPr>
+          <p:cNvPr id="12" name="Rectangle 11">
+            <a:extLst>
+              <a:ext uri="{FF2B5EF4-FFF2-40B4-BE49-F238E27FC236}">
+                <a16:creationId xmlns:a16="http://schemas.microsoft.com/office/drawing/2014/main" id="{BACC6370-2D7E-4714-9D71-7542949D7D5D}"/>
+              </a:ext>
+              <a:ext uri="{C183D7F6-B498-43B3-948B-1728B52AA6E4}">
+                <adec:decorative xmlns:adec="http://schemas.microsoft.com/office/drawing/2017/decorative" val="1"/>
+              </a:ext>
+            </a:extLst>
+          </p:cNvPr>
+          <p:cNvSpPr>
+            <a:spLocks noGrp="1" noRot="1" noChangeAspect="1" noMove="1" noResize="1" noEditPoints="1" noAdjustHandles="1" noChangeArrowheads="1" noChangeShapeType="1" noTextEdit="1"/>
+          </p:cNvSpPr>
+          <p:nvPr>
+            <p:extLst>
+              <p:ext uri="{386F3935-93C4-4BCD-93E2-E3B085C9AB24}">
+                <p16:designElem xmlns:p16="http://schemas.microsoft.com/office/powerpoint/2015/main" val="1"/>
+              </p:ext>
+            </p:extLst>
+          </p:nvPr>
+        </p:nvSpPr>
+        <p:spPr>
+          <a:xfrm>
+            <a:off x="0" y="0"/>
+            <a:ext cx="12192000" cy="6858000"/>
+          </a:xfrm>
+          <a:prstGeom prst="rect">
+            <a:avLst/>
+          </a:prstGeom>
+          <a:ln w="12700" cap="flat" cmpd="sng" algn="ctr">
+            <a:noFill/>
+            <a:prstDash val="solid"/>
+            <a:miter lim="800000"/>
+          </a:ln>
+          <a:effectLst/>
+          <a:extLst>
+            <a:ext uri="{91240B29-F687-4F45-9708-019B960494DF}">
+              <a14:hiddenLine xmlns:a14="http://schemas.microsoft.com/office/drawing/2010/main" w="12700" cap="flat" cmpd="sng" algn="ctr">
+                <a:solidFill>
+                  <a:schemeClr val="accent1">
+                    <a:shade val="50000"/>
+                  </a:schemeClr>
+                </a:solidFill>
+                <a:prstDash val="solid"/>
+                <a:miter lim="800000"/>
+              </a14:hiddenLine>
+            </a:ext>
+          </a:extLst>
+        </p:spPr>
+        <p:style>
+          <a:lnRef idx="2">
+            <a:schemeClr val="accent1">
+              <a:shade val="50000"/>
+            </a:schemeClr>
+          </a:lnRef>
+          <a:fillRef idx="1">
+            <a:schemeClr val="accent1"/>
+          </a:fillRef>
+          <a:effectRef idx="0">
+            <a:schemeClr val="accent1"/>
+          </a:effectRef>
+          <a:fontRef idx="minor">
+            <a:schemeClr val="lt1"/>
+          </a:fontRef>
+        </p:style>
+        <p:txBody>
+          <a:bodyPr rtlCol="0" anchor="ctr"/>
+          <a:lstStyle/>
+          <a:p>
+            <a:pPr algn="ctr"/>
+            <a:endParaRPr lang="en-US"/>
+          </a:p>
+        </p:txBody>
+      </p:sp>
+      <p:sp>
+        <p:nvSpPr>
+          <p:cNvPr id="14" name="Rectangle 13">
+            <a:extLst>
+              <a:ext uri="{FF2B5EF4-FFF2-40B4-BE49-F238E27FC236}">
+                <a16:creationId xmlns:a16="http://schemas.microsoft.com/office/drawing/2014/main" id="{F68B3F68-107C-434F-AA38-110D5EA91B85}"/>
+              </a:ext>
+              <a:ext uri="{C183D7F6-B498-43B3-948B-1728B52AA6E4}">
+                <adec:decorative xmlns:adec="http://schemas.microsoft.com/office/drawing/2017/decorative" val="1"/>
+              </a:ext>
+            </a:extLst>
+          </p:cNvPr>
+          <p:cNvSpPr>
+            <a:spLocks noGrp="1" noRot="1" noChangeAspect="1" noMove="1" noResize="1" noEditPoints="1" noAdjustHandles="1" noChangeArrowheads="1" noChangeShapeType="1" noTextEdit="1"/>
+          </p:cNvSpPr>
+          <p:nvPr>
+            <p:extLst>
+              <p:ext uri="{386F3935-93C4-4BCD-93E2-E3B085C9AB24}">
+                <p16:designElem xmlns:p16="http://schemas.microsoft.com/office/powerpoint/2015/main" val="1"/>
+              </p:ext>
+            </p:extLst>
+          </p:nvPr>
+        </p:nvSpPr>
+        <p:spPr>
+          <a:xfrm flipH="1">
+            <a:off x="2" y="0"/>
+            <a:ext cx="12191998" cy="1575955"/>
+          </a:xfrm>
+          <a:prstGeom prst="rect">
+            <a:avLst/>
+          </a:prstGeom>
+          <a:gradFill>
+            <a:gsLst>
+              <a:gs pos="0">
+                <a:srgbClr val="000000">
+                  <a:alpha val="96000"/>
+                </a:srgbClr>
+              </a:gs>
+              <a:gs pos="100000">
+                <a:schemeClr val="accent1">
+                  <a:lumMod val="75000"/>
+                </a:schemeClr>
+              </a:gs>
+            </a:gsLst>
+            <a:lin ang="8400000" scaled="0"/>
+          </a:gradFill>
+          <a:ln>
+            <a:noFill/>
+          </a:ln>
+        </p:spPr>
+        <p:style>
+          <a:lnRef idx="2">
+            <a:schemeClr val="accent1">
+              <a:shade val="50000"/>
+            </a:schemeClr>
+          </a:lnRef>
+          <a:fillRef idx="1">
+            <a:schemeClr val="accent1"/>
+          </a:fillRef>
+          <a:effectRef idx="0">
+            <a:schemeClr val="accent1"/>
+          </a:effectRef>
+          <a:fontRef idx="minor">
+            <a:schemeClr val="lt1"/>
+          </a:fontRef>
+        </p:style>
+        <p:txBody>
+          <a:bodyPr rtlCol="0" anchor="ctr"/>
+          <a:lstStyle/>
+          <a:p>
+            <a:pPr algn="ctr"/>
+            <a:endParaRPr lang="en-US"/>
+          </a:p>
+        </p:txBody>
+      </p:sp>
+      <p:sp>
+        <p:nvSpPr>
+          <p:cNvPr id="16" name="Rectangle 15">
+            <a:extLst>
+              <a:ext uri="{FF2B5EF4-FFF2-40B4-BE49-F238E27FC236}">
+                <a16:creationId xmlns:a16="http://schemas.microsoft.com/office/drawing/2014/main" id="{AAD0DBB9-1A4B-4391-81D4-CB19F9AB918A}"/>
+              </a:ext>
+              <a:ext uri="{C183D7F6-B498-43B3-948B-1728B52AA6E4}">
+                <adec:decorative xmlns:adec="http://schemas.microsoft.com/office/drawing/2017/decorative" val="1"/>
+              </a:ext>
+            </a:extLst>
+          </p:cNvPr>
+          <p:cNvSpPr>
+            <a:spLocks noGrp="1" noRot="1" noChangeAspect="1" noMove="1" noResize="1" noEditPoints="1" noAdjustHandles="1" noChangeArrowheads="1" noChangeShapeType="1" noTextEdit="1"/>
+          </p:cNvSpPr>
+          <p:nvPr>
+            <p:extLst>
+              <p:ext uri="{386F3935-93C4-4BCD-93E2-E3B085C9AB24}">
+                <p16:designElem xmlns:p16="http://schemas.microsoft.com/office/powerpoint/2015/main" val="1"/>
+              </p:ext>
+            </p:extLst>
+          </p:nvPr>
+        </p:nvSpPr>
+        <p:spPr>
+          <a:xfrm rot="10800000" flipH="1">
+            <a:off x="8128857" y="0"/>
+            <a:ext cx="4063143" cy="1576412"/>
+          </a:xfrm>
+          <a:prstGeom prst="rect">
+            <a:avLst/>
+          </a:prstGeom>
+          <a:gradFill>
+            <a:gsLst>
+              <a:gs pos="19000">
+                <a:schemeClr val="accent1">
+                  <a:lumMod val="50000"/>
+                  <a:alpha val="68000"/>
+                </a:schemeClr>
+              </a:gs>
+              <a:gs pos="100000">
+                <a:schemeClr val="accent1">
+                  <a:alpha val="79000"/>
+                </a:schemeClr>
+              </a:gs>
+            </a:gsLst>
+            <a:lin ang="19200000" scaled="0"/>
+          </a:gradFill>
+          <a:ln>
+            <a:noFill/>
+          </a:ln>
+        </p:spPr>
+        <p:style>
+          <a:lnRef idx="2">
+            <a:schemeClr val="accent1">
+              <a:shade val="50000"/>
+            </a:schemeClr>
+          </a:lnRef>
+          <a:fillRef idx="1">
+            <a:schemeClr val="accent1"/>
+          </a:fillRef>
+          <a:effectRef idx="0">
+            <a:schemeClr val="accent1"/>
+          </a:effectRef>
+          <a:fontRef idx="minor">
+            <a:schemeClr val="lt1"/>
+          </a:fontRef>
+        </p:style>
+        <p:txBody>
+          <a:bodyPr rtlCol="0" anchor="ctr"/>
+          <a:lstStyle/>
+          <a:p>
+            <a:pPr algn="ctr"/>
+            <a:endParaRPr lang="en-US"/>
+          </a:p>
+        </p:txBody>
+      </p:sp>
+      <p:sp>
+        <p:nvSpPr>
+          <p:cNvPr id="18" name="Rectangle 17">
+            <a:extLst>
+              <a:ext uri="{FF2B5EF4-FFF2-40B4-BE49-F238E27FC236}">
+                <a16:creationId xmlns:a16="http://schemas.microsoft.com/office/drawing/2014/main" id="{063BBA22-50EA-4C4D-BE05-F1CE4E63AA56}"/>
+              </a:ext>
+              <a:ext uri="{C183D7F6-B498-43B3-948B-1728B52AA6E4}">
+                <adec:decorative xmlns:adec="http://schemas.microsoft.com/office/drawing/2017/decorative" val="1"/>
+              </a:ext>
+            </a:extLst>
+          </p:cNvPr>
+          <p:cNvSpPr>
+            <a:spLocks noGrp="1" noRot="1" noChangeAspect="1" noMove="1" noResize="1" noEditPoints="1" noAdjustHandles="1" noChangeArrowheads="1" noChangeShapeType="1" noTextEdit="1"/>
+          </p:cNvSpPr>
+          <p:nvPr>
+            <p:extLst>
+              <p:ext uri="{386F3935-93C4-4BCD-93E2-E3B085C9AB24}">
+                <p16:designElem xmlns:p16="http://schemas.microsoft.com/office/powerpoint/2015/main" val="1"/>
+              </p:ext>
+            </p:extLst>
+          </p:nvPr>
+        </p:nvSpPr>
+        <p:spPr>
+          <a:xfrm rot="5400000">
+            <a:off x="5307777" y="-5307778"/>
+            <a:ext cx="1576446" cy="12192002"/>
+          </a:xfrm>
+          <a:prstGeom prst="rect">
+            <a:avLst/>
+          </a:prstGeom>
+          <a:gradFill>
+            <a:gsLst>
+              <a:gs pos="23000">
+                <a:schemeClr val="accent1">
+                  <a:alpha val="0"/>
+                </a:schemeClr>
+              </a:gs>
+              <a:gs pos="99000">
+                <a:srgbClr val="000000">
+                  <a:alpha val="74000"/>
+                </a:srgbClr>
+              </a:gs>
+            </a:gsLst>
+            <a:lin ang="20400000" scaled="0"/>
+          </a:gradFill>
+          <a:ln>
+            <a:noFill/>
+          </a:ln>
+        </p:spPr>
+        <p:style>
+          <a:lnRef idx="2">
+            <a:schemeClr val="accent1">
+              <a:shade val="50000"/>
+            </a:schemeClr>
+          </a:lnRef>
+          <a:fillRef idx="1">
+            <a:schemeClr val="accent1"/>
+          </a:fillRef>
+          <a:effectRef idx="0">
+            <a:schemeClr val="accent1"/>
+          </a:effectRef>
+          <a:fontRef idx="minor">
+            <a:schemeClr val="lt1"/>
+          </a:fontRef>
+        </p:style>
+        <p:txBody>
+          <a:bodyPr rtlCol="0" anchor="ctr"/>
+          <a:lstStyle/>
+          <a:p>
+            <a:pPr algn="ctr"/>
+            <a:endParaRPr lang="en-US" dirty="0"/>
+          </a:p>
+        </p:txBody>
+      </p:sp>
+      <p:sp>
+        <p:nvSpPr>
+          <p:cNvPr id="5" name="Titre 4">
+            <a:extLst>
+              <a:ext uri="{FF2B5EF4-FFF2-40B4-BE49-F238E27FC236}">
+                <a16:creationId xmlns:a16="http://schemas.microsoft.com/office/drawing/2014/main" id="{58050045-2960-50FE-A8A6-9D447EC8604A}"/>
+              </a:ext>
+            </a:extLst>
+          </p:cNvPr>
+          <p:cNvSpPr>
+            <a:spLocks noGrp="1"/>
+          </p:cNvSpPr>
+          <p:nvPr>
+            <p:ph type="title"/>
+          </p:nvPr>
+        </p:nvSpPr>
+        <p:spPr>
+          <a:xfrm>
+            <a:off x="1371597" y="348865"/>
+            <a:ext cx="10044023" cy="877729"/>
+          </a:xfrm>
+        </p:spPr>
+        <p:txBody>
+          <a:bodyPr anchor="ctr">
+            <a:normAutofit/>
+          </a:bodyPr>
+          <a:lstStyle/>
+          <a:p>
+            <a:pPr algn="ctr"/>
+            <a:r>
+              <a:rPr lang="fr-BE" sz="4000" dirty="0">
+                <a:solidFill>
+                  <a:srgbClr val="FFFFFF"/>
+                </a:solidFill>
+              </a:rPr>
+              <a:t>Timeline du projet</a:t>
+            </a:r>
+          </a:p>
+        </p:txBody>
+      </p:sp>
+      <p:graphicFrame>
+        <p:nvGraphicFramePr>
+          <p:cNvPr id="7" name="Espace réservé du contenu 6">
+            <a:extLst>
+              <a:ext uri="{FF2B5EF4-FFF2-40B4-BE49-F238E27FC236}">
+                <a16:creationId xmlns:a16="http://schemas.microsoft.com/office/drawing/2014/main" id="{CCB99228-BDE8-DF19-55A0-9C0859F73D8A}"/>
+              </a:ext>
+            </a:extLst>
+          </p:cNvPr>
+          <p:cNvGraphicFramePr>
+            <a:graphicFrameLocks noGrp="1"/>
+          </p:cNvGraphicFramePr>
+          <p:nvPr>
+            <p:ph idx="1"/>
+            <p:extLst>
+              <p:ext uri="{D42A27DB-BD31-4B8C-83A1-F6EECF244321}">
+                <p14:modId xmlns:p14="http://schemas.microsoft.com/office/powerpoint/2010/main" val="1816473496"/>
+              </p:ext>
+            </p:extLst>
+          </p:nvPr>
+        </p:nvGraphicFramePr>
+        <p:xfrm>
+          <a:off x="632085" y="2120329"/>
+          <a:ext cx="10927829" cy="4192805"/>
+        </p:xfrm>
+        <a:graphic>
+          <a:graphicData uri="http://schemas.openxmlformats.org/drawingml/2006/diagram">
+            <dgm:relIds xmlns:dgm="http://schemas.openxmlformats.org/drawingml/2006/diagram" xmlns:r="http://schemas.openxmlformats.org/officeDocument/2006/relationships" r:dm="rId3" r:lo="rId4" r:qs="rId5" r:cs="rId6"/>
+          </a:graphicData>
+        </a:graphic>
+      </p:graphicFrame>
+      <p:sp>
+        <p:nvSpPr>
+          <p:cNvPr id="8" name="Flèche : droite 7">
+            <a:extLst>
+              <a:ext uri="{FF2B5EF4-FFF2-40B4-BE49-F238E27FC236}">
+                <a16:creationId xmlns:a16="http://schemas.microsoft.com/office/drawing/2014/main" id="{A09E7D85-2E60-EFD8-E5CC-DA6AA98480C9}"/>
+              </a:ext>
+            </a:extLst>
+          </p:cNvPr>
+          <p:cNvSpPr/>
+          <p:nvPr/>
+        </p:nvSpPr>
+        <p:spPr>
+          <a:xfrm>
+            <a:off x="2069077" y="3429438"/>
+            <a:ext cx="420414" cy="220718"/>
+          </a:xfrm>
+          <a:prstGeom prst="rightArrow">
+            <a:avLst/>
+          </a:prstGeom>
+        </p:spPr>
+        <p:style>
+          <a:lnRef idx="2">
+            <a:schemeClr val="accent1">
+              <a:shade val="15000"/>
+            </a:schemeClr>
+          </a:lnRef>
+          <a:fillRef idx="1">
+            <a:schemeClr val="accent1"/>
+          </a:fillRef>
+          <a:effectRef idx="0">
+            <a:schemeClr val="accent1"/>
+          </a:effectRef>
+          <a:fontRef idx="minor">
+            <a:schemeClr val="lt1"/>
+          </a:fontRef>
+        </p:style>
+        <p:txBody>
+          <a:bodyPr rtlCol="0" anchor="ctr"/>
+          <a:lstStyle/>
+          <a:p>
+            <a:pPr algn="ctr"/>
+            <a:endParaRPr lang="fr-BE"/>
+          </a:p>
+        </p:txBody>
+      </p:sp>
+      <p:sp>
+        <p:nvSpPr>
+          <p:cNvPr id="9" name="Flèche : droite 8">
+            <a:extLst>
+              <a:ext uri="{FF2B5EF4-FFF2-40B4-BE49-F238E27FC236}">
+                <a16:creationId xmlns:a16="http://schemas.microsoft.com/office/drawing/2014/main" id="{82F02BD2-E45B-87E7-B931-609CAAB8DE22}"/>
+              </a:ext>
+            </a:extLst>
+          </p:cNvPr>
+          <p:cNvSpPr/>
+          <p:nvPr/>
+        </p:nvSpPr>
+        <p:spPr>
+          <a:xfrm>
+            <a:off x="4050277" y="3429000"/>
+            <a:ext cx="420414" cy="220718"/>
+          </a:xfrm>
+          <a:prstGeom prst="rightArrow">
+            <a:avLst/>
+          </a:prstGeom>
+        </p:spPr>
+        <p:style>
+          <a:lnRef idx="2">
+            <a:schemeClr val="accent1">
+              <a:shade val="15000"/>
+            </a:schemeClr>
+          </a:lnRef>
+          <a:fillRef idx="1">
+            <a:schemeClr val="accent1"/>
+          </a:fillRef>
+          <a:effectRef idx="0">
+            <a:schemeClr val="accent1"/>
+          </a:effectRef>
+          <a:fontRef idx="minor">
+            <a:schemeClr val="lt1"/>
+          </a:fontRef>
+        </p:style>
+        <p:txBody>
+          <a:bodyPr rtlCol="0" anchor="ctr"/>
+          <a:lstStyle/>
+          <a:p>
+            <a:pPr algn="ctr"/>
+            <a:endParaRPr lang="fr-BE"/>
+          </a:p>
+        </p:txBody>
+      </p:sp>
+      <p:sp>
+        <p:nvSpPr>
+          <p:cNvPr id="10" name="Flèche : droite 9">
+            <a:extLst>
+              <a:ext uri="{FF2B5EF4-FFF2-40B4-BE49-F238E27FC236}">
+                <a16:creationId xmlns:a16="http://schemas.microsoft.com/office/drawing/2014/main" id="{642B78EB-ADD8-B577-A7D8-848E5811CD6F}"/>
+              </a:ext>
+            </a:extLst>
+          </p:cNvPr>
+          <p:cNvSpPr/>
+          <p:nvPr/>
+        </p:nvSpPr>
+        <p:spPr>
+          <a:xfrm>
+            <a:off x="5907683" y="3429000"/>
+            <a:ext cx="420414" cy="220718"/>
+          </a:xfrm>
+          <a:prstGeom prst="rightArrow">
+            <a:avLst/>
+          </a:prstGeom>
+        </p:spPr>
+        <p:style>
+          <a:lnRef idx="2">
+            <a:schemeClr val="accent1">
+              <a:shade val="15000"/>
+            </a:schemeClr>
+          </a:lnRef>
+          <a:fillRef idx="1">
+            <a:schemeClr val="accent1"/>
+          </a:fillRef>
+          <a:effectRef idx="0">
+            <a:schemeClr val="accent1"/>
+          </a:effectRef>
+          <a:fontRef idx="minor">
+            <a:schemeClr val="lt1"/>
+          </a:fontRef>
+        </p:style>
+        <p:txBody>
+          <a:bodyPr rtlCol="0" anchor="ctr"/>
+          <a:lstStyle/>
+          <a:p>
+            <a:pPr algn="ctr"/>
+            <a:endParaRPr lang="fr-BE"/>
+          </a:p>
+        </p:txBody>
+      </p:sp>
+      <p:sp>
+        <p:nvSpPr>
+          <p:cNvPr id="11" name="Flèche : droite 10">
+            <a:extLst>
+              <a:ext uri="{FF2B5EF4-FFF2-40B4-BE49-F238E27FC236}">
+                <a16:creationId xmlns:a16="http://schemas.microsoft.com/office/drawing/2014/main" id="{7B044DAD-4295-1363-4B89-80CB92ED1F82}"/>
+              </a:ext>
+            </a:extLst>
+          </p:cNvPr>
+          <p:cNvSpPr/>
+          <p:nvPr/>
+        </p:nvSpPr>
+        <p:spPr>
+          <a:xfrm>
+            <a:off x="7696472" y="3429000"/>
+            <a:ext cx="420414" cy="220718"/>
+          </a:xfrm>
+          <a:prstGeom prst="rightArrow">
+            <a:avLst/>
+          </a:prstGeom>
+        </p:spPr>
+        <p:style>
+          <a:lnRef idx="2">
+            <a:schemeClr val="accent1">
+              <a:shade val="15000"/>
+            </a:schemeClr>
+          </a:lnRef>
+          <a:fillRef idx="1">
+            <a:schemeClr val="accent1"/>
+          </a:fillRef>
+          <a:effectRef idx="0">
+            <a:schemeClr val="accent1"/>
+          </a:effectRef>
+          <a:fontRef idx="minor">
+            <a:schemeClr val="lt1"/>
+          </a:fontRef>
+        </p:style>
+        <p:txBody>
+          <a:bodyPr rtlCol="0" anchor="ctr"/>
+          <a:lstStyle/>
+          <a:p>
+            <a:pPr algn="ctr"/>
+            <a:endParaRPr lang="fr-BE"/>
+          </a:p>
+        </p:txBody>
+      </p:sp>
+      <p:sp>
+        <p:nvSpPr>
+          <p:cNvPr id="13" name="Flèche : droite 12">
+            <a:extLst>
+              <a:ext uri="{FF2B5EF4-FFF2-40B4-BE49-F238E27FC236}">
+                <a16:creationId xmlns:a16="http://schemas.microsoft.com/office/drawing/2014/main" id="{3E4D7DE9-45FE-C3E8-6358-64CD7316A6CD}"/>
+              </a:ext>
+            </a:extLst>
+          </p:cNvPr>
+          <p:cNvSpPr/>
+          <p:nvPr/>
+        </p:nvSpPr>
+        <p:spPr>
+          <a:xfrm>
+            <a:off x="9628193" y="3429000"/>
+            <a:ext cx="420414" cy="220718"/>
+          </a:xfrm>
+          <a:prstGeom prst="rightArrow">
+            <a:avLst/>
+          </a:prstGeom>
+        </p:spPr>
+        <p:style>
+          <a:lnRef idx="2">
+            <a:schemeClr val="accent1">
+              <a:shade val="15000"/>
+            </a:schemeClr>
+          </a:lnRef>
+          <a:fillRef idx="1">
+            <a:schemeClr val="accent1"/>
+          </a:fillRef>
+          <a:effectRef idx="0">
+            <a:schemeClr val="accent1"/>
+          </a:effectRef>
+          <a:fontRef idx="minor">
+            <a:schemeClr val="lt1"/>
+          </a:fontRef>
+        </p:style>
+        <p:txBody>
+          <a:bodyPr rtlCol="0" anchor="ctr"/>
+          <a:lstStyle/>
+          <a:p>
+            <a:pPr algn="ctr"/>
+            <a:endParaRPr lang="fr-BE"/>
+          </a:p>
+        </p:txBody>
+      </p:sp>
+    </p:spTree>
+    <p:extLst>
+      <p:ext uri="{BB962C8B-B14F-4D97-AF65-F5344CB8AC3E}">
+        <p14:creationId xmlns:p14="http://schemas.microsoft.com/office/powerpoint/2010/main" val="3677933785"/>
+      </p:ext>
+    </p:extLst>
+  </p:cSld>
+  <p:clrMapOvr>
+    <a:masterClrMapping/>
+  </p:clrMapOvr>
+</p:sld>
+</file>
+
+<file path=ppt/slides/slide18.xml><?xml version="1.0" encoding="utf-8"?>
 <p:sld xmlns:a="http://schemas.openxmlformats.org/drawingml/2006/main" xmlns:r="http://schemas.openxmlformats.org/officeDocument/2006/relationships" xmlns:p="http://schemas.openxmlformats.org/presentationml/2006/main">
   <p:cSld>
     <p:bg>
@@ -24192,651 +31115,104 @@
           </a:p>
         </p:txBody>
       </p:sp>
+      <p:pic>
+        <p:nvPicPr>
+          <p:cNvPr id="10" name="Image 9" descr="Une image contenant Appareils électroniques, fils électriques, câble, fourniture d’électricité&#10;&#10;Description générée automatiquement">
+            <a:extLst>
+              <a:ext uri="{FF2B5EF4-FFF2-40B4-BE49-F238E27FC236}">
+                <a16:creationId xmlns:a16="http://schemas.microsoft.com/office/drawing/2014/main" id="{9A715531-5A95-2846-7342-07923BD57B20}"/>
+              </a:ext>
+            </a:extLst>
+          </p:cNvPr>
+          <p:cNvPicPr>
+            <a:picLocks noChangeAspect="1"/>
+          </p:cNvPicPr>
+          <p:nvPr/>
+        </p:nvPicPr>
+        <p:blipFill>
+          <a:blip r:embed="rId5">
+            <a:extLst>
+              <a:ext uri="{28A0092B-C50C-407E-A947-70E740481C1C}">
+                <a14:useLocalDpi xmlns:a14="http://schemas.microsoft.com/office/drawing/2010/main" val="0"/>
+              </a:ext>
+            </a:extLst>
+          </a:blip>
+          <a:stretch>
+            <a:fillRect/>
+          </a:stretch>
+        </p:blipFill>
+        <p:spPr>
+          <a:xfrm>
+            <a:off x="8613299" y="1570542"/>
+            <a:ext cx="2250164" cy="3000218"/>
+          </a:xfrm>
+          <a:prstGeom prst="roundRect">
+            <a:avLst>
+              <a:gd name="adj" fmla="val 14389"/>
+            </a:avLst>
+          </a:prstGeom>
+          <a:solidFill>
+            <a:srgbClr val="FFFFFF">
+              <a:shade val="85000"/>
+            </a:srgbClr>
+          </a:solidFill>
+          <a:ln>
+            <a:noFill/>
+          </a:ln>
+          <a:effectLst/>
+        </p:spPr>
+      </p:pic>
+      <p:pic>
+        <p:nvPicPr>
+          <p:cNvPr id="12" name="Image 11" descr="Une image contenant Appareils électroniques, Appareil électronique, ordinateur, machine&#10;&#10;Description générée automatiquement">
+            <a:extLst>
+              <a:ext uri="{FF2B5EF4-FFF2-40B4-BE49-F238E27FC236}">
+                <a16:creationId xmlns:a16="http://schemas.microsoft.com/office/drawing/2014/main" id="{3D44BCCD-4FC7-F004-C80F-946BEA926F10}"/>
+              </a:ext>
+            </a:extLst>
+          </p:cNvPr>
+          <p:cNvPicPr>
+            <a:picLocks noChangeAspect="1"/>
+          </p:cNvPicPr>
+          <p:nvPr/>
+        </p:nvPicPr>
+        <p:blipFill>
+          <a:blip r:embed="rId6">
+            <a:extLst>
+              <a:ext uri="{28A0092B-C50C-407E-A947-70E740481C1C}">
+                <a14:useLocalDpi xmlns:a14="http://schemas.microsoft.com/office/drawing/2010/main" val="0"/>
+              </a:ext>
+            </a:extLst>
+          </a:blip>
+          <a:stretch>
+            <a:fillRect/>
+          </a:stretch>
+        </p:blipFill>
+        <p:spPr>
+          <a:xfrm>
+            <a:off x="6363135" y="1570541"/>
+            <a:ext cx="2250164" cy="3000219"/>
+          </a:xfrm>
+          <a:prstGeom prst="roundRect">
+            <a:avLst>
+              <a:gd name="adj" fmla="val 14403"/>
+            </a:avLst>
+          </a:prstGeom>
+          <a:solidFill>
+            <a:srgbClr val="FFFFFF">
+              <a:shade val="85000"/>
+            </a:srgbClr>
+          </a:solidFill>
+          <a:ln>
+            <a:noFill/>
+          </a:ln>
+          <a:effectLst/>
+        </p:spPr>
+      </p:pic>
     </p:spTree>
     <p:extLst>
       <p:ext uri="{BB962C8B-B14F-4D97-AF65-F5344CB8AC3E}">
         <p14:creationId xmlns:p14="http://schemas.microsoft.com/office/powerpoint/2010/main" val="3742892081"/>
-      </p:ext>
-    </p:extLst>
-  </p:cSld>
-  <p:clrMapOvr>
-    <a:masterClrMapping/>
-  </p:clrMapOvr>
-</p:sld>
-</file>
-
-<file path=ppt/slides/slide18.xml><?xml version="1.0" encoding="utf-8"?>
-<p:sld xmlns:a="http://schemas.openxmlformats.org/drawingml/2006/main" xmlns:r="http://schemas.openxmlformats.org/officeDocument/2006/relationships" xmlns:p="http://schemas.openxmlformats.org/presentationml/2006/main">
-  <p:cSld>
-    <p:bg>
-      <p:bgPr>
-        <a:solidFill>
-          <a:schemeClr val="bg1"/>
-        </a:solidFill>
-        <a:effectLst/>
-      </p:bgPr>
-    </p:bg>
-    <p:spTree>
-      <p:nvGrpSpPr>
-        <p:cNvPr id="1" name=""/>
-        <p:cNvGrpSpPr/>
-        <p:nvPr/>
-      </p:nvGrpSpPr>
-      <p:grpSpPr>
-        <a:xfrm>
-          <a:off x="0" y="0"/>
-          <a:ext cx="0" cy="0"/>
-          <a:chOff x="0" y="0"/>
-          <a:chExt cx="0" cy="0"/>
-        </a:xfrm>
-      </p:grpSpPr>
-      <p:sp useBgFill="1">
-        <p:nvSpPr>
-          <p:cNvPr id="12" name="Rectangle 11">
-            <a:extLst>
-              <a:ext uri="{FF2B5EF4-FFF2-40B4-BE49-F238E27FC236}">
-                <a16:creationId xmlns:a16="http://schemas.microsoft.com/office/drawing/2014/main" id="{BACC6370-2D7E-4714-9D71-7542949D7D5D}"/>
-              </a:ext>
-              <a:ext uri="{C183D7F6-B498-43B3-948B-1728B52AA6E4}">
-                <adec:decorative xmlns:adec="http://schemas.microsoft.com/office/drawing/2017/decorative" val="1"/>
-              </a:ext>
-            </a:extLst>
-          </p:cNvPr>
-          <p:cNvSpPr>
-            <a:spLocks noGrp="1" noRot="1" noChangeAspect="1" noMove="1" noResize="1" noEditPoints="1" noAdjustHandles="1" noChangeArrowheads="1" noChangeShapeType="1" noTextEdit="1"/>
-          </p:cNvSpPr>
-          <p:nvPr>
-            <p:extLst>
-              <p:ext uri="{386F3935-93C4-4BCD-93E2-E3B085C9AB24}">
-                <p16:designElem xmlns:p16="http://schemas.microsoft.com/office/powerpoint/2015/main" val="1"/>
-              </p:ext>
-            </p:extLst>
-          </p:nvPr>
-        </p:nvSpPr>
-        <p:spPr>
-          <a:xfrm>
-            <a:off x="0" y="0"/>
-            <a:ext cx="12192000" cy="6858000"/>
-          </a:xfrm>
-          <a:prstGeom prst="rect">
-            <a:avLst/>
-          </a:prstGeom>
-          <a:ln w="12700" cap="flat" cmpd="sng" algn="ctr">
-            <a:noFill/>
-            <a:prstDash val="solid"/>
-            <a:miter lim="800000"/>
-          </a:ln>
-          <a:effectLst/>
-          <a:extLst>
-            <a:ext uri="{91240B29-F687-4F45-9708-019B960494DF}">
-              <a14:hiddenLine xmlns:a14="http://schemas.microsoft.com/office/drawing/2010/main" w="12700" cap="flat" cmpd="sng" algn="ctr">
-                <a:solidFill>
-                  <a:schemeClr val="accent1">
-                    <a:shade val="50000"/>
-                  </a:schemeClr>
-                </a:solidFill>
-                <a:prstDash val="solid"/>
-                <a:miter lim="800000"/>
-              </a14:hiddenLine>
-            </a:ext>
-          </a:extLst>
-        </p:spPr>
-        <p:style>
-          <a:lnRef idx="2">
-            <a:schemeClr val="accent1">
-              <a:shade val="50000"/>
-            </a:schemeClr>
-          </a:lnRef>
-          <a:fillRef idx="1">
-            <a:schemeClr val="accent1"/>
-          </a:fillRef>
-          <a:effectRef idx="0">
-            <a:schemeClr val="accent1"/>
-          </a:effectRef>
-          <a:fontRef idx="minor">
-            <a:schemeClr val="lt1"/>
-          </a:fontRef>
-        </p:style>
-        <p:txBody>
-          <a:bodyPr rtlCol="0" anchor="ctr"/>
-          <a:lstStyle/>
-          <a:p>
-            <a:pPr algn="ctr"/>
-            <a:endParaRPr lang="en-US"/>
-          </a:p>
-        </p:txBody>
-      </p:sp>
-      <p:sp>
-        <p:nvSpPr>
-          <p:cNvPr id="14" name="Rectangle 13">
-            <a:extLst>
-              <a:ext uri="{FF2B5EF4-FFF2-40B4-BE49-F238E27FC236}">
-                <a16:creationId xmlns:a16="http://schemas.microsoft.com/office/drawing/2014/main" id="{F68B3F68-107C-434F-AA38-110D5EA91B85}"/>
-              </a:ext>
-              <a:ext uri="{C183D7F6-B498-43B3-948B-1728B52AA6E4}">
-                <adec:decorative xmlns:adec="http://schemas.microsoft.com/office/drawing/2017/decorative" val="1"/>
-              </a:ext>
-            </a:extLst>
-          </p:cNvPr>
-          <p:cNvSpPr>
-            <a:spLocks noGrp="1" noRot="1" noChangeAspect="1" noMove="1" noResize="1" noEditPoints="1" noAdjustHandles="1" noChangeArrowheads="1" noChangeShapeType="1" noTextEdit="1"/>
-          </p:cNvSpPr>
-          <p:nvPr>
-            <p:extLst>
-              <p:ext uri="{386F3935-93C4-4BCD-93E2-E3B085C9AB24}">
-                <p16:designElem xmlns:p16="http://schemas.microsoft.com/office/powerpoint/2015/main" val="1"/>
-              </p:ext>
-            </p:extLst>
-          </p:nvPr>
-        </p:nvSpPr>
-        <p:spPr>
-          <a:xfrm flipH="1">
-            <a:off x="2" y="0"/>
-            <a:ext cx="12191998" cy="1575955"/>
-          </a:xfrm>
-          <a:prstGeom prst="rect">
-            <a:avLst/>
-          </a:prstGeom>
-          <a:gradFill>
-            <a:gsLst>
-              <a:gs pos="0">
-                <a:srgbClr val="000000">
-                  <a:alpha val="96000"/>
-                </a:srgbClr>
-              </a:gs>
-              <a:gs pos="100000">
-                <a:schemeClr val="accent1">
-                  <a:lumMod val="75000"/>
-                </a:schemeClr>
-              </a:gs>
-            </a:gsLst>
-            <a:lin ang="8400000" scaled="0"/>
-          </a:gradFill>
-          <a:ln>
-            <a:noFill/>
-          </a:ln>
-        </p:spPr>
-        <p:style>
-          <a:lnRef idx="2">
-            <a:schemeClr val="accent1">
-              <a:shade val="50000"/>
-            </a:schemeClr>
-          </a:lnRef>
-          <a:fillRef idx="1">
-            <a:schemeClr val="accent1"/>
-          </a:fillRef>
-          <a:effectRef idx="0">
-            <a:schemeClr val="accent1"/>
-          </a:effectRef>
-          <a:fontRef idx="minor">
-            <a:schemeClr val="lt1"/>
-          </a:fontRef>
-        </p:style>
-        <p:txBody>
-          <a:bodyPr rtlCol="0" anchor="ctr"/>
-          <a:lstStyle/>
-          <a:p>
-            <a:pPr algn="ctr"/>
-            <a:endParaRPr lang="en-US"/>
-          </a:p>
-        </p:txBody>
-      </p:sp>
-      <p:sp>
-        <p:nvSpPr>
-          <p:cNvPr id="16" name="Rectangle 15">
-            <a:extLst>
-              <a:ext uri="{FF2B5EF4-FFF2-40B4-BE49-F238E27FC236}">
-                <a16:creationId xmlns:a16="http://schemas.microsoft.com/office/drawing/2014/main" id="{AAD0DBB9-1A4B-4391-81D4-CB19F9AB918A}"/>
-              </a:ext>
-              <a:ext uri="{C183D7F6-B498-43B3-948B-1728B52AA6E4}">
-                <adec:decorative xmlns:adec="http://schemas.microsoft.com/office/drawing/2017/decorative" val="1"/>
-              </a:ext>
-            </a:extLst>
-          </p:cNvPr>
-          <p:cNvSpPr>
-            <a:spLocks noGrp="1" noRot="1" noChangeAspect="1" noMove="1" noResize="1" noEditPoints="1" noAdjustHandles="1" noChangeArrowheads="1" noChangeShapeType="1" noTextEdit="1"/>
-          </p:cNvSpPr>
-          <p:nvPr>
-            <p:extLst>
-              <p:ext uri="{386F3935-93C4-4BCD-93E2-E3B085C9AB24}">
-                <p16:designElem xmlns:p16="http://schemas.microsoft.com/office/powerpoint/2015/main" val="1"/>
-              </p:ext>
-            </p:extLst>
-          </p:nvPr>
-        </p:nvSpPr>
-        <p:spPr>
-          <a:xfrm rot="10800000" flipH="1">
-            <a:off x="8128857" y="0"/>
-            <a:ext cx="4063143" cy="1576412"/>
-          </a:xfrm>
-          <a:prstGeom prst="rect">
-            <a:avLst/>
-          </a:prstGeom>
-          <a:gradFill>
-            <a:gsLst>
-              <a:gs pos="19000">
-                <a:schemeClr val="accent1">
-                  <a:lumMod val="50000"/>
-                  <a:alpha val="68000"/>
-                </a:schemeClr>
-              </a:gs>
-              <a:gs pos="100000">
-                <a:schemeClr val="accent1">
-                  <a:alpha val="79000"/>
-                </a:schemeClr>
-              </a:gs>
-            </a:gsLst>
-            <a:lin ang="19200000" scaled="0"/>
-          </a:gradFill>
-          <a:ln>
-            <a:noFill/>
-          </a:ln>
-        </p:spPr>
-        <p:style>
-          <a:lnRef idx="2">
-            <a:schemeClr val="accent1">
-              <a:shade val="50000"/>
-            </a:schemeClr>
-          </a:lnRef>
-          <a:fillRef idx="1">
-            <a:schemeClr val="accent1"/>
-          </a:fillRef>
-          <a:effectRef idx="0">
-            <a:schemeClr val="accent1"/>
-          </a:effectRef>
-          <a:fontRef idx="minor">
-            <a:schemeClr val="lt1"/>
-          </a:fontRef>
-        </p:style>
-        <p:txBody>
-          <a:bodyPr rtlCol="0" anchor="ctr"/>
-          <a:lstStyle/>
-          <a:p>
-            <a:pPr algn="ctr"/>
-            <a:endParaRPr lang="en-US"/>
-          </a:p>
-        </p:txBody>
-      </p:sp>
-      <p:sp>
-        <p:nvSpPr>
-          <p:cNvPr id="18" name="Rectangle 17">
-            <a:extLst>
-              <a:ext uri="{FF2B5EF4-FFF2-40B4-BE49-F238E27FC236}">
-                <a16:creationId xmlns:a16="http://schemas.microsoft.com/office/drawing/2014/main" id="{063BBA22-50EA-4C4D-BE05-F1CE4E63AA56}"/>
-              </a:ext>
-              <a:ext uri="{C183D7F6-B498-43B3-948B-1728B52AA6E4}">
-                <adec:decorative xmlns:adec="http://schemas.microsoft.com/office/drawing/2017/decorative" val="1"/>
-              </a:ext>
-            </a:extLst>
-          </p:cNvPr>
-          <p:cNvSpPr>
-            <a:spLocks noGrp="1" noRot="1" noChangeAspect="1" noMove="1" noResize="1" noEditPoints="1" noAdjustHandles="1" noChangeArrowheads="1" noChangeShapeType="1" noTextEdit="1"/>
-          </p:cNvSpPr>
-          <p:nvPr>
-            <p:extLst>
-              <p:ext uri="{386F3935-93C4-4BCD-93E2-E3B085C9AB24}">
-                <p16:designElem xmlns:p16="http://schemas.microsoft.com/office/powerpoint/2015/main" val="1"/>
-              </p:ext>
-            </p:extLst>
-          </p:nvPr>
-        </p:nvSpPr>
-        <p:spPr>
-          <a:xfrm rot="5400000">
-            <a:off x="5307777" y="-5307778"/>
-            <a:ext cx="1576446" cy="12192002"/>
-          </a:xfrm>
-          <a:prstGeom prst="rect">
-            <a:avLst/>
-          </a:prstGeom>
-          <a:gradFill>
-            <a:gsLst>
-              <a:gs pos="23000">
-                <a:schemeClr val="accent1">
-                  <a:alpha val="0"/>
-                </a:schemeClr>
-              </a:gs>
-              <a:gs pos="99000">
-                <a:srgbClr val="000000">
-                  <a:alpha val="74000"/>
-                </a:srgbClr>
-              </a:gs>
-            </a:gsLst>
-            <a:lin ang="20400000" scaled="0"/>
-          </a:gradFill>
-          <a:ln>
-            <a:noFill/>
-          </a:ln>
-        </p:spPr>
-        <p:style>
-          <a:lnRef idx="2">
-            <a:schemeClr val="accent1">
-              <a:shade val="50000"/>
-            </a:schemeClr>
-          </a:lnRef>
-          <a:fillRef idx="1">
-            <a:schemeClr val="accent1"/>
-          </a:fillRef>
-          <a:effectRef idx="0">
-            <a:schemeClr val="accent1"/>
-          </a:effectRef>
-          <a:fontRef idx="minor">
-            <a:schemeClr val="lt1"/>
-          </a:fontRef>
-        </p:style>
-        <p:txBody>
-          <a:bodyPr rtlCol="0" anchor="ctr"/>
-          <a:lstStyle/>
-          <a:p>
-            <a:pPr algn="ctr"/>
-            <a:endParaRPr lang="en-US" dirty="0"/>
-          </a:p>
-        </p:txBody>
-      </p:sp>
-      <p:sp>
-        <p:nvSpPr>
-          <p:cNvPr id="5" name="Titre 4">
-            <a:extLst>
-              <a:ext uri="{FF2B5EF4-FFF2-40B4-BE49-F238E27FC236}">
-                <a16:creationId xmlns:a16="http://schemas.microsoft.com/office/drawing/2014/main" id="{58050045-2960-50FE-A8A6-9D447EC8604A}"/>
-              </a:ext>
-            </a:extLst>
-          </p:cNvPr>
-          <p:cNvSpPr>
-            <a:spLocks noGrp="1"/>
-          </p:cNvSpPr>
-          <p:nvPr>
-            <p:ph type="title"/>
-          </p:nvPr>
-        </p:nvSpPr>
-        <p:spPr>
-          <a:xfrm>
-            <a:off x="1371597" y="348865"/>
-            <a:ext cx="10044023" cy="877729"/>
-          </a:xfrm>
-        </p:spPr>
-        <p:txBody>
-          <a:bodyPr anchor="ctr">
-            <a:normAutofit/>
-          </a:bodyPr>
-          <a:lstStyle/>
-          <a:p>
-            <a:pPr algn="ctr"/>
-            <a:r>
-              <a:rPr lang="fr-BE" sz="4000" dirty="0">
-                <a:solidFill>
-                  <a:srgbClr val="FFFFFF"/>
-                </a:solidFill>
-              </a:rPr>
-              <a:t>Timeline du projet</a:t>
-            </a:r>
-          </a:p>
-        </p:txBody>
-      </p:sp>
-      <p:graphicFrame>
-        <p:nvGraphicFramePr>
-          <p:cNvPr id="7" name="Espace réservé du contenu 6">
-            <a:extLst>
-              <a:ext uri="{FF2B5EF4-FFF2-40B4-BE49-F238E27FC236}">
-                <a16:creationId xmlns:a16="http://schemas.microsoft.com/office/drawing/2014/main" id="{CCB99228-BDE8-DF19-55A0-9C0859F73D8A}"/>
-              </a:ext>
-            </a:extLst>
-          </p:cNvPr>
-          <p:cNvGraphicFramePr>
-            <a:graphicFrameLocks noGrp="1"/>
-          </p:cNvGraphicFramePr>
-          <p:nvPr>
-            <p:ph idx="1"/>
-            <p:extLst>
-              <p:ext uri="{D42A27DB-BD31-4B8C-83A1-F6EECF244321}">
-                <p14:modId xmlns:p14="http://schemas.microsoft.com/office/powerpoint/2010/main" val="1816473496"/>
-              </p:ext>
-            </p:extLst>
-          </p:nvPr>
-        </p:nvGraphicFramePr>
-        <p:xfrm>
-          <a:off x="632085" y="2120329"/>
-          <a:ext cx="10927829" cy="4192805"/>
-        </p:xfrm>
-        <a:graphic>
-          <a:graphicData uri="http://schemas.openxmlformats.org/drawingml/2006/diagram">
-            <dgm:relIds xmlns:dgm="http://schemas.openxmlformats.org/drawingml/2006/diagram" xmlns:r="http://schemas.openxmlformats.org/officeDocument/2006/relationships" r:dm="rId3" r:lo="rId4" r:qs="rId5" r:cs="rId6"/>
-          </a:graphicData>
-        </a:graphic>
-      </p:graphicFrame>
-      <p:sp>
-        <p:nvSpPr>
-          <p:cNvPr id="8" name="Flèche : droite 7">
-            <a:extLst>
-              <a:ext uri="{FF2B5EF4-FFF2-40B4-BE49-F238E27FC236}">
-                <a16:creationId xmlns:a16="http://schemas.microsoft.com/office/drawing/2014/main" id="{A09E7D85-2E60-EFD8-E5CC-DA6AA98480C9}"/>
-              </a:ext>
-            </a:extLst>
-          </p:cNvPr>
-          <p:cNvSpPr/>
-          <p:nvPr/>
-        </p:nvSpPr>
-        <p:spPr>
-          <a:xfrm>
-            <a:off x="2069077" y="3429438"/>
-            <a:ext cx="420414" cy="220718"/>
-          </a:xfrm>
-          <a:prstGeom prst="rightArrow">
-            <a:avLst/>
-          </a:prstGeom>
-        </p:spPr>
-        <p:style>
-          <a:lnRef idx="2">
-            <a:schemeClr val="accent1">
-              <a:shade val="15000"/>
-            </a:schemeClr>
-          </a:lnRef>
-          <a:fillRef idx="1">
-            <a:schemeClr val="accent1"/>
-          </a:fillRef>
-          <a:effectRef idx="0">
-            <a:schemeClr val="accent1"/>
-          </a:effectRef>
-          <a:fontRef idx="minor">
-            <a:schemeClr val="lt1"/>
-          </a:fontRef>
-        </p:style>
-        <p:txBody>
-          <a:bodyPr rtlCol="0" anchor="ctr"/>
-          <a:lstStyle/>
-          <a:p>
-            <a:pPr algn="ctr"/>
-            <a:endParaRPr lang="fr-BE"/>
-          </a:p>
-        </p:txBody>
-      </p:sp>
-      <p:sp>
-        <p:nvSpPr>
-          <p:cNvPr id="9" name="Flèche : droite 8">
-            <a:extLst>
-              <a:ext uri="{FF2B5EF4-FFF2-40B4-BE49-F238E27FC236}">
-                <a16:creationId xmlns:a16="http://schemas.microsoft.com/office/drawing/2014/main" id="{82F02BD2-E45B-87E7-B931-609CAAB8DE22}"/>
-              </a:ext>
-            </a:extLst>
-          </p:cNvPr>
-          <p:cNvSpPr/>
-          <p:nvPr/>
-        </p:nvSpPr>
-        <p:spPr>
-          <a:xfrm>
-            <a:off x="4050277" y="3429000"/>
-            <a:ext cx="420414" cy="220718"/>
-          </a:xfrm>
-          <a:prstGeom prst="rightArrow">
-            <a:avLst/>
-          </a:prstGeom>
-        </p:spPr>
-        <p:style>
-          <a:lnRef idx="2">
-            <a:schemeClr val="accent1">
-              <a:shade val="15000"/>
-            </a:schemeClr>
-          </a:lnRef>
-          <a:fillRef idx="1">
-            <a:schemeClr val="accent1"/>
-          </a:fillRef>
-          <a:effectRef idx="0">
-            <a:schemeClr val="accent1"/>
-          </a:effectRef>
-          <a:fontRef idx="minor">
-            <a:schemeClr val="lt1"/>
-          </a:fontRef>
-        </p:style>
-        <p:txBody>
-          <a:bodyPr rtlCol="0" anchor="ctr"/>
-          <a:lstStyle/>
-          <a:p>
-            <a:pPr algn="ctr"/>
-            <a:endParaRPr lang="fr-BE"/>
-          </a:p>
-        </p:txBody>
-      </p:sp>
-      <p:sp>
-        <p:nvSpPr>
-          <p:cNvPr id="10" name="Flèche : droite 9">
-            <a:extLst>
-              <a:ext uri="{FF2B5EF4-FFF2-40B4-BE49-F238E27FC236}">
-                <a16:creationId xmlns:a16="http://schemas.microsoft.com/office/drawing/2014/main" id="{642B78EB-ADD8-B577-A7D8-848E5811CD6F}"/>
-              </a:ext>
-            </a:extLst>
-          </p:cNvPr>
-          <p:cNvSpPr/>
-          <p:nvPr/>
-        </p:nvSpPr>
-        <p:spPr>
-          <a:xfrm>
-            <a:off x="5907683" y="3429000"/>
-            <a:ext cx="420414" cy="220718"/>
-          </a:xfrm>
-          <a:prstGeom prst="rightArrow">
-            <a:avLst/>
-          </a:prstGeom>
-        </p:spPr>
-        <p:style>
-          <a:lnRef idx="2">
-            <a:schemeClr val="accent1">
-              <a:shade val="15000"/>
-            </a:schemeClr>
-          </a:lnRef>
-          <a:fillRef idx="1">
-            <a:schemeClr val="accent1"/>
-          </a:fillRef>
-          <a:effectRef idx="0">
-            <a:schemeClr val="accent1"/>
-          </a:effectRef>
-          <a:fontRef idx="minor">
-            <a:schemeClr val="lt1"/>
-          </a:fontRef>
-        </p:style>
-        <p:txBody>
-          <a:bodyPr rtlCol="0" anchor="ctr"/>
-          <a:lstStyle/>
-          <a:p>
-            <a:pPr algn="ctr"/>
-            <a:endParaRPr lang="fr-BE"/>
-          </a:p>
-        </p:txBody>
-      </p:sp>
-      <p:sp>
-        <p:nvSpPr>
-          <p:cNvPr id="11" name="Flèche : droite 10">
-            <a:extLst>
-              <a:ext uri="{FF2B5EF4-FFF2-40B4-BE49-F238E27FC236}">
-                <a16:creationId xmlns:a16="http://schemas.microsoft.com/office/drawing/2014/main" id="{7B044DAD-4295-1363-4B89-80CB92ED1F82}"/>
-              </a:ext>
-            </a:extLst>
-          </p:cNvPr>
-          <p:cNvSpPr/>
-          <p:nvPr/>
-        </p:nvSpPr>
-        <p:spPr>
-          <a:xfrm>
-            <a:off x="7696472" y="3429000"/>
-            <a:ext cx="420414" cy="220718"/>
-          </a:xfrm>
-          <a:prstGeom prst="rightArrow">
-            <a:avLst/>
-          </a:prstGeom>
-        </p:spPr>
-        <p:style>
-          <a:lnRef idx="2">
-            <a:schemeClr val="accent1">
-              <a:shade val="15000"/>
-            </a:schemeClr>
-          </a:lnRef>
-          <a:fillRef idx="1">
-            <a:schemeClr val="accent1"/>
-          </a:fillRef>
-          <a:effectRef idx="0">
-            <a:schemeClr val="accent1"/>
-          </a:effectRef>
-          <a:fontRef idx="minor">
-            <a:schemeClr val="lt1"/>
-          </a:fontRef>
-        </p:style>
-        <p:txBody>
-          <a:bodyPr rtlCol="0" anchor="ctr"/>
-          <a:lstStyle/>
-          <a:p>
-            <a:pPr algn="ctr"/>
-            <a:endParaRPr lang="fr-BE"/>
-          </a:p>
-        </p:txBody>
-      </p:sp>
-      <p:sp>
-        <p:nvSpPr>
-          <p:cNvPr id="13" name="Flèche : droite 12">
-            <a:extLst>
-              <a:ext uri="{FF2B5EF4-FFF2-40B4-BE49-F238E27FC236}">
-                <a16:creationId xmlns:a16="http://schemas.microsoft.com/office/drawing/2014/main" id="{3E4D7DE9-45FE-C3E8-6358-64CD7316A6CD}"/>
-              </a:ext>
-            </a:extLst>
-          </p:cNvPr>
-          <p:cNvSpPr/>
-          <p:nvPr/>
-        </p:nvSpPr>
-        <p:spPr>
-          <a:xfrm>
-            <a:off x="9628193" y="3429000"/>
-            <a:ext cx="420414" cy="220718"/>
-          </a:xfrm>
-          <a:prstGeom prst="rightArrow">
-            <a:avLst/>
-          </a:prstGeom>
-        </p:spPr>
-        <p:style>
-          <a:lnRef idx="2">
-            <a:schemeClr val="accent1">
-              <a:shade val="15000"/>
-            </a:schemeClr>
-          </a:lnRef>
-          <a:fillRef idx="1">
-            <a:schemeClr val="accent1"/>
-          </a:fillRef>
-          <a:effectRef idx="0">
-            <a:schemeClr val="accent1"/>
-          </a:effectRef>
-          <a:fontRef idx="minor">
-            <a:schemeClr val="lt1"/>
-          </a:fontRef>
-        </p:style>
-        <p:txBody>
-          <a:bodyPr rtlCol="0" anchor="ctr"/>
-          <a:lstStyle/>
-          <a:p>
-            <a:pPr algn="ctr"/>
-            <a:endParaRPr lang="fr-BE"/>
-          </a:p>
-        </p:txBody>
-      </p:sp>
-    </p:spTree>
-    <p:extLst>
-      <p:ext uri="{BB962C8B-B14F-4D97-AF65-F5344CB8AC3E}">
-        <p14:creationId xmlns:p14="http://schemas.microsoft.com/office/powerpoint/2010/main" val="3677933785"/>
       </p:ext>
     </p:extLst>
   </p:cSld>
@@ -30473,12 +36849,12 @@
         <p:spPr>
           <a:xfrm>
             <a:off x="665013" y="2579035"/>
-            <a:ext cx="5934271" cy="1385266"/>
+            <a:ext cx="6814562" cy="1385266"/>
           </a:xfrm>
         </p:spPr>
         <p:txBody>
           <a:bodyPr vert="horz" lIns="91440" tIns="45720" rIns="91440" bIns="45720" rtlCol="0">
-            <a:normAutofit/>
+            <a:normAutofit fontScale="92500" lnSpcReduction="20000"/>
           </a:bodyPr>
           <a:lstStyle/>
           <a:p>
@@ -30508,7 +36884,17 @@
             </a:pPr>
             <a:r>
               <a:rPr lang="fr-BE" sz="2000" dirty="0"/>
-              <a:t>Incorporé depuis peu dans les rangs de Trustteam</a:t>
+              <a:t>Incorporé depuis 2020 dans les rangs de Trustteam</a:t>
+            </a:r>
+          </a:p>
+          <a:p>
+            <a:pPr indent="-228600">
+              <a:buFont typeface="Arial" panose="020B0604020202020204" pitchFamily="34" charset="0"/>
+              <a:buChar char="•"/>
+            </a:pPr>
+            <a:r>
+              <a:rPr lang="fr-BE" sz="2000" dirty="0"/>
+              <a:t>Changement de nom en Trustteam Wavre</a:t>
             </a:r>
           </a:p>
         </p:txBody>
@@ -30656,6 +37042,42 @@
           </p:spPr>
         </p:pic>
       </p:grpSp>
+      <p:pic>
+        <p:nvPicPr>
+          <p:cNvPr id="10" name="Image 9" descr="Une image contenant texte, diagramme, capture d’écran, Plan&#10;&#10;Description générée automatiquement">
+            <a:extLst>
+              <a:ext uri="{FF2B5EF4-FFF2-40B4-BE49-F238E27FC236}">
+                <a16:creationId xmlns:a16="http://schemas.microsoft.com/office/drawing/2014/main" id="{4BF7BC72-BA6D-7021-C719-93328EE5DEDB}"/>
+              </a:ext>
+            </a:extLst>
+          </p:cNvPr>
+          <p:cNvPicPr>
+            <a:picLocks noChangeAspect="1"/>
+          </p:cNvPicPr>
+          <p:nvPr/>
+        </p:nvPicPr>
+        <p:blipFill>
+          <a:blip r:embed="rId6">
+            <a:extLst>
+              <a:ext uri="{28A0092B-C50C-407E-A947-70E740481C1C}">
+                <a14:useLocalDpi xmlns:a14="http://schemas.microsoft.com/office/drawing/2010/main" val="0"/>
+              </a:ext>
+            </a:extLst>
+          </a:blip>
+          <a:stretch>
+            <a:fillRect/>
+          </a:stretch>
+        </p:blipFill>
+        <p:spPr>
+          <a:xfrm>
+            <a:off x="1371598" y="3968284"/>
+            <a:ext cx="4443723" cy="2689170"/>
+          </a:xfrm>
+          <a:prstGeom prst="rect">
+            <a:avLst/>
+          </a:prstGeom>
+        </p:spPr>
+      </p:pic>
     </p:spTree>
     <p:extLst>
       <p:ext uri="{BB962C8B-B14F-4D97-AF65-F5344CB8AC3E}">
@@ -30740,7 +37162,7 @@
             <p:ph idx="1"/>
             <p:extLst>
               <p:ext uri="{D42A27DB-BD31-4B8C-83A1-F6EECF244321}">
-                <p14:modId xmlns:p14="http://schemas.microsoft.com/office/powerpoint/2010/main" val="1352776107"/>
+                <p14:modId xmlns:p14="http://schemas.microsoft.com/office/powerpoint/2010/main" val="2455516108"/>
               </p:ext>
             </p:extLst>
           </p:nvPr>
@@ -30751,7 +37173,7 @@
         </p:xfrm>
         <a:graphic>
           <a:graphicData uri="http://schemas.openxmlformats.org/drawingml/2006/diagram">
-            <dgm:relIds xmlns:dgm="http://schemas.openxmlformats.org/drawingml/2006/diagram" xmlns:r="http://schemas.openxmlformats.org/officeDocument/2006/relationships" r:dm="rId2" r:lo="rId3" r:qs="rId4" r:cs="rId5"/>
+            <dgm:relIds xmlns:dgm="http://schemas.openxmlformats.org/drawingml/2006/diagram" xmlns:r="http://schemas.openxmlformats.org/officeDocument/2006/relationships" r:dm="rId3" r:lo="rId4" r:qs="rId5" r:cs="rId6"/>
           </a:graphicData>
         </a:graphic>
       </p:graphicFrame>
@@ -31438,7 +37860,7 @@
                 <a:ea typeface="+mj-ea"/>
                 <a:cs typeface="+mj-cs"/>
               </a:rPr>
-              <a:t>Présentation du principe d’hyperconvergence en informatique</a:t>
+              <a:t>Partie théorie</a:t>
             </a:r>
           </a:p>
         </p:txBody>
@@ -31467,7 +37889,7 @@
         </p:spPr>
         <p:txBody>
           <a:bodyPr vert="horz" lIns="91440" tIns="45720" rIns="91440" bIns="45720" rtlCol="0" anchor="ctr">
-            <a:normAutofit fontScale="92500" lnSpcReduction="20000"/>
+            <a:normAutofit fontScale="62500" lnSpcReduction="20000"/>
           </a:bodyPr>
           <a:lstStyle/>
           <a:p>
@@ -31484,7 +37906,7 @@
                 <a:ea typeface="+mn-ea"/>
                 <a:cs typeface="+mn-cs"/>
               </a:rPr>
-              <a:t>Quesque l’hyperconvergence?</a:t>
+              <a:t>Quesqu’une infrastructure hyperconvergée ?</a:t>
             </a:r>
           </a:p>
           <a:p>
@@ -31539,14 +37961,23 @@
               </a:rPr>
               <a:t>Quels sont les acteurs majeurs du secteur ?</a:t>
             </a:r>
-            <a:endParaRPr lang="fr-BE" kern="1200" noProof="1">
-              <a:solidFill>
-                <a:schemeClr val="tx1"/>
-              </a:solidFill>
-              <a:latin typeface="+mn-lt"/>
-              <a:ea typeface="+mn-ea"/>
-              <a:cs typeface="+mn-cs"/>
-            </a:endParaRPr>
+          </a:p>
+          <a:p>
+            <a:pPr marL="342900" indent="-342900">
+              <a:buFont typeface="Arial" panose="020B0604020202020204" pitchFamily="34" charset="0"/>
+              <a:buChar char="•"/>
+            </a:pPr>
+            <a:r>
+              <a:rPr lang="fr-BE" kern="1200" noProof="1">
+                <a:solidFill>
+                  <a:schemeClr val="tx1"/>
+                </a:solidFill>
+                <a:latin typeface="+mn-lt"/>
+                <a:ea typeface="+mn-ea"/>
+                <a:cs typeface="+mn-cs"/>
+              </a:rPr>
+              <a:t>Suite de logiciel VMware</a:t>
+            </a:r>
           </a:p>
           <a:p>
             <a:endParaRPr lang="fr-BE" kern="1200" noProof="1">
@@ -31925,24 +38356,24 @@
         </p:spPr>
         <p:txBody>
           <a:bodyPr vert="horz" lIns="91440" tIns="45720" rIns="91440" bIns="45720" rtlCol="0" anchor="ctr">
-            <a:normAutofit/>
+            <a:noAutofit/>
           </a:bodyPr>
           <a:lstStyle/>
           <a:p>
             <a:r>
-              <a:rPr lang="en-US" sz="4000" kern="1200" noProof="1">
+              <a:rPr lang="fr-BE" sz="4400" kern="1200" noProof="1">
                 <a:solidFill>
-                  <a:srgbClr val="FFFFFF"/>
+                  <a:schemeClr val="bg1"/>
                 </a:solidFill>
-                <a:latin typeface="+mj-lt"/>
-                <a:ea typeface="+mj-ea"/>
-                <a:cs typeface="+mj-cs"/>
+                <a:latin typeface="+mn-lt"/>
+                <a:ea typeface="+mn-ea"/>
+                <a:cs typeface="+mn-cs"/>
               </a:rPr>
-              <a:t>Quesque l’hyperconvergence ?</a:t>
+              <a:t>Quesqu’une infrastructure hyperconvergée ?</a:t>
             </a:r>
-            <a:endParaRPr lang="en-US" sz="4000" kern="1200" dirty="0">
+            <a:endParaRPr lang="en-US" sz="4400" kern="1200" dirty="0">
               <a:solidFill>
-                <a:srgbClr val="FFFFFF"/>
+                <a:schemeClr val="bg1"/>
               </a:solidFill>
               <a:latin typeface="+mj-lt"/>
               <a:ea typeface="+mj-ea"/>
@@ -31968,7 +38399,7 @@
           </p:nvPr>
         </p:nvPicPr>
         <p:blipFill>
-          <a:blip r:embed="rId2">
+          <a:blip r:embed="rId3">
             <a:extLst>
               <a:ext uri="{28A0092B-C50C-407E-A947-70E740481C1C}">
                 <a14:useLocalDpi xmlns:a14="http://schemas.microsoft.com/office/drawing/2010/main" val="0"/>
@@ -32609,7 +39040,7 @@
         </p:xfrm>
         <a:graphic>
           <a:graphicData uri="http://schemas.openxmlformats.org/drawingml/2006/diagram">
-            <dgm:relIds xmlns:dgm="http://schemas.openxmlformats.org/drawingml/2006/diagram" xmlns:r="http://schemas.openxmlformats.org/officeDocument/2006/relationships" r:dm="rId2" r:lo="rId3" r:qs="rId4" r:cs="rId5"/>
+            <dgm:relIds xmlns:dgm="http://schemas.openxmlformats.org/drawingml/2006/diagram" xmlns:r="http://schemas.openxmlformats.org/officeDocument/2006/relationships" r:dm="rId3" r:lo="rId4" r:qs="rId5" r:cs="rId6"/>
           </a:graphicData>
         </a:graphic>
       </p:graphicFrame>
@@ -32839,7 +39270,7 @@
         </p:xfrm>
         <a:graphic>
           <a:graphicData uri="http://schemas.openxmlformats.org/drawingml/2006/diagram">
-            <dgm:relIds xmlns:dgm="http://schemas.openxmlformats.org/drawingml/2006/diagram" xmlns:r="http://schemas.openxmlformats.org/officeDocument/2006/relationships" r:dm="rId7" r:lo="rId8" r:qs="rId9" r:cs="rId10"/>
+            <dgm:relIds xmlns:dgm="http://schemas.openxmlformats.org/drawingml/2006/diagram" xmlns:r="http://schemas.openxmlformats.org/officeDocument/2006/relationships" r:dm="rId8" r:lo="rId9" r:qs="rId10" r:cs="rId11"/>
           </a:graphicData>
         </a:graphic>
       </p:graphicFrame>
@@ -33436,15 +39867,13 @@
           <a:p>
             <a:r>
               <a:rPr lang="fr-BE" sz="2000" dirty="0"/>
-              <a:t>Application conteneurisée (Docker | </a:t>
+              <a:t>Application conteneurisée (Docker | Kubernetes)</a:t>
             </a:r>
-            <a:r>
-              <a:rPr lang="fr-BE" sz="2000" dirty="0" err="1"/>
-              <a:t>Kubernetes</a:t>
-            </a:r>
+          </a:p>
+          <a:p>
             <a:r>
               <a:rPr lang="fr-BE" sz="2000" dirty="0"/>
-              <a:t>)</a:t>
+              <a:t>Cloud privé ou hybride</a:t>
             </a:r>
           </a:p>
         </p:txBody>
@@ -33931,7 +40360,7 @@
           <p:nvPr/>
         </p:nvPicPr>
         <p:blipFill>
-          <a:blip r:embed="rId2">
+          <a:blip r:embed="rId3">
             <a:extLst>
               <a:ext uri="{28A0092B-C50C-407E-A947-70E740481C1C}">
                 <a14:useLocalDpi xmlns:a14="http://schemas.microsoft.com/office/drawing/2010/main" val="0"/>
@@ -33944,7 +40373,7 @@
         </p:blipFill>
         <p:spPr>
           <a:xfrm>
-            <a:off x="1049770" y="2143726"/>
+            <a:off x="459350" y="2111576"/>
             <a:ext cx="2736780" cy="1597434"/>
           </a:xfrm>
           <a:prstGeom prst="roundRect">
@@ -33960,9 +40389,7 @@
           <a:ln>
             <a:noFill/>
           </a:ln>
-          <a:effectLst>
-            <a:reflection blurRad="12700" stA="38000" endPos="28000" dist="5000" dir="5400000" sy="-100000" algn="bl" rotWithShape="0"/>
-          </a:effectLst>
+          <a:effectLst/>
         </p:spPr>
       </p:pic>
       <p:pic>
@@ -33971,56 +40398,6 @@
             <a:extLst>
               <a:ext uri="{FF2B5EF4-FFF2-40B4-BE49-F238E27FC236}">
                 <a16:creationId xmlns:a16="http://schemas.microsoft.com/office/drawing/2014/main" id="{F77CF7C4-DDA6-BB0C-E4C9-BA64F23A1D9A}"/>
-              </a:ext>
-            </a:extLst>
-          </p:cNvPr>
-          <p:cNvPicPr>
-            <a:picLocks noChangeAspect="1"/>
-          </p:cNvPicPr>
-          <p:nvPr/>
-        </p:nvPicPr>
-        <p:blipFill>
-          <a:blip r:embed="rId3">
-            <a:alphaModFix/>
-            <a:extLst>
-              <a:ext uri="{28A0092B-C50C-407E-A947-70E740481C1C}">
-                <a14:useLocalDpi xmlns:a14="http://schemas.microsoft.com/office/drawing/2010/main" val="0"/>
-              </a:ext>
-            </a:extLst>
-          </a:blip>
-          <a:stretch>
-            <a:fillRect/>
-          </a:stretch>
-        </p:blipFill>
-        <p:spPr>
-          <a:xfrm>
-            <a:off x="2189116" y="4424903"/>
-            <a:ext cx="1597434" cy="1597434"/>
-          </a:xfrm>
-          <a:prstGeom prst="roundRect">
-            <a:avLst>
-              <a:gd name="adj" fmla="val 10243"/>
-            </a:avLst>
-          </a:prstGeom>
-          <a:solidFill>
-            <a:srgbClr val="FFFFFF">
-              <a:shade val="85000"/>
-            </a:srgbClr>
-          </a:solidFill>
-          <a:ln>
-            <a:noFill/>
-          </a:ln>
-          <a:effectLst>
-            <a:reflection blurRad="12700" stA="38000" endPos="28000" dist="5000" dir="5400000" sy="-100000" algn="bl" rotWithShape="0"/>
-          </a:effectLst>
-        </p:spPr>
-      </p:pic>
-      <p:pic>
-        <p:nvPicPr>
-          <p:cNvPr id="9" name="Image 8" descr="Une image contenant cercle, texte, Police, logo&#10;&#10;Description générée automatiquement">
-            <a:extLst>
-              <a:ext uri="{FF2B5EF4-FFF2-40B4-BE49-F238E27FC236}">
-                <a16:creationId xmlns:a16="http://schemas.microsoft.com/office/drawing/2014/main" id="{74D6781C-7AE1-02B5-EEF5-66BC1529E754}"/>
               </a:ext>
             </a:extLst>
           </p:cNvPr>
@@ -34031,6 +40408,7 @@
         </p:nvPicPr>
         <p:blipFill>
           <a:blip r:embed="rId4">
+            <a:alphaModFix/>
             <a:extLst>
               <a:ext uri="{28A0092B-C50C-407E-A947-70E740481C1C}">
                 <a14:useLocalDpi xmlns:a14="http://schemas.microsoft.com/office/drawing/2010/main" val="0"/>
@@ -34043,33 +40421,29 @@
         </p:blipFill>
         <p:spPr>
           <a:xfrm>
-            <a:off x="4531520" y="1891970"/>
-            <a:ext cx="2893904" cy="1597435"/>
+            <a:off x="1534861" y="4486408"/>
+            <a:ext cx="1597434" cy="1597434"/>
           </a:xfrm>
           <a:prstGeom prst="roundRect">
             <a:avLst>
-              <a:gd name="adj" fmla="val 50000"/>
+              <a:gd name="adj" fmla="val 10243"/>
             </a:avLst>
           </a:prstGeom>
           <a:solidFill>
-            <a:srgbClr val="FFFFFF">
-              <a:shade val="85000"/>
-            </a:srgbClr>
+            <a:schemeClr val="bg1"/>
           </a:solidFill>
           <a:ln>
             <a:noFill/>
           </a:ln>
-          <a:effectLst>
-            <a:reflection blurRad="12700" stA="38000" endPos="28000" dist="5000" dir="5400000" sy="-100000" algn="bl" rotWithShape="0"/>
-          </a:effectLst>
+          <a:effectLst/>
         </p:spPr>
       </p:pic>
       <p:pic>
         <p:nvPicPr>
-          <p:cNvPr id="11" name="Image 10" descr="Une image contenant Police, logo, Graphique, symbole&#10;&#10;Description générée automatiquement">
+          <p:cNvPr id="9" name="Image 8" descr="Une image contenant cercle, texte, Police, logo&#10;&#10;Description générée automatiquement">
             <a:extLst>
               <a:ext uri="{FF2B5EF4-FFF2-40B4-BE49-F238E27FC236}">
-                <a16:creationId xmlns:a16="http://schemas.microsoft.com/office/drawing/2014/main" id="{0AA77517-0D79-4F40-5925-E20D3C85EC7D}"/>
+                <a16:creationId xmlns:a16="http://schemas.microsoft.com/office/drawing/2014/main" id="{74D6781C-7AE1-02B5-EEF5-66BC1529E754}"/>
               </a:ext>
             </a:extLst>
           </p:cNvPr>
@@ -34092,7 +40466,52 @@
         </p:blipFill>
         <p:spPr>
           <a:xfrm>
-            <a:off x="8405452" y="2205759"/>
+            <a:off x="8642941" y="3166680"/>
+            <a:ext cx="2893904" cy="1597435"/>
+          </a:xfrm>
+          <a:prstGeom prst="roundRect">
+            <a:avLst>
+              <a:gd name="adj" fmla="val 50000"/>
+            </a:avLst>
+          </a:prstGeom>
+          <a:solidFill>
+            <a:schemeClr val="bg1"/>
+          </a:solidFill>
+          <a:ln>
+            <a:noFill/>
+          </a:ln>
+          <a:effectLst/>
+        </p:spPr>
+      </p:pic>
+      <p:pic>
+        <p:nvPicPr>
+          <p:cNvPr id="11" name="Image 10" descr="Une image contenant Police, logo, Graphique, symbole&#10;&#10;Description générée automatiquement">
+            <a:extLst>
+              <a:ext uri="{FF2B5EF4-FFF2-40B4-BE49-F238E27FC236}">
+                <a16:creationId xmlns:a16="http://schemas.microsoft.com/office/drawing/2014/main" id="{0AA77517-0D79-4F40-5925-E20D3C85EC7D}"/>
+              </a:ext>
+            </a:extLst>
+          </p:cNvPr>
+          <p:cNvPicPr>
+            <a:picLocks noChangeAspect="1"/>
+          </p:cNvPicPr>
+          <p:nvPr/>
+        </p:nvPicPr>
+        <p:blipFill>
+          <a:blip r:embed="rId6">
+            <a:extLst>
+              <a:ext uri="{28A0092B-C50C-407E-A947-70E740481C1C}">
+                <a14:useLocalDpi xmlns:a14="http://schemas.microsoft.com/office/drawing/2010/main" val="0"/>
+              </a:ext>
+            </a:extLst>
+          </a:blip>
+          <a:stretch>
+            <a:fillRect/>
+          </a:stretch>
+        </p:blipFill>
+        <p:spPr>
+          <a:xfrm>
+            <a:off x="4008232" y="4234128"/>
             <a:ext cx="2846557" cy="1597435"/>
           </a:xfrm>
           <a:prstGeom prst="roundRect">
@@ -34108,14 +40527,12 @@
           <a:ln>
             <a:noFill/>
           </a:ln>
-          <a:effectLst>
-            <a:reflection blurRad="12700" stA="38000" endPos="28000" dist="5000" dir="5400000" sy="-100000" algn="bl" rotWithShape="0"/>
-          </a:effectLst>
+          <a:effectLst/>
         </p:spPr>
       </p:pic>
       <p:pic>
         <p:nvPicPr>
-          <p:cNvPr id="13" name="Image 12" descr="Une image contenant texte, Police, Graphique, graphisme&#10;&#10;Description générée automatiquement">
+          <p:cNvPr id="13" name="Image 12">
             <a:extLst>
               <a:ext uri="{FF2B5EF4-FFF2-40B4-BE49-F238E27FC236}">
                 <a16:creationId xmlns:a16="http://schemas.microsoft.com/office/drawing/2014/main" id="{DF0AD2B4-CD03-2B5C-9C11-A62C9390336E}"/>
@@ -34128,25 +40545,23 @@
           <p:nvPr/>
         </p:nvPicPr>
         <p:blipFill>
-          <a:blip r:embed="rId6">
+          <a:blip r:embed="rId7">
             <a:extLst>
               <a:ext uri="{28A0092B-C50C-407E-A947-70E740481C1C}">
                 <a14:useLocalDpi xmlns:a14="http://schemas.microsoft.com/office/drawing/2010/main" val="0"/>
               </a:ext>
             </a:extLst>
           </a:blip>
-          <a:stretch>
-            <a:fillRect/>
-          </a:stretch>
+          <a:stretch/>
         </p:blipFill>
         <p:spPr>
           <a:xfrm>
-            <a:off x="5735148" y="4531879"/>
-            <a:ext cx="4760301" cy="1597435"/>
+            <a:off x="7527526" y="5012340"/>
+            <a:ext cx="3275028" cy="1597435"/>
           </a:xfrm>
           <a:prstGeom prst="roundRect">
             <a:avLst>
-              <a:gd name="adj" fmla="val 50000"/>
+              <a:gd name="adj" fmla="val 14465"/>
             </a:avLst>
           </a:prstGeom>
           <a:solidFill>
@@ -34157,9 +40572,52 @@
           <a:ln>
             <a:noFill/>
           </a:ln>
-          <a:effectLst>
-            <a:reflection blurRad="12700" stA="38000" endPos="28000" dist="5000" dir="5400000" sy="-100000" algn="bl" rotWithShape="0"/>
-          </a:effectLst>
+          <a:effectLst/>
+        </p:spPr>
+      </p:pic>
+      <p:pic>
+        <p:nvPicPr>
+          <p:cNvPr id="5" name="Image 4" descr="Une image contenant Police, Graphique, logo, texte&#10;&#10;Description générée automatiquement">
+            <a:extLst>
+              <a:ext uri="{FF2B5EF4-FFF2-40B4-BE49-F238E27FC236}">
+                <a16:creationId xmlns:a16="http://schemas.microsoft.com/office/drawing/2014/main" id="{785D59B1-81CB-28DC-B195-61A2FBC54DDE}"/>
+              </a:ext>
+            </a:extLst>
+          </p:cNvPr>
+          <p:cNvPicPr>
+            <a:picLocks noChangeAspect="1"/>
+          </p:cNvPicPr>
+          <p:nvPr/>
+        </p:nvPicPr>
+        <p:blipFill>
+          <a:blip r:embed="rId8">
+            <a:extLst>
+              <a:ext uri="{28A0092B-C50C-407E-A947-70E740481C1C}">
+                <a14:useLocalDpi xmlns:a14="http://schemas.microsoft.com/office/drawing/2010/main" val="0"/>
+              </a:ext>
+            </a:extLst>
+          </a:blip>
+          <a:stretch>
+            <a:fillRect/>
+          </a:stretch>
+        </p:blipFill>
+        <p:spPr>
+          <a:xfrm>
+            <a:off x="3527810" y="2115860"/>
+            <a:ext cx="5234090" cy="1407904"/>
+          </a:xfrm>
+          <a:prstGeom prst="roundRect">
+            <a:avLst>
+              <a:gd name="adj" fmla="val 33004"/>
+            </a:avLst>
+          </a:prstGeom>
+          <a:solidFill>
+            <a:schemeClr val="bg1"/>
+          </a:solidFill>
+          <a:ln>
+            <a:noFill/>
+          </a:ln>
+          <a:effectLst/>
         </p:spPr>
       </p:pic>
     </p:spTree>

--- a/TFE/DHAIMI_Vincent_PP_TFE.pptx
+++ b/TFE/DHAIMI_Vincent_PP_TFE.pptx
@@ -8856,7 +8856,7 @@
           <a:p>
             <a:fld id="{A4DC0D45-4F40-491D-965D-C7EE9E0918C2}" type="datetimeFigureOut">
               <a:rPr lang="fr-BE" smtClean="0"/>
-              <a:t>06-05-24</a:t>
+              <a:t>07-05-24</a:t>
             </a:fld>
             <a:endParaRPr lang="fr-BE"/>
           </a:p>
@@ -10143,139 +10143,6 @@
           <a:bodyPr/>
           <a:lstStyle/>
           <a:p>
-            <a:r>
-              <a:rPr lang="fr-BE" sz="1800" dirty="0">
-                <a:effectLst/>
-                <a:latin typeface="Calibri" panose="020F0502020204030204" pitchFamily="34" charset="0"/>
-                <a:ea typeface="Times New Roman" panose="02020603050405020304" pitchFamily="18" charset="0"/>
-                <a:cs typeface="Times New Roman" panose="02020603050405020304" pitchFamily="18" charset="0"/>
-              </a:rPr>
-              <a:t>Le système vSan permet de combiner les capacités de stockage de plusieurs serveurs physiques afin de créer un espace de stockage partagé et hautement disponible. </a:t>
-            </a:r>
-          </a:p>
-          <a:p>
-            <a:endParaRPr lang="fr-BE" sz="1800" dirty="0">
-              <a:effectLst/>
-              <a:latin typeface="Calibri" panose="020F0502020204030204" pitchFamily="34" charset="0"/>
-              <a:ea typeface="Times New Roman" panose="02020603050405020304" pitchFamily="18" charset="0"/>
-              <a:cs typeface="Times New Roman" panose="02020603050405020304" pitchFamily="18" charset="0"/>
-            </a:endParaRPr>
-          </a:p>
-          <a:p>
-            <a:r>
-              <a:rPr lang="fr-BE" sz="1800" dirty="0">
-                <a:effectLst/>
-                <a:latin typeface="Calibri" panose="020F0502020204030204" pitchFamily="34" charset="0"/>
-                <a:ea typeface="Times New Roman" panose="02020603050405020304" pitchFamily="18" charset="0"/>
-                <a:cs typeface="Times New Roman" panose="02020603050405020304" pitchFamily="18" charset="0"/>
-              </a:rPr>
-              <a:t>Son principe est d’agrège les périphériques locaux ou directement connectés à un cluster pour former un pool de stockage partagé sur tous les hôtes du cluster vSan. </a:t>
-            </a:r>
-          </a:p>
-          <a:p>
-            <a:endParaRPr lang="fr-BE" sz="1800" dirty="0">
-              <a:effectLst/>
-              <a:latin typeface="Calibri" panose="020F0502020204030204" pitchFamily="34" charset="0"/>
-              <a:cs typeface="Times New Roman" panose="02020603050405020304" pitchFamily="18" charset="0"/>
-            </a:endParaRPr>
-          </a:p>
-          <a:p>
-            <a:r>
-              <a:rPr lang="fr-BE" sz="1800" dirty="0">
-                <a:effectLst/>
-                <a:latin typeface="Calibri" panose="020F0502020204030204" pitchFamily="34" charset="0"/>
-                <a:ea typeface="Times New Roman" panose="02020603050405020304" pitchFamily="18" charset="0"/>
-                <a:cs typeface="Times New Roman" panose="02020603050405020304" pitchFamily="18" charset="0"/>
-              </a:rPr>
-              <a:t>Selon le type d’infrastructure, on retrouve trois versions d’un cluster vSan. </a:t>
-            </a:r>
-          </a:p>
-          <a:p>
-            <a:endParaRPr lang="fr-BE" sz="1800" dirty="0">
-              <a:effectLst/>
-              <a:latin typeface="Calibri" panose="020F0502020204030204" pitchFamily="34" charset="0"/>
-              <a:ea typeface="Times New Roman" panose="02020603050405020304" pitchFamily="18" charset="0"/>
-              <a:cs typeface="Times New Roman" panose="02020603050405020304" pitchFamily="18" charset="0"/>
-            </a:endParaRPr>
-          </a:p>
-          <a:p>
-            <a:r>
-              <a:rPr lang="fr-BE" sz="1800" dirty="0">
-                <a:effectLst/>
-                <a:latin typeface="Calibri" panose="020F0502020204030204" pitchFamily="34" charset="0"/>
-                <a:ea typeface="Times New Roman" panose="02020603050405020304" pitchFamily="18" charset="0"/>
-                <a:cs typeface="Times New Roman" panose="02020603050405020304" pitchFamily="18" charset="0"/>
-              </a:rPr>
-              <a:t>	Le cluster standard qui est composé d’au moins trois hôtes résident sur un site unique et sont connectés au même réseau. </a:t>
-            </a:r>
-          </a:p>
-          <a:p>
-            <a:endParaRPr lang="fr-BE" sz="1800" dirty="0">
-              <a:effectLst/>
-              <a:latin typeface="Calibri" panose="020F0502020204030204" pitchFamily="34" charset="0"/>
-              <a:cs typeface="Times New Roman" panose="02020603050405020304" pitchFamily="18" charset="0"/>
-            </a:endParaRPr>
-          </a:p>
-          <a:p>
-            <a:r>
-              <a:rPr lang="fr-BE" sz="1800" dirty="0">
-                <a:effectLst/>
-                <a:latin typeface="Calibri" panose="020F0502020204030204" pitchFamily="34" charset="0"/>
-                <a:ea typeface="Times New Roman" panose="02020603050405020304" pitchFamily="18" charset="0"/>
-                <a:cs typeface="Times New Roman" panose="02020603050405020304" pitchFamily="18" charset="0"/>
-              </a:rPr>
-              <a:t>	Le cluster a 2 nœuds qui est couramment utilisés dans des environnements de bureaux distants ou de succursales, où un nombre limité de charges de travail est exécuté mais nécessite une disponibilité élevée. </a:t>
-            </a:r>
-          </a:p>
-          <a:p>
-            <a:r>
-              <a:rPr lang="fr-BE" sz="1800" dirty="0">
-                <a:effectLst/>
-                <a:latin typeface="Calibri" panose="020F0502020204030204" pitchFamily="34" charset="0"/>
-                <a:ea typeface="Times New Roman" panose="02020603050405020304" pitchFamily="18" charset="0"/>
-                <a:cs typeface="Times New Roman" panose="02020603050405020304" pitchFamily="18" charset="0"/>
-              </a:rPr>
-              <a:t>		La configuration d’un cluster a deux nœuds se compose de deux hôtes situés au même endroit, connectés au même réseau, et utilise un troisième hôte comme témoin, qui peut être situé à distance.</a:t>
-            </a:r>
-          </a:p>
-          <a:p>
-            <a:endParaRPr lang="fr-BE" sz="1800" dirty="0">
-              <a:effectLst/>
-              <a:latin typeface="Calibri" panose="020F0502020204030204" pitchFamily="34" charset="0"/>
-              <a:cs typeface="Times New Roman" panose="02020603050405020304" pitchFamily="18" charset="0"/>
-            </a:endParaRPr>
-          </a:p>
-          <a:p>
-            <a:r>
-              <a:rPr lang="fr-BE" sz="1800" dirty="0">
-                <a:effectLst/>
-                <a:latin typeface="Calibri" panose="020F0502020204030204" pitchFamily="34" charset="0"/>
-                <a:ea typeface="Times New Roman" panose="02020603050405020304" pitchFamily="18" charset="0"/>
-                <a:cs typeface="Times New Roman" panose="02020603050405020304" pitchFamily="18" charset="0"/>
-              </a:rPr>
-              <a:t>	Le cluster étendu, ce type de configuration garantit une résilience face à la perte d'un site complet. C’est-à-dire que l’on a sur chacun des site une configuration identique et que l’on rajoute un hôte ailleurs.</a:t>
-            </a:r>
-          </a:p>
-          <a:p>
-            <a:r>
-              <a:rPr lang="fr-BE" sz="1800" dirty="0">
-                <a:effectLst/>
-                <a:latin typeface="Calibri" panose="020F0502020204030204" pitchFamily="34" charset="0"/>
-                <a:ea typeface="Times New Roman" panose="02020603050405020304" pitchFamily="18" charset="0"/>
-                <a:cs typeface="Times New Roman" panose="02020603050405020304" pitchFamily="18" charset="0"/>
-              </a:rPr>
-              <a:t>		Ce dernier joue le rôle de témoin dans les situations où une partition réseau survient entre les deux sites de données. .</a:t>
-            </a:r>
-          </a:p>
-          <a:p>
-            <a:r>
-              <a:rPr lang="fr-BE" sz="1800" dirty="0">
-                <a:effectLst/>
-                <a:latin typeface="Calibri" panose="020F0502020204030204" pitchFamily="34" charset="0"/>
-                <a:cs typeface="Times New Roman" panose="02020603050405020304" pitchFamily="18" charset="0"/>
-              </a:rPr>
-              <a:t>		</a:t>
-            </a:r>
             <a:endParaRPr lang="fr-BE" dirty="0"/>
           </a:p>
         </p:txBody>
@@ -10751,6 +10618,253 @@
 </p:notes>
 </file>
 
+<file path=ppt/notesSlides/notesSlide18.xml><?xml version="1.0" encoding="utf-8"?>
+<p:notes xmlns:a="http://schemas.openxmlformats.org/drawingml/2006/main" xmlns:r="http://schemas.openxmlformats.org/officeDocument/2006/relationships" xmlns:p="http://schemas.openxmlformats.org/presentationml/2006/main">
+  <p:cSld>
+    <p:spTree>
+      <p:nvGrpSpPr>
+        <p:cNvPr id="1" name=""/>
+        <p:cNvGrpSpPr/>
+        <p:nvPr/>
+      </p:nvGrpSpPr>
+      <p:grpSpPr>
+        <a:xfrm>
+          <a:off x="0" y="0"/>
+          <a:ext cx="0" cy="0"/>
+          <a:chOff x="0" y="0"/>
+          <a:chExt cx="0" cy="0"/>
+        </a:xfrm>
+      </p:grpSpPr>
+      <p:sp>
+        <p:nvSpPr>
+          <p:cNvPr id="2" name="Espace réservé de l'image des diapositives 1"/>
+          <p:cNvSpPr>
+            <a:spLocks noGrp="1" noRot="1" noChangeAspect="1"/>
+          </p:cNvSpPr>
+          <p:nvPr>
+            <p:ph type="sldImg"/>
+          </p:nvPr>
+        </p:nvSpPr>
+        <p:spPr/>
+      </p:sp>
+      <p:sp>
+        <p:nvSpPr>
+          <p:cNvPr id="3" name="Espace réservé des notes 2"/>
+          <p:cNvSpPr>
+            <a:spLocks noGrp="1"/>
+          </p:cNvSpPr>
+          <p:nvPr>
+            <p:ph type="body" idx="1"/>
+          </p:nvPr>
+        </p:nvSpPr>
+        <p:spPr/>
+        <p:txBody>
+          <a:bodyPr/>
+          <a:lstStyle/>
+          <a:p>
+            <a:pPr>
+              <a:buFont typeface="Wingdings" panose="05000000000000000000" pitchFamily="2" charset="2"/>
+              <a:buChar char="ü"/>
+            </a:pPr>
+            <a:r>
+              <a:rPr lang="fr-FR" sz="1200" i="1" dirty="0"/>
+              <a:t>Le problème de temps avec le matériel ne m’a pas permis d’approfondir le sujet comme je l’aurais voulu, surtout pour arriver à ce qui a été convenu pour le stage. </a:t>
+            </a:r>
+          </a:p>
+          <a:p>
+            <a:pPr>
+              <a:buFont typeface="Wingdings" panose="05000000000000000000" pitchFamily="2" charset="2"/>
+              <a:buChar char="ü"/>
+            </a:pPr>
+            <a:r>
+              <a:rPr lang="fr-FR" sz="1200" i="1" dirty="0"/>
+              <a:t>La majorité des points ont été réalisés, comme le concept de l’HCI, sa mise en place et son utilisation, mais la partie réseau avec VMware NSX est une partie qui demande plus de temps de recherche pour sa mise en œuvre. </a:t>
+            </a:r>
+          </a:p>
+          <a:p>
+            <a:pPr>
+              <a:buFont typeface="Wingdings" panose="05000000000000000000" pitchFamily="2" charset="2"/>
+              <a:buChar char="ü"/>
+            </a:pPr>
+            <a:r>
+              <a:rPr lang="fr-FR" sz="1200" i="1" dirty="0"/>
+              <a:t>Malgré quelques problèmes, comme l’arrêt du cluster ou mes diverses réinstallations forcées, le système est intuitif dans son installation et dans sa configuration. Le cluster est rapidement mis en place et prêt à fournir ses ressources de manière fiable et sécurisée. </a:t>
+            </a:r>
+          </a:p>
+          <a:p>
+            <a:pPr>
+              <a:buFont typeface="Wingdings" panose="05000000000000000000" pitchFamily="2" charset="2"/>
+              <a:buChar char="ü"/>
+            </a:pPr>
+            <a:r>
+              <a:rPr lang="fr-FR" sz="1200" i="1" dirty="0"/>
+              <a:t>Les divers cas d’utilisation avec les tests correspondants ont bien montré les forces d’une infrastructure HCI.</a:t>
+            </a:r>
+          </a:p>
+          <a:p>
+            <a:endParaRPr lang="fr-BE" dirty="0"/>
+          </a:p>
+        </p:txBody>
+      </p:sp>
+      <p:sp>
+        <p:nvSpPr>
+          <p:cNvPr id="4" name="Espace réservé du numéro de diapositive 3"/>
+          <p:cNvSpPr>
+            <a:spLocks noGrp="1"/>
+          </p:cNvSpPr>
+          <p:nvPr>
+            <p:ph type="sldNum" sz="quarter" idx="5"/>
+          </p:nvPr>
+        </p:nvSpPr>
+        <p:spPr/>
+        <p:txBody>
+          <a:bodyPr/>
+          <a:lstStyle/>
+          <a:p>
+            <a:fld id="{891A7DBC-6ED6-4006-A92E-F3B49A4F1505}" type="slidenum">
+              <a:rPr lang="fr-BE" smtClean="0"/>
+              <a:t>25</a:t>
+            </a:fld>
+            <a:endParaRPr lang="fr-BE"/>
+          </a:p>
+        </p:txBody>
+      </p:sp>
+    </p:spTree>
+    <p:extLst>
+      <p:ext uri="{BB962C8B-B14F-4D97-AF65-F5344CB8AC3E}">
+        <p14:creationId xmlns:p14="http://schemas.microsoft.com/office/powerpoint/2010/main" val="1544908769"/>
+      </p:ext>
+    </p:extLst>
+  </p:cSld>
+  <p:clrMapOvr>
+    <a:masterClrMapping/>
+  </p:clrMapOvr>
+</p:notes>
+</file>
+
+<file path=ppt/notesSlides/notesSlide19.xml><?xml version="1.0" encoding="utf-8"?>
+<p:notes xmlns:a="http://schemas.openxmlformats.org/drawingml/2006/main" xmlns:r="http://schemas.openxmlformats.org/officeDocument/2006/relationships" xmlns:p="http://schemas.openxmlformats.org/presentationml/2006/main">
+  <p:cSld>
+    <p:spTree>
+      <p:nvGrpSpPr>
+        <p:cNvPr id="1" name=""/>
+        <p:cNvGrpSpPr/>
+        <p:nvPr/>
+      </p:nvGrpSpPr>
+      <p:grpSpPr>
+        <a:xfrm>
+          <a:off x="0" y="0"/>
+          <a:ext cx="0" cy="0"/>
+          <a:chOff x="0" y="0"/>
+          <a:chExt cx="0" cy="0"/>
+        </a:xfrm>
+      </p:grpSpPr>
+      <p:sp>
+        <p:nvSpPr>
+          <p:cNvPr id="2" name="Espace réservé de l'image des diapositives 1"/>
+          <p:cNvSpPr>
+            <a:spLocks noGrp="1" noRot="1" noChangeAspect="1"/>
+          </p:cNvSpPr>
+          <p:nvPr>
+            <p:ph type="sldImg"/>
+          </p:nvPr>
+        </p:nvSpPr>
+        <p:spPr/>
+      </p:sp>
+      <p:sp>
+        <p:nvSpPr>
+          <p:cNvPr id="3" name="Espace réservé des notes 2"/>
+          <p:cNvSpPr>
+            <a:spLocks noGrp="1"/>
+          </p:cNvSpPr>
+          <p:nvPr>
+            <p:ph type="body" idx="1"/>
+          </p:nvPr>
+        </p:nvSpPr>
+        <p:spPr/>
+        <p:txBody>
+          <a:bodyPr/>
+          <a:lstStyle/>
+          <a:p>
+            <a:r>
+              <a:rPr lang="fr-BE" dirty="0"/>
+              <a:t>selon le cas d’utilisation, une infrastructure HCI peut amener plusieurs avantages à travers son utilisation et donne aux entreprises le plein droit de leur environnement. L’installation simplifié et quasiment automatisé rend les systèmes HCI simpliste dans leur installations et configuration</a:t>
+            </a:r>
+          </a:p>
+          <a:p>
+            <a:endParaRPr lang="fr-BE" dirty="0"/>
+          </a:p>
+          <a:p>
+            <a:r>
+              <a:rPr lang="fr-BE" dirty="0"/>
+              <a:t>la multitude de services proposé amène une certaine complexité qui selon le cas peut être assez compliquer à mettre en place. En plus il faut faire de bonnes recherches par rapport aux matériels que l’on voudra utiliser pour ainsi vérifié si les éléments sont bien compatible et fait pour l’HCI</a:t>
+            </a:r>
+          </a:p>
+          <a:p>
+            <a:endParaRPr lang="fr-BE" dirty="0"/>
+          </a:p>
+          <a:p>
+            <a:r>
+              <a:rPr lang="fr-BE" dirty="0"/>
+              <a:t>L’utilisation des solutions HCI est déjà bien implanté dans les entreprises. Le choix de cette technologie se démontre par les avantage mis et long terme que cette technologie apporte sur le portefeuille et d’autre manière comme la gestion, l’optimisation et l’assurance d’avoir de la disponibilité et de la sécurité sur ces charges de travailles.</a:t>
+            </a:r>
+          </a:p>
+          <a:p>
+            <a:endParaRPr lang="fr-BE" dirty="0"/>
+          </a:p>
+          <a:p>
+            <a:endParaRPr lang="fr-BE" dirty="0"/>
+          </a:p>
+          <a:p>
+            <a:endParaRPr lang="fr-BE" dirty="0"/>
+          </a:p>
+          <a:p>
+            <a:endParaRPr lang="fr-BE" dirty="0"/>
+          </a:p>
+          <a:p>
+            <a:endParaRPr lang="fr-BE" dirty="0"/>
+          </a:p>
+          <a:p>
+            <a:endParaRPr lang="fr-BE" dirty="0"/>
+          </a:p>
+        </p:txBody>
+      </p:sp>
+      <p:sp>
+        <p:nvSpPr>
+          <p:cNvPr id="4" name="Espace réservé du numéro de diapositive 3"/>
+          <p:cNvSpPr>
+            <a:spLocks noGrp="1"/>
+          </p:cNvSpPr>
+          <p:nvPr>
+            <p:ph type="sldNum" sz="quarter" idx="5"/>
+          </p:nvPr>
+        </p:nvSpPr>
+        <p:spPr/>
+        <p:txBody>
+          <a:bodyPr/>
+          <a:lstStyle/>
+          <a:p>
+            <a:fld id="{891A7DBC-6ED6-4006-A92E-F3B49A4F1505}" type="slidenum">
+              <a:rPr lang="fr-BE" smtClean="0"/>
+              <a:t>26</a:t>
+            </a:fld>
+            <a:endParaRPr lang="fr-BE"/>
+          </a:p>
+        </p:txBody>
+      </p:sp>
+    </p:spTree>
+    <p:extLst>
+      <p:ext uri="{BB962C8B-B14F-4D97-AF65-F5344CB8AC3E}">
+        <p14:creationId xmlns:p14="http://schemas.microsoft.com/office/powerpoint/2010/main" val="3645701222"/>
+      </p:ext>
+    </p:extLst>
+  </p:cSld>
+  <p:clrMapOvr>
+    <a:masterClrMapping/>
+  </p:clrMapOvr>
+</p:notes>
+</file>
+
 <file path=ppt/notesSlides/notesSlide2.xml><?xml version="1.0" encoding="utf-8"?>
 <p:notes xmlns:a="http://schemas.openxmlformats.org/drawingml/2006/main" xmlns:r="http://schemas.openxmlformats.org/officeDocument/2006/relationships" xmlns:p="http://schemas.openxmlformats.org/presentationml/2006/main">
   <p:cSld>
@@ -11037,126 +11151,6 @@
               <a:tabLst/>
               <a:defRPr/>
             </a:pPr>
-            <a:r>
-              <a:rPr lang="fr-BE" sz="1800" dirty="0">
-                <a:effectLst/>
-                <a:latin typeface="Calibri" panose="020F0502020204030204" pitchFamily="34" charset="0"/>
-                <a:ea typeface="Times New Roman" panose="02020603050405020304" pitchFamily="18" charset="0"/>
-                <a:cs typeface="Times New Roman" panose="02020603050405020304" pitchFamily="18" charset="0"/>
-              </a:rPr>
-              <a:t>Crée en 1992, Nexis est une société de consultance qui excelle dans la livraison et l’installation d’infrastructure ICT (Tech de l’information et de la communication) ainsi que le support client. </a:t>
-            </a:r>
-            <a:br>
-              <a:rPr lang="fr-BE" sz="1800" dirty="0">
-                <a:effectLst/>
-                <a:latin typeface="Calibri" panose="020F0502020204030204" pitchFamily="34" charset="0"/>
-                <a:ea typeface="Times New Roman" panose="02020603050405020304" pitchFamily="18" charset="0"/>
-                <a:cs typeface="Times New Roman" panose="02020603050405020304" pitchFamily="18" charset="0"/>
-              </a:rPr>
-            </a:br>
-            <a:br>
-              <a:rPr lang="fr-BE" sz="1800" dirty="0">
-                <a:effectLst/>
-                <a:latin typeface="Calibri" panose="020F0502020204030204" pitchFamily="34" charset="0"/>
-                <a:ea typeface="Times New Roman" panose="02020603050405020304" pitchFamily="18" charset="0"/>
-                <a:cs typeface="Times New Roman" panose="02020603050405020304" pitchFamily="18" charset="0"/>
-              </a:rPr>
-            </a:br>
-            <a:r>
-              <a:rPr lang="fr-BE" sz="1800" dirty="0">
-                <a:effectLst/>
-                <a:latin typeface="Calibri" panose="020F0502020204030204" pitchFamily="34" charset="0"/>
-                <a:ea typeface="Times New Roman" panose="02020603050405020304" pitchFamily="18" charset="0"/>
-                <a:cs typeface="Times New Roman" panose="02020603050405020304" pitchFamily="18" charset="0"/>
-              </a:rPr>
-              <a:t>On retrouve dans les services fournit par l’entreprise par exemple tout ce qui touche aux Infrastructures et service Réseaux, à la Sécurité, aux Cloud ou encore la partie support avec du Helpdesk.</a:t>
-            </a:r>
-          </a:p>
-          <a:p>
-            <a:pPr marL="0" marR="0" lvl="0" indent="0" algn="l" defTabSz="914400" rtl="0" eaLnBrk="1" fontAlgn="auto" latinLnBrk="0" hangingPunct="1">
-              <a:lnSpc>
-                <a:spcPct val="100000"/>
-              </a:lnSpc>
-              <a:spcBef>
-                <a:spcPts val="0"/>
-              </a:spcBef>
-              <a:spcAft>
-                <a:spcPts val="0"/>
-              </a:spcAft>
-              <a:buClrTx/>
-              <a:buSzTx/>
-              <a:buFontTx/>
-              <a:buNone/>
-              <a:tabLst/>
-              <a:defRPr/>
-            </a:pPr>
-            <a:endParaRPr lang="fr-BE" sz="1800" dirty="0">
-              <a:effectLst/>
-              <a:latin typeface="Calibri" panose="020F0502020204030204" pitchFamily="34" charset="0"/>
-              <a:ea typeface="Times New Roman" panose="02020603050405020304" pitchFamily="18" charset="0"/>
-              <a:cs typeface="Times New Roman" panose="02020603050405020304" pitchFamily="18" charset="0"/>
-            </a:endParaRPr>
-          </a:p>
-          <a:p>
-            <a:pPr marL="0" marR="0" lvl="0" indent="0" algn="l" defTabSz="914400" rtl="0" eaLnBrk="1" fontAlgn="auto" latinLnBrk="0" hangingPunct="1">
-              <a:lnSpc>
-                <a:spcPct val="100000"/>
-              </a:lnSpc>
-              <a:spcBef>
-                <a:spcPts val="0"/>
-              </a:spcBef>
-              <a:spcAft>
-                <a:spcPts val="0"/>
-              </a:spcAft>
-              <a:buClrTx/>
-              <a:buSzTx/>
-              <a:buFontTx/>
-              <a:buNone/>
-              <a:tabLst/>
-              <a:defRPr/>
-            </a:pPr>
-            <a:r>
-              <a:rPr lang="fr-BE" sz="1800" dirty="0">
-                <a:effectLst/>
-                <a:latin typeface="Calibri" panose="020F0502020204030204" pitchFamily="34" charset="0"/>
-                <a:ea typeface="Times New Roman" panose="02020603050405020304" pitchFamily="18" charset="0"/>
-                <a:cs typeface="Times New Roman" panose="02020603050405020304" pitchFamily="18" charset="0"/>
-              </a:rPr>
-              <a:t>En 2020, Nexis a rejoint la société Trustteam et le changement de nom c’est fait durant le stage. Trustteam a été créé en 2002 à Courtrai,</a:t>
-            </a:r>
-            <a:r>
-              <a:rPr lang="fr-BE" sz="1800" dirty="0">
-                <a:effectLst/>
-                <a:latin typeface="Calibri" panose="020F0502020204030204" pitchFamily="34" charset="0"/>
-                <a:ea typeface="Times New Roman" panose="02020603050405020304" pitchFamily="18" charset="0"/>
-              </a:rPr>
-              <a:t> elle accompagne ses clients de toute taille et de tout secteur d'activité dans la transformation numérique de leurs organisations. On retrouve la société dans plusieurs lieux en Europe. </a:t>
-            </a:r>
-            <a:endParaRPr lang="fr-BE" sz="1800" dirty="0">
-              <a:effectLst/>
-              <a:latin typeface="Calibri" panose="020F0502020204030204" pitchFamily="34" charset="0"/>
-              <a:ea typeface="Times New Roman" panose="02020603050405020304" pitchFamily="18" charset="0"/>
-              <a:cs typeface="Times New Roman" panose="02020603050405020304" pitchFamily="18" charset="0"/>
-            </a:endParaRPr>
-          </a:p>
-          <a:p>
-            <a:pPr marL="0" marR="0" lvl="0" indent="0" algn="l" defTabSz="914400" rtl="0" eaLnBrk="1" fontAlgn="auto" latinLnBrk="0" hangingPunct="1">
-              <a:lnSpc>
-                <a:spcPct val="100000"/>
-              </a:lnSpc>
-              <a:spcBef>
-                <a:spcPts val="0"/>
-              </a:spcBef>
-              <a:spcAft>
-                <a:spcPts val="0"/>
-              </a:spcAft>
-              <a:buClrTx/>
-              <a:buSzTx/>
-              <a:buFontTx/>
-              <a:buNone/>
-              <a:tabLst/>
-              <a:defRPr/>
-            </a:pPr>
             <a:endParaRPr lang="fr-BE" sz="1800" dirty="0">
               <a:effectLst/>
               <a:latin typeface="Calibri" panose="020F0502020204030204" pitchFamily="34" charset="0"/>
@@ -12252,7 +12246,7 @@
           <a:p>
             <a:fld id="{CFCD01D5-3C04-4AE6-AEE8-C25531D93149}" type="datetimeFigureOut">
               <a:rPr lang="fr-BE" smtClean="0"/>
-              <a:t>06-05-24</a:t>
+              <a:t>07-05-24</a:t>
             </a:fld>
             <a:endParaRPr lang="fr-BE"/>
           </a:p>
@@ -12452,7 +12446,7 @@
           <a:p>
             <a:fld id="{CFCD01D5-3C04-4AE6-AEE8-C25531D93149}" type="datetimeFigureOut">
               <a:rPr lang="fr-BE" smtClean="0"/>
-              <a:t>06-05-24</a:t>
+              <a:t>07-05-24</a:t>
             </a:fld>
             <a:endParaRPr lang="fr-BE"/>
           </a:p>
@@ -12662,7 +12656,7 @@
           <a:p>
             <a:fld id="{CFCD01D5-3C04-4AE6-AEE8-C25531D93149}" type="datetimeFigureOut">
               <a:rPr lang="fr-BE" smtClean="0"/>
-              <a:t>06-05-24</a:t>
+              <a:t>07-05-24</a:t>
             </a:fld>
             <a:endParaRPr lang="fr-BE"/>
           </a:p>
@@ -12862,7 +12856,7 @@
           <a:p>
             <a:fld id="{CFCD01D5-3C04-4AE6-AEE8-C25531D93149}" type="datetimeFigureOut">
               <a:rPr lang="fr-BE" smtClean="0"/>
-              <a:t>06-05-24</a:t>
+              <a:t>07-05-24</a:t>
             </a:fld>
             <a:endParaRPr lang="fr-BE"/>
           </a:p>
@@ -13138,7 +13132,7 @@
           <a:p>
             <a:fld id="{CFCD01D5-3C04-4AE6-AEE8-C25531D93149}" type="datetimeFigureOut">
               <a:rPr lang="fr-BE" smtClean="0"/>
-              <a:t>06-05-24</a:t>
+              <a:t>07-05-24</a:t>
             </a:fld>
             <a:endParaRPr lang="fr-BE"/>
           </a:p>
@@ -13406,7 +13400,7 @@
           <a:p>
             <a:fld id="{CFCD01D5-3C04-4AE6-AEE8-C25531D93149}" type="datetimeFigureOut">
               <a:rPr lang="fr-BE" smtClean="0"/>
-              <a:t>06-05-24</a:t>
+              <a:t>07-05-24</a:t>
             </a:fld>
             <a:endParaRPr lang="fr-BE"/>
           </a:p>
@@ -13821,7 +13815,7 @@
           <a:p>
             <a:fld id="{CFCD01D5-3C04-4AE6-AEE8-C25531D93149}" type="datetimeFigureOut">
               <a:rPr lang="fr-BE" smtClean="0"/>
-              <a:t>06-05-24</a:t>
+              <a:t>07-05-24</a:t>
             </a:fld>
             <a:endParaRPr lang="fr-BE"/>
           </a:p>
@@ -13963,7 +13957,7 @@
           <a:p>
             <a:fld id="{CFCD01D5-3C04-4AE6-AEE8-C25531D93149}" type="datetimeFigureOut">
               <a:rPr lang="fr-BE" smtClean="0"/>
-              <a:t>06-05-24</a:t>
+              <a:t>07-05-24</a:t>
             </a:fld>
             <a:endParaRPr lang="fr-BE"/>
           </a:p>
@@ -14076,7 +14070,7 @@
           <a:p>
             <a:fld id="{CFCD01D5-3C04-4AE6-AEE8-C25531D93149}" type="datetimeFigureOut">
               <a:rPr lang="fr-BE" smtClean="0"/>
-              <a:t>06-05-24</a:t>
+              <a:t>07-05-24</a:t>
             </a:fld>
             <a:endParaRPr lang="fr-BE"/>
           </a:p>
@@ -14389,7 +14383,7 @@
           <a:p>
             <a:fld id="{CFCD01D5-3C04-4AE6-AEE8-C25531D93149}" type="datetimeFigureOut">
               <a:rPr lang="fr-BE" smtClean="0"/>
-              <a:t>06-05-24</a:t>
+              <a:t>07-05-24</a:t>
             </a:fld>
             <a:endParaRPr lang="fr-BE"/>
           </a:p>
@@ -14678,7 +14672,7 @@
           <a:p>
             <a:fld id="{CFCD01D5-3C04-4AE6-AEE8-C25531D93149}" type="datetimeFigureOut">
               <a:rPr lang="fr-BE" smtClean="0"/>
-              <a:t>06-05-24</a:t>
+              <a:t>07-05-24</a:t>
             </a:fld>
             <a:endParaRPr lang="fr-BE"/>
           </a:p>
@@ -14921,7 +14915,7 @@
           <a:p>
             <a:fld id="{CFCD01D5-3C04-4AE6-AEE8-C25531D93149}" type="datetimeFigureOut">
               <a:rPr lang="fr-BE" smtClean="0"/>
-              <a:t>06-05-24</a:t>
+              <a:t>07-05-24</a:t>
             </a:fld>
             <a:endParaRPr lang="fr-BE"/>
           </a:p>
@@ -16862,13 +16856,13 @@
   <p:clrMapOvr>
     <a:masterClrMapping/>
   </p:clrMapOvr>
-  <mc:AlternateContent xmlns:mc="http://schemas.openxmlformats.org/markup-compatibility/2006">
-    <mc:Choice xmlns:p14="http://schemas.microsoft.com/office/powerpoint/2010/main" Requires="p14">
+  <mc:AlternateContent xmlns:mc="http://schemas.openxmlformats.org/markup-compatibility/2006" xmlns:p14="http://schemas.microsoft.com/office/powerpoint/2010/main">
+    <mc:Choice Requires="p14">
       <p:transition spd="med" p14:dur="700">
         <p:fade/>
       </p:transition>
     </mc:Choice>
-    <mc:Fallback>
+    <mc:Fallback xmlns="">
       <p:transition spd="med">
         <p:fade/>
       </p:transition>
@@ -20325,13 +20319,13 @@
   <p:clrMapOvr>
     <a:masterClrMapping/>
   </p:clrMapOvr>
-  <mc:AlternateContent xmlns:mc="http://schemas.openxmlformats.org/markup-compatibility/2006">
-    <mc:Choice xmlns:p14="http://schemas.microsoft.com/office/powerpoint/2010/main" Requires="p14">
+  <mc:AlternateContent xmlns:mc="http://schemas.openxmlformats.org/markup-compatibility/2006" xmlns:p14="http://schemas.microsoft.com/office/powerpoint/2010/main">
+    <mc:Choice Requires="p14">
       <p:transition spd="med" p14:dur="700">
         <p:fade/>
       </p:transition>
     </mc:Choice>
-    <mc:Fallback>
+    <mc:Fallback xmlns="">
       <p:transition spd="med">
         <p:fade/>
       </p:transition>
@@ -21282,13 +21276,13 @@
   <p:clrMapOvr>
     <a:masterClrMapping/>
   </p:clrMapOvr>
-  <mc:AlternateContent xmlns:mc="http://schemas.openxmlformats.org/markup-compatibility/2006">
-    <mc:Choice xmlns:p159="http://schemas.microsoft.com/office/powerpoint/2015/09/main" Requires="p159">
+  <mc:AlternateContent xmlns:mc="http://schemas.openxmlformats.org/markup-compatibility/2006" xmlns:p159="http://schemas.microsoft.com/office/powerpoint/2015/09/main">
+    <mc:Choice Requires="p159">
       <p:transition xmlns:p14="http://schemas.microsoft.com/office/powerpoint/2010/main" spd="slow" p14:dur="2000">
         <p159:morph option="byObject"/>
       </p:transition>
     </mc:Choice>
-    <mc:Fallback>
+    <mc:Fallback xmlns="">
       <p:transition spd="slow">
         <p:fade/>
       </p:transition>
@@ -23665,13 +23659,13 @@
   <p:clrMapOvr>
     <a:masterClrMapping/>
   </p:clrMapOvr>
-  <mc:AlternateContent xmlns:mc="http://schemas.openxmlformats.org/markup-compatibility/2006">
-    <mc:Choice xmlns:p159="http://schemas.microsoft.com/office/powerpoint/2015/09/main" Requires="p159">
+  <mc:AlternateContent xmlns:mc="http://schemas.openxmlformats.org/markup-compatibility/2006" xmlns:p159="http://schemas.microsoft.com/office/powerpoint/2015/09/main">
+    <mc:Choice Requires="p159">
       <p:transition xmlns:p14="http://schemas.microsoft.com/office/powerpoint/2010/main" spd="slow" p14:dur="2000">
         <p159:morph option="byObject"/>
       </p:transition>
     </mc:Choice>
-    <mc:Fallback>
+    <mc:Fallback xmlns="">
       <p:transition spd="slow">
         <p:fade/>
       </p:transition>
@@ -27313,13 +27307,13 @@
   <p:clrMapOvr>
     <a:masterClrMapping/>
   </p:clrMapOvr>
-  <mc:AlternateContent xmlns:mc="http://schemas.openxmlformats.org/markup-compatibility/2006">
-    <mc:Choice xmlns:p14="http://schemas.microsoft.com/office/powerpoint/2010/main" Requires="p14">
+  <mc:AlternateContent xmlns:mc="http://schemas.openxmlformats.org/markup-compatibility/2006" xmlns:p14="http://schemas.microsoft.com/office/powerpoint/2010/main">
+    <mc:Choice Requires="p14">
       <p:transition spd="med" p14:dur="700">
         <p:fade/>
       </p:transition>
     </mc:Choice>
-    <mc:Fallback>
+    <mc:Fallback xmlns="">
       <p:transition spd="med">
         <p:fade/>
       </p:transition>
@@ -28370,13 +28364,13 @@
   <p:clrMapOvr>
     <a:masterClrMapping/>
   </p:clrMapOvr>
-  <mc:AlternateContent xmlns:mc="http://schemas.openxmlformats.org/markup-compatibility/2006">
-    <mc:Choice xmlns:p14="http://schemas.microsoft.com/office/powerpoint/2010/main" Requires="p14">
+  <mc:AlternateContent xmlns:mc="http://schemas.openxmlformats.org/markup-compatibility/2006" xmlns:p14="http://schemas.microsoft.com/office/powerpoint/2010/main">
+    <mc:Choice Requires="p14">
       <p:transition spd="slow">
         <p14:reveal/>
       </p:transition>
     </mc:Choice>
-    <mc:Fallback>
+    <mc:Fallback xmlns="">
       <p:transition spd="slow">
         <p:fade/>
       </p:transition>
@@ -30946,13 +30940,13 @@
   <p:clrMapOvr>
     <a:masterClrMapping/>
   </p:clrMapOvr>
-  <mc:AlternateContent xmlns:mc="http://schemas.openxmlformats.org/markup-compatibility/2006">
-    <mc:Choice xmlns:p159="http://schemas.microsoft.com/office/powerpoint/2015/09/main" Requires="p159">
+  <mc:AlternateContent xmlns:mc="http://schemas.openxmlformats.org/markup-compatibility/2006" xmlns:p159="http://schemas.microsoft.com/office/powerpoint/2015/09/main">
+    <mc:Choice Requires="p159">
       <p:transition xmlns:p14="http://schemas.microsoft.com/office/powerpoint/2010/main" spd="slow" p14:dur="2000">
         <p159:morph option="byObject"/>
       </p:transition>
     </mc:Choice>
-    <mc:Fallback>
+    <mc:Fallback xmlns="">
       <p:transition spd="slow">
         <p:fade/>
       </p:transition>
@@ -33450,8 +33444,8 @@
         </p:nvSpPr>
         <p:spPr>
           <a:xfrm>
-            <a:off x="1371599" y="2318197"/>
-            <a:ext cx="9724031" cy="3683358"/>
+            <a:off x="1371599" y="1891970"/>
+            <a:ext cx="9724031" cy="4200605"/>
           </a:xfrm>
         </p:spPr>
         <p:txBody>
@@ -33466,7 +33460,7 @@
             </a:pPr>
             <a:r>
               <a:rPr lang="fr-FR" sz="2000" i="1" dirty="0"/>
-              <a:t>Le problème de temps avec le matériel ne m’a pas permis d’approfondir le sujet comme je l’aurais voulu, surtout pour arriver à ce qui a été convenu pour le stage. </a:t>
+              <a:t>Temps avec le matériel</a:t>
             </a:r>
           </a:p>
           <a:p>
@@ -33476,7 +33470,7 @@
             </a:pPr>
             <a:r>
               <a:rPr lang="fr-FR" sz="2000" i="1" dirty="0"/>
-              <a:t>La majorité des points ont été réalisés, comme le concept de l’HCI, sa mise en place et son utilisation, mais la partie réseau avec VMware NSX est une partie qui demande plus de temps de recherche pour sa mise en œuvre. </a:t>
+              <a:t>La majorité des points ont été réalisés, mais pas la partie réseau avec VMware NSX.</a:t>
             </a:r>
           </a:p>
           <a:p>
@@ -33486,7 +33480,7 @@
             </a:pPr>
             <a:r>
               <a:rPr lang="fr-FR" sz="2000" i="1" dirty="0"/>
-              <a:t>Malgré quelques problèmes, comme l’arrêt du cluster ou mes diverses réinstallations forcées, le système est intuitif dans son installation et dans sa configuration. Le cluster est rapidement mis en place et prêt à fournir ses ressources de manière fiable et sécurisée. </a:t>
+              <a:t>Malgré quelques problèmes, le cluster est rapidement mis en place et prêt à fournir ses ressources. </a:t>
             </a:r>
           </a:p>
           <a:p>
@@ -33496,7 +33490,7 @@
             </a:pPr>
             <a:r>
               <a:rPr lang="fr-FR" sz="2000" i="1" dirty="0"/>
-              <a:t>Les divers cas d’utilisation avec les tests correspondants ont bien montré les forces d’une infrastructure HCI.</a:t>
+              <a:t>Divers cas d’utilisation avec les tests correspondants ont bien montré les forces d’une infrastructure HCI.</a:t>
             </a:r>
           </a:p>
           <a:p>
@@ -33504,12 +33498,10 @@
               <a:buFont typeface="Wingdings" panose="05000000000000000000" pitchFamily="2" charset="2"/>
               <a:buChar char="ü"/>
             </a:pPr>
-            <a:endParaRPr lang="fr-FR" sz="2000" dirty="0"/>
-          </a:p>
-          <a:p>
-            <a:pPr marL="0" indent="0">
-              <a:buNone/>
-            </a:pPr>
+            <a:r>
+              <a:rPr lang="fr-FR" sz="2000" i="1" dirty="0"/>
+              <a:t>Améliorations possibles : Nombre de câbles réseau, mise en place de NSX, redondance du commutateur de management et automatisation de la configuration réseau.</a:t>
+            </a:r>
             <a:endParaRPr lang="fr-BE" sz="2000" dirty="0"/>
           </a:p>
         </p:txBody>
@@ -33988,7 +33980,7 @@
         </p:nvSpPr>
         <p:spPr>
           <a:xfrm>
-            <a:off x="1371599" y="2318197"/>
+            <a:off x="1371599" y="1891970"/>
             <a:ext cx="9724031" cy="3683358"/>
           </a:xfrm>
         </p:spPr>
@@ -33998,40 +33990,136 @@
           </a:bodyPr>
           <a:lstStyle/>
           <a:p>
-            <a:pPr marL="0" indent="0">
-              <a:buNone/>
+            <a:pPr>
+              <a:buFont typeface="Wingdings" panose="05000000000000000000" pitchFamily="2" charset="2"/>
+              <a:buChar char="ü"/>
             </a:pPr>
             <a:r>
               <a:rPr lang="fr-FR" sz="2000" i="1" dirty="0"/>
-              <a:t>Selon le cas d’utilisation, cette solution peut aider les entreprises dans le développement de leur environnement.</a:t>
+              <a:t>Cette solution peut aider les entreprises dans le développement et la transformation numérique de leur environnement.</a:t>
             </a:r>
           </a:p>
           <a:p>
-            <a:pPr marL="0" indent="0">
-              <a:buNone/>
+            <a:pPr>
+              <a:buFont typeface="Wingdings" panose="05000000000000000000" pitchFamily="2" charset="2"/>
+              <a:buChar char="ü"/>
             </a:pPr>
             <a:r>
               <a:rPr lang="fr-FR" sz="2000" i="1" dirty="0"/>
-              <a:t>Il faut prendre en compte une bonne recherche pour la mise en place de son environnement.</a:t>
+              <a:t>Il faut prendre en compte une bonne recherche pour la mise en place de son infrastructure.</a:t>
             </a:r>
           </a:p>
           <a:p>
-            <a:pPr marL="0" indent="0">
-              <a:buNone/>
+            <a:pPr>
+              <a:buFont typeface="Wingdings" panose="05000000000000000000" pitchFamily="2" charset="2"/>
+              <a:buChar char="ü"/>
             </a:pPr>
-            <a:endParaRPr lang="fr-FR" sz="2000" dirty="0"/>
-          </a:p>
-          <a:p>
-            <a:pPr marL="0" indent="0">
-              <a:buNone/>
+            <a:r>
+              <a:rPr lang="fr-FR" sz="2000" i="1" dirty="0"/>
+              <a:t>Le secteur de l’HCI dépasse les 1 milliards de </a:t>
+            </a:r>
+            <a:r>
+              <a:rPr lang="fr-BE" sz="2000" i="1" dirty="0">
+                <a:cs typeface="Times New Roman" panose="02020603050405020304" pitchFamily="18" charset="0"/>
+              </a:rPr>
+              <a:t>d</a:t>
+            </a:r>
+            <a:r>
+              <a:rPr lang="fr-BE" sz="2000" dirty="0">
+                <a:effectLst/>
+                <a:ea typeface="Times New Roman" panose="02020603050405020304" pitchFamily="18" charset="0"/>
+                <a:cs typeface="Times New Roman" panose="02020603050405020304" pitchFamily="18" charset="0"/>
+              </a:rPr>
+              <a:t>ollars</a:t>
+            </a:r>
+            <a:r>
+              <a:rPr lang="fr-BE" sz="2000" baseline="30000" dirty="0">
+                <a:effectLst/>
+                <a:ea typeface="Times New Roman" panose="02020603050405020304" pitchFamily="18" charset="0"/>
+                <a:cs typeface="Times New Roman" panose="02020603050405020304" pitchFamily="18" charset="0"/>
+              </a:rPr>
+              <a:t>1</a:t>
+            </a:r>
+            <a:r>
+              <a:rPr lang="fr-FR" sz="2000" i="1" dirty="0"/>
+              <a:t>, c’est une information à prendre en compte !</a:t>
+            </a:r>
+          </a:p>
+          <a:p>
+            <a:pPr>
+              <a:buFont typeface="Wingdings" panose="05000000000000000000" pitchFamily="2" charset="2"/>
+              <a:buChar char="ü"/>
             </a:pPr>
-            <a:endParaRPr lang="fr-FR" sz="2000" dirty="0"/>
-          </a:p>
-          <a:p>
-            <a:pPr marL="0" indent="0">
-              <a:buNone/>
-            </a:pPr>
+            <a:r>
+              <a:rPr lang="fr-FR" sz="2000" i="1" dirty="0"/>
+              <a:t>La généralisation de la virtualisation et l’utilisation de solution cloud, rend-il l’HCI mature pour son utilisation globale dans les entreprises ? Cette solution est-elle le saint graal pour les environnements informatiques de ces entreprises ?</a:t>
+            </a:r>
             <a:endParaRPr lang="fr-BE" sz="2000" dirty="0"/>
+          </a:p>
+        </p:txBody>
+      </p:sp>
+      <p:sp>
+        <p:nvSpPr>
+          <p:cNvPr id="2" name="ZoneTexte 1">
+            <a:extLst>
+              <a:ext uri="{FF2B5EF4-FFF2-40B4-BE49-F238E27FC236}">
+                <a16:creationId xmlns:a16="http://schemas.microsoft.com/office/drawing/2014/main" id="{326CA419-9B32-097E-3BDF-86825304F9ED}"/>
+              </a:ext>
+            </a:extLst>
+          </p:cNvPr>
+          <p:cNvSpPr txBox="1"/>
+          <p:nvPr/>
+        </p:nvSpPr>
+        <p:spPr>
+          <a:xfrm>
+            <a:off x="744350" y="6255685"/>
+            <a:ext cx="11150448" cy="307777"/>
+          </a:xfrm>
+          <a:prstGeom prst="rect">
+            <a:avLst/>
+          </a:prstGeom>
+          <a:noFill/>
+        </p:spPr>
+        <p:txBody>
+          <a:bodyPr wrap="square" rtlCol="0">
+            <a:spAutoFit/>
+          </a:bodyPr>
+          <a:lstStyle/>
+          <a:p>
+            <a:r>
+              <a:rPr lang="fr-BE" sz="1400" baseline="30000" dirty="0">
+                <a:effectLst/>
+                <a:ea typeface="Times New Roman" panose="02020603050405020304" pitchFamily="18" charset="0"/>
+                <a:cs typeface="Times New Roman" panose="02020603050405020304" pitchFamily="18" charset="0"/>
+              </a:rPr>
+              <a:t>1</a:t>
+            </a:r>
+            <a:r>
+              <a:rPr lang="fr-BE" sz="1400" dirty="0"/>
+              <a:t>Macrotrends. HCI </a:t>
+            </a:r>
+            <a:r>
+              <a:rPr lang="fr-BE" sz="1400" dirty="0" err="1"/>
+              <a:t>Marketcap</a:t>
+            </a:r>
+            <a:r>
+              <a:rPr lang="fr-BE" sz="1400"/>
+              <a:t> 2010-2023 </a:t>
+            </a:r>
+            <a:r>
+              <a:rPr lang="fr-BE" sz="1400" dirty="0"/>
+              <a:t>: </a:t>
+            </a:r>
+            <a:r>
+              <a:rPr lang="fr-BE" sz="1400" dirty="0">
+                <a:hlinkClick r:id="rId3"/>
+              </a:rPr>
+              <a:t>https://www.macrotrends.net/stocks/charts/HCI/hci/market-cap</a:t>
+            </a:r>
+            <a:r>
+              <a:rPr lang="fr-BE" sz="1400" dirty="0"/>
+              <a:t> </a:t>
+            </a:r>
           </a:p>
         </p:txBody>
       </p:sp>
@@ -34690,13 +34778,13 @@
   <p:clrMapOvr>
     <a:masterClrMapping/>
   </p:clrMapOvr>
-  <mc:AlternateContent xmlns:mc="http://schemas.openxmlformats.org/markup-compatibility/2006">
-    <mc:Choice xmlns:p14="http://schemas.microsoft.com/office/powerpoint/2010/main" Requires="p14">
+  <mc:AlternateContent xmlns:mc="http://schemas.openxmlformats.org/markup-compatibility/2006" xmlns:p14="http://schemas.microsoft.com/office/powerpoint/2010/main">
+    <mc:Choice Requires="p14">
       <p:transition spd="slow" p14:dur="800">
         <p:circle/>
       </p:transition>
     </mc:Choice>
-    <mc:Fallback>
+    <mc:Fallback xmlns="">
       <p:transition spd="slow">
         <p:circle/>
       </p:transition>
@@ -39128,13 +39216,13 @@
   <p:clrMapOvr>
     <a:masterClrMapping/>
   </p:clrMapOvr>
-  <mc:AlternateContent xmlns:mc="http://schemas.openxmlformats.org/markup-compatibility/2006">
-    <mc:Choice xmlns:p14="http://schemas.microsoft.com/office/powerpoint/2010/main" Requires="p14">
+  <mc:AlternateContent xmlns:mc="http://schemas.openxmlformats.org/markup-compatibility/2006" xmlns:p14="http://schemas.microsoft.com/office/powerpoint/2010/main">
+    <mc:Choice Requires="p14">
       <p:transition spd="med" p14:dur="700">
         <p:fade/>
       </p:transition>
     </mc:Choice>
-    <mc:Fallback>
+    <mc:Fallback xmlns="">
       <p:transition spd="med">
         <p:fade/>
       </p:transition>
@@ -41873,13 +41961,13 @@
   <p:clrMapOvr>
     <a:masterClrMapping/>
   </p:clrMapOvr>
-  <mc:AlternateContent xmlns:mc="http://schemas.openxmlformats.org/markup-compatibility/2006">
-    <mc:Choice xmlns:p14="http://schemas.microsoft.com/office/powerpoint/2010/main" Requires="p14">
+  <mc:AlternateContent xmlns:mc="http://schemas.openxmlformats.org/markup-compatibility/2006" xmlns:p14="http://schemas.microsoft.com/office/powerpoint/2010/main">
+    <mc:Choice Requires="p14">
       <p:transition spd="slow" p14:dur="800">
         <p:circle/>
       </p:transition>
     </mc:Choice>
-    <mc:Fallback>
+    <mc:Fallback xmlns="">
       <p:transition spd="slow">
         <p:circle/>
       </p:transition>

--- a/TFE/DHAIMI_Vincent_PP_TFE.pptx
+++ b/TFE/DHAIMI_Vincent_PP_TFE.pptx
@@ -3074,7 +3074,7 @@
         <a:p>
           <a:r>
             <a:rPr lang="fr-BE" dirty="0"/>
-            <a:t>Perte d’un hôte</a:t>
+            <a:t>Panne d’hôte</a:t>
           </a:r>
         </a:p>
       </dgm:t>
@@ -3110,7 +3110,7 @@
         <a:p>
           <a:r>
             <a:rPr lang="fr-BE" dirty="0"/>
-            <a:t>Perte de stockage</a:t>
+            <a:t>Panne de stockage</a:t>
           </a:r>
         </a:p>
       </dgm:t>
@@ -3146,7 +3146,7 @@
         <a:p>
           <a:r>
             <a:rPr lang="fr-BE" dirty="0"/>
-            <a:t>Perte réseau</a:t>
+            <a:t>Panne réseau</a:t>
           </a:r>
         </a:p>
       </dgm:t>
@@ -4284,7 +4284,7 @@
           </a:pPr>
           <a:r>
             <a:rPr lang="fr-BE" sz="2700" kern="1200" dirty="0"/>
-            <a:t>Perte d’un hôte</a:t>
+            <a:t>Panne d’hôte</a:t>
           </a:r>
         </a:p>
       </dsp:txBody>
@@ -4396,7 +4396,7 @@
           </a:pPr>
           <a:r>
             <a:rPr lang="fr-BE" sz="2700" kern="1200" dirty="0"/>
-            <a:t>Perte de stockage</a:t>
+            <a:t>Panne de stockage</a:t>
           </a:r>
         </a:p>
       </dsp:txBody>
@@ -4508,7 +4508,7 @@
           </a:pPr>
           <a:r>
             <a:rPr lang="fr-BE" sz="2700" kern="1200" dirty="0"/>
-            <a:t>Perte réseau</a:t>
+            <a:t>Panne réseau</a:t>
           </a:r>
         </a:p>
       </dsp:txBody>
@@ -9282,7 +9282,7 @@
                 <a:ea typeface="Times New Roman" panose="02020603050405020304" pitchFamily="18" charset="0"/>
                 <a:cs typeface="Times New Roman" panose="02020603050405020304" pitchFamily="18" charset="0"/>
               </a:rPr>
-              <a:t>les infrastructures hyperconvergées (HCI) une réponse innovante aux besoins changeants des entreprises. </a:t>
+              <a:t>les infrastructures hyperconvergées ou HCI deviennent une réponse innovante aux besoins changeants des entreprises. </a:t>
             </a:r>
           </a:p>
           <a:p>
@@ -10788,7 +10788,7 @@
           <a:p>
             <a:r>
               <a:rPr lang="fr-BE" dirty="0"/>
-              <a:t>selon le cas d’utilisation, une infrastructure HCI peut amener plusieurs avantages à travers son utilisation et donne aux entreprises le plein droit de leur environnement. L’installation simplifié et quasiment automatisé rend les systèmes HCI simpliste dans leur installations et configuration</a:t>
+              <a:t>En conclusion, selon le cas d’utilisation, une infrastructure HCI amène plusieurs avantages à travers son utilisation et donne aux entreprises le plein droit de leur environnement. </a:t>
             </a:r>
           </a:p>
           <a:p>
@@ -10797,7 +10797,7 @@
           <a:p>
             <a:r>
               <a:rPr lang="fr-BE" dirty="0"/>
-              <a:t>la multitude de services proposé amène une certaine complexité qui selon le cas peut être assez compliquer à mettre en place. En plus il faut faire de bonnes recherches par rapport aux matériels que l’on voudra utiliser pour ainsi vérifié si les éléments sont bien compatible et fait pour l’HCI</a:t>
+              <a:t>L’installation simplifié et quasiment automatisé rend les systèmes HCI simpliste dans leur installations et configuration</a:t>
             </a:r>
           </a:p>
           <a:p>
@@ -10806,8 +10806,41 @@
           <a:p>
             <a:r>
               <a:rPr lang="fr-BE" dirty="0"/>
-              <a:t>L’utilisation des solutions HCI est déjà bien implanté dans les entreprises. Le choix de cette technologie se démontre par les avantage mis et long terme que cette technologie apporte sur le portefeuille et d’autre manière comme la gestion, l’optimisation et l’assurance d’avoir de la disponibilité et de la sécurité sur ces charges de travailles.</a:t>
+              <a:t>Cependant, la multitude de services proposé amène une certaine complexité qui selon le cas peut être assez compliquer dans son implémentation</a:t>
             </a:r>
+          </a:p>
+          <a:p>
+            <a:endParaRPr lang="fr-BE" dirty="0"/>
+          </a:p>
+          <a:p>
+            <a:r>
+              <a:rPr lang="fr-BE" dirty="0"/>
+              <a:t>En plus il faut impérativement mettre en place une bonne méthodologie de recherches par rapport aux matériels que l’on voudra utiliser.</a:t>
+            </a:r>
+          </a:p>
+          <a:p>
+            <a:endParaRPr lang="fr-BE" dirty="0"/>
+          </a:p>
+          <a:p>
+            <a:r>
+              <a:rPr lang="fr-BE" dirty="0"/>
+              <a:t>Malgré ça, l’utilisation des solutions HCI est déjà bien implanté dans les entreprises. </a:t>
+            </a:r>
+          </a:p>
+          <a:p>
+            <a:endParaRPr lang="fr-BE" dirty="0"/>
+          </a:p>
+          <a:p>
+            <a:r>
+              <a:rPr lang="fr-BE" dirty="0"/>
+              <a:t>Ce choix se démontre par les avantages sur mis et long terme que cette technologie apporte sur l’économie, la gestion, l’optimisation ou encore l’assurance d’avoir de la disponibilité et de la sécurité sur ces charges de travailles.</a:t>
+            </a:r>
+          </a:p>
+          <a:p>
+            <a:endParaRPr lang="fr-BE" dirty="0"/>
+          </a:p>
+          <a:p>
+            <a:endParaRPr lang="fr-BE" dirty="0"/>
           </a:p>
           <a:p>
             <a:endParaRPr lang="fr-BE" dirty="0"/>
@@ -11416,13 +11449,6 @@
           </a:p>
           <a:p>
             <a:endParaRPr lang="fr-FR" dirty="0"/>
-          </a:p>
-          <a:p>
-            <a:r>
-              <a:rPr lang="fr-FR" dirty="0"/>
-              <a:t>On retrouve deux grandes utilisations de l’HCI, dans les infrastructures cloud et celles plus pour du Compute &amp; Storage.</a:t>
-            </a:r>
-            <a:endParaRPr lang="fr-BE" dirty="0"/>
           </a:p>
         </p:txBody>
       </p:sp>
@@ -30915,7 +30941,7 @@
           <p:nvPr>
             <p:extLst>
               <p:ext uri="{D42A27DB-BD31-4B8C-83A1-F6EECF244321}">
-                <p14:modId xmlns:p14="http://schemas.microsoft.com/office/powerpoint/2010/main" val="1702032890"/>
+                <p14:modId xmlns:p14="http://schemas.microsoft.com/office/powerpoint/2010/main" val="2131905144"/>
               </p:ext>
             </p:extLst>
           </p:nvPr>
@@ -33996,7 +34022,7 @@
             </a:pPr>
             <a:r>
               <a:rPr lang="fr-FR" sz="2000" i="1" dirty="0"/>
-              <a:t>Cette solution peut aider les entreprises dans le développement et la transformation numérique de leur environnement.</a:t>
+              <a:t>Cette solution aider les entreprises dans le développement et la transformation numérique de leur environnement.</a:t>
             </a:r>
           </a:p>
           <a:p>
@@ -34006,7 +34032,7 @@
             </a:pPr>
             <a:r>
               <a:rPr lang="fr-FR" sz="2000" i="1" dirty="0"/>
-              <a:t>Il faut prendre en compte une bonne recherche pour la mise en place de son infrastructure.</a:t>
+              <a:t>Il faut prendre en compte méthodologie de recherche pour la mise en place de son infrastructure.</a:t>
             </a:r>
           </a:p>
           <a:p>
@@ -34052,7 +34078,7 @@
             </a:pPr>
             <a:r>
               <a:rPr lang="fr-FR" sz="2000" i="1" dirty="0"/>
-              <a:t>La généralisation de la virtualisation et l’utilisation de solution cloud, rend-il l’HCI mature pour son utilisation globale dans les entreprises ? Cette solution est-elle le saint graal pour les environnements informatiques de ces entreprises ?</a:t>
+              <a:t>La généralisation de la virtualisation et l’utilisation de solution cloud, rend-il l’HCI mature pour son utilisation globale dans les entreprises ? Cette solution est-elle le saint graal pour les environnements informatiques ?</a:t>
             </a:r>
             <a:endParaRPr lang="fr-BE" sz="2000" dirty="0"/>
           </a:p>
@@ -35241,13 +35267,13 @@
         </p:nvSpPr>
         <p:spPr>
           <a:xfrm>
-            <a:off x="665013" y="2579035"/>
+            <a:off x="665013" y="2079241"/>
             <a:ext cx="6814562" cy="1385266"/>
           </a:xfrm>
         </p:spPr>
         <p:txBody>
           <a:bodyPr vert="horz" lIns="91440" tIns="45720" rIns="91440" bIns="45720" rtlCol="0">
-            <a:normAutofit fontScale="92500" lnSpcReduction="20000"/>
+            <a:noAutofit/>
           </a:bodyPr>
           <a:lstStyle/>
           <a:p>
@@ -35256,8 +35282,8 @@
               <a:buChar char="•"/>
             </a:pPr>
             <a:r>
-              <a:rPr lang="fr-BE" sz="2000" dirty="0"/>
-              <a:t>Fondé en 1992</a:t>
+              <a:rPr lang="fr-FR" sz="2000" dirty="0"/>
+              <a:t>Fondé en 1992.</a:t>
             </a:r>
           </a:p>
           <a:p>
@@ -35266,8 +35292,8 @@
               <a:buChar char="•"/>
             </a:pPr>
             <a:r>
-              <a:rPr lang="fr-BE" sz="2000" dirty="0"/>
-              <a:t>Pratique 6 services</a:t>
+              <a:rPr lang="fr-FR" sz="2000" dirty="0"/>
+              <a:t>Pratique 6 services.</a:t>
             </a:r>
           </a:p>
           <a:p>
@@ -35276,8 +35302,8 @@
               <a:buChar char="•"/>
             </a:pPr>
             <a:r>
-              <a:rPr lang="fr-BE" sz="2000" dirty="0"/>
-              <a:t>Incorporé depuis 2020 dans les rangs de Trustteam</a:t>
+              <a:rPr lang="fr-FR" sz="2000" dirty="0"/>
+              <a:t>Incorporé depuis 2020 dans les rangs de Trustteam.</a:t>
             </a:r>
           </a:p>
           <a:p>
@@ -35286,9 +35312,10 @@
               <a:buChar char="•"/>
             </a:pPr>
             <a:r>
-              <a:rPr lang="fr-BE" sz="2000" dirty="0"/>
-              <a:t>Changement de nom en Trustteam Wavre</a:t>
+              <a:rPr lang="fr-FR" sz="2000" dirty="0"/>
+              <a:t>Changement de nom en Trustteam Wavre.</a:t>
             </a:r>
+            <a:endParaRPr lang="fr-BE" sz="2000" dirty="0"/>
           </a:p>
         </p:txBody>
       </p:sp>
@@ -36276,7 +36303,7 @@
             </a:pPr>
             <a:r>
               <a:rPr lang="fr-BE" sz="1100" b="1" kern="1200" dirty="0"/>
-              <a:t>Réalisation de tests d'acceptation et de validation pour démontrer la robustesse de la solution proposée.</a:t>
+              <a:t>Réalisation de tests d'acceptation et de validation pour démontrer la robustesse.</a:t>
             </a:r>
             <a:endParaRPr lang="en-US" sz="1100" kern="1200" dirty="0"/>
           </a:p>
@@ -36314,7 +36341,7 @@
             </a:r>
             <a:r>
               <a:rPr lang="fr-FR" i="1" dirty="0"/>
-              <a:t> mettre en place un cluster hyperconvergé basé sur la technologie VMware. Ce cluster tournerait des workloads virtualisés et devra offrir un haut niveau de sécurité et de disponibilité.</a:t>
+              <a:t> mettre en place un cluster hyperconvergé basé sur la technologie VMware. Ce cluster hébergera des charges de travail virtualisées et devra offrir un haut niveau de sécurité et de disponibilité.</a:t>
             </a:r>
             <a:endParaRPr lang="fr-BE" i="1" dirty="0"/>
           </a:p>
@@ -36334,7 +36361,7 @@
         </p:nvSpPr>
         <p:spPr>
           <a:xfrm rot="5400000">
-            <a:off x="2811093" y="2567121"/>
+            <a:off x="2811093" y="2765991"/>
             <a:ext cx="1526373" cy="2395490"/>
           </a:xfrm>
           <a:prstGeom prst="bentUpArrow">
@@ -36491,7 +36518,7 @@
             </a:pPr>
             <a:r>
               <a:rPr lang="fr-BE" sz="1100" b="1" kern="1200" dirty="0"/>
-              <a:t>Analyse des différentes éditions disponibles et  une réalisation d'une comparaison des fonctionnalités.</a:t>
+              <a:t>Analyse des différentes éditions disponibles.</a:t>
             </a:r>
             <a:endParaRPr lang="en-US" sz="1100" kern="1200" dirty="0"/>
           </a:p>
@@ -36617,10 +36644,10 @@
               <a:buNone/>
             </a:pPr>
             <a:r>
-              <a:rPr lang="fr-BE" sz="1100" b="1" kern="1200"/>
+              <a:rPr lang="fr-BE" sz="1100" b="1" kern="1200" dirty="0"/>
               <a:t>Définition des architectures requises pour le cluster hyperconvergé.</a:t>
             </a:r>
-            <a:endParaRPr lang="en-US" sz="1100" kern="1200"/>
+            <a:endParaRPr lang="en-US" sz="1100" kern="1200" dirty="0"/>
           </a:p>
         </p:txBody>
       </p:sp>
@@ -36999,7 +37026,7 @@
             </a:pPr>
             <a:r>
               <a:rPr lang="fr-BE" sz="1100" b="1" kern="1200" dirty="0"/>
-              <a:t>Prise en main du matériel de type entreprise, y compris les serveurs et les commutateurs.</a:t>
+              <a:t>Prise en main du matériel de type entreprise.</a:t>
             </a:r>
             <a:endParaRPr lang="en-US" sz="1100" kern="1200" dirty="0"/>
           </a:p>
@@ -37126,7 +37153,7 @@
             </a:pPr>
             <a:r>
               <a:rPr lang="fr-BE" sz="1100" b="1" kern="1200" dirty="0"/>
-              <a:t>Documentation du projet, y compris les spécifications techniques et les procédures d'exploitation.</a:t>
+              <a:t>Documentation du projet.</a:t>
             </a:r>
             <a:endParaRPr lang="en-US" sz="1100" kern="1200" dirty="0"/>
           </a:p>
@@ -37252,10 +37279,18 @@
               <a:buNone/>
             </a:pPr>
             <a:r>
-              <a:rPr lang="fr-BE" sz="1100" b="1" kern="1200"/>
-              <a:t>Création des schémas physiques du projet.</a:t>
+              <a:rPr lang="fr-BE" sz="1100" b="1" kern="1200" dirty="0"/>
+              <a:t>Création d</a:t>
             </a:r>
-            <a:endParaRPr lang="en-US" sz="1100" kern="1200"/>
+            <a:r>
+              <a:rPr lang="fr-BE" sz="1100" b="1" dirty="0"/>
+              <a:t>’un</a:t>
+            </a:r>
+            <a:r>
+              <a:rPr lang="fr-BE" sz="1100" b="1" kern="1200" dirty="0"/>
+              <a:t> schéma logique du projet.</a:t>
+            </a:r>
+            <a:endParaRPr lang="en-US" sz="1100" kern="1200" dirty="0"/>
           </a:p>
         </p:txBody>
       </p:sp>
@@ -37379,10 +37414,10 @@
               <a:buNone/>
             </a:pPr>
             <a:r>
-              <a:rPr lang="fr-BE" sz="1100" b="1" kern="1200"/>
+              <a:rPr lang="fr-BE" sz="1100" b="1" kern="1200" dirty="0"/>
               <a:t>Établissement d'une timeline du projet.</a:t>
             </a:r>
-            <a:endParaRPr lang="en-US" sz="1100" kern="1200"/>
+            <a:endParaRPr lang="en-US" sz="1100" kern="1200" dirty="0"/>
           </a:p>
         </p:txBody>
       </p:sp>
@@ -37634,7 +37669,7 @@
             </a:pPr>
             <a:r>
               <a:rPr lang="fr-BE" sz="1100" b="1" kern="1200" dirty="0"/>
-              <a:t>Mise en place de fonctionnalités de sécurité de VMware, notamment VMware NSX, l'approche en matière de cybersécurité.</a:t>
+              <a:t>Mise en place de fonctionnalités de sécurité avec VMware NSX.</a:t>
             </a:r>
             <a:endParaRPr lang="en-US" sz="1100" kern="1200" dirty="0"/>
           </a:p>

--- a/TFE/DHAIMI_Vincent_PP_TFE.pptx
+++ b/TFE/DHAIMI_Vincent_PP_TFE.pptx
@@ -2518,7 +2518,7 @@
         <a:p>
           <a:r>
             <a:rPr lang="fr-FR" i="1" dirty="0"/>
-            <a:t>Performances élevées et exploitation optimisée des ressources</a:t>
+            <a:t>Des performances élevées et une exploitation optimisée des ressources</a:t>
           </a:r>
           <a:endParaRPr lang="fr-BE" i="1" dirty="0"/>
         </a:p>
@@ -2592,7 +2592,7 @@
         <a:p>
           <a:r>
             <a:rPr lang="fr-FR" i="1" dirty="0"/>
-            <a:t>Point centrale de l’inventaire vSphere</a:t>
+            <a:t>Point central de l’inventaire vSphere</a:t>
           </a:r>
           <a:endParaRPr lang="fr-BE" i="1" dirty="0"/>
         </a:p>
@@ -2829,10 +2829,10 @@
         <a:lstStyle/>
         <a:p>
           <a:r>
-            <a:rPr lang="fr-FR"/>
+            <a:rPr lang="fr-FR" dirty="0"/>
             <a:t>Configuration des ports de management iDrac</a:t>
           </a:r>
-          <a:endParaRPr lang="en-US"/>
+          <a:endParaRPr lang="en-US" dirty="0"/>
         </a:p>
       </dgm:t>
     </dgm:pt>
@@ -2866,10 +2866,10 @@
         <a:lstStyle/>
         <a:p>
           <a:r>
-            <a:rPr lang="fr-FR"/>
+            <a:rPr lang="fr-FR" dirty="0"/>
             <a:t>Préparation du RAID 1 pour le système d’exploitation</a:t>
           </a:r>
-          <a:endParaRPr lang="en-US"/>
+          <a:endParaRPr lang="en-US" dirty="0"/>
         </a:p>
       </dgm:t>
     </dgm:pt>
@@ -3182,7 +3182,7 @@
         <a:p>
           <a:r>
             <a:rPr lang="fr-BE" dirty="0"/>
-            <a:t>Performance générale</a:t>
+            <a:t>Performance</a:t>
           </a:r>
         </a:p>
       </dgm:t>
@@ -3370,7 +3370,7 @@
   <dgm:whole/>
   <dgm:extLst>
     <a:ext uri="http://schemas.microsoft.com/office/drawing/2008/diagram">
-      <dsp:dataModelExt xmlns:dsp="http://schemas.microsoft.com/office/drawing/2008/diagram" relId="rId6" minVer="http://schemas.openxmlformats.org/drawingml/2006/diagram"/>
+      <dsp:dataModelExt xmlns:dsp="http://schemas.microsoft.com/office/drawing/2008/diagram" relId="rId7" minVer="http://schemas.openxmlformats.org/drawingml/2006/diagram"/>
     </a:ext>
   </dgm:extLst>
 </dgm:dataModel>
@@ -3391,8 +3391,8 @@
       </dsp:nvSpPr>
       <dsp:spPr>
         <a:xfrm>
-          <a:off x="0" y="732109"/>
-          <a:ext cx="6666833" cy="1883700"/>
+          <a:off x="0" y="464022"/>
+          <a:ext cx="6666833" cy="2338875"/>
         </a:xfrm>
         <a:prstGeom prst="rect">
           <a:avLst/>
@@ -3433,12 +3433,12 @@
         <a:fontRef idx="minor"/>
       </dsp:style>
       <dsp:txBody>
-        <a:bodyPr spcFirstLastPara="0" vert="horz" wrap="square" lIns="517420" tIns="541528" rIns="517420" bIns="184912" numCol="1" spcCol="1270" anchor="t" anchorCtr="0">
+        <a:bodyPr spcFirstLastPara="0" vert="horz" wrap="square" lIns="517420" tIns="562356" rIns="517420" bIns="192024" numCol="1" spcCol="1270" anchor="t" anchorCtr="0">
           <a:noAutofit/>
         </a:bodyPr>
         <a:lstStyle/>
         <a:p>
-          <a:pPr marL="228600" lvl="1" indent="-228600" algn="l" defTabSz="1155700">
+          <a:pPr marL="228600" lvl="1" indent="-228600" algn="l" defTabSz="1200150">
             <a:lnSpc>
               <a:spcPct val="90000"/>
             </a:lnSpc>
@@ -3451,13 +3451,13 @@
             <a:buChar char="•"/>
           </a:pPr>
           <a:r>
-            <a:rPr lang="fr-FR" sz="2600" i="1" kern="1200" dirty="0"/>
+            <a:rPr lang="fr-FR" sz="2700" i="1" kern="1200" dirty="0"/>
             <a:t>Hyperviseur de type 1</a:t>
           </a:r>
-          <a:endParaRPr lang="fr-BE" sz="2600" i="1" kern="1200" dirty="0"/>
+          <a:endParaRPr lang="fr-BE" sz="2700" i="1" kern="1200" dirty="0"/>
         </a:p>
         <a:p>
-          <a:pPr marL="228600" lvl="1" indent="-228600" algn="l" defTabSz="1155700">
+          <a:pPr marL="228600" lvl="1" indent="-228600" algn="l" defTabSz="1200150">
             <a:lnSpc>
               <a:spcPct val="90000"/>
             </a:lnSpc>
@@ -3470,15 +3470,15 @@
             <a:buChar char="•"/>
           </a:pPr>
           <a:r>
-            <a:rPr lang="fr-FR" sz="2600" i="1" kern="1200" dirty="0"/>
-            <a:t>Performances élevées et exploitation optimisée des ressources</a:t>
+            <a:rPr lang="fr-FR" sz="2700" i="1" kern="1200" dirty="0"/>
+            <a:t>Des performances élevées et une exploitation optimisée des ressources</a:t>
           </a:r>
-          <a:endParaRPr lang="fr-BE" sz="2600" i="1" kern="1200" dirty="0"/>
+          <a:endParaRPr lang="fr-BE" sz="2700" i="1" kern="1200" dirty="0"/>
         </a:p>
       </dsp:txBody>
       <dsp:txXfrm>
-        <a:off x="0" y="732109"/>
-        <a:ext cx="6666833" cy="1883700"/>
+        <a:off x="0" y="464022"/>
+        <a:ext cx="6666833" cy="2338875"/>
       </dsp:txXfrm>
     </dsp:sp>
     <dsp:sp modelId="{7F51EC72-454F-41C9-98E1-C6315932E363}">
@@ -3488,8 +3488,8 @@
       </dsp:nvSpPr>
       <dsp:spPr>
         <a:xfrm>
-          <a:off x="333341" y="348349"/>
-          <a:ext cx="4666783" cy="767520"/>
+          <a:off x="333341" y="65502"/>
+          <a:ext cx="4666783" cy="797040"/>
         </a:xfrm>
         <a:prstGeom prst="roundRect">
           <a:avLst/>
@@ -3557,7 +3557,7 @@
         </a:bodyPr>
         <a:lstStyle/>
         <a:p>
-          <a:pPr marL="0" lvl="0" indent="0" algn="ctr" defTabSz="1155700">
+          <a:pPr marL="0" lvl="0" indent="0" algn="ctr" defTabSz="1200150">
             <a:lnSpc>
               <a:spcPct val="90000"/>
             </a:lnSpc>
@@ -3570,14 +3570,14 @@
             <a:buNone/>
           </a:pPr>
           <a:r>
-            <a:rPr lang="fr-BE" sz="2600" b="1" kern="1200" dirty="0"/>
+            <a:rPr lang="fr-BE" sz="2700" b="1" kern="1200" dirty="0"/>
             <a:t>vSphere ESXi Hypervisor</a:t>
           </a:r>
         </a:p>
       </dsp:txBody>
       <dsp:txXfrm>
-        <a:off x="370808" y="385816"/>
-        <a:ext cx="4591849" cy="692586"/>
+        <a:off x="372249" y="104410"/>
+        <a:ext cx="4588967" cy="719224"/>
       </dsp:txXfrm>
     </dsp:sp>
     <dsp:sp modelId="{A3C49672-9A4E-4C9C-811A-972C7AD6E5E0}">
@@ -3587,8 +3587,8 @@
       </dsp:nvSpPr>
       <dsp:spPr>
         <a:xfrm>
-          <a:off x="0" y="3139969"/>
-          <a:ext cx="6666833" cy="1965600"/>
+          <a:off x="0" y="3347217"/>
+          <a:ext cx="6666833" cy="2041200"/>
         </a:xfrm>
         <a:prstGeom prst="rect">
           <a:avLst/>
@@ -3629,12 +3629,12 @@
         <a:fontRef idx="minor"/>
       </dsp:style>
       <dsp:txBody>
-        <a:bodyPr spcFirstLastPara="0" vert="horz" wrap="square" lIns="517420" tIns="541528" rIns="517420" bIns="184912" numCol="1" spcCol="1270" anchor="t" anchorCtr="0">
+        <a:bodyPr spcFirstLastPara="0" vert="horz" wrap="square" lIns="517420" tIns="562356" rIns="517420" bIns="192024" numCol="1" spcCol="1270" anchor="t" anchorCtr="0">
           <a:noAutofit/>
         </a:bodyPr>
         <a:lstStyle/>
         <a:p>
-          <a:pPr marL="228600" lvl="1" indent="-228600" algn="l" defTabSz="1155700">
+          <a:pPr marL="228600" lvl="1" indent="-228600" algn="l" defTabSz="1200150">
             <a:lnSpc>
               <a:spcPct val="90000"/>
             </a:lnSpc>
@@ -3647,13 +3647,13 @@
             <a:buChar char="•"/>
           </a:pPr>
           <a:r>
-            <a:rPr lang="fr-FR" sz="2600" i="1" kern="1200" dirty="0"/>
-            <a:t>Point centrale de l’inventaire vSphere</a:t>
+            <a:rPr lang="fr-FR" sz="2700" i="1" kern="1200" dirty="0"/>
+            <a:t>Point central de l’inventaire vSphere</a:t>
           </a:r>
-          <a:endParaRPr lang="fr-BE" sz="2600" i="1" kern="1200" dirty="0"/>
+          <a:endParaRPr lang="fr-BE" sz="2700" i="1" kern="1200" dirty="0"/>
         </a:p>
         <a:p>
-          <a:pPr marL="228600" lvl="1" indent="-228600" algn="l" defTabSz="1155700">
+          <a:pPr marL="228600" lvl="1" indent="-228600" algn="l" defTabSz="1200150">
             <a:lnSpc>
               <a:spcPct val="90000"/>
             </a:lnSpc>
@@ -3666,13 +3666,13 @@
             <a:buChar char="•"/>
           </a:pPr>
           <a:r>
-            <a:rPr lang="fr-FR" sz="2600" i="1" kern="1200" dirty="0"/>
+            <a:rPr lang="fr-FR" sz="2700" i="1" kern="1200" dirty="0"/>
             <a:t>Administration centralisée</a:t>
           </a:r>
-          <a:endParaRPr lang="fr-BE" sz="2600" i="1" kern="1200" dirty="0"/>
+          <a:endParaRPr lang="fr-BE" sz="2700" i="1" kern="1200" dirty="0"/>
         </a:p>
         <a:p>
-          <a:pPr marL="228600" lvl="1" indent="-228600" algn="l" defTabSz="1155700">
+          <a:pPr marL="228600" lvl="1" indent="-228600" algn="l" defTabSz="1200150">
             <a:lnSpc>
               <a:spcPct val="90000"/>
             </a:lnSpc>
@@ -3685,15 +3685,15 @@
             <a:buChar char="•"/>
           </a:pPr>
           <a:r>
-            <a:rPr lang="fr-FR" sz="2600" i="1" kern="1200" dirty="0"/>
+            <a:rPr lang="fr-FR" sz="2700" i="1" kern="1200" dirty="0"/>
             <a:t>Interface graphique</a:t>
           </a:r>
-          <a:endParaRPr lang="fr-BE" sz="2600" i="1" kern="1200" dirty="0"/>
+          <a:endParaRPr lang="fr-BE" sz="2700" i="1" kern="1200" dirty="0"/>
         </a:p>
       </dsp:txBody>
       <dsp:txXfrm>
-        <a:off x="0" y="3139969"/>
-        <a:ext cx="6666833" cy="1965600"/>
+        <a:off x="0" y="3347217"/>
+        <a:ext cx="6666833" cy="2041200"/>
       </dsp:txXfrm>
     </dsp:sp>
     <dsp:sp modelId="{108E67C6-5681-4CFB-939F-A921A2B6ABAA}">
@@ -3703,8 +3703,8 @@
       </dsp:nvSpPr>
       <dsp:spPr>
         <a:xfrm>
-          <a:off x="333341" y="2756210"/>
-          <a:ext cx="4666783" cy="767520"/>
+          <a:off x="333341" y="2948697"/>
+          <a:ext cx="4666783" cy="797040"/>
         </a:xfrm>
         <a:prstGeom prst="roundRect">
           <a:avLst/>
@@ -3772,7 +3772,7 @@
         </a:bodyPr>
         <a:lstStyle/>
         <a:p>
-          <a:pPr marL="0" lvl="0" indent="0" algn="ctr" defTabSz="1155700">
+          <a:pPr marL="0" lvl="0" indent="0" algn="ctr" defTabSz="1200150">
             <a:lnSpc>
               <a:spcPct val="90000"/>
             </a:lnSpc>
@@ -3785,14 +3785,14 @@
             <a:buNone/>
           </a:pPr>
           <a:r>
-            <a:rPr lang="fr-BE" sz="2600" b="1" kern="1200" dirty="0"/>
+            <a:rPr lang="fr-BE" sz="2700" b="1" kern="1200" dirty="0"/>
             <a:t>vCenter Server</a:t>
           </a:r>
         </a:p>
       </dsp:txBody>
       <dsp:txXfrm>
-        <a:off x="370808" y="2793677"/>
-        <a:ext cx="4591849" cy="692586"/>
+        <a:off x="372249" y="2987605"/>
+        <a:ext cx="4588967" cy="719224"/>
       </dsp:txXfrm>
     </dsp:sp>
   </dsp:spTree>
@@ -3928,10 +3928,10 @@
             <a:buNone/>
           </a:pPr>
           <a:r>
-            <a:rPr lang="fr-FR" sz="2800" kern="1200"/>
+            <a:rPr lang="fr-FR" sz="2800" kern="1200" dirty="0"/>
             <a:t>Configuration des ports de management iDrac</a:t>
           </a:r>
-          <a:endParaRPr lang="en-US" sz="2800" kern="1200"/>
+          <a:endParaRPr lang="en-US" sz="2800" kern="1200" dirty="0"/>
         </a:p>
       </dsp:txBody>
       <dsp:txXfrm>
@@ -4060,10 +4060,10 @@
             <a:buNone/>
           </a:pPr>
           <a:r>
-            <a:rPr lang="fr-FR" sz="2800" kern="1200"/>
+            <a:rPr lang="fr-FR" sz="2800" kern="1200" dirty="0"/>
             <a:t>Préparation du RAID 1 pour le système d’exploitation</a:t>
           </a:r>
-          <a:endParaRPr lang="en-US" sz="2800" kern="1200"/>
+          <a:endParaRPr lang="en-US" sz="2800" kern="1200" dirty="0"/>
         </a:p>
       </dsp:txBody>
       <dsp:txXfrm>
@@ -4620,7 +4620,7 @@
           </a:pPr>
           <a:r>
             <a:rPr lang="fr-BE" sz="2700" kern="1200" dirty="0"/>
-            <a:t>Performance générale</a:t>
+            <a:t>Performance</a:t>
           </a:r>
         </a:p>
       </dsp:txBody>
@@ -8856,7 +8856,7 @@
           <a:p>
             <a:fld id="{A4DC0D45-4F40-491D-965D-C7EE9E0918C2}" type="datetimeFigureOut">
               <a:rPr lang="fr-BE" smtClean="0"/>
-              <a:t>07-05-24</a:t>
+              <a:t>10-05-24</a:t>
             </a:fld>
             <a:endParaRPr lang="fr-BE"/>
           </a:p>
@@ -9882,6 +9882,68 @@
           <a:p>
             <a:r>
               <a:rPr lang="fr-BE" sz="1800" dirty="0">
+                <a:solidFill>
+                  <a:srgbClr val="FF0000"/>
+                </a:solidFill>
+                <a:effectLst/>
+                <a:latin typeface="Calibri" panose="020F0502020204030204" pitchFamily="34" charset="0"/>
+                <a:ea typeface="Times New Roman" panose="02020603050405020304" pitchFamily="18" charset="0"/>
+                <a:cs typeface="Times New Roman" panose="02020603050405020304" pitchFamily="18" charset="0"/>
+              </a:rPr>
+              <a:t>Simplifié a fond car pas </a:t>
+            </a:r>
+            <a:r>
+              <a:rPr lang="fr-BE" sz="1800" dirty="0" err="1">
+                <a:solidFill>
+                  <a:srgbClr val="FF0000"/>
+                </a:solidFill>
+                <a:effectLst/>
+                <a:latin typeface="Calibri" panose="020F0502020204030204" pitchFamily="34" charset="0"/>
+                <a:ea typeface="Times New Roman" panose="02020603050405020304" pitchFamily="18" charset="0"/>
+                <a:cs typeface="Times New Roman" panose="02020603050405020304" pitchFamily="18" charset="0"/>
+              </a:rPr>
+              <a:t>inté</a:t>
+            </a:r>
+            <a:r>
+              <a:rPr lang="fr-BE" sz="1800" dirty="0">
+                <a:solidFill>
+                  <a:srgbClr val="FF0000"/>
+                </a:solidFill>
+                <a:effectLst/>
+                <a:latin typeface="Calibri" panose="020F0502020204030204" pitchFamily="34" charset="0"/>
+                <a:ea typeface="Times New Roman" panose="02020603050405020304" pitchFamily="18" charset="0"/>
+                <a:cs typeface="Times New Roman" panose="02020603050405020304" pitchFamily="18" charset="0"/>
+              </a:rPr>
+              <a:t> a expliqué</a:t>
+            </a:r>
+          </a:p>
+          <a:p>
+            <a:endParaRPr lang="fr-BE" sz="1800" dirty="0">
+              <a:effectLst/>
+              <a:latin typeface="Calibri" panose="020F0502020204030204" pitchFamily="34" charset="0"/>
+              <a:ea typeface="Times New Roman" panose="02020603050405020304" pitchFamily="18" charset="0"/>
+              <a:cs typeface="Times New Roman" panose="02020603050405020304" pitchFamily="18" charset="0"/>
+            </a:endParaRPr>
+          </a:p>
+          <a:p>
+            <a:endParaRPr lang="fr-BE" sz="1800" dirty="0">
+              <a:effectLst/>
+              <a:latin typeface="Calibri" panose="020F0502020204030204" pitchFamily="34" charset="0"/>
+              <a:ea typeface="Times New Roman" panose="02020603050405020304" pitchFamily="18" charset="0"/>
+              <a:cs typeface="Times New Roman" panose="02020603050405020304" pitchFamily="18" charset="0"/>
+            </a:endParaRPr>
+          </a:p>
+          <a:p>
+            <a:endParaRPr lang="fr-BE" sz="1800" dirty="0">
+              <a:effectLst/>
+              <a:latin typeface="Calibri" panose="020F0502020204030204" pitchFamily="34" charset="0"/>
+              <a:ea typeface="Times New Roman" panose="02020603050405020304" pitchFamily="18" charset="0"/>
+              <a:cs typeface="Times New Roman" panose="02020603050405020304" pitchFamily="18" charset="0"/>
+            </a:endParaRPr>
+          </a:p>
+          <a:p>
+            <a:r>
+              <a:rPr lang="fr-BE" sz="1800" dirty="0">
                 <a:effectLst/>
                 <a:latin typeface="Calibri" panose="020F0502020204030204" pitchFamily="34" charset="0"/>
                 <a:ea typeface="Times New Roman" panose="02020603050405020304" pitchFamily="18" charset="0"/>
@@ -10494,7 +10556,10 @@
           <a:bodyPr/>
           <a:lstStyle/>
           <a:p>
-            <a:endParaRPr lang="fr-BE" dirty="0"/>
+            <a:r>
+              <a:rPr lang="fr-BE" dirty="0"/>
+              <a:t>Manque une photo pour dire de ne pas avoir de vide</a:t>
+            </a:r>
           </a:p>
         </p:txBody>
       </p:sp>
@@ -10662,47 +10727,29 @@
           <a:bodyPr/>
           <a:lstStyle/>
           <a:p>
-            <a:pPr>
-              <a:buFont typeface="Wingdings" panose="05000000000000000000" pitchFamily="2" charset="2"/>
-              <a:buChar char="ü"/>
-            </a:pPr>
             <a:r>
-              <a:rPr lang="fr-FR" sz="1200" i="1" dirty="0"/>
-              <a:t>Le problème de temps avec le matériel ne m’a pas permis d’approfondir le sujet comme je l’aurais voulu, surtout pour arriver à ce qui a été convenu pour le stage. </a:t>
+              <a:rPr lang="fr-BE" dirty="0" err="1"/>
+              <a:t>Reformu</a:t>
             </a:r>
-          </a:p>
-          <a:p>
-            <a:pPr>
-              <a:buFont typeface="Wingdings" panose="05000000000000000000" pitchFamily="2" charset="2"/>
-              <a:buChar char="ü"/>
-            </a:pPr>
             <a:r>
-              <a:rPr lang="fr-FR" sz="1200" i="1" dirty="0"/>
-              <a:t>La majorité des points ont été réalisés, comme le concept de l’HCI, sa mise en place et son utilisation, mais la partie réseau avec VMware NSX est une partie qui demande plus de temps de recherche pour sa mise en œuvre. </a:t>
+              <a:rPr lang="fr-BE" dirty="0"/>
+              <a:t> la perfo </a:t>
             </a:r>
-          </a:p>
-          <a:p>
-            <a:pPr>
-              <a:buFont typeface="Wingdings" panose="05000000000000000000" pitchFamily="2" charset="2"/>
-              <a:buChar char="ü"/>
-            </a:pPr>
             <a:r>
-              <a:rPr lang="fr-FR" sz="1200" i="1" dirty="0"/>
-              <a:t>Malgré quelques problèmes, comme l’arrêt du cluster ou mes diverses réinstallations forcées, le système est intuitif dans son installation et dans sa configuration. Le cluster est rapidement mis en place et prêt à fournir ses ressources de manière fiable et sécurisée. </a:t>
+              <a:rPr lang="fr-BE" dirty="0" err="1"/>
+              <a:t>géné</a:t>
             </a:r>
-          </a:p>
-          <a:p>
-            <a:pPr>
-              <a:buFont typeface="Wingdings" panose="05000000000000000000" pitchFamily="2" charset="2"/>
-              <a:buChar char="ü"/>
-            </a:pPr>
+            <a:endParaRPr lang="fr-BE" dirty="0"/>
+          </a:p>
+          <a:p>
             <a:r>
-              <a:rPr lang="fr-FR" sz="1200" i="1" dirty="0"/>
-              <a:t>Les divers cas d’utilisation avec les tests correspondants ont bien montré les forces d’une infrastructure HCI.</a:t>
+              <a:rPr lang="fr-BE" dirty="0" err="1"/>
+              <a:t>Reformu</a:t>
             </a:r>
-          </a:p>
-          <a:p>
-            <a:endParaRPr lang="fr-BE" dirty="0"/>
+            <a:r>
+              <a:rPr lang="fr-BE" dirty="0"/>
+              <a:t> le titre</a:t>
+            </a:r>
           </a:p>
         </p:txBody>
       </p:sp>
@@ -10723,7 +10770,7 @@
           <a:p>
             <a:fld id="{891A7DBC-6ED6-4006-A92E-F3B49A4F1505}" type="slidenum">
               <a:rPr lang="fr-BE" smtClean="0"/>
-              <a:t>25</a:t>
+              <a:t>23</a:t>
             </a:fld>
             <a:endParaRPr lang="fr-BE"/>
           </a:p>
@@ -10732,7 +10779,7 @@
     </p:spTree>
     <p:extLst>
       <p:ext uri="{BB962C8B-B14F-4D97-AF65-F5344CB8AC3E}">
-        <p14:creationId xmlns:p14="http://schemas.microsoft.com/office/powerpoint/2010/main" val="1544908769"/>
+        <p14:creationId xmlns:p14="http://schemas.microsoft.com/office/powerpoint/2010/main" val="3729829720"/>
       </p:ext>
     </p:extLst>
   </p:cSld>
@@ -10786,76 +10833,44 @@
           <a:bodyPr/>
           <a:lstStyle/>
           <a:p>
+            <a:pPr>
+              <a:buFont typeface="Wingdings" panose="05000000000000000000" pitchFamily="2" charset="2"/>
+              <a:buChar char="ü"/>
+            </a:pPr>
             <a:r>
-              <a:rPr lang="fr-BE" dirty="0"/>
-              <a:t>En conclusion, selon le cas d’utilisation, une infrastructure HCI amène plusieurs avantages à travers son utilisation et donne aux entreprises le plein droit de leur environnement. </a:t>
+              <a:rPr lang="fr-FR" sz="1200" i="1" dirty="0"/>
+              <a:t>Le problème de temps avec le matériel ne m’a pas permis d’approfondir le sujet comme je l’aurais voulu, surtout pour arriver à ce qui a été convenu pour le stage. </a:t>
             </a:r>
           </a:p>
           <a:p>
-            <a:endParaRPr lang="fr-BE" dirty="0"/>
-          </a:p>
-          <a:p>
+            <a:pPr>
+              <a:buFont typeface="Wingdings" panose="05000000000000000000" pitchFamily="2" charset="2"/>
+              <a:buChar char="ü"/>
+            </a:pPr>
             <a:r>
-              <a:rPr lang="fr-BE" dirty="0"/>
-              <a:t>L’installation simplifié et quasiment automatisé rend les systèmes HCI simpliste dans leur installations et configuration</a:t>
+              <a:rPr lang="fr-FR" sz="1200" i="1" dirty="0"/>
+              <a:t>La majorité des points ont été réalisés, comme le concept de l’HCI, sa mise en place et son utilisation, mais la partie réseau avec VMware NSX est une partie qui demande plus de temps de recherche pour sa mise en œuvre. </a:t>
             </a:r>
           </a:p>
           <a:p>
-            <a:endParaRPr lang="fr-BE" dirty="0"/>
-          </a:p>
-          <a:p>
+            <a:pPr>
+              <a:buFont typeface="Wingdings" panose="05000000000000000000" pitchFamily="2" charset="2"/>
+              <a:buChar char="ü"/>
+            </a:pPr>
             <a:r>
-              <a:rPr lang="fr-BE" dirty="0"/>
-              <a:t>Cependant, la multitude de services proposé amène une certaine complexité qui selon le cas peut être assez compliquer dans son implémentation</a:t>
+              <a:rPr lang="fr-FR" sz="1200" i="1" dirty="0"/>
+              <a:t>Malgré quelques problèmes, comme l’arrêt du cluster ou mes diverses réinstallations forcées, le système est intuitif dans son installation et dans sa configuration. Le cluster est rapidement mis en place et prêt à fournir ses ressources de manière fiable et sécurisée. </a:t>
             </a:r>
           </a:p>
           <a:p>
-            <a:endParaRPr lang="fr-BE" dirty="0"/>
-          </a:p>
-          <a:p>
+            <a:pPr>
+              <a:buFont typeface="Wingdings" panose="05000000000000000000" pitchFamily="2" charset="2"/>
+              <a:buChar char="ü"/>
+            </a:pPr>
             <a:r>
-              <a:rPr lang="fr-BE" dirty="0"/>
-              <a:t>En plus il faut impérativement mettre en place une bonne méthodologie de recherches par rapport aux matériels que l’on voudra utiliser.</a:t>
+              <a:rPr lang="fr-FR" sz="1200" i="1" dirty="0"/>
+              <a:t>Les divers cas d’utilisation avec les tests correspondants ont bien montré les forces d’une infrastructure HCI.</a:t>
             </a:r>
-          </a:p>
-          <a:p>
-            <a:endParaRPr lang="fr-BE" dirty="0"/>
-          </a:p>
-          <a:p>
-            <a:r>
-              <a:rPr lang="fr-BE" dirty="0"/>
-              <a:t>Malgré ça, l’utilisation des solutions HCI est déjà bien implanté dans les entreprises. </a:t>
-            </a:r>
-          </a:p>
-          <a:p>
-            <a:endParaRPr lang="fr-BE" dirty="0"/>
-          </a:p>
-          <a:p>
-            <a:r>
-              <a:rPr lang="fr-BE" dirty="0"/>
-              <a:t>Ce choix se démontre par les avantages sur mis et long terme que cette technologie apporte sur l’économie, la gestion, l’optimisation ou encore l’assurance d’avoir de la disponibilité et de la sécurité sur ces charges de travailles.</a:t>
-            </a:r>
-          </a:p>
-          <a:p>
-            <a:endParaRPr lang="fr-BE" dirty="0"/>
-          </a:p>
-          <a:p>
-            <a:endParaRPr lang="fr-BE" dirty="0"/>
-          </a:p>
-          <a:p>
-            <a:endParaRPr lang="fr-BE" dirty="0"/>
-          </a:p>
-          <a:p>
-            <a:endParaRPr lang="fr-BE" dirty="0"/>
-          </a:p>
-          <a:p>
-            <a:endParaRPr lang="fr-BE" dirty="0"/>
-          </a:p>
-          <a:p>
-            <a:endParaRPr lang="fr-BE" dirty="0"/>
-          </a:p>
-          <a:p>
-            <a:endParaRPr lang="fr-BE" dirty="0"/>
           </a:p>
           <a:p>
             <a:endParaRPr lang="fr-BE" dirty="0"/>
@@ -10879,7 +10894,7 @@
           <a:p>
             <a:fld id="{891A7DBC-6ED6-4006-A92E-F3B49A4F1505}" type="slidenum">
               <a:rPr lang="fr-BE" smtClean="0"/>
-              <a:t>26</a:t>
+              <a:t>25</a:t>
             </a:fld>
             <a:endParaRPr lang="fr-BE"/>
           </a:p>
@@ -10888,7 +10903,7 @@
     </p:spTree>
     <p:extLst>
       <p:ext uri="{BB962C8B-B14F-4D97-AF65-F5344CB8AC3E}">
-        <p14:creationId xmlns:p14="http://schemas.microsoft.com/office/powerpoint/2010/main" val="3645701222"/>
+        <p14:creationId xmlns:p14="http://schemas.microsoft.com/office/powerpoint/2010/main" val="1544908769"/>
       </p:ext>
     </p:extLst>
   </p:cSld>
@@ -11114,6 +11129,162 @@
     <p:extLst>
       <p:ext uri="{BB962C8B-B14F-4D97-AF65-F5344CB8AC3E}">
         <p14:creationId xmlns:p14="http://schemas.microsoft.com/office/powerpoint/2010/main" val="192723659"/>
+      </p:ext>
+    </p:extLst>
+  </p:cSld>
+  <p:clrMapOvr>
+    <a:masterClrMapping/>
+  </p:clrMapOvr>
+</p:notes>
+</file>
+
+<file path=ppt/notesSlides/notesSlide20.xml><?xml version="1.0" encoding="utf-8"?>
+<p:notes xmlns:a="http://schemas.openxmlformats.org/drawingml/2006/main" xmlns:r="http://schemas.openxmlformats.org/officeDocument/2006/relationships" xmlns:p="http://schemas.openxmlformats.org/presentationml/2006/main">
+  <p:cSld>
+    <p:spTree>
+      <p:nvGrpSpPr>
+        <p:cNvPr id="1" name=""/>
+        <p:cNvGrpSpPr/>
+        <p:nvPr/>
+      </p:nvGrpSpPr>
+      <p:grpSpPr>
+        <a:xfrm>
+          <a:off x="0" y="0"/>
+          <a:ext cx="0" cy="0"/>
+          <a:chOff x="0" y="0"/>
+          <a:chExt cx="0" cy="0"/>
+        </a:xfrm>
+      </p:grpSpPr>
+      <p:sp>
+        <p:nvSpPr>
+          <p:cNvPr id="2" name="Espace réservé de l'image des diapositives 1"/>
+          <p:cNvSpPr>
+            <a:spLocks noGrp="1" noRot="1" noChangeAspect="1"/>
+          </p:cNvSpPr>
+          <p:nvPr>
+            <p:ph type="sldImg"/>
+          </p:nvPr>
+        </p:nvSpPr>
+        <p:spPr/>
+      </p:sp>
+      <p:sp>
+        <p:nvSpPr>
+          <p:cNvPr id="3" name="Espace réservé des notes 2"/>
+          <p:cNvSpPr>
+            <a:spLocks noGrp="1"/>
+          </p:cNvSpPr>
+          <p:nvPr>
+            <p:ph type="body" idx="1"/>
+          </p:nvPr>
+        </p:nvSpPr>
+        <p:spPr/>
+        <p:txBody>
+          <a:bodyPr/>
+          <a:lstStyle/>
+          <a:p>
+            <a:r>
+              <a:rPr lang="fr-BE" dirty="0"/>
+              <a:t>En conclusion, selon le cas d’utilisation, une infrastructure HCI amène plusieurs avantages à travers son utilisation et donne aux entreprises le plein droit de leur environnement. </a:t>
+            </a:r>
+          </a:p>
+          <a:p>
+            <a:endParaRPr lang="fr-BE" dirty="0"/>
+          </a:p>
+          <a:p>
+            <a:r>
+              <a:rPr lang="fr-BE" dirty="0"/>
+              <a:t>L’installation simplifié et quasiment automatisé rend les systèmes HCI simpliste dans leur installations et configuration</a:t>
+            </a:r>
+          </a:p>
+          <a:p>
+            <a:endParaRPr lang="fr-BE" dirty="0"/>
+          </a:p>
+          <a:p>
+            <a:r>
+              <a:rPr lang="fr-BE" dirty="0"/>
+              <a:t>Cependant, la multitude de services proposé amène une certaine complexité qui selon le cas peut être assez compliquer dans son implémentation</a:t>
+            </a:r>
+          </a:p>
+          <a:p>
+            <a:endParaRPr lang="fr-BE" dirty="0"/>
+          </a:p>
+          <a:p>
+            <a:r>
+              <a:rPr lang="fr-BE" dirty="0"/>
+              <a:t>En plus il faut impérativement mettre en place une bonne méthodologie de recherches par rapport aux matériels que l’on voudra utiliser.</a:t>
+            </a:r>
+          </a:p>
+          <a:p>
+            <a:endParaRPr lang="fr-BE" dirty="0"/>
+          </a:p>
+          <a:p>
+            <a:r>
+              <a:rPr lang="fr-BE" dirty="0"/>
+              <a:t>Malgré ça, l’utilisation des solutions HCI est déjà bien implanté dans les entreprises. </a:t>
+            </a:r>
+          </a:p>
+          <a:p>
+            <a:endParaRPr lang="fr-BE" dirty="0"/>
+          </a:p>
+          <a:p>
+            <a:r>
+              <a:rPr lang="fr-BE" dirty="0"/>
+              <a:t>Ce choix se démontre par les avantages sur mis et long terme que cette technologie apporte sur l’économie, la gestion, l’optimisation ou encore l’assurance d’avoir de la disponibilité et de la sécurité sur ces charges de travailles.</a:t>
+            </a:r>
+          </a:p>
+          <a:p>
+            <a:endParaRPr lang="fr-BE" dirty="0"/>
+          </a:p>
+          <a:p>
+            <a:endParaRPr lang="fr-BE" dirty="0"/>
+          </a:p>
+          <a:p>
+            <a:endParaRPr lang="fr-BE" dirty="0"/>
+          </a:p>
+          <a:p>
+            <a:endParaRPr lang="fr-BE" dirty="0"/>
+          </a:p>
+          <a:p>
+            <a:endParaRPr lang="fr-BE" dirty="0"/>
+          </a:p>
+          <a:p>
+            <a:endParaRPr lang="fr-BE" dirty="0"/>
+          </a:p>
+          <a:p>
+            <a:endParaRPr lang="fr-BE" dirty="0"/>
+          </a:p>
+          <a:p>
+            <a:endParaRPr lang="fr-BE" dirty="0"/>
+          </a:p>
+        </p:txBody>
+      </p:sp>
+      <p:sp>
+        <p:nvSpPr>
+          <p:cNvPr id="4" name="Espace réservé du numéro de diapositive 3"/>
+          <p:cNvSpPr>
+            <a:spLocks noGrp="1"/>
+          </p:cNvSpPr>
+          <p:nvPr>
+            <p:ph type="sldNum" sz="quarter" idx="5"/>
+          </p:nvPr>
+        </p:nvSpPr>
+        <p:spPr/>
+        <p:txBody>
+          <a:bodyPr/>
+          <a:lstStyle/>
+          <a:p>
+            <a:fld id="{891A7DBC-6ED6-4006-A92E-F3B49A4F1505}" type="slidenum">
+              <a:rPr lang="fr-BE" smtClean="0"/>
+              <a:t>26</a:t>
+            </a:fld>
+            <a:endParaRPr lang="fr-BE"/>
+          </a:p>
+        </p:txBody>
+      </p:sp>
+    </p:spTree>
+    <p:extLst>
+      <p:ext uri="{BB962C8B-B14F-4D97-AF65-F5344CB8AC3E}">
+        <p14:creationId xmlns:p14="http://schemas.microsoft.com/office/powerpoint/2010/main" val="3645701222"/>
       </p:ext>
     </p:extLst>
   </p:cSld>
@@ -11371,6 +11542,73 @@
                 <a:ea typeface="Times New Roman" panose="02020603050405020304" pitchFamily="18" charset="0"/>
                 <a:cs typeface="Times New Roman" panose="02020603050405020304" pitchFamily="18" charset="0"/>
               </a:rPr>
+              <a:t>Ajouté plus d’info sur ce que l’HCI amène (avant plusieurs serveurs alors que mtn un suffit)</a:t>
+            </a:r>
+          </a:p>
+          <a:p>
+            <a:pPr>
+              <a:lnSpc>
+                <a:spcPct val="107000"/>
+              </a:lnSpc>
+              <a:spcAft>
+                <a:spcPts val="800"/>
+              </a:spcAft>
+            </a:pPr>
+            <a:endParaRPr lang="fr-BE" sz="1800" dirty="0">
+              <a:effectLst/>
+              <a:latin typeface="Calibri" panose="020F0502020204030204" pitchFamily="34" charset="0"/>
+              <a:ea typeface="Times New Roman" panose="02020603050405020304" pitchFamily="18" charset="0"/>
+              <a:cs typeface="Times New Roman" panose="02020603050405020304" pitchFamily="18" charset="0"/>
+            </a:endParaRPr>
+          </a:p>
+          <a:p>
+            <a:pPr>
+              <a:lnSpc>
+                <a:spcPct val="107000"/>
+              </a:lnSpc>
+              <a:spcAft>
+                <a:spcPts val="800"/>
+              </a:spcAft>
+            </a:pPr>
+            <a:endParaRPr lang="fr-BE" sz="1800" dirty="0">
+              <a:effectLst/>
+              <a:latin typeface="Calibri" panose="020F0502020204030204" pitchFamily="34" charset="0"/>
+              <a:ea typeface="Times New Roman" panose="02020603050405020304" pitchFamily="18" charset="0"/>
+              <a:cs typeface="Times New Roman" panose="02020603050405020304" pitchFamily="18" charset="0"/>
+            </a:endParaRPr>
+          </a:p>
+          <a:p>
+            <a:pPr>
+              <a:lnSpc>
+                <a:spcPct val="107000"/>
+              </a:lnSpc>
+              <a:spcAft>
+                <a:spcPts val="800"/>
+              </a:spcAft>
+            </a:pPr>
+            <a:endParaRPr lang="fr-BE" sz="1800" dirty="0">
+              <a:effectLst/>
+              <a:latin typeface="Calibri" panose="020F0502020204030204" pitchFamily="34" charset="0"/>
+              <a:ea typeface="Times New Roman" panose="02020603050405020304" pitchFamily="18" charset="0"/>
+              <a:cs typeface="Times New Roman" panose="02020603050405020304" pitchFamily="18" charset="0"/>
+            </a:endParaRPr>
+          </a:p>
+          <a:p>
+            <a:pPr>
+              <a:lnSpc>
+                <a:spcPct val="107000"/>
+              </a:lnSpc>
+              <a:spcAft>
+                <a:spcPts val="800"/>
+              </a:spcAft>
+            </a:pPr>
+            <a:r>
+              <a:rPr lang="fr-BE" sz="1800" dirty="0">
+                <a:effectLst/>
+                <a:latin typeface="Calibri" panose="020F0502020204030204" pitchFamily="34" charset="0"/>
+                <a:ea typeface="Times New Roman" panose="02020603050405020304" pitchFamily="18" charset="0"/>
+                <a:cs typeface="Times New Roman" panose="02020603050405020304" pitchFamily="18" charset="0"/>
+              </a:rPr>
               <a:t>L'hyperconvergence dans le domaine de l'informatique est une approche qui cherche à unifier les ressources. </a:t>
             </a:r>
           </a:p>
@@ -11449,6 +11687,12 @@
           </a:p>
           <a:p>
             <a:endParaRPr lang="fr-FR" dirty="0"/>
+          </a:p>
+          <a:p>
+            <a:r>
+              <a:rPr lang="fr-FR" dirty="0"/>
+              <a:t>Ajouté plus</a:t>
+            </a:r>
           </a:p>
         </p:txBody>
       </p:sp>
@@ -11532,7 +11776,10 @@
           <a:bodyPr/>
           <a:lstStyle/>
           <a:p>
-            <a:endParaRPr lang="fr-BE" dirty="0"/>
+            <a:r>
+              <a:rPr lang="fr-BE" dirty="0"/>
+              <a:t>Savoir pourquoi, savoir expliqué</a:t>
+            </a:r>
           </a:p>
         </p:txBody>
       </p:sp>
@@ -11617,6 +11864,30 @@
           <a:lstStyle/>
           <a:p>
             <a:r>
+              <a:rPr lang="fr-FR" dirty="0" err="1"/>
+              <a:t>Reformu</a:t>
+            </a:r>
+            <a:r>
+              <a:rPr lang="fr-FR" dirty="0"/>
+              <a:t> le coût </a:t>
+            </a:r>
+            <a:r>
+              <a:rPr lang="fr-FR" dirty="0" err="1"/>
+              <a:t>ini</a:t>
+            </a:r>
+            <a:endParaRPr lang="fr-FR" dirty="0"/>
+          </a:p>
+          <a:p>
+            <a:endParaRPr lang="fr-FR" dirty="0"/>
+          </a:p>
+          <a:p>
+            <a:endParaRPr lang="fr-FR" dirty="0"/>
+          </a:p>
+          <a:p>
+            <a:endParaRPr lang="fr-FR" dirty="0"/>
+          </a:p>
+          <a:p>
+            <a:r>
               <a:rPr lang="fr-FR" dirty="0"/>
               <a:t>A1.	La solution offre aux </a:t>
             </a:r>
@@ -12272,7 +12543,7 @@
           <a:p>
             <a:fld id="{CFCD01D5-3C04-4AE6-AEE8-C25531D93149}" type="datetimeFigureOut">
               <a:rPr lang="fr-BE" smtClean="0"/>
-              <a:t>07-05-24</a:t>
+              <a:t>10-05-24</a:t>
             </a:fld>
             <a:endParaRPr lang="fr-BE"/>
           </a:p>
@@ -12472,7 +12743,7 @@
           <a:p>
             <a:fld id="{CFCD01D5-3C04-4AE6-AEE8-C25531D93149}" type="datetimeFigureOut">
               <a:rPr lang="fr-BE" smtClean="0"/>
-              <a:t>07-05-24</a:t>
+              <a:t>10-05-24</a:t>
             </a:fld>
             <a:endParaRPr lang="fr-BE"/>
           </a:p>
@@ -12682,7 +12953,7 @@
           <a:p>
             <a:fld id="{CFCD01D5-3C04-4AE6-AEE8-C25531D93149}" type="datetimeFigureOut">
               <a:rPr lang="fr-BE" smtClean="0"/>
-              <a:t>07-05-24</a:t>
+              <a:t>10-05-24</a:t>
             </a:fld>
             <a:endParaRPr lang="fr-BE"/>
           </a:p>
@@ -12882,7 +13153,7 @@
           <a:p>
             <a:fld id="{CFCD01D5-3C04-4AE6-AEE8-C25531D93149}" type="datetimeFigureOut">
               <a:rPr lang="fr-BE" smtClean="0"/>
-              <a:t>07-05-24</a:t>
+              <a:t>10-05-24</a:t>
             </a:fld>
             <a:endParaRPr lang="fr-BE"/>
           </a:p>
@@ -13158,7 +13429,7 @@
           <a:p>
             <a:fld id="{CFCD01D5-3C04-4AE6-AEE8-C25531D93149}" type="datetimeFigureOut">
               <a:rPr lang="fr-BE" smtClean="0"/>
-              <a:t>07-05-24</a:t>
+              <a:t>10-05-24</a:t>
             </a:fld>
             <a:endParaRPr lang="fr-BE"/>
           </a:p>
@@ -13426,7 +13697,7 @@
           <a:p>
             <a:fld id="{CFCD01D5-3C04-4AE6-AEE8-C25531D93149}" type="datetimeFigureOut">
               <a:rPr lang="fr-BE" smtClean="0"/>
-              <a:t>07-05-24</a:t>
+              <a:t>10-05-24</a:t>
             </a:fld>
             <a:endParaRPr lang="fr-BE"/>
           </a:p>
@@ -13841,7 +14112,7 @@
           <a:p>
             <a:fld id="{CFCD01D5-3C04-4AE6-AEE8-C25531D93149}" type="datetimeFigureOut">
               <a:rPr lang="fr-BE" smtClean="0"/>
-              <a:t>07-05-24</a:t>
+              <a:t>10-05-24</a:t>
             </a:fld>
             <a:endParaRPr lang="fr-BE"/>
           </a:p>
@@ -13983,7 +14254,7 @@
           <a:p>
             <a:fld id="{CFCD01D5-3C04-4AE6-AEE8-C25531D93149}" type="datetimeFigureOut">
               <a:rPr lang="fr-BE" smtClean="0"/>
-              <a:t>07-05-24</a:t>
+              <a:t>10-05-24</a:t>
             </a:fld>
             <a:endParaRPr lang="fr-BE"/>
           </a:p>
@@ -14096,7 +14367,7 @@
           <a:p>
             <a:fld id="{CFCD01D5-3C04-4AE6-AEE8-C25531D93149}" type="datetimeFigureOut">
               <a:rPr lang="fr-BE" smtClean="0"/>
-              <a:t>07-05-24</a:t>
+              <a:t>10-05-24</a:t>
             </a:fld>
             <a:endParaRPr lang="fr-BE"/>
           </a:p>
@@ -14409,7 +14680,7 @@
           <a:p>
             <a:fld id="{CFCD01D5-3C04-4AE6-AEE8-C25531D93149}" type="datetimeFigureOut">
               <a:rPr lang="fr-BE" smtClean="0"/>
-              <a:t>07-05-24</a:t>
+              <a:t>10-05-24</a:t>
             </a:fld>
             <a:endParaRPr lang="fr-BE"/>
           </a:p>
@@ -14698,7 +14969,7 @@
           <a:p>
             <a:fld id="{CFCD01D5-3C04-4AE6-AEE8-C25531D93149}" type="datetimeFigureOut">
               <a:rPr lang="fr-BE" smtClean="0"/>
-              <a:t>07-05-24</a:t>
+              <a:t>10-05-24</a:t>
             </a:fld>
             <a:endParaRPr lang="fr-BE"/>
           </a:p>
@@ -14941,7 +15212,7 @@
           <a:p>
             <a:fld id="{CFCD01D5-3C04-4AE6-AEE8-C25531D93149}" type="datetimeFigureOut">
               <a:rPr lang="fr-BE" smtClean="0"/>
-              <a:t>07-05-24</a:t>
+              <a:t>10-05-24</a:t>
             </a:fld>
             <a:endParaRPr lang="fr-BE"/>
           </a:p>
@@ -17568,7 +17839,7 @@
           <p:nvPr>
             <p:extLst>
               <p:ext uri="{D42A27DB-BD31-4B8C-83A1-F6EECF244321}">
-                <p14:modId xmlns:p14="http://schemas.microsoft.com/office/powerpoint/2010/main" val="1528328150"/>
+                <p14:modId xmlns:p14="http://schemas.microsoft.com/office/powerpoint/2010/main" val="3980283517"/>
               </p:ext>
             </p:extLst>
           </p:nvPr>
@@ -18138,55 +18409,6 @@
           </a:effectLst>
         </p:spPr>
       </p:pic>
-      <p:pic>
-        <p:nvPicPr>
-          <p:cNvPr id="2" name="Image 1" descr="Une image contenant texte, capture d’écran, conception&#10;&#10;Description générée automatiquement">
-            <a:extLst>
-              <a:ext uri="{FF2B5EF4-FFF2-40B4-BE49-F238E27FC236}">
-                <a16:creationId xmlns:a16="http://schemas.microsoft.com/office/drawing/2014/main" id="{8C446FA9-BE1D-6CC5-3432-59EF4A559E52}"/>
-              </a:ext>
-            </a:extLst>
-          </p:cNvPr>
-          <p:cNvPicPr>
-            <a:picLocks noChangeAspect="1"/>
-          </p:cNvPicPr>
-          <p:nvPr/>
-        </p:nvPicPr>
-        <p:blipFill>
-          <a:blip r:embed="rId5">
-            <a:extLst>
-              <a:ext uri="{28A0092B-C50C-407E-A947-70E740481C1C}">
-                <a14:useLocalDpi xmlns:a14="http://schemas.microsoft.com/office/drawing/2010/main" val="0"/>
-              </a:ext>
-            </a:extLst>
-          </a:blip>
-          <a:stretch>
-            <a:fillRect/>
-          </a:stretch>
-        </p:blipFill>
-        <p:spPr bwMode="auto">
-          <a:xfrm>
-            <a:off x="729936" y="2521658"/>
-            <a:ext cx="2901661" cy="3218041"/>
-          </a:xfrm>
-          <a:prstGeom prst="roundRect">
-            <a:avLst>
-              <a:gd name="adj" fmla="val 7034"/>
-            </a:avLst>
-          </a:prstGeom>
-          <a:solidFill>
-            <a:srgbClr val="FFFFFF">
-              <a:shade val="85000"/>
-            </a:srgbClr>
-          </a:solidFill>
-          <a:ln>
-            <a:noFill/>
-          </a:ln>
-          <a:effectLst>
-            <a:reflection blurRad="12700" stA="38000" endPos="28000" dist="5000" dir="5400000" sy="-100000" algn="bl" rotWithShape="0"/>
-          </a:effectLst>
-        </p:spPr>
-      </p:pic>
       <p:sp>
         <p:nvSpPr>
           <p:cNvPr id="5" name="ZoneTexte 4">
@@ -18304,6 +18526,55 @@
           </a:p>
         </p:txBody>
       </p:sp>
+      <p:pic>
+        <p:nvPicPr>
+          <p:cNvPr id="9" name="Image 8" descr="Une image contenant texte, capture d’écran, diagramme, conception&#10;&#10;Description générée automatiquement">
+            <a:extLst>
+              <a:ext uri="{FF2B5EF4-FFF2-40B4-BE49-F238E27FC236}">
+                <a16:creationId xmlns:a16="http://schemas.microsoft.com/office/drawing/2014/main" id="{89A3DA13-D32D-85FC-3A18-ACE9B9D0CF12}"/>
+              </a:ext>
+            </a:extLst>
+          </p:cNvPr>
+          <p:cNvPicPr>
+            <a:picLocks noChangeAspect="1"/>
+          </p:cNvPicPr>
+          <p:nvPr/>
+        </p:nvPicPr>
+        <p:blipFill>
+          <a:blip r:embed="rId5">
+            <a:extLst>
+              <a:ext uri="{28A0092B-C50C-407E-A947-70E740481C1C}">
+                <a14:useLocalDpi xmlns:a14="http://schemas.microsoft.com/office/drawing/2010/main" val="0"/>
+              </a:ext>
+            </a:extLst>
+          </a:blip>
+          <a:stretch>
+            <a:fillRect/>
+          </a:stretch>
+        </p:blipFill>
+        <p:spPr>
+          <a:xfrm>
+            <a:off x="1019482" y="2426165"/>
+            <a:ext cx="2480655" cy="3619317"/>
+          </a:xfrm>
+          <a:prstGeom prst="roundRect">
+            <a:avLst>
+              <a:gd name="adj" fmla="val 8594"/>
+            </a:avLst>
+          </a:prstGeom>
+          <a:solidFill>
+            <a:srgbClr val="FFFFFF">
+              <a:shade val="85000"/>
+            </a:srgbClr>
+          </a:solidFill>
+          <a:ln>
+            <a:noFill/>
+          </a:ln>
+          <a:effectLst>
+            <a:reflection blurRad="12700" stA="38000" endPos="28000" dist="5000" dir="5400000" sy="-100000" algn="bl" rotWithShape="0"/>
+          </a:effectLst>
+        </p:spPr>
+      </p:pic>
     </p:spTree>
     <p:extLst>
       <p:ext uri="{BB962C8B-B14F-4D97-AF65-F5344CB8AC3E}">
@@ -18329,6 +18600,9 @@
                     <p:cTn id="3" fill="hold">
                       <p:stCondLst>
                         <p:cond delay="indefinite"/>
+                        <p:cond evt="onBegin" delay="0">
+                          <p:tn val="2"/>
+                        </p:cond>
                       </p:stCondLst>
                       <p:childTnLst>
                         <p:par>
@@ -18338,7 +18612,7 @@
                             </p:stCondLst>
                             <p:childTnLst>
                               <p:par>
-                                <p:cTn id="5" presetID="2" presetClass="entr" presetSubtype="4" fill="hold" nodeType="clickEffect">
+                                <p:cTn id="5" presetID="2" presetClass="entr" presetSubtype="4" fill="hold" grpId="0" nodeType="withEffect">
                                   <p:stCondLst>
                                     <p:cond delay="0"/>
                                   </p:stCondLst>
@@ -18346,79 +18620,6 @@
                                     <p:set>
                                       <p:cBhvr>
                                         <p:cTn id="6" dur="1" fill="hold">
-                                          <p:stCondLst>
-                                            <p:cond delay="0"/>
-                                          </p:stCondLst>
-                                        </p:cTn>
-                                        <p:tgtEl>
-                                          <p:spTgt spid="2"/>
-                                        </p:tgtEl>
-                                        <p:attrNameLst>
-                                          <p:attrName>style.visibility</p:attrName>
-                                        </p:attrNameLst>
-                                      </p:cBhvr>
-                                      <p:to>
-                                        <p:strVal val="visible"/>
-                                      </p:to>
-                                    </p:set>
-                                    <p:anim calcmode="lin" valueType="num">
-                                      <p:cBhvr additive="base">
-                                        <p:cTn id="7" dur="500" fill="hold"/>
-                                        <p:tgtEl>
-                                          <p:spTgt spid="2"/>
-                                        </p:tgtEl>
-                                        <p:attrNameLst>
-                                          <p:attrName>ppt_x</p:attrName>
-                                        </p:attrNameLst>
-                                      </p:cBhvr>
-                                      <p:tavLst>
-                                        <p:tav tm="0">
-                                          <p:val>
-                                            <p:strVal val="#ppt_x"/>
-                                          </p:val>
-                                        </p:tav>
-                                        <p:tav tm="100000">
-                                          <p:val>
-                                            <p:strVal val="#ppt_x"/>
-                                          </p:val>
-                                        </p:tav>
-                                      </p:tavLst>
-                                    </p:anim>
-                                    <p:anim calcmode="lin" valueType="num">
-                                      <p:cBhvr additive="base">
-                                        <p:cTn id="8" dur="500" fill="hold"/>
-                                        <p:tgtEl>
-                                          <p:spTgt spid="2"/>
-                                        </p:tgtEl>
-                                        <p:attrNameLst>
-                                          <p:attrName>ppt_y</p:attrName>
-                                        </p:attrNameLst>
-                                      </p:cBhvr>
-                                      <p:tavLst>
-                                        <p:tav tm="0">
-                                          <p:val>
-                                            <p:strVal val="1+#ppt_h/2"/>
-                                          </p:val>
-                                        </p:tav>
-                                        <p:tav tm="100000">
-                                          <p:val>
-                                            <p:strVal val="#ppt_y"/>
-                                          </p:val>
-                                        </p:tav>
-                                      </p:tavLst>
-                                    </p:anim>
-                                  </p:childTnLst>
-                                </p:cTn>
-                              </p:par>
-                              <p:par>
-                                <p:cTn id="9" presetID="2" presetClass="entr" presetSubtype="4" fill="hold" grpId="0" nodeType="withEffect">
-                                  <p:stCondLst>
-                                    <p:cond delay="0"/>
-                                  </p:stCondLst>
-                                  <p:childTnLst>
-                                    <p:set>
-                                      <p:cBhvr>
-                                        <p:cTn id="10" dur="1" fill="hold">
                                           <p:stCondLst>
                                             <p:cond delay="0"/>
                                           </p:stCondLst>
@@ -18436,7 +18637,7 @@
                                     </p:set>
                                     <p:anim calcmode="lin" valueType="num">
                                       <p:cBhvr additive="base">
-                                        <p:cTn id="11" dur="500" fill="hold"/>
+                                        <p:cTn id="7" dur="500" fill="hold"/>
                                         <p:tgtEl>
                                           <p:spTgt spid="5"/>
                                         </p:tgtEl>
@@ -18459,7 +18660,7 @@
                                     </p:anim>
                                     <p:anim calcmode="lin" valueType="num">
                                       <p:cBhvr additive="base">
-                                        <p:cTn id="12" dur="500" fill="hold"/>
+                                        <p:cTn id="8" dur="500" fill="hold"/>
                                         <p:tgtEl>
                                           <p:spTgt spid="5"/>
                                         </p:tgtEl>
@@ -18490,26 +18691,26 @@
                     </p:cTn>
                   </p:par>
                   <p:par>
-                    <p:cTn id="13" fill="hold">
+                    <p:cTn id="9" fill="hold">
                       <p:stCondLst>
                         <p:cond delay="indefinite"/>
                       </p:stCondLst>
                       <p:childTnLst>
                         <p:par>
-                          <p:cTn id="14" fill="hold">
+                          <p:cTn id="10" fill="hold">
                             <p:stCondLst>
                               <p:cond delay="0"/>
                             </p:stCondLst>
                             <p:childTnLst>
                               <p:par>
-                                <p:cTn id="15" presetID="2" presetClass="entr" presetSubtype="4" fill="hold" nodeType="clickEffect">
+                                <p:cTn id="11" presetID="2" presetClass="entr" presetSubtype="4" fill="hold" nodeType="clickEffect">
                                   <p:stCondLst>
                                     <p:cond delay="0"/>
                                   </p:stCondLst>
                                   <p:childTnLst>
                                     <p:set>
                                       <p:cBhvr>
-                                        <p:cTn id="16" dur="1" fill="hold">
+                                        <p:cTn id="12" dur="1" fill="hold">
                                           <p:stCondLst>
                                             <p:cond delay="0"/>
                                           </p:stCondLst>
@@ -18527,7 +18728,7 @@
                                     </p:set>
                                     <p:anim calcmode="lin" valueType="num">
                                       <p:cBhvr additive="base">
-                                        <p:cTn id="17" dur="500" fill="hold"/>
+                                        <p:cTn id="13" dur="500" fill="hold"/>
                                         <p:tgtEl>
                                           <p:spTgt spid="3"/>
                                         </p:tgtEl>
@@ -18550,7 +18751,7 @@
                                     </p:anim>
                                     <p:anim calcmode="lin" valueType="num">
                                       <p:cBhvr additive="base">
-                                        <p:cTn id="18" dur="500" fill="hold"/>
+                                        <p:cTn id="14" dur="500" fill="hold"/>
                                         <p:tgtEl>
                                           <p:spTgt spid="3"/>
                                         </p:tgtEl>
@@ -18575,14 +18776,14 @@
                                 </p:cTn>
                               </p:par>
                               <p:par>
-                                <p:cTn id="19" presetID="2" presetClass="entr" presetSubtype="4" fill="hold" grpId="0" nodeType="withEffect">
+                                <p:cTn id="15" presetID="2" presetClass="entr" presetSubtype="4" fill="hold" grpId="0" nodeType="withEffect">
                                   <p:stCondLst>
                                     <p:cond delay="0"/>
                                   </p:stCondLst>
                                   <p:childTnLst>
                                     <p:set>
                                       <p:cBhvr>
-                                        <p:cTn id="20" dur="1" fill="hold">
+                                        <p:cTn id="16" dur="1" fill="hold">
                                           <p:stCondLst>
                                             <p:cond delay="0"/>
                                           </p:stCondLst>
@@ -18600,7 +18801,7 @@
                                     </p:set>
                                     <p:anim calcmode="lin" valueType="num">
                                       <p:cBhvr additive="base">
-                                        <p:cTn id="21" dur="500" fill="hold"/>
+                                        <p:cTn id="17" dur="500" fill="hold"/>
                                         <p:tgtEl>
                                           <p:spTgt spid="6"/>
                                         </p:tgtEl>
@@ -18623,7 +18824,7 @@
                                     </p:anim>
                                     <p:anim calcmode="lin" valueType="num">
                                       <p:cBhvr additive="base">
-                                        <p:cTn id="22" dur="500" fill="hold"/>
+                                        <p:cTn id="18" dur="500" fill="hold"/>
                                         <p:tgtEl>
                                           <p:spTgt spid="6"/>
                                         </p:tgtEl>
@@ -18654,26 +18855,26 @@
                     </p:cTn>
                   </p:par>
                   <p:par>
-                    <p:cTn id="23" fill="hold">
+                    <p:cTn id="19" fill="hold">
                       <p:stCondLst>
                         <p:cond delay="indefinite"/>
                       </p:stCondLst>
                       <p:childTnLst>
                         <p:par>
-                          <p:cTn id="24" fill="hold">
+                          <p:cTn id="20" fill="hold">
                             <p:stCondLst>
                               <p:cond delay="0"/>
                             </p:stCondLst>
                             <p:childTnLst>
                               <p:par>
-                                <p:cTn id="25" presetID="2" presetClass="entr" presetSubtype="4" fill="hold" nodeType="clickEffect">
+                                <p:cTn id="21" presetID="2" presetClass="entr" presetSubtype="4" fill="hold" nodeType="clickEffect">
                                   <p:stCondLst>
                                     <p:cond delay="0"/>
                                   </p:stCondLst>
                                   <p:childTnLst>
                                     <p:set>
                                       <p:cBhvr>
-                                        <p:cTn id="26" dur="1" fill="hold">
+                                        <p:cTn id="22" dur="1" fill="hold">
                                           <p:stCondLst>
                                             <p:cond delay="0"/>
                                           </p:stCondLst>
@@ -18691,7 +18892,7 @@
                                     </p:set>
                                     <p:anim calcmode="lin" valueType="num">
                                       <p:cBhvr additive="base">
-                                        <p:cTn id="27" dur="500" fill="hold"/>
+                                        <p:cTn id="23" dur="500" fill="hold"/>
                                         <p:tgtEl>
                                           <p:spTgt spid="4"/>
                                         </p:tgtEl>
@@ -18714,7 +18915,7 @@
                                     </p:anim>
                                     <p:anim calcmode="lin" valueType="num">
                                       <p:cBhvr additive="base">
-                                        <p:cTn id="28" dur="500" fill="hold"/>
+                                        <p:cTn id="24" dur="500" fill="hold"/>
                                         <p:tgtEl>
                                           <p:spTgt spid="4"/>
                                         </p:tgtEl>
@@ -18739,14 +18940,14 @@
                                 </p:cTn>
                               </p:par>
                               <p:par>
-                                <p:cTn id="29" presetID="2" presetClass="entr" presetSubtype="4" fill="hold" grpId="0" nodeType="withEffect">
+                                <p:cTn id="25" presetID="2" presetClass="entr" presetSubtype="4" fill="hold" grpId="0" nodeType="withEffect">
                                   <p:stCondLst>
                                     <p:cond delay="0"/>
                                   </p:stCondLst>
                                   <p:childTnLst>
                                     <p:set>
                                       <p:cBhvr>
-                                        <p:cTn id="30" dur="1" fill="hold">
+                                        <p:cTn id="26" dur="1" fill="hold">
                                           <p:stCondLst>
                                             <p:cond delay="0"/>
                                           </p:stCondLst>
@@ -18764,7 +18965,7 @@
                                     </p:set>
                                     <p:anim calcmode="lin" valueType="num">
                                       <p:cBhvr additive="base">
-                                        <p:cTn id="31" dur="500" fill="hold"/>
+                                        <p:cTn id="27" dur="500" fill="hold"/>
                                         <p:tgtEl>
                                           <p:spTgt spid="10"/>
                                         </p:tgtEl>
@@ -18787,7 +18988,7 @@
                                     </p:anim>
                                     <p:anim calcmode="lin" valueType="num">
                                       <p:cBhvr additive="base">
-                                        <p:cTn id="32" dur="500" fill="hold"/>
+                                        <p:cTn id="28" dur="500" fill="hold"/>
                                         <p:tgtEl>
                                           <p:spTgt spid="10"/>
                                         </p:tgtEl>
@@ -20233,7 +20434,7 @@
           <a:p>
             <a:r>
               <a:rPr lang="fr-BE" sz="2400" i="1" dirty="0"/>
-              <a:t>Compatible avec une grande variété de composant</a:t>
+              <a:t>Compatible avec une grande variété de composants</a:t>
             </a:r>
           </a:p>
           <a:p>
@@ -21037,8 +21238,8 @@
         </p:nvSpPr>
         <p:spPr>
           <a:xfrm>
-            <a:off x="394675" y="1627357"/>
-            <a:ext cx="5701323" cy="1848731"/>
+            <a:off x="1371599" y="2154670"/>
+            <a:ext cx="7105427" cy="1848731"/>
           </a:xfrm>
         </p:spPr>
         <p:txBody>
@@ -21061,53 +21262,6 @@
           </a:p>
         </p:txBody>
       </p:sp>
-      <p:pic>
-        <p:nvPicPr>
-          <p:cNvPr id="2" name="Image 1" descr="Une image contenant texte, capture d’écran, diagramme, Police&#10;&#10;Description générée automatiquement">
-            <a:extLst>
-              <a:ext uri="{FF2B5EF4-FFF2-40B4-BE49-F238E27FC236}">
-                <a16:creationId xmlns:a16="http://schemas.microsoft.com/office/drawing/2014/main" id="{5B680914-48A4-A49A-C71D-6AA095404815}"/>
-              </a:ext>
-            </a:extLst>
-          </p:cNvPr>
-          <p:cNvPicPr>
-            <a:picLocks noChangeAspect="1"/>
-          </p:cNvPicPr>
-          <p:nvPr/>
-        </p:nvPicPr>
-        <p:blipFill>
-          <a:blip r:embed="rId3">
-            <a:extLst>
-              <a:ext uri="{28A0092B-C50C-407E-A947-70E740481C1C}">
-                <a14:useLocalDpi xmlns:a14="http://schemas.microsoft.com/office/drawing/2010/main" val="0"/>
-              </a:ext>
-            </a:extLst>
-          </a:blip>
-          <a:srcRect/>
-          <a:stretch>
-            <a:fillRect/>
-          </a:stretch>
-        </p:blipFill>
-        <p:spPr bwMode="auto">
-          <a:xfrm>
-            <a:off x="7966431" y="3130729"/>
-            <a:ext cx="2933477" cy="3321931"/>
-          </a:xfrm>
-          <a:prstGeom prst="rect">
-            <a:avLst/>
-          </a:prstGeom>
-          <a:ln>
-            <a:noFill/>
-          </a:ln>
-          <a:effectLst>
-            <a:outerShdw blurRad="292100" dist="139700" dir="2700000" algn="tl" rotWithShape="0">
-              <a:srgbClr val="333333">
-                <a:alpha val="65000"/>
-              </a:srgbClr>
-            </a:outerShdw>
-          </a:effectLst>
-        </p:spPr>
-      </p:pic>
       <p:sp>
         <p:nvSpPr>
           <p:cNvPr id="4" name="ZoneTexte 3">
@@ -21122,8 +21276,8 @@
         </p:nvSpPr>
         <p:spPr>
           <a:xfrm>
-            <a:off x="459350" y="3753315"/>
-            <a:ext cx="6611816" cy="1477328"/>
+            <a:off x="4466874" y="4295017"/>
+            <a:ext cx="7296849" cy="1631216"/>
           </a:xfrm>
           <a:prstGeom prst="rect">
             <a:avLst/>
@@ -21137,7 +21291,7 @@
           <a:lstStyle/>
           <a:p>
             <a:r>
-              <a:rPr lang="fr-BE" sz="1800" i="1" dirty="0">
+              <a:rPr lang="fr-BE" sz="2000" i="1" dirty="0">
                 <a:effectLst/>
                 <a:latin typeface="Calibri" panose="020F0502020204030204" pitchFamily="34" charset="0"/>
                 <a:ea typeface="Times New Roman" panose="02020603050405020304" pitchFamily="18" charset="0"/>
@@ -21146,7 +21300,7 @@
               <a:t>Le déploiement de NSX comprend plusieurs éléments essentiels </a:t>
             </a:r>
             <a:r>
-              <a:rPr lang="fr-FR" sz="1800" i="1" dirty="0">
+              <a:rPr lang="fr-FR" sz="2000" i="1" dirty="0">
                 <a:effectLst/>
                 <a:latin typeface="Calibri" panose="020F0502020204030204" pitchFamily="34" charset="0"/>
                 <a:ea typeface="Times New Roman" panose="02020603050405020304" pitchFamily="18" charset="0"/>
@@ -21161,7 +21315,7 @@
               <a:buChar char="q"/>
             </a:pPr>
             <a:r>
-              <a:rPr lang="fr-BE" i="1" dirty="0">
+              <a:rPr lang="fr-BE" sz="2000" i="1" dirty="0">
                 <a:effectLst/>
                 <a:latin typeface="Calibri" panose="020F0502020204030204" pitchFamily="34" charset="0"/>
                 <a:ea typeface="Times New Roman" panose="02020603050405020304" pitchFamily="18" charset="0"/>
@@ -21170,7 +21324,7 @@
               <a:t>D’une communication avec vCenter Server</a:t>
             </a:r>
             <a:r>
-              <a:rPr lang="fr-FR" i="1" dirty="0">
+              <a:rPr lang="fr-FR" sz="2000" i="1" dirty="0">
                 <a:effectLst/>
                 <a:latin typeface="Calibri" panose="020F0502020204030204" pitchFamily="34" charset="0"/>
                 <a:ea typeface="Times New Roman" panose="02020603050405020304" pitchFamily="18" charset="0"/>
@@ -21185,7 +21339,7 @@
               <a:buChar char="q"/>
             </a:pPr>
             <a:r>
-              <a:rPr lang="fr-BE" i="1" dirty="0">
+              <a:rPr lang="fr-BE" sz="2000" i="1" dirty="0">
                 <a:effectLst/>
                 <a:latin typeface="Calibri" panose="020F0502020204030204" pitchFamily="34" charset="0"/>
                 <a:ea typeface="Times New Roman" panose="02020603050405020304" pitchFamily="18" charset="0"/>
@@ -21200,7 +21354,7 @@
               <a:buChar char="q"/>
             </a:pPr>
             <a:r>
-              <a:rPr lang="fr-BE" i="1" dirty="0">
+              <a:rPr lang="fr-BE" sz="2000" i="1" dirty="0">
                 <a:effectLst/>
                 <a:latin typeface="Calibri" panose="020F0502020204030204" pitchFamily="34" charset="0"/>
                 <a:ea typeface="Times New Roman" panose="02020603050405020304" pitchFamily="18" charset="0"/>
@@ -21215,7 +21369,7 @@
               <a:buChar char="q"/>
             </a:pPr>
             <a:r>
-              <a:rPr lang="fr-BE" i="1" dirty="0">
+              <a:rPr lang="fr-BE" sz="2000" i="1" dirty="0">
                 <a:effectLst/>
                 <a:latin typeface="Calibri" panose="020F0502020204030204" pitchFamily="34" charset="0"/>
                 <a:ea typeface="Times New Roman" panose="02020603050405020304" pitchFamily="18" charset="0"/>
@@ -21223,72 +21377,7 @@
               </a:rPr>
               <a:t>De machines virtuelles NSX Manager</a:t>
             </a:r>
-            <a:endParaRPr lang="fr-BE" i="1" dirty="0"/>
-          </a:p>
-        </p:txBody>
-      </p:sp>
-      <p:sp>
-        <p:nvSpPr>
-          <p:cNvPr id="5" name="ZoneTexte 4">
-            <a:extLst>
-              <a:ext uri="{FF2B5EF4-FFF2-40B4-BE49-F238E27FC236}">
-                <a16:creationId xmlns:a16="http://schemas.microsoft.com/office/drawing/2014/main" id="{2C28760B-9648-15D4-9186-1B301471EC0D}"/>
-              </a:ext>
-            </a:extLst>
-          </p:cNvPr>
-          <p:cNvSpPr txBox="1"/>
-          <p:nvPr/>
-        </p:nvSpPr>
-        <p:spPr>
-          <a:xfrm>
-            <a:off x="7588739" y="1930400"/>
-            <a:ext cx="3892062" cy="1200329"/>
-          </a:xfrm>
-          <a:prstGeom prst="rect">
-            <a:avLst/>
-          </a:prstGeom>
-          <a:noFill/>
-        </p:spPr>
-        <p:txBody>
-          <a:bodyPr wrap="square" rtlCol="0">
-            <a:spAutoFit/>
-          </a:bodyPr>
-          <a:lstStyle/>
-          <a:p>
-            <a:r>
-              <a:rPr lang="fr-FR" i="1" dirty="0"/>
-              <a:t>L’architecture de NSX se compose de</a:t>
-            </a:r>
-          </a:p>
-          <a:p>
-            <a:pPr marL="800100" lvl="1" indent="-342900">
-              <a:buFont typeface="Wingdings" panose="05000000000000000000" pitchFamily="2" charset="2"/>
-              <a:buChar char="q"/>
-            </a:pPr>
-            <a:r>
-              <a:rPr lang="fr-FR" i="1" dirty="0"/>
-              <a:t>Segments</a:t>
-            </a:r>
-          </a:p>
-          <a:p>
-            <a:pPr marL="800100" lvl="1" indent="-342900">
-              <a:buFont typeface="Wingdings" panose="05000000000000000000" pitchFamily="2" charset="2"/>
-              <a:buChar char="q"/>
-            </a:pPr>
-            <a:r>
-              <a:rPr lang="fr-BE" i="1" dirty="0"/>
-              <a:t>Passerelle N1</a:t>
-            </a:r>
-          </a:p>
-          <a:p>
-            <a:pPr marL="800100" lvl="1" indent="-342900">
-              <a:buFont typeface="Wingdings" panose="05000000000000000000" pitchFamily="2" charset="2"/>
-              <a:buChar char="q"/>
-            </a:pPr>
-            <a:r>
-              <a:rPr lang="fr-BE" i="1" dirty="0"/>
-              <a:t>Passerelle N0</a:t>
-            </a:r>
+            <a:endParaRPr lang="fr-BE" sz="2000" i="1" dirty="0"/>
           </a:p>
         </p:txBody>
       </p:sp>
@@ -21314,127 +21403,6 @@
       </p:transition>
     </mc:Fallback>
   </mc:AlternateContent>
-  <p:timing>
-    <p:tnLst>
-      <p:par>
-        <p:cTn id="1" dur="indefinite" restart="never" nodeType="tmRoot">
-          <p:childTnLst>
-            <p:seq concurrent="1" nextAc="seek">
-              <p:cTn id="2" dur="indefinite" nodeType="mainSeq">
-                <p:childTnLst>
-                  <p:par>
-                    <p:cTn id="3" fill="hold">
-                      <p:stCondLst>
-                        <p:cond delay="indefinite"/>
-                      </p:stCondLst>
-                      <p:childTnLst>
-                        <p:par>
-                          <p:cTn id="4" fill="hold">
-                            <p:stCondLst>
-                              <p:cond delay="0"/>
-                            </p:stCondLst>
-                            <p:childTnLst>
-                              <p:par>
-                                <p:cTn id="5" presetID="6" presetClass="entr" presetSubtype="16" fill="hold" grpId="0" nodeType="clickEffect">
-                                  <p:stCondLst>
-                                    <p:cond delay="0"/>
-                                  </p:stCondLst>
-                                  <p:childTnLst>
-                                    <p:set>
-                                      <p:cBhvr>
-                                        <p:cTn id="6" dur="1" fill="hold">
-                                          <p:stCondLst>
-                                            <p:cond delay="0"/>
-                                          </p:stCondLst>
-                                        </p:cTn>
-                                        <p:tgtEl>
-                                          <p:spTgt spid="5"/>
-                                        </p:tgtEl>
-                                        <p:attrNameLst>
-                                          <p:attrName>style.visibility</p:attrName>
-                                        </p:attrNameLst>
-                                      </p:cBhvr>
-                                      <p:to>
-                                        <p:strVal val="visible"/>
-                                      </p:to>
-                                    </p:set>
-                                    <p:animEffect transition="in" filter="circle(in)">
-                                      <p:cBhvr>
-                                        <p:cTn id="7" dur="1500"/>
-                                        <p:tgtEl>
-                                          <p:spTgt spid="5"/>
-                                        </p:tgtEl>
-                                      </p:cBhvr>
-                                    </p:animEffect>
-                                  </p:childTnLst>
-                                </p:cTn>
-                              </p:par>
-                              <p:par>
-                                <p:cTn id="8" presetID="6" presetClass="entr" presetSubtype="16" fill="hold" nodeType="withEffect">
-                                  <p:stCondLst>
-                                    <p:cond delay="500"/>
-                                  </p:stCondLst>
-                                  <p:childTnLst>
-                                    <p:set>
-                                      <p:cBhvr>
-                                        <p:cTn id="9" dur="1" fill="hold">
-                                          <p:stCondLst>
-                                            <p:cond delay="0"/>
-                                          </p:stCondLst>
-                                        </p:cTn>
-                                        <p:tgtEl>
-                                          <p:spTgt spid="2"/>
-                                        </p:tgtEl>
-                                        <p:attrNameLst>
-                                          <p:attrName>style.visibility</p:attrName>
-                                        </p:attrNameLst>
-                                      </p:cBhvr>
-                                      <p:to>
-                                        <p:strVal val="visible"/>
-                                      </p:to>
-                                    </p:set>
-                                    <p:animEffect transition="in" filter="circle(in)">
-                                      <p:cBhvr>
-                                        <p:cTn id="10" dur="1500"/>
-                                        <p:tgtEl>
-                                          <p:spTgt spid="2"/>
-                                        </p:tgtEl>
-                                      </p:cBhvr>
-                                    </p:animEffect>
-                                  </p:childTnLst>
-                                </p:cTn>
-                              </p:par>
-                            </p:childTnLst>
-                          </p:cTn>
-                        </p:par>
-                      </p:childTnLst>
-                    </p:cTn>
-                  </p:par>
-                </p:childTnLst>
-              </p:cTn>
-              <p:prevCondLst>
-                <p:cond evt="onPrev" delay="0">
-                  <p:tgtEl>
-                    <p:sldTgt/>
-                  </p:tgtEl>
-                </p:cond>
-              </p:prevCondLst>
-              <p:nextCondLst>
-                <p:cond evt="onNext" delay="0">
-                  <p:tgtEl>
-                    <p:sldTgt/>
-                  </p:tgtEl>
-                </p:cond>
-              </p:nextCondLst>
-            </p:seq>
-          </p:childTnLst>
-        </p:cTn>
-      </p:par>
-    </p:tnLst>
-    <p:bldLst>
-      <p:bldP spid="5" grpId="0"/>
-    </p:bldLst>
-  </p:timing>
 </p:sld>
 </file>
 
@@ -26143,206 +26111,152 @@
       </p:sp>
       <p:sp>
         <p:nvSpPr>
-          <p:cNvPr id="5" name="Espace réservé du contenu 5">
+          <p:cNvPr id="9" name="Rectangle 3">
             <a:extLst>
               <a:ext uri="{FF2B5EF4-FFF2-40B4-BE49-F238E27FC236}">
-                <a16:creationId xmlns:a16="http://schemas.microsoft.com/office/drawing/2014/main" id="{44648492-624A-0CFC-3769-1840DF29AA6D}"/>
+                <a16:creationId xmlns:a16="http://schemas.microsoft.com/office/drawing/2014/main" id="{4589A53A-D1D1-62D0-FB8D-027C5F61E64F}"/>
               </a:ext>
             </a:extLst>
           </p:cNvPr>
-          <p:cNvSpPr txBox="1">
-            <a:spLocks/>
+          <p:cNvSpPr>
+            <a:spLocks noChangeArrowheads="1"/>
           </p:cNvSpPr>
           <p:nvPr/>
         </p:nvSpPr>
-        <p:spPr>
+        <p:spPr bwMode="auto">
           <a:xfrm>
-            <a:off x="751950" y="2797378"/>
-            <a:ext cx="5157787" cy="3684588"/>
+            <a:off x="667915" y="2797378"/>
+            <a:ext cx="5183187" cy="1754326"/>
           </a:xfrm>
           <a:prstGeom prst="rect">
             <a:avLst/>
           </a:prstGeom>
-        </p:spPr>
-        <p:txBody>
-          <a:bodyPr>
-            <a:normAutofit/>
-          </a:bodyPr>
-          <a:lstStyle>
-            <a:lvl1pPr marL="228600" indent="-228600" algn="l" defTabSz="914400" rtl="0" eaLnBrk="1" latinLnBrk="0" hangingPunct="1">
-              <a:lnSpc>
-                <a:spcPct val="90000"/>
-              </a:lnSpc>
-              <a:spcBef>
-                <a:spcPts val="1000"/>
-              </a:spcBef>
-              <a:buFont typeface="Arial" panose="020B0604020202020204" pitchFamily="34" charset="0"/>
-              <a:buChar char="•"/>
-              <a:defRPr sz="2800" kern="1200">
+          <a:noFill/>
+          <a:ln>
+            <a:noFill/>
+          </a:ln>
+          <a:effectLst/>
+          <a:extLst>
+            <a:ext uri="{909E8E84-426E-40DD-AFC4-6F175D3DCCD1}">
+              <a14:hiddenFill xmlns:a14="http://schemas.microsoft.com/office/drawing/2010/main">
+                <a:solidFill>
+                  <a:schemeClr val="accent1"/>
+                </a:solidFill>
+              </a14:hiddenFill>
+            </a:ext>
+            <a:ext uri="{91240B29-F687-4F45-9708-019B960494DF}">
+              <a14:hiddenLine xmlns:a14="http://schemas.microsoft.com/office/drawing/2010/main" w="9525">
                 <a:solidFill>
                   <a:schemeClr val="tx1"/>
                 </a:solidFill>
-                <a:latin typeface="+mn-lt"/>
-                <a:ea typeface="+mn-ea"/>
-                <a:cs typeface="+mn-cs"/>
-              </a:defRPr>
-            </a:lvl1pPr>
-            <a:lvl2pPr marL="685800" indent="-228600" algn="l" defTabSz="914400" rtl="0" eaLnBrk="1" latinLnBrk="0" hangingPunct="1">
+                <a:miter lim="800000"/>
+                <a:headEnd/>
+                <a:tailEnd/>
+              </a14:hiddenLine>
+            </a:ext>
+            <a:ext uri="{AF507438-7753-43E0-B8FC-AC1667EBCBE1}">
+              <a14:hiddenEffects xmlns:a14="http://schemas.microsoft.com/office/drawing/2010/main">
+                <a:effectLst>
+                  <a:outerShdw dist="35921" dir="2700000" algn="ctr" rotWithShape="0">
+                    <a:schemeClr val="bg2"/>
+                  </a:outerShdw>
+                </a:effectLst>
+              </a14:hiddenEffects>
+            </a:ext>
+          </a:extLst>
+        </p:spPr>
+        <p:txBody>
+          <a:bodyPr vert="horz" wrap="square" lIns="91440" tIns="45720" rIns="91440" bIns="45720" numCol="1" anchor="ctr" anchorCtr="0" compatLnSpc="1">
+            <a:prstTxWarp prst="textNoShape">
+              <a:avLst/>
+            </a:prstTxWarp>
+            <a:spAutoFit/>
+          </a:bodyPr>
+          <a:lstStyle/>
+          <a:p>
+            <a:pPr marL="342900" marR="0" lvl="0" indent="-342900" algn="l" defTabSz="914400" rtl="0" eaLnBrk="0" fontAlgn="base" latinLnBrk="0" hangingPunct="0">
               <a:lnSpc>
-                <a:spcPct val="90000"/>
+                <a:spcPct val="150000"/>
               </a:lnSpc>
               <a:spcBef>
-                <a:spcPts val="500"/>
+                <a:spcPct val="0"/>
               </a:spcBef>
+              <a:spcAft>
+                <a:spcPct val="0"/>
+              </a:spcAft>
+              <a:buClrTx/>
+              <a:buSzTx/>
               <a:buFont typeface="Arial" panose="020B0604020202020204" pitchFamily="34" charset="0"/>
               <a:buChar char="•"/>
-              <a:defRPr sz="2400" kern="1200">
+              <a:tabLst/>
+            </a:pPr>
+            <a:r>
+              <a:rPr kumimoji="0" lang="fr-FR" altLang="fr-FR" sz="2400" b="0" i="1" u="none" strike="noStrike" cap="none" normalizeH="0" baseline="0" dirty="0">
+                <a:ln>
+                  <a:noFill/>
+                </a:ln>
                 <a:solidFill>
                   <a:schemeClr val="tx1"/>
                 </a:solidFill>
-                <a:latin typeface="+mn-lt"/>
+                <a:effectLst/>
+                <a:latin typeface="Aptos" panose="020B0004020202020204" pitchFamily="34" charset="0"/>
                 <a:ea typeface="+mn-ea"/>
                 <a:cs typeface="+mn-cs"/>
-              </a:defRPr>
-            </a:lvl2pPr>
-            <a:lvl3pPr marL="1143000" indent="-228600" algn="l" defTabSz="914400" rtl="0" eaLnBrk="1" latinLnBrk="0" hangingPunct="1">
+              </a:rPr>
+              <a:t>Commutateur de management</a:t>
+            </a:r>
+            <a:endParaRPr kumimoji="0" lang="fr-FR" altLang="fr-FR" sz="800" b="0" i="0" u="none" strike="noStrike" cap="none" normalizeH="0" baseline="0" dirty="0">
+              <a:ln>
+                <a:noFill/>
+              </a:ln>
+              <a:solidFill>
+                <a:schemeClr val="tx1"/>
+              </a:solidFill>
+              <a:effectLst/>
+            </a:endParaRPr>
+          </a:p>
+          <a:p>
+            <a:pPr marL="342900" marR="0" lvl="0" indent="-342900" algn="l" defTabSz="914400" rtl="0" eaLnBrk="0" fontAlgn="base" latinLnBrk="0" hangingPunct="0">
               <a:lnSpc>
-                <a:spcPct val="90000"/>
+                <a:spcPct val="100000"/>
               </a:lnSpc>
               <a:spcBef>
-                <a:spcPts val="500"/>
+                <a:spcPct val="0"/>
               </a:spcBef>
+              <a:spcAft>
+                <a:spcPct val="0"/>
+              </a:spcAft>
+              <a:buClrTx/>
+              <a:buSzTx/>
               <a:buFont typeface="Arial" panose="020B0604020202020204" pitchFamily="34" charset="0"/>
               <a:buChar char="•"/>
-              <a:defRPr sz="2000" kern="1200">
+              <a:tabLst/>
+            </a:pPr>
+            <a:r>
+              <a:rPr kumimoji="0" lang="fr-FR" altLang="fr-FR" sz="2400" b="0" i="1" u="none" strike="noStrike" cap="none" normalizeH="0" baseline="0" dirty="0">
+                <a:ln>
+                  <a:noFill/>
+                </a:ln>
                 <a:solidFill>
                   <a:schemeClr val="tx1"/>
                 </a:solidFill>
-                <a:latin typeface="+mn-lt"/>
+                <a:effectLst/>
+                <a:latin typeface="Aptos" panose="020B0004020202020204" pitchFamily="34" charset="0"/>
                 <a:ea typeface="+mn-ea"/>
                 <a:cs typeface="+mn-cs"/>
-              </a:defRPr>
-            </a:lvl3pPr>
-            <a:lvl4pPr marL="1600200" indent="-228600" algn="l" defTabSz="914400" rtl="0" eaLnBrk="1" latinLnBrk="0" hangingPunct="1">
-              <a:lnSpc>
-                <a:spcPct val="90000"/>
-              </a:lnSpc>
-              <a:spcBef>
-                <a:spcPts val="500"/>
-              </a:spcBef>
-              <a:buFont typeface="Arial" panose="020B0604020202020204" pitchFamily="34" charset="0"/>
-              <a:buChar char="•"/>
-              <a:defRPr sz="1800" kern="1200">
-                <a:solidFill>
-                  <a:schemeClr val="tx1"/>
-                </a:solidFill>
-                <a:latin typeface="+mn-lt"/>
-                <a:ea typeface="+mn-ea"/>
-                <a:cs typeface="+mn-cs"/>
-              </a:defRPr>
-            </a:lvl4pPr>
-            <a:lvl5pPr marL="2057400" indent="-228600" algn="l" defTabSz="914400" rtl="0" eaLnBrk="1" latinLnBrk="0" hangingPunct="1">
-              <a:lnSpc>
-                <a:spcPct val="90000"/>
-              </a:lnSpc>
-              <a:spcBef>
-                <a:spcPts val="500"/>
-              </a:spcBef>
-              <a:buFont typeface="Arial" panose="020B0604020202020204" pitchFamily="34" charset="0"/>
-              <a:buChar char="•"/>
-              <a:defRPr sz="1800" kern="1200">
-                <a:solidFill>
-                  <a:schemeClr val="tx1"/>
-                </a:solidFill>
-                <a:latin typeface="+mn-lt"/>
-                <a:ea typeface="+mn-ea"/>
-                <a:cs typeface="+mn-cs"/>
-              </a:defRPr>
-            </a:lvl5pPr>
-            <a:lvl6pPr marL="2514600" indent="-228600" algn="l" defTabSz="914400" rtl="0" eaLnBrk="1" latinLnBrk="0" hangingPunct="1">
-              <a:lnSpc>
-                <a:spcPct val="90000"/>
-              </a:lnSpc>
-              <a:spcBef>
-                <a:spcPts val="500"/>
-              </a:spcBef>
-              <a:buFont typeface="Arial" panose="020B0604020202020204" pitchFamily="34" charset="0"/>
-              <a:buChar char="•"/>
-              <a:defRPr sz="1800" kern="1200">
-                <a:solidFill>
-                  <a:schemeClr val="tx1"/>
-                </a:solidFill>
-                <a:latin typeface="+mn-lt"/>
-                <a:ea typeface="+mn-ea"/>
-                <a:cs typeface="+mn-cs"/>
-              </a:defRPr>
-            </a:lvl6pPr>
-            <a:lvl7pPr marL="2971800" indent="-228600" algn="l" defTabSz="914400" rtl="0" eaLnBrk="1" latinLnBrk="0" hangingPunct="1">
-              <a:lnSpc>
-                <a:spcPct val="90000"/>
-              </a:lnSpc>
-              <a:spcBef>
-                <a:spcPts val="500"/>
-              </a:spcBef>
-              <a:buFont typeface="Arial" panose="020B0604020202020204" pitchFamily="34" charset="0"/>
-              <a:buChar char="•"/>
-              <a:defRPr sz="1800" kern="1200">
-                <a:solidFill>
-                  <a:schemeClr val="tx1"/>
-                </a:solidFill>
-                <a:latin typeface="+mn-lt"/>
-                <a:ea typeface="+mn-ea"/>
-                <a:cs typeface="+mn-cs"/>
-              </a:defRPr>
-            </a:lvl7pPr>
-            <a:lvl8pPr marL="3429000" indent="-228600" algn="l" defTabSz="914400" rtl="0" eaLnBrk="1" latinLnBrk="0" hangingPunct="1">
-              <a:lnSpc>
-                <a:spcPct val="90000"/>
-              </a:lnSpc>
-              <a:spcBef>
-                <a:spcPts val="500"/>
-              </a:spcBef>
-              <a:buFont typeface="Arial" panose="020B0604020202020204" pitchFamily="34" charset="0"/>
-              <a:buChar char="•"/>
-              <a:defRPr sz="1800" kern="1200">
-                <a:solidFill>
-                  <a:schemeClr val="tx1"/>
-                </a:solidFill>
-                <a:latin typeface="+mn-lt"/>
-                <a:ea typeface="+mn-ea"/>
-                <a:cs typeface="+mn-cs"/>
-              </a:defRPr>
-            </a:lvl8pPr>
-            <a:lvl9pPr marL="3886200" indent="-228600" algn="l" defTabSz="914400" rtl="0" eaLnBrk="1" latinLnBrk="0" hangingPunct="1">
-              <a:lnSpc>
-                <a:spcPct val="90000"/>
-              </a:lnSpc>
-              <a:spcBef>
-                <a:spcPts val="500"/>
-              </a:spcBef>
-              <a:buFont typeface="Arial" panose="020B0604020202020204" pitchFamily="34" charset="0"/>
-              <a:buChar char="•"/>
-              <a:defRPr sz="1800" kern="1200">
-                <a:solidFill>
-                  <a:schemeClr val="tx1"/>
-                </a:solidFill>
-                <a:latin typeface="+mn-lt"/>
-                <a:ea typeface="+mn-ea"/>
-                <a:cs typeface="+mn-cs"/>
-              </a:defRPr>
-            </a:lvl9pPr>
-          </a:lstStyle>
-          <a:p>
-            <a:r>
-              <a:rPr lang="fr-FR" sz="2400" i="1" dirty="0"/>
-              <a:t>Commutateur de management</a:t>
+              </a:rPr>
+              <a:t>Permet la communication vers Internet, entre serveurs et l'accès aux ports d’administration.</a:t>
             </a:r>
-          </a:p>
-          <a:p>
-            <a:r>
-              <a:rPr lang="fr-FR" sz="2400" i="1" dirty="0"/>
-              <a:t>Permet la communication vers internet, entre serveurs et d’accès aux ports d’administration</a:t>
-            </a:r>
+            <a:endParaRPr kumimoji="0" lang="fr-FR" altLang="fr-FR" sz="1800" b="0" i="0" u="none" strike="noStrike" cap="none" normalizeH="0" baseline="0" dirty="0">
+              <a:ln>
+                <a:noFill/>
+              </a:ln>
+              <a:solidFill>
+                <a:schemeClr val="tx1"/>
+              </a:solidFill>
+              <a:effectLst/>
+              <a:latin typeface="Arial" panose="020B0604020202020204" pitchFamily="34" charset="0"/>
+            </a:endParaRPr>
           </a:p>
         </p:txBody>
       </p:sp>
@@ -26417,79 +26331,6 @@
                                   </p:childTnLst>
                                 </p:cTn>
                               </p:par>
-                              <p:par>
-                                <p:cTn id="8" presetID="2" presetClass="entr" presetSubtype="4" fill="hold" grpId="0" nodeType="withEffect">
-                                  <p:stCondLst>
-                                    <p:cond delay="1000"/>
-                                  </p:stCondLst>
-                                  <p:childTnLst>
-                                    <p:set>
-                                      <p:cBhvr>
-                                        <p:cTn id="9" dur="1" fill="hold">
-                                          <p:stCondLst>
-                                            <p:cond delay="0"/>
-                                          </p:stCondLst>
-                                        </p:cTn>
-                                        <p:tgtEl>
-                                          <p:spTgt spid="5"/>
-                                        </p:tgtEl>
-                                        <p:attrNameLst>
-                                          <p:attrName>style.visibility</p:attrName>
-                                        </p:attrNameLst>
-                                      </p:cBhvr>
-                                      <p:to>
-                                        <p:strVal val="visible"/>
-                                      </p:to>
-                                    </p:set>
-                                    <p:anim calcmode="lin" valueType="num">
-                                      <p:cBhvr additive="base">
-                                        <p:cTn id="10" dur="500" fill="hold"/>
-                                        <p:tgtEl>
-                                          <p:spTgt spid="5"/>
-                                        </p:tgtEl>
-                                        <p:attrNameLst>
-                                          <p:attrName>ppt_x</p:attrName>
-                                        </p:attrNameLst>
-                                      </p:cBhvr>
-                                      <p:tavLst>
-                                        <p:tav tm="0">
-                                          <p:val>
-                                            <p:strVal val="#ppt_x"/>
-                                          </p:val>
-                                        </p:tav>
-                                        <p:tav tm="100000">
-                                          <p:val>
-                                            <p:strVal val="#ppt_x"/>
-                                          </p:val>
-                                        </p:tav>
-                                      </p:tavLst>
-                                    </p:anim>
-                                    <p:anim calcmode="lin" valueType="num">
-                                      <p:cBhvr additive="base">
-                                        <p:cTn id="11" dur="500" fill="hold"/>
-                                        <p:tgtEl>
-                                          <p:spTgt spid="5"/>
-                                        </p:tgtEl>
-                                        <p:attrNameLst>
-                                          <p:attrName>ppt_y</p:attrName>
-                                        </p:attrNameLst>
-                                      </p:cBhvr>
-                                      <p:tavLst>
-                                        <p:tav tm="0">
-                                          <p:val>
-                                            <p:strVal val="1+#ppt_h/2"/>
-                                          </p:val>
-                                        </p:tav>
-                                        <p:tav tm="100000">
-                                          <p:val>
-                                            <p:strVal val="#ppt_y"/>
-                                          </p:val>
-                                        </p:tav>
-                                      </p:tavLst>
-                                    </p:anim>
-                                  </p:childTnLst>
-                                </p:cTn>
-                              </p:par>
                             </p:childTnLst>
                           </p:cTn>
                         </p:par>
@@ -26497,26 +26338,26 @@
                     </p:cTn>
                   </p:par>
                   <p:par>
-                    <p:cTn id="12" fill="hold">
+                    <p:cTn id="8" fill="hold">
                       <p:stCondLst>
                         <p:cond delay="indefinite"/>
                       </p:stCondLst>
                       <p:childTnLst>
                         <p:par>
-                          <p:cTn id="13" fill="hold">
+                          <p:cTn id="9" fill="hold">
                             <p:stCondLst>
                               <p:cond delay="0"/>
                             </p:stCondLst>
                             <p:childTnLst>
                               <p:par>
-                                <p:cTn id="14" presetID="22" presetClass="entr" presetSubtype="4" fill="hold" grpId="0" nodeType="clickEffect">
+                                <p:cTn id="10" presetID="22" presetClass="entr" presetSubtype="4" fill="hold" grpId="0" nodeType="clickEffect">
                                   <p:stCondLst>
                                     <p:cond delay="0"/>
                                   </p:stCondLst>
                                   <p:childTnLst>
                                     <p:set>
                                       <p:cBhvr>
-                                        <p:cTn id="15" dur="1" fill="hold">
+                                        <p:cTn id="11" dur="1" fill="hold">
                                           <p:stCondLst>
                                             <p:cond delay="0"/>
                                           </p:stCondLst>
@@ -26534,7 +26375,7 @@
                                     </p:set>
                                     <p:animEffect transition="in" filter="wipe(down)">
                                       <p:cBhvr>
-                                        <p:cTn id="16" dur="500"/>
+                                        <p:cTn id="12" dur="500"/>
                                         <p:tgtEl>
                                           <p:spTgt spid="2"/>
                                         </p:tgtEl>
@@ -26544,14 +26385,14 @@
                                 </p:cTn>
                               </p:par>
                               <p:par>
-                                <p:cTn id="17" presetID="2" presetClass="entr" presetSubtype="4" fill="hold" grpId="0" nodeType="withEffect">
+                                <p:cTn id="13" presetID="2" presetClass="entr" presetSubtype="4" fill="hold" grpId="0" nodeType="withEffect">
                                   <p:stCondLst>
                                     <p:cond delay="250"/>
                                   </p:stCondLst>
                                   <p:childTnLst>
                                     <p:set>
                                       <p:cBhvr>
-                                        <p:cTn id="18" dur="1" fill="hold">
+                                        <p:cTn id="14" dur="1" fill="hold">
                                           <p:stCondLst>
                                             <p:cond delay="0"/>
                                           </p:stCondLst>
@@ -26569,7 +26410,7 @@
                                     </p:set>
                                     <p:anim calcmode="lin" valueType="num">
                                       <p:cBhvr additive="base">
-                                        <p:cTn id="19" dur="500" fill="hold"/>
+                                        <p:cTn id="15" dur="500" fill="hold"/>
                                         <p:tgtEl>
                                           <p:spTgt spid="3"/>
                                         </p:tgtEl>
@@ -26592,7 +26433,7 @@
                                     </p:anim>
                                     <p:anim calcmode="lin" valueType="num">
                                       <p:cBhvr additive="base">
-                                        <p:cTn id="20" dur="500" fill="hold"/>
+                                        <p:cTn id="16" dur="500" fill="hold"/>
                                         <p:tgtEl>
                                           <p:spTgt spid="3"/>
                                         </p:tgtEl>
@@ -26647,7 +26488,6 @@
       <p:bldP spid="2" grpId="0"/>
       <p:bldP spid="3" grpId="0"/>
       <p:bldP spid="4" grpId="0"/>
-      <p:bldP spid="5" grpId="0"/>
     </p:bldLst>
   </p:timing>
 </p:sld>
@@ -28202,48 +28042,6 @@
           </a:p>
         </p:txBody>
       </p:sp>
-      <p:sp>
-        <p:nvSpPr>
-          <p:cNvPr id="3" name="Espace réservé du contenu 2">
-            <a:extLst>
-              <a:ext uri="{FF2B5EF4-FFF2-40B4-BE49-F238E27FC236}">
-                <a16:creationId xmlns:a16="http://schemas.microsoft.com/office/drawing/2014/main" id="{DFD67A12-9850-BBEB-F8C1-C72EA966C78B}"/>
-              </a:ext>
-            </a:extLst>
-          </p:cNvPr>
-          <p:cNvSpPr>
-            <a:spLocks noGrp="1"/>
-          </p:cNvSpPr>
-          <p:nvPr>
-            <p:ph idx="1"/>
-          </p:nvPr>
-        </p:nvSpPr>
-        <p:spPr>
-          <a:xfrm>
-            <a:off x="719226" y="1916895"/>
-            <a:ext cx="5328072" cy="1512105"/>
-          </a:xfrm>
-        </p:spPr>
-        <p:txBody>
-          <a:bodyPr anchor="ctr">
-            <a:normAutofit/>
-          </a:bodyPr>
-          <a:lstStyle/>
-          <a:p>
-            <a:r>
-              <a:rPr lang="fr-FR" sz="2000" i="1" dirty="0"/>
-              <a:t>Comme ESXi, l’installation se fait à distance</a:t>
-            </a:r>
-          </a:p>
-          <a:p>
-            <a:r>
-              <a:rPr lang="fr-FR" sz="2000" i="1" dirty="0"/>
-              <a:t>L’installation est découpée en 7 étapes</a:t>
-            </a:r>
-            <a:endParaRPr lang="fr-BE" sz="2000" i="1" dirty="0"/>
-          </a:p>
-        </p:txBody>
-      </p:sp>
       <p:pic>
         <p:nvPicPr>
           <p:cNvPr id="5" name="Image 4" descr="Une image contenant texte, capture d’écran, nombre, Police&#10;&#10;Description générée automatiquement">
@@ -28272,7 +28070,7 @@
         </p:blipFill>
         <p:spPr>
           <a:xfrm>
-            <a:off x="6656610" y="2662770"/>
+            <a:off x="459350" y="2302121"/>
             <a:ext cx="5058409" cy="1126879"/>
           </a:xfrm>
           <a:prstGeom prst="rect">
@@ -28317,7 +28115,7 @@
         </p:blipFill>
         <p:spPr>
           <a:xfrm>
-            <a:off x="1371599" y="4176649"/>
+            <a:off x="6674243" y="1854815"/>
             <a:ext cx="4675699" cy="1793533"/>
           </a:xfrm>
           <a:prstGeom prst="rect">
@@ -28362,8 +28160,54 @@
         </p:blipFill>
         <p:spPr bwMode="auto">
           <a:xfrm>
-            <a:off x="7118890" y="4286250"/>
+            <a:off x="822959" y="4622800"/>
             <a:ext cx="4133851" cy="1041400"/>
+          </a:xfrm>
+          <a:prstGeom prst="rect">
+            <a:avLst/>
+          </a:prstGeom>
+          <a:ln>
+            <a:noFill/>
+          </a:ln>
+          <a:effectLst>
+            <a:outerShdw blurRad="292100" dist="139700" dir="2700000" algn="tl" rotWithShape="0">
+              <a:srgbClr val="333333">
+                <a:alpha val="65000"/>
+              </a:srgbClr>
+            </a:outerShdw>
+          </a:effectLst>
+        </p:spPr>
+      </p:pic>
+      <p:pic>
+        <p:nvPicPr>
+          <p:cNvPr id="13" name="Image 12" descr="Une image contenant texte, capture d’écran, logiciel, Page web&#10;&#10;Description générée automatiquement">
+            <a:extLst>
+              <a:ext uri="{FF2B5EF4-FFF2-40B4-BE49-F238E27FC236}">
+                <a16:creationId xmlns:a16="http://schemas.microsoft.com/office/drawing/2014/main" id="{FFFB2B6A-BEF7-312A-6D98-F1C2E7D35337}"/>
+              </a:ext>
+            </a:extLst>
+          </p:cNvPr>
+          <p:cNvPicPr>
+            <a:picLocks noChangeAspect="1"/>
+          </p:cNvPicPr>
+          <p:nvPr/>
+        </p:nvPicPr>
+        <p:blipFill>
+          <a:blip r:embed="rId6">
+            <a:extLst>
+              <a:ext uri="{28A0092B-C50C-407E-A947-70E740481C1C}">
+                <a14:useLocalDpi xmlns:a14="http://schemas.microsoft.com/office/drawing/2010/main" val="0"/>
+              </a:ext>
+            </a:extLst>
+          </a:blip>
+          <a:stretch>
+            <a:fillRect/>
+          </a:stretch>
+        </p:blipFill>
+        <p:spPr>
+          <a:xfrm>
+            <a:off x="5779769" y="3905731"/>
+            <a:ext cx="5058409" cy="2719291"/>
           </a:xfrm>
           <a:prstGeom prst="rect">
             <a:avLst/>
@@ -28426,118 +28270,14 @@
                             </p:stCondLst>
                             <p:childTnLst>
                               <p:par>
-                                <p:cTn id="5" presetID="22" presetClass="entr" presetSubtype="4" fill="hold" grpId="0" nodeType="withEffect">
+                                <p:cTn id="5" presetID="53" presetClass="entr" presetSubtype="16" fill="hold" nodeType="withEffect">
                                   <p:stCondLst>
-                                    <p:cond delay="0"/>
+                                    <p:cond delay="500"/>
                                   </p:stCondLst>
                                   <p:childTnLst>
                                     <p:set>
                                       <p:cBhvr>
                                         <p:cTn id="6" dur="1" fill="hold">
-                                          <p:stCondLst>
-                                            <p:cond delay="0"/>
-                                          </p:stCondLst>
-                                        </p:cTn>
-                                        <p:tgtEl>
-                                          <p:spTgt spid="3">
-                                            <p:txEl>
-                                              <p:pRg st="0" end="0"/>
-                                            </p:txEl>
-                                          </p:spTgt>
-                                        </p:tgtEl>
-                                        <p:attrNameLst>
-                                          <p:attrName>style.visibility</p:attrName>
-                                        </p:attrNameLst>
-                                      </p:cBhvr>
-                                      <p:to>
-                                        <p:strVal val="visible"/>
-                                      </p:to>
-                                    </p:set>
-                                    <p:animEffect transition="in" filter="wipe(down)">
-                                      <p:cBhvr>
-                                        <p:cTn id="7" dur="500"/>
-                                        <p:tgtEl>
-                                          <p:spTgt spid="3">
-                                            <p:txEl>
-                                              <p:pRg st="0" end="0"/>
-                                            </p:txEl>
-                                          </p:spTgt>
-                                        </p:tgtEl>
-                                      </p:cBhvr>
-                                    </p:animEffect>
-                                  </p:childTnLst>
-                                </p:cTn>
-                              </p:par>
-                              <p:par>
-                                <p:cTn id="8" presetID="22" presetClass="entr" presetSubtype="4" fill="hold" grpId="0" nodeType="withEffect">
-                                  <p:stCondLst>
-                                    <p:cond delay="0"/>
-                                  </p:stCondLst>
-                                  <p:childTnLst>
-                                    <p:set>
-                                      <p:cBhvr>
-                                        <p:cTn id="9" dur="1" fill="hold">
-                                          <p:stCondLst>
-                                            <p:cond delay="0"/>
-                                          </p:stCondLst>
-                                        </p:cTn>
-                                        <p:tgtEl>
-                                          <p:spTgt spid="3">
-                                            <p:txEl>
-                                              <p:pRg st="1" end="1"/>
-                                            </p:txEl>
-                                          </p:spTgt>
-                                        </p:tgtEl>
-                                        <p:attrNameLst>
-                                          <p:attrName>style.visibility</p:attrName>
-                                        </p:attrNameLst>
-                                      </p:cBhvr>
-                                      <p:to>
-                                        <p:strVal val="visible"/>
-                                      </p:to>
-                                    </p:set>
-                                    <p:animEffect transition="in" filter="wipe(down)">
-                                      <p:cBhvr>
-                                        <p:cTn id="10" dur="500"/>
-                                        <p:tgtEl>
-                                          <p:spTgt spid="3">
-                                            <p:txEl>
-                                              <p:pRg st="1" end="1"/>
-                                            </p:txEl>
-                                          </p:spTgt>
-                                        </p:tgtEl>
-                                      </p:cBhvr>
-                                    </p:animEffect>
-                                  </p:childTnLst>
-                                </p:cTn>
-                              </p:par>
-                            </p:childTnLst>
-                          </p:cTn>
-                        </p:par>
-                      </p:childTnLst>
-                    </p:cTn>
-                  </p:par>
-                  <p:par>
-                    <p:cTn id="11" fill="hold">
-                      <p:stCondLst>
-                        <p:cond delay="indefinite"/>
-                      </p:stCondLst>
-                      <p:childTnLst>
-                        <p:par>
-                          <p:cTn id="12" fill="hold">
-                            <p:stCondLst>
-                              <p:cond delay="0"/>
-                            </p:stCondLst>
-                            <p:childTnLst>
-                              <p:par>
-                                <p:cTn id="13" presetID="53" presetClass="entr" presetSubtype="16" fill="hold" nodeType="clickEffect">
-                                  <p:stCondLst>
-                                    <p:cond delay="0"/>
-                                  </p:stCondLst>
-                                  <p:childTnLst>
-                                    <p:set>
-                                      <p:cBhvr>
-                                        <p:cTn id="14" dur="1" fill="hold">
                                           <p:stCondLst>
                                             <p:cond delay="0"/>
                                           </p:stCondLst>
@@ -28555,7 +28295,7 @@
                                     </p:set>
                                     <p:anim calcmode="lin" valueType="num">
                                       <p:cBhvr>
-                                        <p:cTn id="15" dur="500" fill="hold"/>
+                                        <p:cTn id="7" dur="500" fill="hold"/>
                                         <p:tgtEl>
                                           <p:spTgt spid="5"/>
                                         </p:tgtEl>
@@ -28578,7 +28318,7 @@
                                     </p:anim>
                                     <p:anim calcmode="lin" valueType="num">
                                       <p:cBhvr>
-                                        <p:cTn id="16" dur="500" fill="hold"/>
+                                        <p:cTn id="8" dur="500" fill="hold"/>
                                         <p:tgtEl>
                                           <p:spTgt spid="5"/>
                                         </p:tgtEl>
@@ -28601,7 +28341,7 @@
                                     </p:anim>
                                     <p:animEffect transition="in" filter="fade">
                                       <p:cBhvr>
-                                        <p:cTn id="17" dur="500"/>
+                                        <p:cTn id="9" dur="500"/>
                                         <p:tgtEl>
                                           <p:spTgt spid="5"/>
                                         </p:tgtEl>
@@ -28617,26 +28357,26 @@
                     </p:cTn>
                   </p:par>
                   <p:par>
-                    <p:cTn id="18" fill="hold">
+                    <p:cTn id="10" fill="hold">
                       <p:stCondLst>
                         <p:cond delay="indefinite"/>
                       </p:stCondLst>
                       <p:childTnLst>
                         <p:par>
-                          <p:cTn id="19" fill="hold">
+                          <p:cTn id="11" fill="hold">
                             <p:stCondLst>
                               <p:cond delay="0"/>
                             </p:stCondLst>
                             <p:childTnLst>
                               <p:par>
-                                <p:cTn id="20" presetID="21" presetClass="entr" presetSubtype="1" fill="hold" nodeType="clickEffect">
+                                <p:cTn id="12" presetID="21" presetClass="entr" presetSubtype="1" fill="hold" nodeType="clickEffect">
                                   <p:stCondLst>
                                     <p:cond delay="0"/>
                                   </p:stCondLst>
                                   <p:childTnLst>
                                     <p:set>
                                       <p:cBhvr>
-                                        <p:cTn id="21" dur="1" fill="hold">
+                                        <p:cTn id="13" dur="1" fill="hold">
                                           <p:stCondLst>
                                             <p:cond delay="0"/>
                                           </p:stCondLst>
@@ -28654,7 +28394,7 @@
                                     </p:set>
                                     <p:animEffect transition="in" filter="wheel(1)">
                                       <p:cBhvr>
-                                        <p:cTn id="22" dur="1000"/>
+                                        <p:cTn id="14" dur="1000"/>
                                         <p:tgtEl>
                                           <p:spTgt spid="6"/>
                                         </p:tgtEl>
@@ -28670,26 +28410,26 @@
                     </p:cTn>
                   </p:par>
                   <p:par>
-                    <p:cTn id="23" fill="hold">
+                    <p:cTn id="15" fill="hold">
                       <p:stCondLst>
                         <p:cond delay="indefinite"/>
                       </p:stCondLst>
                       <p:childTnLst>
                         <p:par>
-                          <p:cTn id="24" fill="hold">
+                          <p:cTn id="16" fill="hold">
                             <p:stCondLst>
                               <p:cond delay="0"/>
                             </p:stCondLst>
                             <p:childTnLst>
                               <p:par>
-                                <p:cTn id="25" presetID="42" presetClass="entr" presetSubtype="0" fill="hold" nodeType="clickEffect">
+                                <p:cTn id="17" presetID="42" presetClass="entr" presetSubtype="0" fill="hold" nodeType="clickEffect">
                                   <p:stCondLst>
                                     <p:cond delay="0"/>
                                   </p:stCondLst>
                                   <p:childTnLst>
                                     <p:set>
                                       <p:cBhvr>
-                                        <p:cTn id="26" dur="1" fill="hold">
+                                        <p:cTn id="18" dur="1" fill="hold">
                                           <p:stCondLst>
                                             <p:cond delay="0"/>
                                           </p:stCondLst>
@@ -28707,7 +28447,7 @@
                                     </p:set>
                                     <p:animEffect transition="in" filter="fade">
                                       <p:cBhvr>
-                                        <p:cTn id="27" dur="1000"/>
+                                        <p:cTn id="19" dur="1000"/>
                                         <p:tgtEl>
                                           <p:spTgt spid="7"/>
                                         </p:tgtEl>
@@ -28715,7 +28455,7 @@
                                     </p:animEffect>
                                     <p:anim calcmode="lin" valueType="num">
                                       <p:cBhvr>
-                                        <p:cTn id="28" dur="1000" fill="hold"/>
+                                        <p:cTn id="20" dur="1000" fill="hold"/>
                                         <p:tgtEl>
                                           <p:spTgt spid="7"/>
                                         </p:tgtEl>
@@ -28738,9 +28478,108 @@
                                     </p:anim>
                                     <p:anim calcmode="lin" valueType="num">
                                       <p:cBhvr>
-                                        <p:cTn id="29" dur="1000" fill="hold"/>
+                                        <p:cTn id="21" dur="1000" fill="hold"/>
                                         <p:tgtEl>
                                           <p:spTgt spid="7"/>
+                                        </p:tgtEl>
+                                        <p:attrNameLst>
+                                          <p:attrName>ppt_y</p:attrName>
+                                        </p:attrNameLst>
+                                      </p:cBhvr>
+                                      <p:tavLst>
+                                        <p:tav tm="0">
+                                          <p:val>
+                                            <p:strVal val="#ppt_y+.1"/>
+                                          </p:val>
+                                        </p:tav>
+                                        <p:tav tm="100000">
+                                          <p:val>
+                                            <p:strVal val="#ppt_y"/>
+                                          </p:val>
+                                        </p:tav>
+                                      </p:tavLst>
+                                    </p:anim>
+                                  </p:childTnLst>
+                                </p:cTn>
+                              </p:par>
+                            </p:childTnLst>
+                          </p:cTn>
+                        </p:par>
+                      </p:childTnLst>
+                    </p:cTn>
+                  </p:par>
+                  <p:par>
+                    <p:cTn id="22" fill="hold">
+                      <p:stCondLst>
+                        <p:cond delay="indefinite"/>
+                      </p:stCondLst>
+                      <p:childTnLst>
+                        <p:par>
+                          <p:cTn id="23" fill="hold">
+                            <p:stCondLst>
+                              <p:cond delay="0"/>
+                            </p:stCondLst>
+                            <p:childTnLst>
+                              <p:par>
+                                <p:cTn id="24" presetID="42" presetClass="entr" presetSubtype="0" fill="hold" nodeType="clickEffect">
+                                  <p:stCondLst>
+                                    <p:cond delay="0"/>
+                                  </p:stCondLst>
+                                  <p:childTnLst>
+                                    <p:set>
+                                      <p:cBhvr>
+                                        <p:cTn id="25" dur="1" fill="hold">
+                                          <p:stCondLst>
+                                            <p:cond delay="0"/>
+                                          </p:stCondLst>
+                                        </p:cTn>
+                                        <p:tgtEl>
+                                          <p:spTgt spid="13"/>
+                                        </p:tgtEl>
+                                        <p:attrNameLst>
+                                          <p:attrName>style.visibility</p:attrName>
+                                        </p:attrNameLst>
+                                      </p:cBhvr>
+                                      <p:to>
+                                        <p:strVal val="visible"/>
+                                      </p:to>
+                                    </p:set>
+                                    <p:animEffect transition="in" filter="fade">
+                                      <p:cBhvr>
+                                        <p:cTn id="26" dur="1000"/>
+                                        <p:tgtEl>
+                                          <p:spTgt spid="13"/>
+                                        </p:tgtEl>
+                                      </p:cBhvr>
+                                    </p:animEffect>
+                                    <p:anim calcmode="lin" valueType="num">
+                                      <p:cBhvr>
+                                        <p:cTn id="27" dur="1000" fill="hold"/>
+                                        <p:tgtEl>
+                                          <p:spTgt spid="13"/>
+                                        </p:tgtEl>
+                                        <p:attrNameLst>
+                                          <p:attrName>ppt_x</p:attrName>
+                                        </p:attrNameLst>
+                                      </p:cBhvr>
+                                      <p:tavLst>
+                                        <p:tav tm="0">
+                                          <p:val>
+                                            <p:strVal val="#ppt_x"/>
+                                          </p:val>
+                                        </p:tav>
+                                        <p:tav tm="100000">
+                                          <p:val>
+                                            <p:strVal val="#ppt_x"/>
+                                          </p:val>
+                                        </p:tav>
+                                      </p:tavLst>
+                                    </p:anim>
+                                    <p:anim calcmode="lin" valueType="num">
+                                      <p:cBhvr>
+                                        <p:cTn id="28" dur="1000" fill="hold"/>
+                                        <p:tgtEl>
+                                          <p:spTgt spid="13"/>
                                         </p:tgtEl>
                                         <p:attrNameLst>
                                           <p:attrName>ppt_y</p:attrName>
@@ -28789,9 +28628,6 @@
         </p:cTn>
       </p:par>
     </p:tnLst>
-    <p:bldLst>
-      <p:bldP spid="3" grpId="0" build="p"/>
-    </p:bldLst>
   </p:timing>
 </p:sld>
 </file>
@@ -29264,8 +29100,8 @@
         </p:blipFill>
         <p:spPr bwMode="auto">
           <a:xfrm>
-            <a:off x="459350" y="3712157"/>
-            <a:ext cx="3900751" cy="2092378"/>
+            <a:off x="344903" y="3712157"/>
+            <a:ext cx="5045890" cy="2706635"/>
           </a:xfrm>
           <a:prstGeom prst="rect">
             <a:avLst/>
@@ -29309,7 +29145,7 @@
         </p:blipFill>
         <p:spPr bwMode="auto">
           <a:xfrm>
-            <a:off x="8115299" y="1984563"/>
+            <a:off x="8460198" y="1984563"/>
             <a:ext cx="3386899" cy="2092378"/>
           </a:xfrm>
           <a:prstGeom prst="rect">
@@ -29341,7 +29177,7 @@
         </p:nvGrpSpPr>
         <p:grpSpPr>
           <a:xfrm>
-            <a:off x="4814951" y="4346166"/>
+            <a:off x="5900269" y="4558244"/>
             <a:ext cx="4895850" cy="1860549"/>
             <a:chOff x="4870450" y="4022619"/>
             <a:chExt cx="4489450" cy="1654280"/>
@@ -29477,7 +29313,7 @@
         </p:blipFill>
         <p:spPr bwMode="auto">
           <a:xfrm>
-            <a:off x="5422899" y="1369481"/>
+            <a:off x="5792939" y="1366135"/>
             <a:ext cx="2007476" cy="2570627"/>
           </a:xfrm>
           <a:prstGeom prst="rect">
@@ -29692,7 +29528,7 @@
                   <a:prstClr val="black"/>
                 </a:solidFill>
               </a:rPr>
-              <a:t>Première connexion a vSphere Client</a:t>
+              <a:t>Première connexion à vSphere Client</a:t>
             </a:r>
           </a:p>
         </p:txBody>
@@ -30912,7 +30748,7 @@
                   <a:srgbClr val="FFFFFF"/>
                 </a:solidFill>
               </a:rPr>
-              <a:t>Test de r</a:t>
+              <a:t>Mise en place de tests</a:t>
             </a:r>
             <a:r>
               <a:rPr lang="fr-BE" sz="4000" kern="1200" dirty="0">
@@ -30923,7 +30759,7 @@
                 <a:ea typeface="+mj-ea"/>
                 <a:cs typeface="+mj-cs"/>
               </a:rPr>
-              <a:t>edondance système</a:t>
+              <a:t> système</a:t>
             </a:r>
           </a:p>
         </p:txBody>
@@ -30941,18 +30777,18 @@
           <p:nvPr>
             <p:extLst>
               <p:ext uri="{D42A27DB-BD31-4B8C-83A1-F6EECF244321}">
-                <p14:modId xmlns:p14="http://schemas.microsoft.com/office/powerpoint/2010/main" val="2131905144"/>
+                <p14:modId xmlns:p14="http://schemas.microsoft.com/office/powerpoint/2010/main" val="2707811711"/>
               </p:ext>
             </p:extLst>
           </p:nvPr>
         </p:nvGraphicFramePr>
         <p:xfrm>
-          <a:off x="632085" y="3001826"/>
+          <a:off x="632085" y="2749163"/>
           <a:ext cx="10927829" cy="3023097"/>
         </p:xfrm>
         <a:graphic>
           <a:graphicData uri="http://schemas.openxmlformats.org/drawingml/2006/diagram">
-            <dgm:relIds xmlns:dgm="http://schemas.openxmlformats.org/drawingml/2006/diagram" xmlns:r="http://schemas.openxmlformats.org/officeDocument/2006/relationships" r:dm="rId2" r:lo="rId3" r:qs="rId4" r:cs="rId5"/>
+            <dgm:relIds xmlns:dgm="http://schemas.openxmlformats.org/drawingml/2006/diagram" xmlns:r="http://schemas.openxmlformats.org/officeDocument/2006/relationships" r:dm="rId3" r:lo="rId4" r:qs="rId5" r:cs="rId6"/>
           </a:graphicData>
         </a:graphic>
       </p:graphicFrame>
@@ -32273,7 +32109,7 @@
               </a:pPr>
               <a:r>
                 <a:rPr lang="fr-FR" sz="2400" b="1" kern="1200" dirty="0"/>
-                <a:t>« vCenter Server installer sur le même cluster »</a:t>
+                <a:t>« vCenter Server sur le même cluster »</a:t>
               </a:r>
               <a:endParaRPr lang="en-US" sz="2400" b="1" kern="1200" dirty="0"/>
             </a:p>
@@ -32560,7 +32396,7 @@
               </a:pPr>
               <a:r>
                 <a:rPr lang="fr-FR" sz="2400" b="1" kern="1200" dirty="0"/>
-                <a:t>Import-export de machine virtuelle</a:t>
+                <a:t>Import-export de machines virtuelles</a:t>
               </a:r>
               <a:endParaRPr lang="en-US" sz="2400" b="1" kern="1200" dirty="0"/>
             </a:p>
@@ -33486,7 +33322,7 @@
             </a:pPr>
             <a:r>
               <a:rPr lang="fr-FR" sz="2000" i="1" dirty="0"/>
-              <a:t>Temps avec le matériel</a:t>
+              <a:t>Temps avec le matériel.</a:t>
             </a:r>
           </a:p>
           <a:p>
@@ -33526,7 +33362,7 @@
             </a:pPr>
             <a:r>
               <a:rPr lang="fr-FR" sz="2000" i="1" dirty="0"/>
-              <a:t>Améliorations possibles : Nombre de câbles réseau, mise en place de NSX, redondance du commutateur de management et automatisation de la configuration réseau.</a:t>
+              <a:t>Améliorations possibles : nombre de câbles réseau, mise en place de NSX, redondance du commutateur de management et automatisation de la configuration réseau.</a:t>
             </a:r>
             <a:endParaRPr lang="fr-BE" sz="2000" dirty="0"/>
           </a:p>
@@ -34022,7 +33858,7 @@
             </a:pPr>
             <a:r>
               <a:rPr lang="fr-FR" sz="2000" i="1" dirty="0"/>
-              <a:t>Cette solution aider les entreprises dans le développement et la transformation numérique de leur environnement.</a:t>
+              <a:t>Cette solution aide les entreprises dans le développement et la transformation numérique de leur environnement.</a:t>
             </a:r>
           </a:p>
           <a:p>
@@ -34032,7 +33868,7 @@
             </a:pPr>
             <a:r>
               <a:rPr lang="fr-FR" sz="2000" i="1" dirty="0"/>
-              <a:t>Il faut prendre en compte méthodologie de recherche pour la mise en place de son infrastructure.</a:t>
+              <a:t>Il faut prendre en compte une méthodologie de recherche pour la mise en place de son infrastructure.</a:t>
             </a:r>
           </a:p>
           <a:p>
@@ -34042,7 +33878,7 @@
             </a:pPr>
             <a:r>
               <a:rPr lang="fr-FR" sz="2000" i="1" dirty="0"/>
-              <a:t>Le secteur de l’HCI dépasse les 1 milliards de </a:t>
+              <a:t>Le secteur de l’HCI dépasse le milliard de </a:t>
             </a:r>
             <a:r>
               <a:rPr lang="fr-BE" sz="2000" i="1" dirty="0">
@@ -34078,7 +33914,7 @@
             </a:pPr>
             <a:r>
               <a:rPr lang="fr-FR" sz="2000" i="1" dirty="0"/>
-              <a:t>La généralisation de la virtualisation et l’utilisation de solution cloud, rend-il l’HCI mature pour son utilisation globale dans les entreprises ? Cette solution est-elle le saint graal pour les environnements informatiques ?</a:t>
+              <a:t>La généralisation de la virtualisation et l’utilisation de solutions cloud, rend-elle l’HCI mature pour son utilisation globale dans les entreprises ? Cette solution est-elle le saint graal pour les environnements informatiques ?</a:t>
             </a:r>
             <a:endParaRPr lang="fr-BE" sz="2000" dirty="0"/>
           </a:p>
@@ -35313,7 +35149,15 @@
             </a:pPr>
             <a:r>
               <a:rPr lang="fr-FR" sz="2000" dirty="0"/>
-              <a:t>Changement de nom en Trustteam Wavre.</a:t>
+              <a:t>Changement de nom en Trustteam </a:t>
+            </a:r>
+            <a:r>
+              <a:rPr lang="fr-FR" sz="2000" dirty="0" err="1"/>
+              <a:t>Wallonia</a:t>
+            </a:r>
+            <a:r>
+              <a:rPr lang="fr-FR" sz="2000" dirty="0"/>
+              <a:t>.</a:t>
             </a:r>
             <a:endParaRPr lang="fr-BE" sz="2000" dirty="0"/>
           </a:p>
@@ -38696,7 +38540,7 @@
         </p:spPr>
         <p:txBody>
           <a:bodyPr vert="horz" lIns="91440" tIns="45720" rIns="91440" bIns="45720" rtlCol="0" anchor="ctr">
-            <a:normAutofit fontScale="62500" lnSpcReduction="20000"/>
+            <a:noAutofit/>
           </a:bodyPr>
           <a:lstStyle/>
           <a:p>
@@ -38705,7 +38549,7 @@
               <a:buChar char="•"/>
             </a:pPr>
             <a:r>
-              <a:rPr lang="fr-BE" kern="1200" noProof="1">
+              <a:rPr lang="fr-FR" sz="2000" kern="1200" noProof="1">
                 <a:solidFill>
                   <a:schemeClr val="tx1"/>
                 </a:solidFill>
@@ -38713,7 +38557,7 @@
                 <a:ea typeface="+mn-ea"/>
                 <a:cs typeface="+mn-cs"/>
               </a:rPr>
-              <a:t>Quesqu’une infrastructure hyperconvergée ?</a:t>
+              <a:t>Qu’est-ce qu’une infrastructure hyperconvergée ?</a:t>
             </a:r>
           </a:p>
           <a:p>
@@ -38722,7 +38566,7 @@
               <a:buChar char="•"/>
             </a:pPr>
             <a:r>
-              <a:rPr lang="fr-BE" kern="1200" noProof="1">
+              <a:rPr lang="fr-FR" sz="2000" kern="1200" noProof="1">
                 <a:solidFill>
                   <a:schemeClr val="tx1"/>
                 </a:solidFill>
@@ -38730,24 +38574,8 @@
                 <a:ea typeface="+mn-ea"/>
                 <a:cs typeface="+mn-cs"/>
               </a:rPr>
-              <a:t>Dans </a:t>
+              <a:t>Dans quel cas retrouve-t-on l’utilisation d’un environnement HCI ?</a:t>
             </a:r>
-            <a:r>
-              <a:rPr lang="fr-BE" noProof="1">
-                <a:solidFill>
-                  <a:schemeClr val="tx1"/>
-                </a:solidFill>
-              </a:rPr>
-              <a:t>quel cas retrouve-t-on l’utilisation d’un environment HCI ?</a:t>
-            </a:r>
-            <a:endParaRPr lang="fr-BE" kern="1200" noProof="1">
-              <a:solidFill>
-                <a:schemeClr val="tx1"/>
-              </a:solidFill>
-              <a:latin typeface="+mn-lt"/>
-              <a:ea typeface="+mn-ea"/>
-              <a:cs typeface="+mn-cs"/>
-            </a:endParaRPr>
           </a:p>
           <a:p>
             <a:pPr marL="342900" indent="-342900">
@@ -38755,35 +38583,7 @@
               <a:buChar char="•"/>
             </a:pPr>
             <a:r>
-              <a:rPr lang="fr-BE" noProof="1">
-                <a:solidFill>
-                  <a:schemeClr val="tx1"/>
-                </a:solidFill>
-              </a:rPr>
-              <a:t>Quel sont ces avantages et ces inconvénients ?</a:t>
-            </a:r>
-          </a:p>
-          <a:p>
-            <a:pPr marL="342900" indent="-342900">
-              <a:buFont typeface="Arial" panose="020B0604020202020204" pitchFamily="34" charset="0"/>
-              <a:buChar char="•"/>
-            </a:pPr>
-            <a:r>
-              <a:rPr lang="fr-BE" noProof="1">
-                <a:solidFill>
-                  <a:schemeClr val="tx1"/>
-                </a:solidFill>
-              </a:rPr>
-              <a:t>Quels sont les acteurs majeurs du secteur ?</a:t>
-            </a:r>
-          </a:p>
-          <a:p>
-            <a:pPr marL="342900" indent="-342900">
-              <a:buFont typeface="Arial" panose="020B0604020202020204" pitchFamily="34" charset="0"/>
-              <a:buChar char="•"/>
-            </a:pPr>
-            <a:r>
-              <a:rPr lang="fr-BE" kern="1200" noProof="1">
+              <a:rPr lang="fr-FR" sz="2000" kern="1200" noProof="1">
                 <a:solidFill>
                   <a:schemeClr val="tx1"/>
                 </a:solidFill>
@@ -38791,11 +38591,43 @@
                 <a:ea typeface="+mn-ea"/>
                 <a:cs typeface="+mn-cs"/>
               </a:rPr>
-              <a:t>Suite de logiciel VMware</a:t>
+              <a:t>Quel sont ces avantages et ces inconvénients ?</a:t>
             </a:r>
           </a:p>
           <a:p>
-            <a:endParaRPr lang="fr-BE" kern="1200" noProof="1">
+            <a:pPr marL="342900" indent="-342900">
+              <a:buFont typeface="Arial" panose="020B0604020202020204" pitchFamily="34" charset="0"/>
+              <a:buChar char="•"/>
+            </a:pPr>
+            <a:r>
+              <a:rPr lang="fr-FR" sz="2000" kern="1200" noProof="1">
+                <a:solidFill>
+                  <a:schemeClr val="tx1"/>
+                </a:solidFill>
+                <a:latin typeface="+mn-lt"/>
+                <a:ea typeface="+mn-ea"/>
+                <a:cs typeface="+mn-cs"/>
+              </a:rPr>
+              <a:t>Quels sont les acteurs majeurs du secteur ?</a:t>
+            </a:r>
+          </a:p>
+          <a:p>
+            <a:pPr marL="342900" indent="-342900">
+              <a:buFont typeface="Arial" panose="020B0604020202020204" pitchFamily="34" charset="0"/>
+              <a:buChar char="•"/>
+            </a:pPr>
+            <a:r>
+              <a:rPr lang="fr-FR" sz="2000" kern="1200" noProof="1">
+                <a:solidFill>
+                  <a:schemeClr val="tx1"/>
+                </a:solidFill>
+                <a:latin typeface="+mn-lt"/>
+                <a:ea typeface="+mn-ea"/>
+                <a:cs typeface="+mn-cs"/>
+              </a:rPr>
+              <a:t>Suite de logiciels VMware</a:t>
+            </a:r>
+            <a:endParaRPr lang="fr-BE" sz="2000" kern="1200" noProof="1">
               <a:solidFill>
                 <a:schemeClr val="tx1"/>
               </a:solidFill>
@@ -39169,7 +39001,7 @@
         <p:spPr>
           <a:xfrm>
             <a:off x="699713" y="248038"/>
-            <a:ext cx="7063721" cy="1159200"/>
+            <a:ext cx="8128856" cy="1159200"/>
           </a:xfrm>
         </p:spPr>
         <p:txBody>
@@ -39187,7 +39019,7 @@
                 <a:ea typeface="+mn-ea"/>
                 <a:cs typeface="+mn-cs"/>
               </a:rPr>
-              <a:t>Quesqu’une infrastructure hyperconvergée ?</a:t>
+              <a:t>Qu’est-ce qu’une  infrastructure hyperconvergée ?</a:t>
             </a:r>
             <a:endParaRPr lang="en-US" sz="4400" kern="1200" dirty="0">
               <a:solidFill>
@@ -39766,7 +39598,7 @@
         </p:spPr>
         <p:txBody>
           <a:bodyPr anchor="b">
-            <a:normAutofit/>
+            <a:normAutofit fontScale="90000"/>
           </a:bodyPr>
           <a:lstStyle/>
           <a:p>
@@ -39788,7 +39620,7 @@
                   <a:srgbClr val="FFFFFF"/>
                 </a:solidFill>
               </a:rPr>
-              <a:t>quel cas retrouve-t-on l’utilisation d’un environment HCI ?</a:t>
+              <a:t>quel cas retrouve-t-on l’utilisation d’un environnement HCI ?</a:t>
             </a:r>
             <a:endParaRPr lang="fr-BE" sz="4000" dirty="0">
               <a:solidFill>
@@ -40236,7 +40068,7 @@
                   <a:schemeClr val="bg1"/>
                 </a:solidFill>
               </a:rPr>
-              <a:t>Quel sont ces avantages et ces inconvénients ?</a:t>
+              <a:t>Quels sont ces avantages et ces inconvénients ?</a:t>
             </a:r>
             <a:endParaRPr lang="en-US" sz="2800" kern="1200" dirty="0">
               <a:solidFill>
@@ -41812,8 +41644,12 @@
               <a:buNone/>
             </a:pPr>
             <a:r>
+              <a:rPr lang="fr-BE" sz="3100" dirty="0"/>
+              <a:t>Investissement</a:t>
+            </a:r>
+            <a:r>
               <a:rPr lang="fr-BE" sz="3100" kern="1200" dirty="0"/>
-              <a:t>Coût initial</a:t>
+              <a:t> initial</a:t>
             </a:r>
             <a:endParaRPr lang="en-US" sz="3100" kern="1200" dirty="0"/>
           </a:p>

--- a/TFE/DHAIMI_Vincent_PP_TFE.pptx
+++ b/TFE/DHAIMI_Vincent_PP_TFE.pptx
@@ -8856,7 +8856,7 @@
           <a:p>
             <a:fld id="{A4DC0D45-4F40-491D-965D-C7EE9E0918C2}" type="datetimeFigureOut">
               <a:rPr lang="fr-BE" smtClean="0"/>
-              <a:t>10-05-24</a:t>
+              <a:t>14-05-24</a:t>
             </a:fld>
             <a:endParaRPr lang="fr-BE"/>
           </a:p>
@@ -9882,68 +9882,6 @@
           <a:p>
             <a:r>
               <a:rPr lang="fr-BE" sz="1800" dirty="0">
-                <a:solidFill>
-                  <a:srgbClr val="FF0000"/>
-                </a:solidFill>
-                <a:effectLst/>
-                <a:latin typeface="Calibri" panose="020F0502020204030204" pitchFamily="34" charset="0"/>
-                <a:ea typeface="Times New Roman" panose="02020603050405020304" pitchFamily="18" charset="0"/>
-                <a:cs typeface="Times New Roman" panose="02020603050405020304" pitchFamily="18" charset="0"/>
-              </a:rPr>
-              <a:t>Simplifié a fond car pas </a:t>
-            </a:r>
-            <a:r>
-              <a:rPr lang="fr-BE" sz="1800" dirty="0" err="1">
-                <a:solidFill>
-                  <a:srgbClr val="FF0000"/>
-                </a:solidFill>
-                <a:effectLst/>
-                <a:latin typeface="Calibri" panose="020F0502020204030204" pitchFamily="34" charset="0"/>
-                <a:ea typeface="Times New Roman" panose="02020603050405020304" pitchFamily="18" charset="0"/>
-                <a:cs typeface="Times New Roman" panose="02020603050405020304" pitchFamily="18" charset="0"/>
-              </a:rPr>
-              <a:t>inté</a:t>
-            </a:r>
-            <a:r>
-              <a:rPr lang="fr-BE" sz="1800" dirty="0">
-                <a:solidFill>
-                  <a:srgbClr val="FF0000"/>
-                </a:solidFill>
-                <a:effectLst/>
-                <a:latin typeface="Calibri" panose="020F0502020204030204" pitchFamily="34" charset="0"/>
-                <a:ea typeface="Times New Roman" panose="02020603050405020304" pitchFamily="18" charset="0"/>
-                <a:cs typeface="Times New Roman" panose="02020603050405020304" pitchFamily="18" charset="0"/>
-              </a:rPr>
-              <a:t> a expliqué</a:t>
-            </a:r>
-          </a:p>
-          <a:p>
-            <a:endParaRPr lang="fr-BE" sz="1800" dirty="0">
-              <a:effectLst/>
-              <a:latin typeface="Calibri" panose="020F0502020204030204" pitchFamily="34" charset="0"/>
-              <a:ea typeface="Times New Roman" panose="02020603050405020304" pitchFamily="18" charset="0"/>
-              <a:cs typeface="Times New Roman" panose="02020603050405020304" pitchFamily="18" charset="0"/>
-            </a:endParaRPr>
-          </a:p>
-          <a:p>
-            <a:endParaRPr lang="fr-BE" sz="1800" dirty="0">
-              <a:effectLst/>
-              <a:latin typeface="Calibri" panose="020F0502020204030204" pitchFamily="34" charset="0"/>
-              <a:ea typeface="Times New Roman" panose="02020603050405020304" pitchFamily="18" charset="0"/>
-              <a:cs typeface="Times New Roman" panose="02020603050405020304" pitchFamily="18" charset="0"/>
-            </a:endParaRPr>
-          </a:p>
-          <a:p>
-            <a:endParaRPr lang="fr-BE" sz="1800" dirty="0">
-              <a:effectLst/>
-              <a:latin typeface="Calibri" panose="020F0502020204030204" pitchFamily="34" charset="0"/>
-              <a:ea typeface="Times New Roman" panose="02020603050405020304" pitchFamily="18" charset="0"/>
-              <a:cs typeface="Times New Roman" panose="02020603050405020304" pitchFamily="18" charset="0"/>
-            </a:endParaRPr>
-          </a:p>
-          <a:p>
-            <a:r>
-              <a:rPr lang="fr-BE" sz="1800" dirty="0">
                 <a:effectLst/>
                 <a:latin typeface="Calibri" panose="020F0502020204030204" pitchFamily="34" charset="0"/>
                 <a:ea typeface="Times New Roman" panose="02020603050405020304" pitchFamily="18" charset="0"/>
@@ -10556,10 +10494,7 @@
           <a:bodyPr/>
           <a:lstStyle/>
           <a:p>
-            <a:r>
-              <a:rPr lang="fr-BE" dirty="0"/>
-              <a:t>Manque une photo pour dire de ne pas avoir de vide</a:t>
-            </a:r>
+            <a:endParaRPr lang="fr-BE" dirty="0"/>
           </a:p>
         </p:txBody>
       </p:sp>
@@ -10727,29 +10662,7 @@
           <a:bodyPr/>
           <a:lstStyle/>
           <a:p>
-            <a:r>
-              <a:rPr lang="fr-BE" dirty="0" err="1"/>
-              <a:t>Reformu</a:t>
-            </a:r>
-            <a:r>
-              <a:rPr lang="fr-BE" dirty="0"/>
-              <a:t> la perfo </a:t>
-            </a:r>
-            <a:r>
-              <a:rPr lang="fr-BE" dirty="0" err="1"/>
-              <a:t>géné</a:t>
-            </a:r>
             <a:endParaRPr lang="fr-BE" dirty="0"/>
-          </a:p>
-          <a:p>
-            <a:r>
-              <a:rPr lang="fr-BE" dirty="0" err="1"/>
-              <a:t>Reformu</a:t>
-            </a:r>
-            <a:r>
-              <a:rPr lang="fr-BE" dirty="0"/>
-              <a:t> le titre</a:t>
-            </a:r>
           </a:p>
         </p:txBody>
       </p:sp>
@@ -11542,40 +11455,8 @@
                 <a:ea typeface="Times New Roman" panose="02020603050405020304" pitchFamily="18" charset="0"/>
                 <a:cs typeface="Times New Roman" panose="02020603050405020304" pitchFamily="18" charset="0"/>
               </a:rPr>
-              <a:t>Ajouté plus d’info sur ce que l’HCI amène (avant plusieurs serveurs alors que mtn un suffit)</a:t>
+              <a:t>Les environnements informatiques des entreprises sont maintenant généralement constitués de plusieurs serveurs par rapport à l’utilisation. Dans cet exemple on peut retrouver des serveurs exclusivement pour du stockage et d’autre que pour de la puissance de calcul.</a:t>
             </a:r>
-          </a:p>
-          <a:p>
-            <a:pPr>
-              <a:lnSpc>
-                <a:spcPct val="107000"/>
-              </a:lnSpc>
-              <a:spcAft>
-                <a:spcPts val="800"/>
-              </a:spcAft>
-            </a:pPr>
-            <a:endParaRPr lang="fr-BE" sz="1800" dirty="0">
-              <a:effectLst/>
-              <a:latin typeface="Calibri" panose="020F0502020204030204" pitchFamily="34" charset="0"/>
-              <a:ea typeface="Times New Roman" panose="02020603050405020304" pitchFamily="18" charset="0"/>
-              <a:cs typeface="Times New Roman" panose="02020603050405020304" pitchFamily="18" charset="0"/>
-            </a:endParaRPr>
-          </a:p>
-          <a:p>
-            <a:pPr>
-              <a:lnSpc>
-                <a:spcPct val="107000"/>
-              </a:lnSpc>
-              <a:spcAft>
-                <a:spcPts val="800"/>
-              </a:spcAft>
-            </a:pPr>
-            <a:endParaRPr lang="fr-BE" sz="1800" dirty="0">
-              <a:effectLst/>
-              <a:latin typeface="Calibri" panose="020F0502020204030204" pitchFamily="34" charset="0"/>
-              <a:ea typeface="Times New Roman" panose="02020603050405020304" pitchFamily="18" charset="0"/>
-              <a:cs typeface="Times New Roman" panose="02020603050405020304" pitchFamily="18" charset="0"/>
-            </a:endParaRPr>
           </a:p>
           <a:p>
             <a:pPr>
@@ -11683,15 +11564,6 @@
                 <a:cs typeface="Times New Roman" panose="02020603050405020304" pitchFamily="18" charset="0"/>
               </a:rPr>
               <a:t>Donc typiquement, c’est constitué de plusieurs serveurs appelés nœud, chacun doté de son propre stockage local et de sa puissance de traitement. Ces serveurs sont regroupés et gérés comme une entité unique dite cluster. </a:t>
-            </a:r>
-          </a:p>
-          <a:p>
-            <a:endParaRPr lang="fr-FR" dirty="0"/>
-          </a:p>
-          <a:p>
-            <a:r>
-              <a:rPr lang="fr-FR" dirty="0"/>
-              <a:t>Ajouté plus</a:t>
             </a:r>
           </a:p>
         </p:txBody>
@@ -11864,30 +11736,6 @@
           <a:lstStyle/>
           <a:p>
             <a:r>
-              <a:rPr lang="fr-FR" dirty="0" err="1"/>
-              <a:t>Reformu</a:t>
-            </a:r>
-            <a:r>
-              <a:rPr lang="fr-FR" dirty="0"/>
-              <a:t> le coût </a:t>
-            </a:r>
-            <a:r>
-              <a:rPr lang="fr-FR" dirty="0" err="1"/>
-              <a:t>ini</a:t>
-            </a:r>
-            <a:endParaRPr lang="fr-FR" dirty="0"/>
-          </a:p>
-          <a:p>
-            <a:endParaRPr lang="fr-FR" dirty="0"/>
-          </a:p>
-          <a:p>
-            <a:endParaRPr lang="fr-FR" dirty="0"/>
-          </a:p>
-          <a:p>
-            <a:endParaRPr lang="fr-FR" dirty="0"/>
-          </a:p>
-          <a:p>
-            <a:r>
               <a:rPr lang="fr-FR" dirty="0"/>
               <a:t>A1.	La solution offre aux </a:t>
             </a:r>
@@ -12543,7 +12391,7 @@
           <a:p>
             <a:fld id="{CFCD01D5-3C04-4AE6-AEE8-C25531D93149}" type="datetimeFigureOut">
               <a:rPr lang="fr-BE" smtClean="0"/>
-              <a:t>10-05-24</a:t>
+              <a:t>14-05-24</a:t>
             </a:fld>
             <a:endParaRPr lang="fr-BE"/>
           </a:p>
@@ -12743,7 +12591,7 @@
           <a:p>
             <a:fld id="{CFCD01D5-3C04-4AE6-AEE8-C25531D93149}" type="datetimeFigureOut">
               <a:rPr lang="fr-BE" smtClean="0"/>
-              <a:t>10-05-24</a:t>
+              <a:t>14-05-24</a:t>
             </a:fld>
             <a:endParaRPr lang="fr-BE"/>
           </a:p>
@@ -12953,7 +12801,7 @@
           <a:p>
             <a:fld id="{CFCD01D5-3C04-4AE6-AEE8-C25531D93149}" type="datetimeFigureOut">
               <a:rPr lang="fr-BE" smtClean="0"/>
-              <a:t>10-05-24</a:t>
+              <a:t>14-05-24</a:t>
             </a:fld>
             <a:endParaRPr lang="fr-BE"/>
           </a:p>
@@ -13153,7 +13001,7 @@
           <a:p>
             <a:fld id="{CFCD01D5-3C04-4AE6-AEE8-C25531D93149}" type="datetimeFigureOut">
               <a:rPr lang="fr-BE" smtClean="0"/>
-              <a:t>10-05-24</a:t>
+              <a:t>14-05-24</a:t>
             </a:fld>
             <a:endParaRPr lang="fr-BE"/>
           </a:p>
@@ -13429,7 +13277,7 @@
           <a:p>
             <a:fld id="{CFCD01D5-3C04-4AE6-AEE8-C25531D93149}" type="datetimeFigureOut">
               <a:rPr lang="fr-BE" smtClean="0"/>
-              <a:t>10-05-24</a:t>
+              <a:t>14-05-24</a:t>
             </a:fld>
             <a:endParaRPr lang="fr-BE"/>
           </a:p>
@@ -13697,7 +13545,7 @@
           <a:p>
             <a:fld id="{CFCD01D5-3C04-4AE6-AEE8-C25531D93149}" type="datetimeFigureOut">
               <a:rPr lang="fr-BE" smtClean="0"/>
-              <a:t>10-05-24</a:t>
+              <a:t>14-05-24</a:t>
             </a:fld>
             <a:endParaRPr lang="fr-BE"/>
           </a:p>
@@ -14112,7 +13960,7 @@
           <a:p>
             <a:fld id="{CFCD01D5-3C04-4AE6-AEE8-C25531D93149}" type="datetimeFigureOut">
               <a:rPr lang="fr-BE" smtClean="0"/>
-              <a:t>10-05-24</a:t>
+              <a:t>14-05-24</a:t>
             </a:fld>
             <a:endParaRPr lang="fr-BE"/>
           </a:p>
@@ -14254,7 +14102,7 @@
           <a:p>
             <a:fld id="{CFCD01D5-3C04-4AE6-AEE8-C25531D93149}" type="datetimeFigureOut">
               <a:rPr lang="fr-BE" smtClean="0"/>
-              <a:t>10-05-24</a:t>
+              <a:t>14-05-24</a:t>
             </a:fld>
             <a:endParaRPr lang="fr-BE"/>
           </a:p>
@@ -14367,7 +14215,7 @@
           <a:p>
             <a:fld id="{CFCD01D5-3C04-4AE6-AEE8-C25531D93149}" type="datetimeFigureOut">
               <a:rPr lang="fr-BE" smtClean="0"/>
-              <a:t>10-05-24</a:t>
+              <a:t>14-05-24</a:t>
             </a:fld>
             <a:endParaRPr lang="fr-BE"/>
           </a:p>
@@ -14680,7 +14528,7 @@
           <a:p>
             <a:fld id="{CFCD01D5-3C04-4AE6-AEE8-C25531D93149}" type="datetimeFigureOut">
               <a:rPr lang="fr-BE" smtClean="0"/>
-              <a:t>10-05-24</a:t>
+              <a:t>14-05-24</a:t>
             </a:fld>
             <a:endParaRPr lang="fr-BE"/>
           </a:p>
@@ -14969,7 +14817,7 @@
           <a:p>
             <a:fld id="{CFCD01D5-3C04-4AE6-AEE8-C25531D93149}" type="datetimeFigureOut">
               <a:rPr lang="fr-BE" smtClean="0"/>
-              <a:t>10-05-24</a:t>
+              <a:t>14-05-24</a:t>
             </a:fld>
             <a:endParaRPr lang="fr-BE"/>
           </a:p>
@@ -15212,7 +15060,7 @@
           <a:p>
             <a:fld id="{CFCD01D5-3C04-4AE6-AEE8-C25531D93149}" type="datetimeFigureOut">
               <a:rPr lang="fr-BE" smtClean="0"/>
-              <a:t>10-05-24</a:t>
+              <a:t>14-05-24</a:t>
             </a:fld>
             <a:endParaRPr lang="fr-BE"/>
           </a:p>
@@ -21238,7 +21086,7 @@
         </p:nvSpPr>
         <p:spPr>
           <a:xfrm>
-            <a:off x="1371599" y="2154670"/>
+            <a:off x="1371599" y="1855652"/>
             <a:ext cx="7105427" cy="1848731"/>
           </a:xfrm>
         </p:spPr>
@@ -21276,7 +21124,7 @@
         </p:nvSpPr>
         <p:spPr>
           <a:xfrm>
-            <a:off x="4466874" y="4295017"/>
+            <a:off x="560927" y="3962603"/>
             <a:ext cx="7296849" cy="1631216"/>
           </a:xfrm>
           <a:prstGeom prst="rect">
@@ -21381,6 +21229,42 @@
           </a:p>
         </p:txBody>
       </p:sp>
+      <p:pic>
+        <p:nvPicPr>
+          <p:cNvPr id="6" name="Image 5" descr="Une image contenant texte, capture d’écran, diagramme, Police&#10;&#10;Description générée automatiquement">
+            <a:extLst>
+              <a:ext uri="{FF2B5EF4-FFF2-40B4-BE49-F238E27FC236}">
+                <a16:creationId xmlns:a16="http://schemas.microsoft.com/office/drawing/2014/main" id="{0CE01E5A-73AE-AC45-6A40-EED1F8210504}"/>
+              </a:ext>
+            </a:extLst>
+          </p:cNvPr>
+          <p:cNvPicPr>
+            <a:picLocks noChangeAspect="1"/>
+          </p:cNvPicPr>
+          <p:nvPr/>
+        </p:nvPicPr>
+        <p:blipFill>
+          <a:blip r:embed="rId3">
+            <a:extLst>
+              <a:ext uri="{28A0092B-C50C-407E-A947-70E740481C1C}">
+                <a14:useLocalDpi xmlns:a14="http://schemas.microsoft.com/office/drawing/2010/main" val="0"/>
+              </a:ext>
+            </a:extLst>
+          </a:blip>
+          <a:stretch>
+            <a:fillRect/>
+          </a:stretch>
+        </p:blipFill>
+        <p:spPr>
+          <a:xfrm>
+            <a:off x="7988087" y="2567895"/>
+            <a:ext cx="3454351" cy="3911276"/>
+          </a:xfrm>
+          <a:prstGeom prst="rect">
+            <a:avLst/>
+          </a:prstGeom>
+        </p:spPr>
+      </p:pic>
     </p:spTree>
     <p:extLst>
       <p:ext uri="{BB962C8B-B14F-4D97-AF65-F5344CB8AC3E}">
@@ -21403,6 +21287,92 @@
       </p:transition>
     </mc:Fallback>
   </mc:AlternateContent>
+  <p:timing>
+    <p:tnLst>
+      <p:par>
+        <p:cTn id="1" dur="indefinite" restart="never" nodeType="tmRoot">
+          <p:childTnLst>
+            <p:seq concurrent="1" nextAc="seek">
+              <p:cTn id="2" dur="indefinite" nodeType="mainSeq">
+                <p:childTnLst>
+                  <p:par>
+                    <p:cTn id="3" fill="hold">
+                      <p:stCondLst>
+                        <p:cond delay="indefinite"/>
+                        <p:cond evt="onBegin" delay="0">
+                          <p:tn val="2"/>
+                        </p:cond>
+                      </p:stCondLst>
+                      <p:childTnLst>
+                        <p:par>
+                          <p:cTn id="4" fill="hold">
+                            <p:stCondLst>
+                              <p:cond delay="0"/>
+                            </p:stCondLst>
+                            <p:childTnLst>
+                              <p:par>
+                                <p:cTn id="5" presetID="10" presetClass="entr" presetSubtype="0" fill="hold" nodeType="withEffect">
+                                  <p:stCondLst>
+                                    <p:cond delay="0"/>
+                                  </p:stCondLst>
+                                  <p:childTnLst>
+                                    <p:set>
+                                      <p:cBhvr>
+                                        <p:cTn id="6" dur="1" fill="hold">
+                                          <p:stCondLst>
+                                            <p:cond delay="0"/>
+                                          </p:stCondLst>
+                                        </p:cTn>
+                                        <p:tgtEl>
+                                          <p:spTgt spid="6"/>
+                                        </p:tgtEl>
+                                        <p:attrNameLst>
+                                          <p:attrName>style.visibility</p:attrName>
+                                        </p:attrNameLst>
+                                      </p:cBhvr>
+                                      <p:to>
+                                        <p:strVal val="visible"/>
+                                      </p:to>
+                                    </p:set>
+                                    <p:animEffect transition="in" filter="fade">
+                                      <p:cBhvr>
+                                        <p:cTn id="7" dur="500"/>
+                                        <p:tgtEl>
+                                          <p:spTgt spid="6"/>
+                                        </p:tgtEl>
+                                      </p:cBhvr>
+                                    </p:animEffect>
+                                  </p:childTnLst>
+                                </p:cTn>
+                              </p:par>
+                            </p:childTnLst>
+                          </p:cTn>
+                        </p:par>
+                      </p:childTnLst>
+                    </p:cTn>
+                  </p:par>
+                </p:childTnLst>
+              </p:cTn>
+              <p:prevCondLst>
+                <p:cond evt="onPrev" delay="0">
+                  <p:tgtEl>
+                    <p:sldTgt/>
+                  </p:tgtEl>
+                </p:cond>
+              </p:prevCondLst>
+              <p:nextCondLst>
+                <p:cond evt="onNext" delay="0">
+                  <p:tgtEl>
+                    <p:sldTgt/>
+                  </p:tgtEl>
+                </p:cond>
+              </p:nextCondLst>
+            </p:seq>
+          </p:childTnLst>
+        </p:cTn>
+      </p:par>
+    </p:tnLst>
+  </p:timing>
 </p:sld>
 </file>
 
@@ -33912,11 +33882,7 @@
               <a:buFont typeface="Wingdings" panose="05000000000000000000" pitchFamily="2" charset="2"/>
               <a:buChar char="ü"/>
             </a:pPr>
-            <a:r>
-              <a:rPr lang="fr-FR" sz="2000" i="1" dirty="0"/>
-              <a:t>La généralisation de la virtualisation et l’utilisation de solutions cloud, rend-elle l’HCI mature pour son utilisation globale dans les entreprises ? Cette solution est-elle le saint graal pour les environnements informatiques ?</a:t>
-            </a:r>
-            <a:endParaRPr lang="fr-BE" sz="2000" dirty="0"/>
+            <a:endParaRPr lang="fr-FR" sz="2000" i="1" dirty="0"/>
           </a:p>
         </p:txBody>
       </p:sp>

--- a/TFE/DHAIMI_Vincent_PP_TFE.pptx
+++ b/TFE/DHAIMI_Vincent_PP_TFE.pptx
@@ -2811,7 +2811,7 @@
 <dgm:dataModel xmlns:dgm="http://schemas.openxmlformats.org/drawingml/2006/diagram" xmlns:a="http://schemas.openxmlformats.org/drawingml/2006/main">
   <dgm:ptLst>
     <dgm:pt modelId="{88CA9F52-2AFB-493C-934C-D5FAD4133049}" type="doc">
-      <dgm:prSet loTypeId="urn:microsoft.com/office/officeart/2005/8/layout/hierarchy1" loCatId="hierarchy" qsTypeId="urn:microsoft.com/office/officeart/2005/8/quickstyle/simple1" qsCatId="simple" csTypeId="urn:microsoft.com/office/officeart/2005/8/colors/accent0_3" csCatId="mainScheme"/>
+      <dgm:prSet loTypeId="urn:microsoft.com/office/officeart/2005/8/layout/hierarchy1" loCatId="hierarchy" qsTypeId="urn:microsoft.com/office/officeart/2005/8/quickstyle/simple1" qsCatId="simple" csTypeId="urn:microsoft.com/office/officeart/2005/8/colors/accent0_3" csCatId="mainScheme" phldr="1"/>
       <dgm:spPr/>
       <dgm:t>
         <a:bodyPr/>
@@ -2830,7 +2830,7 @@
         <a:p>
           <a:r>
             <a:rPr lang="fr-FR" dirty="0"/>
-            <a:t>Configuration des ports de management iDrac</a:t>
+            <a:t>Configuration des ports d’administration « iDrac »</a:t>
           </a:r>
           <a:endParaRPr lang="en-US" dirty="0"/>
         </a:p>
@@ -2903,10 +2903,10 @@
         <a:lstStyle/>
         <a:p>
           <a:r>
-            <a:rPr lang="fr-FR"/>
+            <a:rPr lang="fr-FR" dirty="0"/>
             <a:t>Installation de VMware ESXi</a:t>
           </a:r>
-          <a:endParaRPr lang="en-US"/>
+          <a:endParaRPr lang="en-US" dirty="0"/>
         </a:p>
       </dgm:t>
     </dgm:pt>
@@ -3929,7 +3929,7 @@
           </a:pPr>
           <a:r>
             <a:rPr lang="fr-FR" sz="2800" kern="1200" dirty="0"/>
-            <a:t>Configuration des ports de management iDrac</a:t>
+            <a:t>Configuration des ports d’administration « iDrac »</a:t>
           </a:r>
           <a:endParaRPr lang="en-US" sz="2800" kern="1200" dirty="0"/>
         </a:p>
@@ -4192,10 +4192,10 @@
             <a:buNone/>
           </a:pPr>
           <a:r>
-            <a:rPr lang="fr-FR" sz="2800" kern="1200"/>
+            <a:rPr lang="fr-FR" sz="2800" kern="1200" dirty="0"/>
             <a:t>Installation de VMware ESXi</a:t>
           </a:r>
-          <a:endParaRPr lang="en-US" sz="2800" kern="1200"/>
+          <a:endParaRPr lang="en-US" sz="2800" kern="1200" dirty="0"/>
         </a:p>
       </dsp:txBody>
       <dsp:txXfrm>
@@ -8856,7 +8856,7 @@
           <a:p>
             <a:fld id="{A4DC0D45-4F40-491D-965D-C7EE9E0918C2}" type="datetimeFigureOut">
               <a:rPr lang="fr-BE" smtClean="0"/>
-              <a:t>14-05-24</a:t>
+              <a:t>11-06-24</a:t>
             </a:fld>
             <a:endParaRPr lang="fr-BE"/>
           </a:p>
@@ -10760,10 +10760,7 @@
               <a:buFont typeface="Wingdings" panose="05000000000000000000" pitchFamily="2" charset="2"/>
               <a:buChar char="ü"/>
             </a:pPr>
-            <a:r>
-              <a:rPr lang="fr-FR" sz="1200" i="1" dirty="0"/>
-              <a:t>La majorité des points ont été réalisés, comme le concept de l’HCI, sa mise en place et son utilisation, mais la partie réseau avec VMware NSX est une partie qui demande plus de temps de recherche pour sa mise en œuvre. </a:t>
-            </a:r>
+            <a:endParaRPr lang="fr-FR" sz="1200" i="1" dirty="0"/>
           </a:p>
           <a:p>
             <a:pPr>
@@ -10772,8 +10769,32 @@
             </a:pPr>
             <a:r>
               <a:rPr lang="fr-FR" sz="1200" i="1" dirty="0"/>
-              <a:t>Malgré quelques problèmes, comme l’arrêt du cluster ou mes diverses réinstallations forcées, le système est intuitif dans son installation et dans sa configuration. Le cluster est rapidement mis en place et prêt à fournir ses ressources de manière fiable et sécurisée. </a:t>
+              <a:t>La majorité des points ont été réalisés, comme le concept de l’HCI, sa mise en place et son utilisation, mais la partie réseau avec VMware NSX est une partie qui demande plus de temps de recherche pour sa mise en œuvre. </a:t>
             </a:r>
+          </a:p>
+          <a:p>
+            <a:pPr>
+              <a:buFont typeface="Wingdings" panose="05000000000000000000" pitchFamily="2" charset="2"/>
+              <a:buChar char="ü"/>
+            </a:pPr>
+            <a:endParaRPr lang="fr-FR" sz="1200" i="1" dirty="0"/>
+          </a:p>
+          <a:p>
+            <a:pPr>
+              <a:buFont typeface="Wingdings" panose="05000000000000000000" pitchFamily="2" charset="2"/>
+              <a:buChar char="ü"/>
+            </a:pPr>
+            <a:r>
+              <a:rPr lang="fr-FR" sz="1200" i="1" dirty="0"/>
+              <a:t>Malgré quelques problèmes, le système est intuitif dans son installation et dans sa configuration. Le cluster est rapidement mis en place et prêt à fournir ses ressources de manière fiable et sécurisée. </a:t>
+            </a:r>
+          </a:p>
+          <a:p>
+            <a:pPr>
+              <a:buFont typeface="Wingdings" panose="05000000000000000000" pitchFamily="2" charset="2"/>
+              <a:buChar char="ü"/>
+            </a:pPr>
+            <a:endParaRPr lang="fr-FR" sz="1200" i="1" dirty="0"/>
           </a:p>
           <a:p>
             <a:pPr>
@@ -11115,7 +11136,7 @@
           <a:p>
             <a:r>
               <a:rPr lang="fr-BE" dirty="0"/>
-              <a:t>Cependant, la multitude de services proposé amène une certaine complexité qui selon le cas peut être assez compliquer dans son implémentation</a:t>
+              <a:t>la multitude de services proposé amène cependant une certaine complexité qui peut demander un investissement de recherche conséquent </a:t>
             </a:r>
           </a:p>
           <a:p>
@@ -11142,7 +11163,7 @@
           <a:p>
             <a:r>
               <a:rPr lang="fr-BE" dirty="0"/>
-              <a:t>Ce choix se démontre par les avantages sur mis et long terme que cette technologie apporte sur l’économie, la gestion, l’optimisation ou encore l’assurance d’avoir de la disponibilité et de la sécurité sur ces charges de travailles.</a:t>
+              <a:t>Ce choix se démontre par les avantages sur mis et long terme que cette technologie apporte sur l’économie, la gestion et l’assurance d’avoir de la disponibilité et de la sécurité sur ces charges de travailles.</a:t>
             </a:r>
           </a:p>
           <a:p>
@@ -12391,7 +12412,7 @@
           <a:p>
             <a:fld id="{CFCD01D5-3C04-4AE6-AEE8-C25531D93149}" type="datetimeFigureOut">
               <a:rPr lang="fr-BE" smtClean="0"/>
-              <a:t>14-05-24</a:t>
+              <a:t>11-06-24</a:t>
             </a:fld>
             <a:endParaRPr lang="fr-BE"/>
           </a:p>
@@ -12591,7 +12612,7 @@
           <a:p>
             <a:fld id="{CFCD01D5-3C04-4AE6-AEE8-C25531D93149}" type="datetimeFigureOut">
               <a:rPr lang="fr-BE" smtClean="0"/>
-              <a:t>14-05-24</a:t>
+              <a:t>11-06-24</a:t>
             </a:fld>
             <a:endParaRPr lang="fr-BE"/>
           </a:p>
@@ -12801,7 +12822,7 @@
           <a:p>
             <a:fld id="{CFCD01D5-3C04-4AE6-AEE8-C25531D93149}" type="datetimeFigureOut">
               <a:rPr lang="fr-BE" smtClean="0"/>
-              <a:t>14-05-24</a:t>
+              <a:t>11-06-24</a:t>
             </a:fld>
             <a:endParaRPr lang="fr-BE"/>
           </a:p>
@@ -13001,7 +13022,7 @@
           <a:p>
             <a:fld id="{CFCD01D5-3C04-4AE6-AEE8-C25531D93149}" type="datetimeFigureOut">
               <a:rPr lang="fr-BE" smtClean="0"/>
-              <a:t>14-05-24</a:t>
+              <a:t>11-06-24</a:t>
             </a:fld>
             <a:endParaRPr lang="fr-BE"/>
           </a:p>
@@ -13277,7 +13298,7 @@
           <a:p>
             <a:fld id="{CFCD01D5-3C04-4AE6-AEE8-C25531D93149}" type="datetimeFigureOut">
               <a:rPr lang="fr-BE" smtClean="0"/>
-              <a:t>14-05-24</a:t>
+              <a:t>11-06-24</a:t>
             </a:fld>
             <a:endParaRPr lang="fr-BE"/>
           </a:p>
@@ -13545,7 +13566,7 @@
           <a:p>
             <a:fld id="{CFCD01D5-3C04-4AE6-AEE8-C25531D93149}" type="datetimeFigureOut">
               <a:rPr lang="fr-BE" smtClean="0"/>
-              <a:t>14-05-24</a:t>
+              <a:t>11-06-24</a:t>
             </a:fld>
             <a:endParaRPr lang="fr-BE"/>
           </a:p>
@@ -13960,7 +13981,7 @@
           <a:p>
             <a:fld id="{CFCD01D5-3C04-4AE6-AEE8-C25531D93149}" type="datetimeFigureOut">
               <a:rPr lang="fr-BE" smtClean="0"/>
-              <a:t>14-05-24</a:t>
+              <a:t>11-06-24</a:t>
             </a:fld>
             <a:endParaRPr lang="fr-BE"/>
           </a:p>
@@ -14102,7 +14123,7 @@
           <a:p>
             <a:fld id="{CFCD01D5-3C04-4AE6-AEE8-C25531D93149}" type="datetimeFigureOut">
               <a:rPr lang="fr-BE" smtClean="0"/>
-              <a:t>14-05-24</a:t>
+              <a:t>11-06-24</a:t>
             </a:fld>
             <a:endParaRPr lang="fr-BE"/>
           </a:p>
@@ -14215,7 +14236,7 @@
           <a:p>
             <a:fld id="{CFCD01D5-3C04-4AE6-AEE8-C25531D93149}" type="datetimeFigureOut">
               <a:rPr lang="fr-BE" smtClean="0"/>
-              <a:t>14-05-24</a:t>
+              <a:t>11-06-24</a:t>
             </a:fld>
             <a:endParaRPr lang="fr-BE"/>
           </a:p>
@@ -14528,7 +14549,7 @@
           <a:p>
             <a:fld id="{CFCD01D5-3C04-4AE6-AEE8-C25531D93149}" type="datetimeFigureOut">
               <a:rPr lang="fr-BE" smtClean="0"/>
-              <a:t>14-05-24</a:t>
+              <a:t>11-06-24</a:t>
             </a:fld>
             <a:endParaRPr lang="fr-BE"/>
           </a:p>
@@ -14817,7 +14838,7 @@
           <a:p>
             <a:fld id="{CFCD01D5-3C04-4AE6-AEE8-C25531D93149}" type="datetimeFigureOut">
               <a:rPr lang="fr-BE" smtClean="0"/>
-              <a:t>14-05-24</a:t>
+              <a:t>11-06-24</a:t>
             </a:fld>
             <a:endParaRPr lang="fr-BE"/>
           </a:p>
@@ -15060,7 +15081,7 @@
           <a:p>
             <a:fld id="{CFCD01D5-3C04-4AE6-AEE8-C25531D93149}" type="datetimeFigureOut">
               <a:rPr lang="fr-BE" smtClean="0"/>
-              <a:t>14-05-24</a:t>
+              <a:t>11-06-24</a:t>
             </a:fld>
             <a:endParaRPr lang="fr-BE"/>
           </a:p>
@@ -19875,7 +19896,7 @@
           <a:p>
             <a:r>
               <a:rPr lang="fr-BE" sz="2400" i="1" dirty="0"/>
-              <a:t>Crée pour la technologie NVMe</a:t>
+              <a:t>Créée pour la technologie NVMe</a:t>
             </a:r>
           </a:p>
           <a:p>
@@ -23493,7 +23514,7 @@
                 <a:ea typeface="+mj-ea"/>
                 <a:cs typeface="+mj-cs"/>
               </a:rPr>
-              <a:t>Réalisation du stage</a:t>
+              <a:t>Partie pratique</a:t>
             </a:r>
           </a:p>
         </p:txBody>
@@ -23602,7 +23623,7 @@
           </a:bodyPr>
           <a:lstStyle/>
           <a:p>
-            <a:endParaRPr lang="en-US" sz="2400" kern="1200">
+            <a:endParaRPr lang="en-US" sz="2400" kern="1200" dirty="0">
               <a:solidFill>
                 <a:srgbClr val="FFFFFF"/>
               </a:solidFill>
@@ -24020,7 +24041,7 @@
           <a:lstStyle/>
           <a:p>
             <a:r>
-              <a:rPr lang="en-US" sz="4000">
+              <a:rPr lang="en-US" sz="4000" dirty="0">
                 <a:solidFill>
                   <a:srgbClr val="FFFFFF"/>
                 </a:solidFill>
@@ -27541,7 +27562,7 @@
             <p:ph idx="1"/>
             <p:extLst>
               <p:ext uri="{D42A27DB-BD31-4B8C-83A1-F6EECF244321}">
-                <p14:modId xmlns:p14="http://schemas.microsoft.com/office/powerpoint/2010/main" val="391945377"/>
+                <p14:modId xmlns:p14="http://schemas.microsoft.com/office/powerpoint/2010/main" val="1147092359"/>
               </p:ext>
             </p:extLst>
           </p:nvPr>
@@ -34410,6 +34431,14 @@
               </a:rPr>
               <a:t>Merci de votre écoute</a:t>
             </a:r>
+            <a:r>
+              <a:rPr lang="fr-BE" sz="4800" dirty="0">
+                <a:solidFill>
+                  <a:srgbClr val="FFFFFF"/>
+                </a:solidFill>
+              </a:rPr>
+              <a:t>.</a:t>
+            </a:r>
             <a:br>
               <a:rPr lang="fr-BE" sz="4800" kern="1200" dirty="0">
                 <a:solidFill>
@@ -35115,15 +35144,11 @@
             </a:pPr>
             <a:r>
               <a:rPr lang="fr-FR" sz="2000" dirty="0"/>
-              <a:t>Changement de nom en Trustteam </a:t>
+              <a:t>Changement de nom </a:t>
             </a:r>
             <a:r>
-              <a:rPr lang="fr-FR" sz="2000" dirty="0" err="1"/>
-              <a:t>Wallonia</a:t>
-            </a:r>
-            <a:r>
-              <a:rPr lang="fr-FR" sz="2000" dirty="0"/>
-              <a:t>.</a:t>
+              <a:rPr lang="fr-FR" sz="2000"/>
+              <a:t>en Trustteam.</a:t>
             </a:r>
             <a:endParaRPr lang="fr-BE" sz="2000" dirty="0"/>
           </a:p>
@@ -37351,10 +37376,10 @@
               <a:buNone/>
             </a:pPr>
             <a:r>
-              <a:rPr lang="fr-BE" sz="1100" b="1" kern="1200"/>
+              <a:rPr lang="fr-BE" sz="1100" b="1" kern="1200" dirty="0"/>
               <a:t>Création d'un plan d'adressage IP.</a:t>
             </a:r>
-            <a:endParaRPr lang="en-US" sz="1100" kern="1200"/>
+            <a:endParaRPr lang="en-US" sz="1100" kern="1200" dirty="0"/>
           </a:p>
         </p:txBody>
       </p:sp>
@@ -38557,7 +38582,7 @@
                 <a:ea typeface="+mn-ea"/>
                 <a:cs typeface="+mn-cs"/>
               </a:rPr>
-              <a:t>Quel sont ces avantages et ces inconvénients ?</a:t>
+              <a:t>Quels sont ces avantages et ces inconvénients ?</a:t>
             </a:r>
           </a:p>
           <a:p>
